--- a/Design.pptx
+++ b/Design.pptx
@@ -10,6 +10,9 @@
     <p:sldId id="258" r:id="rId4"/>
     <p:sldId id="259" r:id="rId5"/>
     <p:sldId id="260" r:id="rId6"/>
+    <p:sldId id="261" r:id="rId7"/>
+    <p:sldId id="262" r:id="rId8"/>
+    <p:sldId id="263" r:id="rId9"/>
   </p:sldIdLst>
   <p:sldSz cx="12192000" cy="6858000"/>
   <p:notesSz cx="6858000" cy="9144000"/>
@@ -108,7 +111,1763 @@
       </a:defRPr>
     </a:lvl9pPr>
   </p:defaultTextStyle>
+  <p:extLst>
+    <p:ext uri="{EFAFB233-063F-42B5-8137-9DF3F51BA10A}">
+      <p15:sldGuideLst xmlns:p15="http://schemas.microsoft.com/office/powerpoint/2012/main"/>
+    </p:ext>
+  </p:extLst>
 </p:presentation>
+</file>
+
+<file path=ppt/charts/chart1.xml><?xml version="1.0" encoding="utf-8"?>
+<c:chartSpace xmlns:c="http://schemas.openxmlformats.org/drawingml/2006/chart" xmlns:a="http://schemas.openxmlformats.org/drawingml/2006/main" xmlns:r="http://schemas.openxmlformats.org/officeDocument/2006/relationships" xmlns:c16r2="http://schemas.microsoft.com/office/drawing/2015/06/chart">
+  <c:date1904 val="0"/>
+  <c:lang val="en-US"/>
+  <c:roundedCorners val="0"/>
+  <mc:AlternateContent xmlns:mc="http://schemas.openxmlformats.org/markup-compatibility/2006">
+    <mc:Choice xmlns:c14="http://schemas.microsoft.com/office/drawing/2007/8/2/chart" Requires="c14">
+      <c14:style val="102"/>
+    </mc:Choice>
+    <mc:Fallback>
+      <c:style val="2"/>
+    </mc:Fallback>
+  </mc:AlternateContent>
+  <c:chart>
+    <c:autoTitleDeleted val="1"/>
+    <c:plotArea>
+      <c:layout>
+        <c:manualLayout>
+          <c:layoutTarget val="inner"/>
+          <c:xMode val="edge"/>
+          <c:yMode val="edge"/>
+          <c:x val="0.25119315944881887"/>
+          <c:y val="0"/>
+          <c:w val="0.54136368110236222"/>
+          <c:h val="0.81204547169995867"/>
+        </c:manualLayout>
+      </c:layout>
+      <c:pieChart>
+        <c:varyColors val="1"/>
+        <c:ser>
+          <c:idx val="0"/>
+          <c:order val="0"/>
+          <c:tx>
+            <c:strRef>
+              <c:f>Sheet1!$B$1</c:f>
+              <c:strCache>
+                <c:ptCount val="1"/>
+                <c:pt idx="0">
+                  <c:v>Lucros</c:v>
+                </c:pt>
+              </c:strCache>
+            </c:strRef>
+          </c:tx>
+          <c:dPt>
+            <c:idx val="0"/>
+            <c:bubble3D val="0"/>
+            <c:spPr>
+              <a:solidFill>
+                <a:schemeClr val="accent1"/>
+              </a:solidFill>
+              <a:ln w="19050">
+                <a:solidFill>
+                  <a:schemeClr val="lt1"/>
+                </a:solidFill>
+              </a:ln>
+              <a:effectLst/>
+            </c:spPr>
+          </c:dPt>
+          <c:dPt>
+            <c:idx val="1"/>
+            <c:bubble3D val="0"/>
+            <c:spPr>
+              <a:solidFill>
+                <a:schemeClr val="accent2"/>
+              </a:solidFill>
+              <a:ln w="19050">
+                <a:solidFill>
+                  <a:schemeClr val="lt1"/>
+                </a:solidFill>
+              </a:ln>
+              <a:effectLst/>
+            </c:spPr>
+          </c:dPt>
+          <c:dPt>
+            <c:idx val="2"/>
+            <c:bubble3D val="0"/>
+            <c:spPr>
+              <a:solidFill>
+                <a:schemeClr val="accent3"/>
+              </a:solidFill>
+              <a:ln w="19050">
+                <a:solidFill>
+                  <a:schemeClr val="lt1"/>
+                </a:solidFill>
+              </a:ln>
+              <a:effectLst/>
+            </c:spPr>
+          </c:dPt>
+          <c:dPt>
+            <c:idx val="3"/>
+            <c:bubble3D val="0"/>
+            <c:spPr>
+              <a:solidFill>
+                <a:schemeClr val="accent4"/>
+              </a:solidFill>
+              <a:ln w="19050">
+                <a:solidFill>
+                  <a:schemeClr val="lt1"/>
+                </a:solidFill>
+              </a:ln>
+              <a:effectLst/>
+            </c:spPr>
+          </c:dPt>
+          <c:dPt>
+            <c:idx val="4"/>
+            <c:bubble3D val="0"/>
+            <c:spPr>
+              <a:solidFill>
+                <a:schemeClr val="accent5"/>
+              </a:solidFill>
+              <a:ln w="19050">
+                <a:solidFill>
+                  <a:schemeClr val="lt1"/>
+                </a:solidFill>
+              </a:ln>
+              <a:effectLst/>
+            </c:spPr>
+          </c:dPt>
+          <c:dPt>
+            <c:idx val="5"/>
+            <c:bubble3D val="0"/>
+            <c:spPr>
+              <a:solidFill>
+                <a:schemeClr val="accent6"/>
+              </a:solidFill>
+              <a:ln w="19050">
+                <a:solidFill>
+                  <a:schemeClr val="lt1"/>
+                </a:solidFill>
+              </a:ln>
+              <a:effectLst/>
+            </c:spPr>
+          </c:dPt>
+          <c:cat>
+            <c:strRef>
+              <c:f>Sheet1!$A$2:$A$7</c:f>
+              <c:strCache>
+                <c:ptCount val="6"/>
+                <c:pt idx="0">
+                  <c:v>Banho</c:v>
+                </c:pt>
+                <c:pt idx="1">
+                  <c:v>Tosa</c:v>
+                </c:pt>
+                <c:pt idx="2">
+                  <c:v>Banho e Tosa</c:v>
+                </c:pt>
+                <c:pt idx="3">
+                  <c:v>Produtos de banho</c:v>
+                </c:pt>
+                <c:pt idx="4">
+                  <c:v>Roupinhas</c:v>
+                </c:pt>
+                <c:pt idx="5">
+                  <c:v>Racao</c:v>
+                </c:pt>
+              </c:strCache>
+            </c:strRef>
+          </c:cat>
+          <c:val>
+            <c:numRef>
+              <c:f>Sheet1!$B$2:$B$7</c:f>
+              <c:numCache>
+                <c:formatCode>General</c:formatCode>
+                <c:ptCount val="6"/>
+                <c:pt idx="0">
+                  <c:v>8.1999999999999993</c:v>
+                </c:pt>
+                <c:pt idx="1">
+                  <c:v>3.2</c:v>
+                </c:pt>
+                <c:pt idx="2">
+                  <c:v>9.4</c:v>
+                </c:pt>
+                <c:pt idx="3">
+                  <c:v>1.2</c:v>
+                </c:pt>
+                <c:pt idx="4">
+                  <c:v>1.2</c:v>
+                </c:pt>
+                <c:pt idx="5">
+                  <c:v>1</c:v>
+                </c:pt>
+              </c:numCache>
+            </c:numRef>
+          </c:val>
+          <c:extLst>
+            <c:ext xmlns:c16="http://schemas.microsoft.com/office/drawing/2014/chart" uri="{C3380CC4-5D6E-409C-BE32-E72D297353CC}">
+              <c16:uniqueId val="{00000000-7C82-43CE-9753-C0B1AAFEB759}"/>
+            </c:ext>
+          </c:extLst>
+        </c:ser>
+        <c:dLbls>
+          <c:showLegendKey val="0"/>
+          <c:showVal val="0"/>
+          <c:showCatName val="0"/>
+          <c:showSerName val="0"/>
+          <c:showPercent val="0"/>
+          <c:showBubbleSize val="0"/>
+          <c:showLeaderLines val="1"/>
+        </c:dLbls>
+        <c:firstSliceAng val="0"/>
+      </c:pieChart>
+      <c:spPr>
+        <a:noFill/>
+        <a:ln>
+          <a:noFill/>
+        </a:ln>
+        <a:effectLst/>
+      </c:spPr>
+    </c:plotArea>
+    <c:legend>
+      <c:legendPos val="b"/>
+      <c:overlay val="0"/>
+      <c:spPr>
+        <a:noFill/>
+        <a:ln>
+          <a:noFill/>
+        </a:ln>
+        <a:effectLst/>
+      </c:spPr>
+      <c:txPr>
+        <a:bodyPr rot="0" spcFirstLastPara="1" vertOverflow="ellipsis" vert="horz" wrap="square" anchor="ctr" anchorCtr="1"/>
+        <a:lstStyle/>
+        <a:p>
+          <a:pPr>
+            <a:defRPr sz="1197" b="0" i="0" u="none" strike="noStrike" kern="1200" baseline="0">
+              <a:solidFill>
+                <a:schemeClr val="tx1">
+                  <a:lumMod val="65000"/>
+                  <a:lumOff val="35000"/>
+                </a:schemeClr>
+              </a:solidFill>
+              <a:latin typeface="+mn-lt"/>
+              <a:ea typeface="+mn-ea"/>
+              <a:cs typeface="+mn-cs"/>
+            </a:defRPr>
+          </a:pPr>
+          <a:endParaRPr lang="en-US"/>
+        </a:p>
+      </c:txPr>
+    </c:legend>
+    <c:plotVisOnly val="1"/>
+    <c:dispBlanksAs val="gap"/>
+    <c:extLst>
+      <c:ext xmlns:c16r3="http://schemas.microsoft.com/office/drawing/2017/03/chart" uri="{56B9EC1D-385E-4148-901F-78D8002777C0}">
+        <c16r3:dataDisplayOptions16>
+          <c16r3:dispNaAsBlank val="1"/>
+        </c16r3:dataDisplayOptions16>
+      </c:ext>
+    </c:extLst>
+    <c:showDLblsOverMax val="0"/>
+  </c:chart>
+  <c:spPr>
+    <a:noFill/>
+    <a:ln>
+      <a:noFill/>
+    </a:ln>
+    <a:effectLst/>
+  </c:spPr>
+  <c:txPr>
+    <a:bodyPr/>
+    <a:lstStyle/>
+    <a:p>
+      <a:pPr>
+        <a:defRPr/>
+      </a:pPr>
+      <a:endParaRPr lang="en-US"/>
+    </a:p>
+  </c:txPr>
+  <c:externalData r:id="rId3">
+    <c:autoUpdate val="0"/>
+  </c:externalData>
+</c:chartSpace>
+</file>
+
+<file path=ppt/charts/chart2.xml><?xml version="1.0" encoding="utf-8"?>
+<c:chartSpace xmlns:c="http://schemas.openxmlformats.org/drawingml/2006/chart" xmlns:a="http://schemas.openxmlformats.org/drawingml/2006/main" xmlns:r="http://schemas.openxmlformats.org/officeDocument/2006/relationships" xmlns:c16r2="http://schemas.microsoft.com/office/drawing/2015/06/chart">
+  <c:date1904 val="0"/>
+  <c:lang val="en-US"/>
+  <c:roundedCorners val="0"/>
+  <mc:AlternateContent xmlns:mc="http://schemas.openxmlformats.org/markup-compatibility/2006">
+    <mc:Choice xmlns:c14="http://schemas.microsoft.com/office/drawing/2007/8/2/chart" Requires="c14">
+      <c14:style val="102"/>
+    </mc:Choice>
+    <mc:Fallback>
+      <c:style val="2"/>
+    </mc:Fallback>
+  </mc:AlternateContent>
+  <c:chart>
+    <c:autoTitleDeleted val="1"/>
+    <c:plotArea>
+      <c:layout/>
+      <c:lineChart>
+        <c:grouping val="standard"/>
+        <c:varyColors val="0"/>
+        <c:ser>
+          <c:idx val="0"/>
+          <c:order val="0"/>
+          <c:tx>
+            <c:strRef>
+              <c:f>Sheet1!$B$1</c:f>
+              <c:strCache>
+                <c:ptCount val="1"/>
+                <c:pt idx="0">
+                  <c:v>Lucro</c:v>
+                </c:pt>
+              </c:strCache>
+            </c:strRef>
+          </c:tx>
+          <c:spPr>
+            <a:ln w="28575" cap="rnd">
+              <a:solidFill>
+                <a:schemeClr val="accent1"/>
+              </a:solidFill>
+              <a:round/>
+            </a:ln>
+            <a:effectLst/>
+          </c:spPr>
+          <c:marker>
+            <c:symbol val="none"/>
+          </c:marker>
+          <c:cat>
+            <c:strRef>
+              <c:f>Sheet1!$A$2:$A$5</c:f>
+              <c:strCache>
+                <c:ptCount val="4"/>
+                <c:pt idx="0">
+                  <c:v>Janeiro 2024</c:v>
+                </c:pt>
+                <c:pt idx="1">
+                  <c:v>Fevereiro 2024</c:v>
+                </c:pt>
+                <c:pt idx="2">
+                  <c:v>Marco 2024</c:v>
+                </c:pt>
+                <c:pt idx="3">
+                  <c:v>Abril 2024</c:v>
+                </c:pt>
+              </c:strCache>
+            </c:strRef>
+          </c:cat>
+          <c:val>
+            <c:numRef>
+              <c:f>Sheet1!$B$2:$B$5</c:f>
+              <c:numCache>
+                <c:formatCode>General</c:formatCode>
+                <c:ptCount val="4"/>
+                <c:pt idx="0">
+                  <c:v>4.3</c:v>
+                </c:pt>
+                <c:pt idx="1">
+                  <c:v>2.5</c:v>
+                </c:pt>
+                <c:pt idx="2">
+                  <c:v>3.5</c:v>
+                </c:pt>
+                <c:pt idx="3">
+                  <c:v>4.5</c:v>
+                </c:pt>
+              </c:numCache>
+            </c:numRef>
+          </c:val>
+          <c:smooth val="0"/>
+          <c:extLst>
+            <c:ext xmlns:c16="http://schemas.microsoft.com/office/drawing/2014/chart" uri="{C3380CC4-5D6E-409C-BE32-E72D297353CC}">
+              <c16:uniqueId val="{00000000-2923-41E9-AC30-F9AB67F392D2}"/>
+            </c:ext>
+          </c:extLst>
+        </c:ser>
+        <c:ser>
+          <c:idx val="1"/>
+          <c:order val="1"/>
+          <c:tx>
+            <c:strRef>
+              <c:f>Sheet1!$C$1</c:f>
+              <c:strCache>
+                <c:ptCount val="1"/>
+                <c:pt idx="0">
+                  <c:v>Custo</c:v>
+                </c:pt>
+              </c:strCache>
+            </c:strRef>
+          </c:tx>
+          <c:spPr>
+            <a:ln w="28575" cap="rnd">
+              <a:solidFill>
+                <a:schemeClr val="accent2"/>
+              </a:solidFill>
+              <a:round/>
+            </a:ln>
+            <a:effectLst/>
+          </c:spPr>
+          <c:marker>
+            <c:symbol val="none"/>
+          </c:marker>
+          <c:cat>
+            <c:strRef>
+              <c:f>Sheet1!$A$2:$A$5</c:f>
+              <c:strCache>
+                <c:ptCount val="4"/>
+                <c:pt idx="0">
+                  <c:v>Janeiro 2024</c:v>
+                </c:pt>
+                <c:pt idx="1">
+                  <c:v>Fevereiro 2024</c:v>
+                </c:pt>
+                <c:pt idx="2">
+                  <c:v>Marco 2024</c:v>
+                </c:pt>
+                <c:pt idx="3">
+                  <c:v>Abril 2024</c:v>
+                </c:pt>
+              </c:strCache>
+            </c:strRef>
+          </c:cat>
+          <c:val>
+            <c:numRef>
+              <c:f>Sheet1!$C$2:$C$5</c:f>
+              <c:numCache>
+                <c:formatCode>General</c:formatCode>
+                <c:ptCount val="4"/>
+                <c:pt idx="0">
+                  <c:v>2.4</c:v>
+                </c:pt>
+                <c:pt idx="1">
+                  <c:v>4.4000000000000004</c:v>
+                </c:pt>
+                <c:pt idx="2">
+                  <c:v>1.8</c:v>
+                </c:pt>
+                <c:pt idx="3">
+                  <c:v>2.8</c:v>
+                </c:pt>
+              </c:numCache>
+            </c:numRef>
+          </c:val>
+          <c:smooth val="0"/>
+          <c:extLst>
+            <c:ext xmlns:c16="http://schemas.microsoft.com/office/drawing/2014/chart" uri="{C3380CC4-5D6E-409C-BE32-E72D297353CC}">
+              <c16:uniqueId val="{00000001-2923-41E9-AC30-F9AB67F392D2}"/>
+            </c:ext>
+          </c:extLst>
+        </c:ser>
+        <c:dLbls>
+          <c:showLegendKey val="0"/>
+          <c:showVal val="0"/>
+          <c:showCatName val="0"/>
+          <c:showSerName val="0"/>
+          <c:showPercent val="0"/>
+          <c:showBubbleSize val="0"/>
+        </c:dLbls>
+        <c:smooth val="0"/>
+        <c:axId val="1203130799"/>
+        <c:axId val="1710095071"/>
+      </c:lineChart>
+      <c:catAx>
+        <c:axId val="1203130799"/>
+        <c:scaling>
+          <c:orientation val="minMax"/>
+        </c:scaling>
+        <c:delete val="0"/>
+        <c:axPos val="b"/>
+        <c:numFmt formatCode="General" sourceLinked="1"/>
+        <c:majorTickMark val="none"/>
+        <c:minorTickMark val="none"/>
+        <c:tickLblPos val="nextTo"/>
+        <c:spPr>
+          <a:noFill/>
+          <a:ln w="9525" cap="flat" cmpd="sng" algn="ctr">
+            <a:solidFill>
+              <a:schemeClr val="tx1">
+                <a:lumMod val="15000"/>
+                <a:lumOff val="85000"/>
+              </a:schemeClr>
+            </a:solidFill>
+            <a:round/>
+          </a:ln>
+          <a:effectLst/>
+        </c:spPr>
+        <c:txPr>
+          <a:bodyPr rot="-60000000" spcFirstLastPara="1" vertOverflow="ellipsis" vert="horz" wrap="square" anchor="ctr" anchorCtr="1"/>
+          <a:lstStyle/>
+          <a:p>
+            <a:pPr>
+              <a:defRPr sz="1197" b="0" i="0" u="none" strike="noStrike" kern="1200" baseline="0">
+                <a:solidFill>
+                  <a:schemeClr val="tx1">
+                    <a:lumMod val="65000"/>
+                    <a:lumOff val="35000"/>
+                  </a:schemeClr>
+                </a:solidFill>
+                <a:latin typeface="+mn-lt"/>
+                <a:ea typeface="+mn-ea"/>
+                <a:cs typeface="+mn-cs"/>
+              </a:defRPr>
+            </a:pPr>
+            <a:endParaRPr lang="en-US"/>
+          </a:p>
+        </c:txPr>
+        <c:crossAx val="1710095071"/>
+        <c:crosses val="autoZero"/>
+        <c:auto val="1"/>
+        <c:lblAlgn val="ctr"/>
+        <c:lblOffset val="100"/>
+        <c:noMultiLvlLbl val="0"/>
+      </c:catAx>
+      <c:valAx>
+        <c:axId val="1710095071"/>
+        <c:scaling>
+          <c:orientation val="minMax"/>
+        </c:scaling>
+        <c:delete val="0"/>
+        <c:axPos val="l"/>
+        <c:majorGridlines>
+          <c:spPr>
+            <a:ln w="9525" cap="flat" cmpd="sng" algn="ctr">
+              <a:solidFill>
+                <a:schemeClr val="tx1">
+                  <a:lumMod val="15000"/>
+                  <a:lumOff val="85000"/>
+                </a:schemeClr>
+              </a:solidFill>
+              <a:round/>
+            </a:ln>
+            <a:effectLst/>
+          </c:spPr>
+        </c:majorGridlines>
+        <c:numFmt formatCode="General" sourceLinked="1"/>
+        <c:majorTickMark val="none"/>
+        <c:minorTickMark val="none"/>
+        <c:tickLblPos val="nextTo"/>
+        <c:spPr>
+          <a:noFill/>
+          <a:ln>
+            <a:noFill/>
+          </a:ln>
+          <a:effectLst/>
+        </c:spPr>
+        <c:txPr>
+          <a:bodyPr rot="-60000000" spcFirstLastPara="1" vertOverflow="ellipsis" vert="horz" wrap="square" anchor="ctr" anchorCtr="1"/>
+          <a:lstStyle/>
+          <a:p>
+            <a:pPr>
+              <a:defRPr sz="1197" b="0" i="0" u="none" strike="noStrike" kern="1200" baseline="0">
+                <a:solidFill>
+                  <a:schemeClr val="tx1">
+                    <a:lumMod val="65000"/>
+                    <a:lumOff val="35000"/>
+                  </a:schemeClr>
+                </a:solidFill>
+                <a:latin typeface="+mn-lt"/>
+                <a:ea typeface="+mn-ea"/>
+                <a:cs typeface="+mn-cs"/>
+              </a:defRPr>
+            </a:pPr>
+            <a:endParaRPr lang="en-US"/>
+          </a:p>
+        </c:txPr>
+        <c:crossAx val="1203130799"/>
+        <c:crosses val="autoZero"/>
+        <c:crossBetween val="between"/>
+      </c:valAx>
+      <c:spPr>
+        <a:noFill/>
+        <a:ln>
+          <a:noFill/>
+        </a:ln>
+        <a:effectLst/>
+      </c:spPr>
+    </c:plotArea>
+    <c:legend>
+      <c:legendPos val="b"/>
+      <c:overlay val="0"/>
+      <c:spPr>
+        <a:noFill/>
+        <a:ln>
+          <a:noFill/>
+        </a:ln>
+        <a:effectLst/>
+      </c:spPr>
+      <c:txPr>
+        <a:bodyPr rot="0" spcFirstLastPara="1" vertOverflow="ellipsis" vert="horz" wrap="square" anchor="ctr" anchorCtr="1"/>
+        <a:lstStyle/>
+        <a:p>
+          <a:pPr>
+            <a:defRPr sz="1197" b="0" i="0" u="none" strike="noStrike" kern="1200" baseline="0">
+              <a:solidFill>
+                <a:schemeClr val="tx1">
+                  <a:lumMod val="65000"/>
+                  <a:lumOff val="35000"/>
+                </a:schemeClr>
+              </a:solidFill>
+              <a:latin typeface="+mn-lt"/>
+              <a:ea typeface="+mn-ea"/>
+              <a:cs typeface="+mn-cs"/>
+            </a:defRPr>
+          </a:pPr>
+          <a:endParaRPr lang="en-US"/>
+        </a:p>
+      </c:txPr>
+    </c:legend>
+    <c:plotVisOnly val="1"/>
+    <c:dispBlanksAs val="gap"/>
+    <c:extLst>
+      <c:ext xmlns:c16r3="http://schemas.microsoft.com/office/drawing/2017/03/chart" uri="{56B9EC1D-385E-4148-901F-78D8002777C0}">
+        <c16r3:dataDisplayOptions16>
+          <c16r3:dispNaAsBlank val="1"/>
+        </c16r3:dataDisplayOptions16>
+      </c:ext>
+    </c:extLst>
+    <c:showDLblsOverMax val="0"/>
+  </c:chart>
+  <c:spPr>
+    <a:noFill/>
+    <a:ln>
+      <a:noFill/>
+    </a:ln>
+    <a:effectLst/>
+  </c:spPr>
+  <c:txPr>
+    <a:bodyPr/>
+    <a:lstStyle/>
+    <a:p>
+      <a:pPr>
+        <a:defRPr/>
+      </a:pPr>
+      <a:endParaRPr lang="en-US"/>
+    </a:p>
+  </c:txPr>
+  <c:externalData r:id="rId3">
+    <c:autoUpdate val="0"/>
+  </c:externalData>
+</c:chartSpace>
+</file>
+
+<file path=ppt/charts/colors1.xml><?xml version="1.0" encoding="utf-8"?>
+<cs:colorStyle xmlns:cs="http://schemas.microsoft.com/office/drawing/2012/chartStyle" xmlns:a="http://schemas.openxmlformats.org/drawingml/2006/main" meth="cycle" id="10">
+  <a:schemeClr val="accent1"/>
+  <a:schemeClr val="accent2"/>
+  <a:schemeClr val="accent3"/>
+  <a:schemeClr val="accent4"/>
+  <a:schemeClr val="accent5"/>
+  <a:schemeClr val="accent6"/>
+  <cs:variation/>
+  <cs:variation>
+    <a:lumMod val="60000"/>
+  </cs:variation>
+  <cs:variation>
+    <a:lumMod val="80000"/>
+    <a:lumOff val="20000"/>
+  </cs:variation>
+  <cs:variation>
+    <a:lumMod val="80000"/>
+  </cs:variation>
+  <cs:variation>
+    <a:lumMod val="60000"/>
+    <a:lumOff val="40000"/>
+  </cs:variation>
+  <cs:variation>
+    <a:lumMod val="50000"/>
+  </cs:variation>
+  <cs:variation>
+    <a:lumMod val="70000"/>
+    <a:lumOff val="30000"/>
+  </cs:variation>
+  <cs:variation>
+    <a:lumMod val="70000"/>
+  </cs:variation>
+  <cs:variation>
+    <a:lumMod val="50000"/>
+    <a:lumOff val="50000"/>
+  </cs:variation>
+</cs:colorStyle>
+</file>
+
+<file path=ppt/charts/colors2.xml><?xml version="1.0" encoding="utf-8"?>
+<cs:colorStyle xmlns:cs="http://schemas.microsoft.com/office/drawing/2012/chartStyle" xmlns:a="http://schemas.openxmlformats.org/drawingml/2006/main" meth="cycle" id="10">
+  <a:schemeClr val="accent1"/>
+  <a:schemeClr val="accent2"/>
+  <a:schemeClr val="accent3"/>
+  <a:schemeClr val="accent4"/>
+  <a:schemeClr val="accent5"/>
+  <a:schemeClr val="accent6"/>
+  <cs:variation/>
+  <cs:variation>
+    <a:lumMod val="60000"/>
+  </cs:variation>
+  <cs:variation>
+    <a:lumMod val="80000"/>
+    <a:lumOff val="20000"/>
+  </cs:variation>
+  <cs:variation>
+    <a:lumMod val="80000"/>
+  </cs:variation>
+  <cs:variation>
+    <a:lumMod val="60000"/>
+    <a:lumOff val="40000"/>
+  </cs:variation>
+  <cs:variation>
+    <a:lumMod val="50000"/>
+  </cs:variation>
+  <cs:variation>
+    <a:lumMod val="70000"/>
+    <a:lumOff val="30000"/>
+  </cs:variation>
+  <cs:variation>
+    <a:lumMod val="70000"/>
+  </cs:variation>
+  <cs:variation>
+    <a:lumMod val="50000"/>
+    <a:lumOff val="50000"/>
+  </cs:variation>
+</cs:colorStyle>
+</file>
+
+<file path=ppt/charts/style1.xml><?xml version="1.0" encoding="utf-8"?>
+<cs:chartStyle xmlns:cs="http://schemas.microsoft.com/office/drawing/2012/chartStyle" xmlns:a="http://schemas.openxmlformats.org/drawingml/2006/main" id="251">
+  <cs:axisTitle>
+    <cs:lnRef idx="0"/>
+    <cs:fillRef idx="0"/>
+    <cs:effectRef idx="0"/>
+    <cs:fontRef idx="minor">
+      <a:schemeClr val="tx1">
+        <a:lumMod val="65000"/>
+        <a:lumOff val="35000"/>
+      </a:schemeClr>
+    </cs:fontRef>
+    <cs:defRPr sz="1330" kern="1200"/>
+  </cs:axisTitle>
+  <cs:categoryAxis>
+    <cs:lnRef idx="0"/>
+    <cs:fillRef idx="0"/>
+    <cs:effectRef idx="0"/>
+    <cs:fontRef idx="minor">
+      <a:schemeClr val="tx1">
+        <a:lumMod val="65000"/>
+        <a:lumOff val="35000"/>
+      </a:schemeClr>
+    </cs:fontRef>
+    <cs:spPr>
+      <a:ln w="9525" cap="flat" cmpd="sng" algn="ctr">
+        <a:solidFill>
+          <a:schemeClr val="tx1">
+            <a:lumMod val="15000"/>
+            <a:lumOff val="85000"/>
+          </a:schemeClr>
+        </a:solidFill>
+        <a:round/>
+      </a:ln>
+    </cs:spPr>
+    <cs:defRPr sz="1197" kern="1200"/>
+  </cs:categoryAxis>
+  <cs:chartArea mods="allowNoFillOverride allowNoLineOverride">
+    <cs:lnRef idx="0"/>
+    <cs:fillRef idx="0"/>
+    <cs:effectRef idx="0"/>
+    <cs:fontRef idx="minor">
+      <a:schemeClr val="tx1"/>
+    </cs:fontRef>
+    <cs:spPr>
+      <a:solidFill>
+        <a:schemeClr val="bg1"/>
+      </a:solidFill>
+      <a:ln w="9525" cap="flat" cmpd="sng" algn="ctr">
+        <a:solidFill>
+          <a:schemeClr val="tx1">
+            <a:lumMod val="15000"/>
+            <a:lumOff val="85000"/>
+          </a:schemeClr>
+        </a:solidFill>
+        <a:round/>
+      </a:ln>
+    </cs:spPr>
+    <cs:defRPr sz="1197" kern="1200"/>
+  </cs:chartArea>
+  <cs:dataLabel>
+    <cs:lnRef idx="0"/>
+    <cs:fillRef idx="0"/>
+    <cs:effectRef idx="0"/>
+    <cs:fontRef idx="minor">
+      <a:schemeClr val="tx1">
+        <a:lumMod val="75000"/>
+        <a:lumOff val="25000"/>
+      </a:schemeClr>
+    </cs:fontRef>
+    <cs:defRPr sz="1197" kern="1200"/>
+  </cs:dataLabel>
+  <cs:dataLabelCallout>
+    <cs:lnRef idx="0"/>
+    <cs:fillRef idx="0"/>
+    <cs:effectRef idx="0"/>
+    <cs:fontRef idx="minor">
+      <a:schemeClr val="dk1">
+        <a:lumMod val="65000"/>
+        <a:lumOff val="35000"/>
+      </a:schemeClr>
+    </cs:fontRef>
+    <cs:spPr>
+      <a:solidFill>
+        <a:schemeClr val="lt1"/>
+      </a:solidFill>
+      <a:ln>
+        <a:solidFill>
+          <a:schemeClr val="dk1">
+            <a:lumMod val="25000"/>
+            <a:lumOff val="75000"/>
+          </a:schemeClr>
+        </a:solidFill>
+      </a:ln>
+    </cs:spPr>
+    <cs:defRPr sz="1197" kern="1200"/>
+    <cs:bodyPr rot="0" spcFirstLastPara="1" vertOverflow="clip" horzOverflow="clip" vert="horz" wrap="square" lIns="36576" tIns="18288" rIns="36576" bIns="18288" anchor="ctr" anchorCtr="1">
+      <a:spAutoFit/>
+    </cs:bodyPr>
+  </cs:dataLabelCallout>
+  <cs:dataPoint>
+    <cs:lnRef idx="0"/>
+    <cs:fillRef idx="1">
+      <cs:styleClr val="auto"/>
+    </cs:fillRef>
+    <cs:effectRef idx="0"/>
+    <cs:fontRef idx="minor">
+      <a:schemeClr val="tx1"/>
+    </cs:fontRef>
+    <cs:spPr>
+      <a:ln w="19050">
+        <a:solidFill>
+          <a:schemeClr val="lt1"/>
+        </a:solidFill>
+      </a:ln>
+    </cs:spPr>
+  </cs:dataPoint>
+  <cs:dataPoint3D>
+    <cs:lnRef idx="0"/>
+    <cs:fillRef idx="1">
+      <cs:styleClr val="auto"/>
+    </cs:fillRef>
+    <cs:effectRef idx="0"/>
+    <cs:fontRef idx="minor">
+      <a:schemeClr val="tx1"/>
+    </cs:fontRef>
+    <cs:spPr>
+      <a:ln w="25400">
+        <a:solidFill>
+          <a:schemeClr val="lt1"/>
+        </a:solidFill>
+      </a:ln>
+    </cs:spPr>
+  </cs:dataPoint3D>
+  <cs:dataPointLine>
+    <cs:lnRef idx="0">
+      <cs:styleClr val="auto"/>
+    </cs:lnRef>
+    <cs:fillRef idx="0"/>
+    <cs:effectRef idx="0"/>
+    <cs:fontRef idx="minor">
+      <a:schemeClr val="tx1"/>
+    </cs:fontRef>
+    <cs:spPr>
+      <a:ln w="28575" cap="rnd">
+        <a:solidFill>
+          <a:schemeClr val="phClr"/>
+        </a:solidFill>
+        <a:round/>
+      </a:ln>
+    </cs:spPr>
+  </cs:dataPointLine>
+  <cs:dataPointMarker>
+    <cs:lnRef idx="0">
+      <cs:styleClr val="auto"/>
+    </cs:lnRef>
+    <cs:fillRef idx="1">
+      <cs:styleClr val="auto"/>
+    </cs:fillRef>
+    <cs:effectRef idx="0"/>
+    <cs:fontRef idx="minor">
+      <a:schemeClr val="tx1"/>
+    </cs:fontRef>
+    <cs:spPr>
+      <a:ln w="9525">
+        <a:solidFill>
+          <a:schemeClr val="phClr"/>
+        </a:solidFill>
+      </a:ln>
+    </cs:spPr>
+  </cs:dataPointMarker>
+  <cs:dataPointMarkerLayout symbol="circle" size="5"/>
+  <cs:dataPointWireframe>
+    <cs:lnRef idx="0">
+      <cs:styleClr val="auto"/>
+    </cs:lnRef>
+    <cs:fillRef idx="0"/>
+    <cs:effectRef idx="0"/>
+    <cs:fontRef idx="minor">
+      <a:schemeClr val="tx1"/>
+    </cs:fontRef>
+    <cs:spPr>
+      <a:ln w="9525" cap="rnd">
+        <a:solidFill>
+          <a:schemeClr val="phClr"/>
+        </a:solidFill>
+        <a:round/>
+      </a:ln>
+    </cs:spPr>
+  </cs:dataPointWireframe>
+  <cs:dataTable>
+    <cs:lnRef idx="0"/>
+    <cs:fillRef idx="0"/>
+    <cs:effectRef idx="0"/>
+    <cs:fontRef idx="minor">
+      <a:schemeClr val="tx1">
+        <a:lumMod val="65000"/>
+        <a:lumOff val="35000"/>
+      </a:schemeClr>
+    </cs:fontRef>
+    <cs:spPr>
+      <a:noFill/>
+      <a:ln w="9525" cap="flat" cmpd="sng" algn="ctr">
+        <a:solidFill>
+          <a:schemeClr val="tx1">
+            <a:lumMod val="15000"/>
+            <a:lumOff val="85000"/>
+          </a:schemeClr>
+        </a:solidFill>
+        <a:round/>
+      </a:ln>
+    </cs:spPr>
+    <cs:defRPr sz="1197" kern="1200"/>
+  </cs:dataTable>
+  <cs:downBar>
+    <cs:lnRef idx="0"/>
+    <cs:fillRef idx="0"/>
+    <cs:effectRef idx="0"/>
+    <cs:fontRef idx="minor">
+      <a:schemeClr val="tx1"/>
+    </cs:fontRef>
+    <cs:spPr>
+      <a:solidFill>
+        <a:schemeClr val="dk1">
+          <a:lumMod val="75000"/>
+          <a:lumOff val="25000"/>
+        </a:schemeClr>
+      </a:solidFill>
+      <a:ln w="9525" cap="flat" cmpd="sng" algn="ctr">
+        <a:solidFill>
+          <a:schemeClr val="tx1">
+            <a:lumMod val="65000"/>
+            <a:lumOff val="35000"/>
+          </a:schemeClr>
+        </a:solidFill>
+        <a:round/>
+      </a:ln>
+    </cs:spPr>
+  </cs:downBar>
+  <cs:dropLine>
+    <cs:lnRef idx="0"/>
+    <cs:fillRef idx="0"/>
+    <cs:effectRef idx="0"/>
+    <cs:fontRef idx="minor">
+      <a:schemeClr val="tx1"/>
+    </cs:fontRef>
+    <cs:spPr>
+      <a:ln w="9525" cap="flat" cmpd="sng" algn="ctr">
+        <a:solidFill>
+          <a:schemeClr val="tx1">
+            <a:lumMod val="35000"/>
+            <a:lumOff val="65000"/>
+          </a:schemeClr>
+        </a:solidFill>
+        <a:round/>
+      </a:ln>
+    </cs:spPr>
+  </cs:dropLine>
+  <cs:errorBar>
+    <cs:lnRef idx="0"/>
+    <cs:fillRef idx="0"/>
+    <cs:effectRef idx="0"/>
+    <cs:fontRef idx="minor">
+      <a:schemeClr val="tx1"/>
+    </cs:fontRef>
+    <cs:spPr>
+      <a:ln w="9525" cap="flat" cmpd="sng" algn="ctr">
+        <a:solidFill>
+          <a:schemeClr val="tx1">
+            <a:lumMod val="65000"/>
+            <a:lumOff val="35000"/>
+          </a:schemeClr>
+        </a:solidFill>
+        <a:round/>
+      </a:ln>
+    </cs:spPr>
+  </cs:errorBar>
+  <cs:floor>
+    <cs:lnRef idx="0"/>
+    <cs:fillRef idx="0"/>
+    <cs:effectRef idx="0"/>
+    <cs:fontRef idx="minor">
+      <a:schemeClr val="tx1"/>
+    </cs:fontRef>
+    <cs:spPr>
+      <a:noFill/>
+      <a:ln>
+        <a:noFill/>
+      </a:ln>
+    </cs:spPr>
+  </cs:floor>
+  <cs:gridlineMajor>
+    <cs:lnRef idx="0"/>
+    <cs:fillRef idx="0"/>
+    <cs:effectRef idx="0"/>
+    <cs:fontRef idx="minor">
+      <a:schemeClr val="tx1"/>
+    </cs:fontRef>
+    <cs:spPr>
+      <a:ln w="9525" cap="flat" cmpd="sng" algn="ctr">
+        <a:solidFill>
+          <a:schemeClr val="tx1">
+            <a:lumMod val="15000"/>
+            <a:lumOff val="85000"/>
+          </a:schemeClr>
+        </a:solidFill>
+        <a:round/>
+      </a:ln>
+    </cs:spPr>
+  </cs:gridlineMajor>
+  <cs:gridlineMinor>
+    <cs:lnRef idx="0"/>
+    <cs:fillRef idx="0"/>
+    <cs:effectRef idx="0"/>
+    <cs:fontRef idx="minor">
+      <a:schemeClr val="tx1"/>
+    </cs:fontRef>
+    <cs:spPr>
+      <a:ln w="9525" cap="flat" cmpd="sng" algn="ctr">
+        <a:solidFill>
+          <a:schemeClr val="tx1">
+            <a:lumMod val="5000"/>
+            <a:lumOff val="95000"/>
+          </a:schemeClr>
+        </a:solidFill>
+        <a:round/>
+      </a:ln>
+    </cs:spPr>
+  </cs:gridlineMinor>
+  <cs:hiLoLine>
+    <cs:lnRef idx="0"/>
+    <cs:fillRef idx="0"/>
+    <cs:effectRef idx="0"/>
+    <cs:fontRef idx="minor">
+      <a:schemeClr val="tx1"/>
+    </cs:fontRef>
+    <cs:spPr>
+      <a:ln w="9525" cap="flat" cmpd="sng" algn="ctr">
+        <a:solidFill>
+          <a:schemeClr val="tx1">
+            <a:lumMod val="50000"/>
+            <a:lumOff val="50000"/>
+          </a:schemeClr>
+        </a:solidFill>
+        <a:round/>
+      </a:ln>
+    </cs:spPr>
+  </cs:hiLoLine>
+  <cs:leaderLine>
+    <cs:lnRef idx="0"/>
+    <cs:fillRef idx="0"/>
+    <cs:effectRef idx="0"/>
+    <cs:fontRef idx="minor">
+      <a:schemeClr val="tx1"/>
+    </cs:fontRef>
+    <cs:spPr>
+      <a:ln w="9525" cap="flat" cmpd="sng" algn="ctr">
+        <a:solidFill>
+          <a:schemeClr val="tx1">
+            <a:lumMod val="35000"/>
+            <a:lumOff val="65000"/>
+          </a:schemeClr>
+        </a:solidFill>
+        <a:round/>
+      </a:ln>
+    </cs:spPr>
+  </cs:leaderLine>
+  <cs:legend>
+    <cs:lnRef idx="0"/>
+    <cs:fillRef idx="0"/>
+    <cs:effectRef idx="0"/>
+    <cs:fontRef idx="minor">
+      <a:schemeClr val="tx1">
+        <a:lumMod val="65000"/>
+        <a:lumOff val="35000"/>
+      </a:schemeClr>
+    </cs:fontRef>
+    <cs:defRPr sz="1197" kern="1200"/>
+  </cs:legend>
+  <cs:plotArea mods="allowNoFillOverride allowNoLineOverride">
+    <cs:lnRef idx="0"/>
+    <cs:fillRef idx="0"/>
+    <cs:effectRef idx="0"/>
+    <cs:fontRef idx="minor">
+      <a:schemeClr val="tx1"/>
+    </cs:fontRef>
+  </cs:plotArea>
+  <cs:plotArea3D mods="allowNoFillOverride allowNoLineOverride">
+    <cs:lnRef idx="0"/>
+    <cs:fillRef idx="0"/>
+    <cs:effectRef idx="0"/>
+    <cs:fontRef idx="minor">
+      <a:schemeClr val="tx1"/>
+    </cs:fontRef>
+  </cs:plotArea3D>
+  <cs:seriesAxis>
+    <cs:lnRef idx="0"/>
+    <cs:fillRef idx="0"/>
+    <cs:effectRef idx="0"/>
+    <cs:fontRef idx="minor">
+      <a:schemeClr val="tx1">
+        <a:lumMod val="65000"/>
+        <a:lumOff val="35000"/>
+      </a:schemeClr>
+    </cs:fontRef>
+    <cs:defRPr sz="1197" kern="1200"/>
+  </cs:seriesAxis>
+  <cs:seriesLine>
+    <cs:lnRef idx="0"/>
+    <cs:fillRef idx="0"/>
+    <cs:effectRef idx="0"/>
+    <cs:fontRef idx="minor">
+      <a:schemeClr val="tx1"/>
+    </cs:fontRef>
+    <cs:spPr>
+      <a:ln w="9525" cap="flat" cmpd="sng" algn="ctr">
+        <a:solidFill>
+          <a:schemeClr val="tx1">
+            <a:lumMod val="35000"/>
+            <a:lumOff val="65000"/>
+          </a:schemeClr>
+        </a:solidFill>
+        <a:round/>
+      </a:ln>
+    </cs:spPr>
+  </cs:seriesLine>
+  <cs:title>
+    <cs:lnRef idx="0"/>
+    <cs:fillRef idx="0"/>
+    <cs:effectRef idx="0"/>
+    <cs:fontRef idx="minor">
+      <a:schemeClr val="tx1">
+        <a:lumMod val="65000"/>
+        <a:lumOff val="35000"/>
+      </a:schemeClr>
+    </cs:fontRef>
+    <cs:defRPr sz="1862" b="0" kern="1200" spc="0" baseline="0"/>
+  </cs:title>
+  <cs:trendline>
+    <cs:lnRef idx="0">
+      <cs:styleClr val="auto"/>
+    </cs:lnRef>
+    <cs:fillRef idx="0"/>
+    <cs:effectRef idx="0"/>
+    <cs:fontRef idx="minor">
+      <a:schemeClr val="tx1"/>
+    </cs:fontRef>
+    <cs:spPr>
+      <a:ln w="19050" cap="rnd">
+        <a:solidFill>
+          <a:schemeClr val="phClr"/>
+        </a:solidFill>
+        <a:prstDash val="sysDot"/>
+      </a:ln>
+    </cs:spPr>
+  </cs:trendline>
+  <cs:trendlineLabel>
+    <cs:lnRef idx="0"/>
+    <cs:fillRef idx="0"/>
+    <cs:effectRef idx="0"/>
+    <cs:fontRef idx="minor">
+      <a:schemeClr val="tx1">
+        <a:lumMod val="65000"/>
+        <a:lumOff val="35000"/>
+      </a:schemeClr>
+    </cs:fontRef>
+    <cs:defRPr sz="1197" kern="1200"/>
+  </cs:trendlineLabel>
+  <cs:upBar>
+    <cs:lnRef idx="0"/>
+    <cs:fillRef idx="0"/>
+    <cs:effectRef idx="0"/>
+    <cs:fontRef idx="minor">
+      <a:schemeClr val="tx1"/>
+    </cs:fontRef>
+    <cs:spPr>
+      <a:solidFill>
+        <a:schemeClr val="lt1"/>
+      </a:solidFill>
+      <a:ln w="9525" cap="flat" cmpd="sng" algn="ctr">
+        <a:solidFill>
+          <a:schemeClr val="tx1">
+            <a:lumMod val="65000"/>
+            <a:lumOff val="35000"/>
+          </a:schemeClr>
+        </a:solidFill>
+        <a:round/>
+      </a:ln>
+    </cs:spPr>
+  </cs:upBar>
+  <cs:valueAxis>
+    <cs:lnRef idx="0"/>
+    <cs:fillRef idx="0"/>
+    <cs:effectRef idx="0"/>
+    <cs:fontRef idx="minor">
+      <a:schemeClr val="tx1">
+        <a:lumMod val="65000"/>
+        <a:lumOff val="35000"/>
+      </a:schemeClr>
+    </cs:fontRef>
+    <cs:defRPr sz="1197" kern="1200"/>
+  </cs:valueAxis>
+  <cs:wall>
+    <cs:lnRef idx="0"/>
+    <cs:fillRef idx="0"/>
+    <cs:effectRef idx="0"/>
+    <cs:fontRef idx="minor">
+      <a:schemeClr val="tx1"/>
+    </cs:fontRef>
+    <cs:spPr>
+      <a:noFill/>
+      <a:ln>
+        <a:noFill/>
+      </a:ln>
+    </cs:spPr>
+  </cs:wall>
+</cs:chartStyle>
+</file>
+
+<file path=ppt/charts/style2.xml><?xml version="1.0" encoding="utf-8"?>
+<cs:chartStyle xmlns:cs="http://schemas.microsoft.com/office/drawing/2012/chartStyle" xmlns:a="http://schemas.openxmlformats.org/drawingml/2006/main" id="227">
+  <cs:axisTitle>
+    <cs:lnRef idx="0"/>
+    <cs:fillRef idx="0"/>
+    <cs:effectRef idx="0"/>
+    <cs:fontRef idx="minor">
+      <a:schemeClr val="tx1">
+        <a:lumMod val="65000"/>
+        <a:lumOff val="35000"/>
+      </a:schemeClr>
+    </cs:fontRef>
+    <cs:defRPr sz="1330" kern="1200"/>
+  </cs:axisTitle>
+  <cs:categoryAxis>
+    <cs:lnRef idx="0"/>
+    <cs:fillRef idx="0"/>
+    <cs:effectRef idx="0"/>
+    <cs:fontRef idx="minor">
+      <a:schemeClr val="tx1">
+        <a:lumMod val="65000"/>
+        <a:lumOff val="35000"/>
+      </a:schemeClr>
+    </cs:fontRef>
+    <cs:spPr>
+      <a:ln w="9525" cap="flat" cmpd="sng" algn="ctr">
+        <a:solidFill>
+          <a:schemeClr val="tx1">
+            <a:lumMod val="15000"/>
+            <a:lumOff val="85000"/>
+          </a:schemeClr>
+        </a:solidFill>
+        <a:round/>
+      </a:ln>
+    </cs:spPr>
+    <cs:defRPr sz="1197" kern="1200"/>
+  </cs:categoryAxis>
+  <cs:chartArea mods="allowNoFillOverride allowNoLineOverride">
+    <cs:lnRef idx="0"/>
+    <cs:fillRef idx="0"/>
+    <cs:effectRef idx="0"/>
+    <cs:fontRef idx="minor">
+      <a:schemeClr val="tx1"/>
+    </cs:fontRef>
+    <cs:spPr>
+      <a:solidFill>
+        <a:schemeClr val="bg1"/>
+      </a:solidFill>
+      <a:ln w="9525" cap="flat" cmpd="sng" algn="ctr">
+        <a:solidFill>
+          <a:schemeClr val="tx1">
+            <a:lumMod val="15000"/>
+            <a:lumOff val="85000"/>
+          </a:schemeClr>
+        </a:solidFill>
+        <a:round/>
+      </a:ln>
+    </cs:spPr>
+    <cs:defRPr sz="1330" kern="1200"/>
+  </cs:chartArea>
+  <cs:dataLabel>
+    <cs:lnRef idx="0"/>
+    <cs:fillRef idx="0"/>
+    <cs:effectRef idx="0"/>
+    <cs:fontRef idx="minor">
+      <a:schemeClr val="tx1">
+        <a:lumMod val="75000"/>
+        <a:lumOff val="25000"/>
+      </a:schemeClr>
+    </cs:fontRef>
+    <cs:defRPr sz="1197" kern="1200"/>
+  </cs:dataLabel>
+  <cs:dataLabelCallout>
+    <cs:lnRef idx="0"/>
+    <cs:fillRef idx="0"/>
+    <cs:effectRef idx="0"/>
+    <cs:fontRef idx="minor">
+      <a:schemeClr val="dk1">
+        <a:lumMod val="65000"/>
+        <a:lumOff val="35000"/>
+      </a:schemeClr>
+    </cs:fontRef>
+    <cs:spPr>
+      <a:solidFill>
+        <a:schemeClr val="lt1"/>
+      </a:solidFill>
+      <a:ln>
+        <a:solidFill>
+          <a:schemeClr val="dk1">
+            <a:lumMod val="25000"/>
+            <a:lumOff val="75000"/>
+          </a:schemeClr>
+        </a:solidFill>
+      </a:ln>
+    </cs:spPr>
+    <cs:defRPr sz="1197" kern="1200"/>
+    <cs:bodyPr rot="0" spcFirstLastPara="1" vertOverflow="clip" horzOverflow="clip" vert="horz" wrap="square" lIns="36576" tIns="18288" rIns="36576" bIns="18288" anchor="ctr" anchorCtr="1">
+      <a:spAutoFit/>
+    </cs:bodyPr>
+  </cs:dataLabelCallout>
+  <cs:dataPoint>
+    <cs:lnRef idx="0"/>
+    <cs:fillRef idx="1">
+      <cs:styleClr val="auto"/>
+    </cs:fillRef>
+    <cs:effectRef idx="0"/>
+    <cs:fontRef idx="minor">
+      <a:schemeClr val="tx1"/>
+    </cs:fontRef>
+    <cs:spPr>
+      <a:solidFill>
+        <a:schemeClr val="phClr"/>
+      </a:solidFill>
+    </cs:spPr>
+  </cs:dataPoint>
+  <cs:dataPoint3D>
+    <cs:lnRef idx="0"/>
+    <cs:fillRef idx="1">
+      <cs:styleClr val="auto"/>
+    </cs:fillRef>
+    <cs:effectRef idx="0"/>
+    <cs:fontRef idx="minor">
+      <a:schemeClr val="tx1"/>
+    </cs:fontRef>
+    <cs:spPr>
+      <a:solidFill>
+        <a:schemeClr val="phClr"/>
+      </a:solidFill>
+    </cs:spPr>
+  </cs:dataPoint3D>
+  <cs:dataPointLine>
+    <cs:lnRef idx="0">
+      <cs:styleClr val="auto"/>
+    </cs:lnRef>
+    <cs:fillRef idx="1"/>
+    <cs:effectRef idx="0"/>
+    <cs:fontRef idx="minor">
+      <a:schemeClr val="tx1"/>
+    </cs:fontRef>
+    <cs:spPr>
+      <a:ln w="28575" cap="rnd">
+        <a:solidFill>
+          <a:schemeClr val="phClr"/>
+        </a:solidFill>
+        <a:round/>
+      </a:ln>
+    </cs:spPr>
+  </cs:dataPointLine>
+  <cs:dataPointMarker>
+    <cs:lnRef idx="0">
+      <cs:styleClr val="auto"/>
+    </cs:lnRef>
+    <cs:fillRef idx="1">
+      <cs:styleClr val="auto"/>
+    </cs:fillRef>
+    <cs:effectRef idx="0"/>
+    <cs:fontRef idx="minor">
+      <a:schemeClr val="tx1"/>
+    </cs:fontRef>
+    <cs:spPr>
+      <a:solidFill>
+        <a:schemeClr val="phClr"/>
+      </a:solidFill>
+      <a:ln w="9525">
+        <a:solidFill>
+          <a:schemeClr val="phClr"/>
+        </a:solidFill>
+      </a:ln>
+    </cs:spPr>
+  </cs:dataPointMarker>
+  <cs:dataPointMarkerLayout symbol="circle" size="5"/>
+  <cs:dataPointWireframe>
+    <cs:lnRef idx="0">
+      <cs:styleClr val="auto"/>
+    </cs:lnRef>
+    <cs:fillRef idx="1"/>
+    <cs:effectRef idx="0"/>
+    <cs:fontRef idx="minor">
+      <a:schemeClr val="tx1"/>
+    </cs:fontRef>
+    <cs:spPr>
+      <a:ln w="9525" cap="rnd">
+        <a:solidFill>
+          <a:schemeClr val="phClr"/>
+        </a:solidFill>
+        <a:round/>
+      </a:ln>
+    </cs:spPr>
+  </cs:dataPointWireframe>
+  <cs:dataTable>
+    <cs:lnRef idx="0"/>
+    <cs:fillRef idx="0"/>
+    <cs:effectRef idx="0"/>
+    <cs:fontRef idx="minor">
+      <a:schemeClr val="tx1">
+        <a:lumMod val="65000"/>
+        <a:lumOff val="35000"/>
+      </a:schemeClr>
+    </cs:fontRef>
+    <cs:spPr>
+      <a:noFill/>
+      <a:ln w="9525" cap="flat" cmpd="sng" algn="ctr">
+        <a:solidFill>
+          <a:schemeClr val="tx1">
+            <a:lumMod val="15000"/>
+            <a:lumOff val="85000"/>
+          </a:schemeClr>
+        </a:solidFill>
+        <a:round/>
+      </a:ln>
+    </cs:spPr>
+    <cs:defRPr sz="1197" kern="1200"/>
+  </cs:dataTable>
+  <cs:downBar>
+    <cs:lnRef idx="0"/>
+    <cs:fillRef idx="0"/>
+    <cs:effectRef idx="0"/>
+    <cs:fontRef idx="minor">
+      <a:schemeClr val="dk1"/>
+    </cs:fontRef>
+    <cs:spPr>
+      <a:solidFill>
+        <a:schemeClr val="dk1">
+          <a:lumMod val="65000"/>
+          <a:lumOff val="35000"/>
+        </a:schemeClr>
+      </a:solidFill>
+      <a:ln w="9525">
+        <a:solidFill>
+          <a:schemeClr val="tx1">
+            <a:lumMod val="65000"/>
+            <a:lumOff val="35000"/>
+          </a:schemeClr>
+        </a:solidFill>
+      </a:ln>
+    </cs:spPr>
+  </cs:downBar>
+  <cs:dropLine>
+    <cs:lnRef idx="0"/>
+    <cs:fillRef idx="0"/>
+    <cs:effectRef idx="0"/>
+    <cs:fontRef idx="minor">
+      <a:schemeClr val="tx1"/>
+    </cs:fontRef>
+    <cs:spPr>
+      <a:ln w="9525" cap="flat" cmpd="sng" algn="ctr">
+        <a:solidFill>
+          <a:schemeClr val="tx1">
+            <a:lumMod val="35000"/>
+            <a:lumOff val="65000"/>
+          </a:schemeClr>
+        </a:solidFill>
+        <a:round/>
+      </a:ln>
+    </cs:spPr>
+  </cs:dropLine>
+  <cs:errorBar>
+    <cs:lnRef idx="0"/>
+    <cs:fillRef idx="0"/>
+    <cs:effectRef idx="0"/>
+    <cs:fontRef idx="minor">
+      <a:schemeClr val="tx1"/>
+    </cs:fontRef>
+    <cs:spPr>
+      <a:ln w="9525" cap="flat" cmpd="sng" algn="ctr">
+        <a:solidFill>
+          <a:schemeClr val="tx1">
+            <a:lumMod val="65000"/>
+            <a:lumOff val="35000"/>
+          </a:schemeClr>
+        </a:solidFill>
+        <a:round/>
+      </a:ln>
+    </cs:spPr>
+  </cs:errorBar>
+  <cs:floor>
+    <cs:lnRef idx="0"/>
+    <cs:fillRef idx="0"/>
+    <cs:effectRef idx="0"/>
+    <cs:fontRef idx="minor">
+      <a:schemeClr val="tx1"/>
+    </cs:fontRef>
+    <cs:spPr>
+      <a:noFill/>
+      <a:ln>
+        <a:noFill/>
+      </a:ln>
+    </cs:spPr>
+  </cs:floor>
+  <cs:gridlineMajor>
+    <cs:lnRef idx="0"/>
+    <cs:fillRef idx="0"/>
+    <cs:effectRef idx="0"/>
+    <cs:fontRef idx="minor">
+      <a:schemeClr val="tx1"/>
+    </cs:fontRef>
+    <cs:spPr>
+      <a:ln w="9525" cap="flat" cmpd="sng" algn="ctr">
+        <a:solidFill>
+          <a:schemeClr val="tx1">
+            <a:lumMod val="15000"/>
+            <a:lumOff val="85000"/>
+          </a:schemeClr>
+        </a:solidFill>
+        <a:round/>
+      </a:ln>
+    </cs:spPr>
+  </cs:gridlineMajor>
+  <cs:gridlineMinor>
+    <cs:lnRef idx="0"/>
+    <cs:fillRef idx="0"/>
+    <cs:effectRef idx="0"/>
+    <cs:fontRef idx="minor">
+      <a:schemeClr val="tx1"/>
+    </cs:fontRef>
+    <cs:spPr>
+      <a:ln w="9525" cap="flat" cmpd="sng" algn="ctr">
+        <a:solidFill>
+          <a:schemeClr val="tx1">
+            <a:lumMod val="5000"/>
+            <a:lumOff val="95000"/>
+          </a:schemeClr>
+        </a:solidFill>
+        <a:round/>
+      </a:ln>
+    </cs:spPr>
+  </cs:gridlineMinor>
+  <cs:hiLoLine>
+    <cs:lnRef idx="0"/>
+    <cs:fillRef idx="0"/>
+    <cs:effectRef idx="0"/>
+    <cs:fontRef idx="minor">
+      <a:schemeClr val="tx1"/>
+    </cs:fontRef>
+    <cs:spPr>
+      <a:ln w="9525" cap="flat" cmpd="sng" algn="ctr">
+        <a:solidFill>
+          <a:schemeClr val="tx1">
+            <a:lumMod val="75000"/>
+            <a:lumOff val="25000"/>
+          </a:schemeClr>
+        </a:solidFill>
+        <a:round/>
+      </a:ln>
+    </cs:spPr>
+  </cs:hiLoLine>
+  <cs:leaderLine>
+    <cs:lnRef idx="0"/>
+    <cs:fillRef idx="0"/>
+    <cs:effectRef idx="0"/>
+    <cs:fontRef idx="minor">
+      <a:schemeClr val="tx1"/>
+    </cs:fontRef>
+    <cs:spPr>
+      <a:ln w="9525" cap="flat" cmpd="sng" algn="ctr">
+        <a:solidFill>
+          <a:schemeClr val="tx1">
+            <a:lumMod val="35000"/>
+            <a:lumOff val="65000"/>
+          </a:schemeClr>
+        </a:solidFill>
+        <a:round/>
+      </a:ln>
+    </cs:spPr>
+  </cs:leaderLine>
+  <cs:legend>
+    <cs:lnRef idx="0"/>
+    <cs:fillRef idx="0"/>
+    <cs:effectRef idx="0"/>
+    <cs:fontRef idx="minor">
+      <a:schemeClr val="tx1">
+        <a:lumMod val="65000"/>
+        <a:lumOff val="35000"/>
+      </a:schemeClr>
+    </cs:fontRef>
+    <cs:defRPr sz="1197" kern="1200"/>
+  </cs:legend>
+  <cs:plotArea mods="allowNoFillOverride allowNoLineOverride">
+    <cs:lnRef idx="0"/>
+    <cs:fillRef idx="0"/>
+    <cs:effectRef idx="0"/>
+    <cs:fontRef idx="minor">
+      <a:schemeClr val="tx1"/>
+    </cs:fontRef>
+  </cs:plotArea>
+  <cs:plotArea3D mods="allowNoFillOverride allowNoLineOverride">
+    <cs:lnRef idx="0"/>
+    <cs:fillRef idx="0"/>
+    <cs:effectRef idx="0"/>
+    <cs:fontRef idx="minor">
+      <a:schemeClr val="tx1"/>
+    </cs:fontRef>
+  </cs:plotArea3D>
+  <cs:seriesAxis>
+    <cs:lnRef idx="0"/>
+    <cs:fillRef idx="0"/>
+    <cs:effectRef idx="0"/>
+    <cs:fontRef idx="minor">
+      <a:schemeClr val="tx1">
+        <a:lumMod val="65000"/>
+        <a:lumOff val="35000"/>
+      </a:schemeClr>
+    </cs:fontRef>
+    <cs:defRPr sz="1197" kern="1200"/>
+  </cs:seriesAxis>
+  <cs:seriesLine>
+    <cs:lnRef idx="0"/>
+    <cs:fillRef idx="0"/>
+    <cs:effectRef idx="0"/>
+    <cs:fontRef idx="minor">
+      <a:schemeClr val="tx1"/>
+    </cs:fontRef>
+    <cs:spPr>
+      <a:ln w="9525" cap="flat" cmpd="sng" algn="ctr">
+        <a:solidFill>
+          <a:schemeClr val="tx1">
+            <a:lumMod val="35000"/>
+            <a:lumOff val="65000"/>
+          </a:schemeClr>
+        </a:solidFill>
+        <a:round/>
+      </a:ln>
+    </cs:spPr>
+  </cs:seriesLine>
+  <cs:title>
+    <cs:lnRef idx="0"/>
+    <cs:fillRef idx="0"/>
+    <cs:effectRef idx="0"/>
+    <cs:fontRef idx="minor">
+      <a:schemeClr val="tx1">
+        <a:lumMod val="65000"/>
+        <a:lumOff val="35000"/>
+      </a:schemeClr>
+    </cs:fontRef>
+    <cs:defRPr sz="1862" b="0" kern="1200" spc="0" baseline="0"/>
+  </cs:title>
+  <cs:trendline>
+    <cs:lnRef idx="0">
+      <cs:styleClr val="auto"/>
+    </cs:lnRef>
+    <cs:fillRef idx="0"/>
+    <cs:effectRef idx="0"/>
+    <cs:fontRef idx="minor">
+      <a:schemeClr val="tx1"/>
+    </cs:fontRef>
+    <cs:spPr>
+      <a:ln w="19050" cap="rnd">
+        <a:solidFill>
+          <a:schemeClr val="phClr"/>
+        </a:solidFill>
+        <a:prstDash val="sysDot"/>
+      </a:ln>
+    </cs:spPr>
+  </cs:trendline>
+  <cs:trendlineLabel>
+    <cs:lnRef idx="0"/>
+    <cs:fillRef idx="0"/>
+    <cs:effectRef idx="0"/>
+    <cs:fontRef idx="minor">
+      <a:schemeClr val="tx1">
+        <a:lumMod val="65000"/>
+        <a:lumOff val="35000"/>
+      </a:schemeClr>
+    </cs:fontRef>
+    <cs:defRPr sz="1197" kern="1200"/>
+  </cs:trendlineLabel>
+  <cs:upBar>
+    <cs:lnRef idx="0"/>
+    <cs:fillRef idx="0"/>
+    <cs:effectRef idx="0"/>
+    <cs:fontRef idx="minor">
+      <a:schemeClr val="dk1"/>
+    </cs:fontRef>
+    <cs:spPr>
+      <a:solidFill>
+        <a:schemeClr val="lt1"/>
+      </a:solidFill>
+      <a:ln w="9525">
+        <a:solidFill>
+          <a:schemeClr val="tx1">
+            <a:lumMod val="15000"/>
+            <a:lumOff val="85000"/>
+          </a:schemeClr>
+        </a:solidFill>
+      </a:ln>
+    </cs:spPr>
+  </cs:upBar>
+  <cs:valueAxis>
+    <cs:lnRef idx="0"/>
+    <cs:fillRef idx="0"/>
+    <cs:effectRef idx="0"/>
+    <cs:fontRef idx="minor">
+      <a:schemeClr val="tx1">
+        <a:lumMod val="65000"/>
+        <a:lumOff val="35000"/>
+      </a:schemeClr>
+    </cs:fontRef>
+    <cs:defRPr sz="1197" kern="1200"/>
+  </cs:valueAxis>
+  <cs:wall>
+    <cs:lnRef idx="0"/>
+    <cs:fillRef idx="0"/>
+    <cs:effectRef idx="0"/>
+    <cs:fontRef idx="minor">
+      <a:schemeClr val="tx1"/>
+    </cs:fontRef>
+    <cs:spPr>
+      <a:noFill/>
+      <a:ln>
+        <a:noFill/>
+      </a:ln>
+    </cs:spPr>
+  </cs:wall>
+</cs:chartStyle>
 </file>
 
 <file path=ppt/slideLayouts/slideLayout1.xml><?xml version="1.0" encoding="utf-8"?>
@@ -258,7 +2017,7 @@
           <a:p>
             <a:fld id="{8584B886-2642-4FA4-9BEF-D5EB2CF943E7}" type="datetimeFigureOut">
               <a:rPr lang="en-US" smtClean="0"/>
-              <a:t>1/8/2024</a:t>
+              <a:t>1/10/2024</a:t>
             </a:fld>
             <a:endParaRPr lang="en-US"/>
           </a:p>
@@ -456,7 +2215,7 @@
           <a:p>
             <a:fld id="{8584B886-2642-4FA4-9BEF-D5EB2CF943E7}" type="datetimeFigureOut">
               <a:rPr lang="en-US" smtClean="0"/>
-              <a:t>1/8/2024</a:t>
+              <a:t>1/10/2024</a:t>
             </a:fld>
             <a:endParaRPr lang="en-US"/>
           </a:p>
@@ -664,7 +2423,7 @@
           <a:p>
             <a:fld id="{8584B886-2642-4FA4-9BEF-D5EB2CF943E7}" type="datetimeFigureOut">
               <a:rPr lang="en-US" smtClean="0"/>
-              <a:t>1/8/2024</a:t>
+              <a:t>1/10/2024</a:t>
             </a:fld>
             <a:endParaRPr lang="en-US"/>
           </a:p>
@@ -862,7 +2621,7 @@
           <a:p>
             <a:fld id="{8584B886-2642-4FA4-9BEF-D5EB2CF943E7}" type="datetimeFigureOut">
               <a:rPr lang="en-US" smtClean="0"/>
-              <a:t>1/8/2024</a:t>
+              <a:t>1/10/2024</a:t>
             </a:fld>
             <a:endParaRPr lang="en-US"/>
           </a:p>
@@ -1137,7 +2896,7 @@
           <a:p>
             <a:fld id="{8584B886-2642-4FA4-9BEF-D5EB2CF943E7}" type="datetimeFigureOut">
               <a:rPr lang="en-US" smtClean="0"/>
-              <a:t>1/8/2024</a:t>
+              <a:t>1/10/2024</a:t>
             </a:fld>
             <a:endParaRPr lang="en-US"/>
           </a:p>
@@ -1402,7 +3161,7 @@
           <a:p>
             <a:fld id="{8584B886-2642-4FA4-9BEF-D5EB2CF943E7}" type="datetimeFigureOut">
               <a:rPr lang="en-US" smtClean="0"/>
-              <a:t>1/8/2024</a:t>
+              <a:t>1/10/2024</a:t>
             </a:fld>
             <a:endParaRPr lang="en-US"/>
           </a:p>
@@ -1814,7 +3573,7 @@
           <a:p>
             <a:fld id="{8584B886-2642-4FA4-9BEF-D5EB2CF943E7}" type="datetimeFigureOut">
               <a:rPr lang="en-US" smtClean="0"/>
-              <a:t>1/8/2024</a:t>
+              <a:t>1/10/2024</a:t>
             </a:fld>
             <a:endParaRPr lang="en-US"/>
           </a:p>
@@ -1955,7 +3714,7 @@
           <a:p>
             <a:fld id="{8584B886-2642-4FA4-9BEF-D5EB2CF943E7}" type="datetimeFigureOut">
               <a:rPr lang="en-US" smtClean="0"/>
-              <a:t>1/8/2024</a:t>
+              <a:t>1/10/2024</a:t>
             </a:fld>
             <a:endParaRPr lang="en-US"/>
           </a:p>
@@ -2068,7 +3827,7 @@
           <a:p>
             <a:fld id="{8584B886-2642-4FA4-9BEF-D5EB2CF943E7}" type="datetimeFigureOut">
               <a:rPr lang="en-US" smtClean="0"/>
-              <a:t>1/8/2024</a:t>
+              <a:t>1/10/2024</a:t>
             </a:fld>
             <a:endParaRPr lang="en-US"/>
           </a:p>
@@ -2379,7 +4138,7 @@
           <a:p>
             <a:fld id="{8584B886-2642-4FA4-9BEF-D5EB2CF943E7}" type="datetimeFigureOut">
               <a:rPr lang="en-US" smtClean="0"/>
-              <a:t>1/8/2024</a:t>
+              <a:t>1/10/2024</a:t>
             </a:fld>
             <a:endParaRPr lang="en-US"/>
           </a:p>
@@ -2667,7 +4426,7 @@
           <a:p>
             <a:fld id="{8584B886-2642-4FA4-9BEF-D5EB2CF943E7}" type="datetimeFigureOut">
               <a:rPr lang="en-US" smtClean="0"/>
-              <a:t>1/8/2024</a:t>
+              <a:t>1/10/2024</a:t>
             </a:fld>
             <a:endParaRPr lang="en-US"/>
           </a:p>
@@ -2908,7 +4667,7 @@
           <a:p>
             <a:fld id="{8584B886-2642-4FA4-9BEF-D5EB2CF943E7}" type="datetimeFigureOut">
               <a:rPr lang="en-US" smtClean="0"/>
-              <a:t>1/8/2024</a:t>
+              <a:t>1/10/2024</a:t>
             </a:fld>
             <a:endParaRPr lang="en-US"/>
           </a:p>
@@ -4259,7 +6018,7 @@
               <a:avLst/>
             </a:prstGeom>
             <a:solidFill>
-              <a:srgbClr val="76BFAC"/>
+              <a:srgbClr val="68A797"/>
             </a:solidFill>
             <a:ln>
               <a:solidFill>
@@ -8623,7 +10382,7 @@
         </p:blipFill>
         <p:spPr>
           <a:xfrm>
-            <a:off x="7352449" y="1441871"/>
+            <a:off x="7352448" y="1496261"/>
             <a:ext cx="608209" cy="531831"/>
           </a:xfrm>
           <a:prstGeom prst="rect">
@@ -9815,10 +11574,14 @@
           <a:p>
             <a:pPr algn="ctr"/>
             <a:r>
-              <a:rPr lang="en-US" dirty="0" err="1"/>
+              <a:rPr lang="en-US" dirty="0" err="1">
+                <a:latin typeface="Bahnschrift SemiBold" panose="020B0502040204020203" pitchFamily="34" charset="0"/>
+              </a:rPr>
               <a:t>Salvar</a:t>
             </a:r>
-            <a:endParaRPr lang="en-US" dirty="0"/>
+            <a:endParaRPr lang="en-US" dirty="0">
+              <a:latin typeface="Bahnschrift SemiBold" panose="020B0502040204020203" pitchFamily="34" charset="0"/>
+            </a:endParaRPr>
           </a:p>
         </p:txBody>
       </p:sp>
@@ -9865,6 +11628,6321 @@
     <p:extLst>
       <p:ext uri="{BB962C8B-B14F-4D97-AF65-F5344CB8AC3E}">
         <p14:creationId xmlns:p14="http://schemas.microsoft.com/office/powerpoint/2010/main" val="2479253297"/>
+      </p:ext>
+    </p:extLst>
+  </p:cSld>
+  <p:clrMapOvr>
+    <a:masterClrMapping/>
+  </p:clrMapOvr>
+</p:sld>
+</file>
+
+<file path=ppt/slides/slide6.xml><?xml version="1.0" encoding="utf-8"?>
+<p:sld xmlns:a="http://schemas.openxmlformats.org/drawingml/2006/main" xmlns:r="http://schemas.openxmlformats.org/officeDocument/2006/relationships" xmlns:p="http://schemas.openxmlformats.org/presentationml/2006/main">
+  <p:cSld>
+    <p:bg>
+      <p:bgPr>
+        <a:solidFill>
+          <a:srgbClr val="ECF3F1"/>
+        </a:solidFill>
+        <a:effectLst/>
+      </p:bgPr>
+    </p:bg>
+    <p:spTree>
+      <p:nvGrpSpPr>
+        <p:cNvPr id="1" name=""/>
+        <p:cNvGrpSpPr/>
+        <p:nvPr/>
+      </p:nvGrpSpPr>
+      <p:grpSpPr>
+        <a:xfrm>
+          <a:off x="0" y="0"/>
+          <a:ext cx="0" cy="0"/>
+          <a:chOff x="0" y="0"/>
+          <a:chExt cx="0" cy="0"/>
+        </a:xfrm>
+      </p:grpSpPr>
+      <p:sp>
+        <p:nvSpPr>
+          <p:cNvPr id="2" name="Rectangle 1">
+            <a:extLst>
+              <a:ext uri="{FF2B5EF4-FFF2-40B4-BE49-F238E27FC236}">
+                <a16:creationId xmlns:a16="http://schemas.microsoft.com/office/drawing/2014/main" id="{64177BDF-BF60-4800-A5C9-0E685ECEF12A}"/>
+              </a:ext>
+            </a:extLst>
+          </p:cNvPr>
+          <p:cNvSpPr/>
+          <p:nvPr/>
+        </p:nvSpPr>
+        <p:spPr>
+          <a:xfrm>
+            <a:off x="0" y="0"/>
+            <a:ext cx="12192000" cy="659876"/>
+          </a:xfrm>
+          <a:prstGeom prst="rect">
+            <a:avLst/>
+          </a:prstGeom>
+          <a:solidFill>
+            <a:srgbClr val="76BFAC"/>
+          </a:solidFill>
+          <a:ln>
+            <a:solidFill>
+              <a:srgbClr val="76BFAC"/>
+            </a:solidFill>
+          </a:ln>
+        </p:spPr>
+        <p:style>
+          <a:lnRef idx="2">
+            <a:schemeClr val="accent1">
+              <a:shade val="50000"/>
+            </a:schemeClr>
+          </a:lnRef>
+          <a:fillRef idx="1">
+            <a:schemeClr val="accent1"/>
+          </a:fillRef>
+          <a:effectRef idx="0">
+            <a:schemeClr val="accent1"/>
+          </a:effectRef>
+          <a:fontRef idx="minor">
+            <a:schemeClr val="lt1"/>
+          </a:fontRef>
+        </p:style>
+        <p:txBody>
+          <a:bodyPr rtlCol="0" anchor="ctr"/>
+          <a:lstStyle/>
+          <a:p>
+            <a:pPr algn="ctr"/>
+            <a:endParaRPr lang="en-US"/>
+          </a:p>
+        </p:txBody>
+      </p:sp>
+      <p:grpSp>
+        <p:nvGrpSpPr>
+          <p:cNvPr id="14" name="Group 13">
+            <a:extLst>
+              <a:ext uri="{FF2B5EF4-FFF2-40B4-BE49-F238E27FC236}">
+                <a16:creationId xmlns:a16="http://schemas.microsoft.com/office/drawing/2014/main" id="{370F5A5E-DD61-4F1B-B31F-D48E97527DAF}"/>
+              </a:ext>
+            </a:extLst>
+          </p:cNvPr>
+          <p:cNvGrpSpPr/>
+          <p:nvPr/>
+        </p:nvGrpSpPr>
+        <p:grpSpPr>
+          <a:xfrm>
+            <a:off x="11517818" y="82164"/>
+            <a:ext cx="509048" cy="495548"/>
+            <a:chOff x="10916239" y="1366887"/>
+            <a:chExt cx="509048" cy="495548"/>
+          </a:xfrm>
+        </p:grpSpPr>
+        <p:sp>
+          <p:nvSpPr>
+            <p:cNvPr id="13" name="Oval 12">
+              <a:extLst>
+                <a:ext uri="{FF2B5EF4-FFF2-40B4-BE49-F238E27FC236}">
+                  <a16:creationId xmlns:a16="http://schemas.microsoft.com/office/drawing/2014/main" id="{0A1A32BA-8986-4790-A542-C30EFBDEA3FF}"/>
+                </a:ext>
+              </a:extLst>
+            </p:cNvPr>
+            <p:cNvSpPr/>
+            <p:nvPr/>
+          </p:nvSpPr>
+          <p:spPr>
+            <a:xfrm>
+              <a:off x="10916239" y="1366887"/>
+              <a:ext cx="509048" cy="495548"/>
+            </a:xfrm>
+            <a:prstGeom prst="ellipse">
+              <a:avLst/>
+            </a:prstGeom>
+            <a:solidFill>
+              <a:schemeClr val="bg1">
+                <a:lumMod val="85000"/>
+              </a:schemeClr>
+            </a:solidFill>
+            <a:ln>
+              <a:solidFill>
+                <a:schemeClr val="bg1">
+                  <a:lumMod val="85000"/>
+                </a:schemeClr>
+              </a:solidFill>
+            </a:ln>
+          </p:spPr>
+          <p:style>
+            <a:lnRef idx="2">
+              <a:schemeClr val="accent1">
+                <a:shade val="50000"/>
+              </a:schemeClr>
+            </a:lnRef>
+            <a:fillRef idx="1">
+              <a:schemeClr val="accent1"/>
+            </a:fillRef>
+            <a:effectRef idx="0">
+              <a:schemeClr val="accent1"/>
+            </a:effectRef>
+            <a:fontRef idx="minor">
+              <a:schemeClr val="lt1"/>
+            </a:fontRef>
+          </p:style>
+          <p:txBody>
+            <a:bodyPr rtlCol="0" anchor="ctr"/>
+            <a:lstStyle/>
+            <a:p>
+              <a:pPr algn="ctr"/>
+              <a:endParaRPr lang="en-US"/>
+            </a:p>
+          </p:txBody>
+        </p:sp>
+        <p:pic>
+          <p:nvPicPr>
+            <p:cNvPr id="12" name="Graphic 11" descr="User">
+              <a:extLst>
+                <a:ext uri="{FF2B5EF4-FFF2-40B4-BE49-F238E27FC236}">
+                  <a16:creationId xmlns:a16="http://schemas.microsoft.com/office/drawing/2014/main" id="{A5559A09-7C4E-4063-A0DE-D9F1270D65CC}"/>
+                </a:ext>
+              </a:extLst>
+            </p:cNvPr>
+            <p:cNvPicPr>
+              <a:picLocks noChangeAspect="1"/>
+            </p:cNvPicPr>
+            <p:nvPr/>
+          </p:nvPicPr>
+          <p:blipFill>
+            <a:blip r:embed="rId2">
+              <a:extLst>
+                <a:ext uri="{28A0092B-C50C-407E-A947-70E740481C1C}">
+                  <a14:useLocalDpi xmlns:a14="http://schemas.microsoft.com/office/drawing/2010/main" val="0"/>
+                </a:ext>
+                <a:ext uri="{96DAC541-7B7A-43D3-8B79-37D633B846F1}">
+                  <asvg:svgBlip xmlns:asvg="http://schemas.microsoft.com/office/drawing/2016/SVG/main" r:embed="rId3"/>
+                </a:ext>
+              </a:extLst>
+            </a:blip>
+            <a:stretch>
+              <a:fillRect/>
+            </a:stretch>
+          </p:blipFill>
+          <p:spPr>
+            <a:xfrm>
+              <a:off x="10935383" y="1366887"/>
+              <a:ext cx="482337" cy="482337"/>
+            </a:xfrm>
+            <a:prstGeom prst="rect">
+              <a:avLst/>
+            </a:prstGeom>
+          </p:spPr>
+        </p:pic>
+      </p:grpSp>
+      <p:sp>
+        <p:nvSpPr>
+          <p:cNvPr id="15" name="TextBox 14">
+            <a:extLst>
+              <a:ext uri="{FF2B5EF4-FFF2-40B4-BE49-F238E27FC236}">
+                <a16:creationId xmlns:a16="http://schemas.microsoft.com/office/drawing/2014/main" id="{BDE5FB8B-8411-4D74-9DEF-0D4A29CA3E6E}"/>
+              </a:ext>
+            </a:extLst>
+          </p:cNvPr>
+          <p:cNvSpPr txBox="1"/>
+          <p:nvPr/>
+        </p:nvSpPr>
+        <p:spPr>
+          <a:xfrm>
+            <a:off x="10681828" y="0"/>
+            <a:ext cx="826418" cy="646331"/>
+          </a:xfrm>
+          <a:prstGeom prst="rect">
+            <a:avLst/>
+          </a:prstGeom>
+          <a:noFill/>
+        </p:spPr>
+        <p:txBody>
+          <a:bodyPr wrap="square" rtlCol="0">
+            <a:spAutoFit/>
+          </a:bodyPr>
+          <a:lstStyle/>
+          <a:p>
+            <a:r>
+              <a:rPr lang="en-US" dirty="0">
+                <a:solidFill>
+                  <a:schemeClr val="bg1"/>
+                </a:solidFill>
+                <a:latin typeface="Bahnschrift SemiBold Condensed" panose="020B0502040204020203" pitchFamily="34" charset="0"/>
+              </a:rPr>
+              <a:t>Ola, </a:t>
+            </a:r>
+            <a:r>
+              <a:rPr lang="en-US" dirty="0" err="1">
+                <a:solidFill>
+                  <a:schemeClr val="bg1"/>
+                </a:solidFill>
+                <a:latin typeface="Bahnschrift SemiBold Condensed" panose="020B0502040204020203" pitchFamily="34" charset="0"/>
+              </a:rPr>
+              <a:t>Usuario</a:t>
+            </a:r>
+            <a:endParaRPr lang="en-US" dirty="0">
+              <a:solidFill>
+                <a:schemeClr val="bg1"/>
+              </a:solidFill>
+              <a:latin typeface="Bahnschrift SemiBold Condensed" panose="020B0502040204020203" pitchFamily="34" charset="0"/>
+            </a:endParaRPr>
+          </a:p>
+        </p:txBody>
+      </p:sp>
+      <p:grpSp>
+        <p:nvGrpSpPr>
+          <p:cNvPr id="18" name="Group 17">
+            <a:extLst>
+              <a:ext uri="{FF2B5EF4-FFF2-40B4-BE49-F238E27FC236}">
+                <a16:creationId xmlns:a16="http://schemas.microsoft.com/office/drawing/2014/main" id="{1210462B-BB4F-4841-9855-3D630CA863B1}"/>
+              </a:ext>
+            </a:extLst>
+          </p:cNvPr>
+          <p:cNvGrpSpPr/>
+          <p:nvPr/>
+        </p:nvGrpSpPr>
+        <p:grpSpPr>
+          <a:xfrm>
+            <a:off x="11969449" y="474614"/>
+            <a:ext cx="133977" cy="144180"/>
+            <a:chOff x="9049145" y="705720"/>
+            <a:chExt cx="197298" cy="182121"/>
+          </a:xfrm>
+        </p:grpSpPr>
+        <p:sp>
+          <p:nvSpPr>
+            <p:cNvPr id="17" name="Rectangle 16">
+              <a:extLst>
+                <a:ext uri="{FF2B5EF4-FFF2-40B4-BE49-F238E27FC236}">
+                  <a16:creationId xmlns:a16="http://schemas.microsoft.com/office/drawing/2014/main" id="{22FC9661-3ED5-4E0A-9C2E-4FEF0E6A1F67}"/>
+                </a:ext>
+              </a:extLst>
+            </p:cNvPr>
+            <p:cNvSpPr/>
+            <p:nvPr/>
+          </p:nvSpPr>
+          <p:spPr>
+            <a:xfrm>
+              <a:off x="9049145" y="705720"/>
+              <a:ext cx="197298" cy="182121"/>
+            </a:xfrm>
+            <a:prstGeom prst="rect">
+              <a:avLst/>
+            </a:prstGeom>
+            <a:solidFill>
+              <a:schemeClr val="bg1">
+                <a:lumMod val="85000"/>
+              </a:schemeClr>
+            </a:solidFill>
+            <a:ln>
+              <a:solidFill>
+                <a:schemeClr val="bg1">
+                  <a:lumMod val="85000"/>
+                </a:schemeClr>
+              </a:solidFill>
+            </a:ln>
+          </p:spPr>
+          <p:style>
+            <a:lnRef idx="2">
+              <a:schemeClr val="accent1">
+                <a:shade val="50000"/>
+              </a:schemeClr>
+            </a:lnRef>
+            <a:fillRef idx="1">
+              <a:schemeClr val="accent1"/>
+            </a:fillRef>
+            <a:effectRef idx="0">
+              <a:schemeClr val="accent1"/>
+            </a:effectRef>
+            <a:fontRef idx="minor">
+              <a:schemeClr val="lt1"/>
+            </a:fontRef>
+          </p:style>
+          <p:txBody>
+            <a:bodyPr rtlCol="0" anchor="ctr"/>
+            <a:lstStyle/>
+            <a:p>
+              <a:pPr algn="ctr"/>
+              <a:endParaRPr lang="en-US"/>
+            </a:p>
+          </p:txBody>
+        </p:sp>
+        <p:sp>
+          <p:nvSpPr>
+            <p:cNvPr id="16" name="Isosceles Triangle 15">
+              <a:extLst>
+                <a:ext uri="{FF2B5EF4-FFF2-40B4-BE49-F238E27FC236}">
+                  <a16:creationId xmlns:a16="http://schemas.microsoft.com/office/drawing/2014/main" id="{B4C8D83F-0A99-408E-9604-58B7AF29B706}"/>
+                </a:ext>
+              </a:extLst>
+            </p:cNvPr>
+            <p:cNvSpPr/>
+            <p:nvPr/>
+          </p:nvSpPr>
+          <p:spPr>
+            <a:xfrm rot="10800000">
+              <a:off x="9102264" y="739867"/>
+              <a:ext cx="106237" cy="117620"/>
+            </a:xfrm>
+            <a:prstGeom prst="triangle">
+              <a:avLst/>
+            </a:prstGeom>
+            <a:solidFill>
+              <a:schemeClr val="tx1"/>
+            </a:solidFill>
+            <a:ln>
+              <a:solidFill>
+                <a:schemeClr val="tx1"/>
+              </a:solidFill>
+            </a:ln>
+          </p:spPr>
+          <p:style>
+            <a:lnRef idx="2">
+              <a:schemeClr val="accent1">
+                <a:shade val="50000"/>
+              </a:schemeClr>
+            </a:lnRef>
+            <a:fillRef idx="1">
+              <a:schemeClr val="accent1"/>
+            </a:fillRef>
+            <a:effectRef idx="0">
+              <a:schemeClr val="accent1"/>
+            </a:effectRef>
+            <a:fontRef idx="minor">
+              <a:schemeClr val="lt1"/>
+            </a:fontRef>
+          </p:style>
+          <p:txBody>
+            <a:bodyPr rtlCol="0" anchor="ctr"/>
+            <a:lstStyle/>
+            <a:p>
+              <a:pPr algn="ctr"/>
+              <a:endParaRPr lang="en-US"/>
+            </a:p>
+          </p:txBody>
+        </p:sp>
+      </p:grpSp>
+      <p:sp>
+        <p:nvSpPr>
+          <p:cNvPr id="5" name="TextBox 4">
+            <a:extLst>
+              <a:ext uri="{FF2B5EF4-FFF2-40B4-BE49-F238E27FC236}">
+                <a16:creationId xmlns:a16="http://schemas.microsoft.com/office/drawing/2014/main" id="{C6B78D9D-3225-4E47-B3D4-7F1C1B61E1CB}"/>
+              </a:ext>
+            </a:extLst>
+          </p:cNvPr>
+          <p:cNvSpPr txBox="1"/>
+          <p:nvPr/>
+        </p:nvSpPr>
+        <p:spPr>
+          <a:xfrm>
+            <a:off x="114339" y="-131727"/>
+            <a:ext cx="2697636" cy="923330"/>
+          </a:xfrm>
+          <a:prstGeom prst="rect">
+            <a:avLst/>
+          </a:prstGeom>
+          <a:noFill/>
+        </p:spPr>
+        <p:txBody>
+          <a:bodyPr wrap="square" rtlCol="0">
+            <a:spAutoFit/>
+          </a:bodyPr>
+          <a:lstStyle/>
+          <a:p>
+            <a:pPr algn="ctr"/>
+            <a:r>
+              <a:rPr lang="en-US" sz="5400" dirty="0">
+                <a:solidFill>
+                  <a:srgbClr val="505F75"/>
+                </a:solidFill>
+                <a:latin typeface="Baskerville Old Face" panose="02020602080505020303" pitchFamily="18" charset="0"/>
+              </a:rPr>
+              <a:t>Bella Pet</a:t>
+            </a:r>
+          </a:p>
+        </p:txBody>
+      </p:sp>
+      <p:sp>
+        <p:nvSpPr>
+          <p:cNvPr id="19" name="Rectangle 18">
+            <a:extLst>
+              <a:ext uri="{FF2B5EF4-FFF2-40B4-BE49-F238E27FC236}">
+                <a16:creationId xmlns:a16="http://schemas.microsoft.com/office/drawing/2014/main" id="{27593590-9426-4A55-8222-D868AC7E3765}"/>
+              </a:ext>
+            </a:extLst>
+          </p:cNvPr>
+          <p:cNvSpPr/>
+          <p:nvPr/>
+        </p:nvSpPr>
+        <p:spPr>
+          <a:xfrm>
+            <a:off x="-1" y="659876"/>
+            <a:ext cx="2410691" cy="6198124"/>
+          </a:xfrm>
+          <a:prstGeom prst="rect">
+            <a:avLst/>
+          </a:prstGeom>
+          <a:solidFill>
+            <a:srgbClr val="505F75"/>
+          </a:solidFill>
+          <a:ln>
+            <a:solidFill>
+              <a:srgbClr val="505F75"/>
+            </a:solidFill>
+          </a:ln>
+        </p:spPr>
+        <p:style>
+          <a:lnRef idx="2">
+            <a:schemeClr val="accent1">
+              <a:shade val="50000"/>
+            </a:schemeClr>
+          </a:lnRef>
+          <a:fillRef idx="1">
+            <a:schemeClr val="accent1"/>
+          </a:fillRef>
+          <a:effectRef idx="0">
+            <a:schemeClr val="accent1"/>
+          </a:effectRef>
+          <a:fontRef idx="minor">
+            <a:schemeClr val="lt1"/>
+          </a:fontRef>
+        </p:style>
+        <p:txBody>
+          <a:bodyPr rtlCol="0" anchor="ctr"/>
+          <a:lstStyle/>
+          <a:p>
+            <a:pPr algn="ctr"/>
+            <a:endParaRPr lang="en-US"/>
+          </a:p>
+        </p:txBody>
+      </p:sp>
+      <p:grpSp>
+        <p:nvGrpSpPr>
+          <p:cNvPr id="29" name="Group 28">
+            <a:extLst>
+              <a:ext uri="{FF2B5EF4-FFF2-40B4-BE49-F238E27FC236}">
+                <a16:creationId xmlns:a16="http://schemas.microsoft.com/office/drawing/2014/main" id="{7DFD4ECE-7174-4F21-87F4-81D21FDEC443}"/>
+              </a:ext>
+            </a:extLst>
+          </p:cNvPr>
+          <p:cNvGrpSpPr/>
+          <p:nvPr/>
+        </p:nvGrpSpPr>
+        <p:grpSpPr>
+          <a:xfrm>
+            <a:off x="114339" y="1648357"/>
+            <a:ext cx="2090213" cy="463327"/>
+            <a:chOff x="4394498" y="1248968"/>
+            <a:chExt cx="2090213" cy="463327"/>
+          </a:xfrm>
+        </p:grpSpPr>
+        <p:sp>
+          <p:nvSpPr>
+            <p:cNvPr id="21" name="Rectangle 20">
+              <a:extLst>
+                <a:ext uri="{FF2B5EF4-FFF2-40B4-BE49-F238E27FC236}">
+                  <a16:creationId xmlns:a16="http://schemas.microsoft.com/office/drawing/2014/main" id="{7CB65F31-B929-4AD0-B8B8-4AD21A4B5561}"/>
+                </a:ext>
+              </a:extLst>
+            </p:cNvPr>
+            <p:cNvSpPr/>
+            <p:nvPr/>
+          </p:nvSpPr>
+          <p:spPr>
+            <a:xfrm>
+              <a:off x="4394498" y="1253268"/>
+              <a:ext cx="2090213" cy="459027"/>
+            </a:xfrm>
+            <a:prstGeom prst="rect">
+              <a:avLst/>
+            </a:prstGeom>
+            <a:solidFill>
+              <a:srgbClr val="76BFAC"/>
+            </a:solidFill>
+            <a:ln>
+              <a:solidFill>
+                <a:srgbClr val="76BFAC"/>
+              </a:solidFill>
+            </a:ln>
+          </p:spPr>
+          <p:style>
+            <a:lnRef idx="2">
+              <a:schemeClr val="accent1">
+                <a:shade val="50000"/>
+              </a:schemeClr>
+            </a:lnRef>
+            <a:fillRef idx="1">
+              <a:schemeClr val="accent1"/>
+            </a:fillRef>
+            <a:effectRef idx="0">
+              <a:schemeClr val="accent1"/>
+            </a:effectRef>
+            <a:fontRef idx="minor">
+              <a:schemeClr val="lt1"/>
+            </a:fontRef>
+          </p:style>
+          <p:txBody>
+            <a:bodyPr rtlCol="0" anchor="ctr"/>
+            <a:lstStyle/>
+            <a:p>
+              <a:pPr algn="r"/>
+              <a:r>
+                <a:rPr lang="en-US" dirty="0" err="1">
+                  <a:latin typeface="Bahnschrift SemiBold Condensed" panose="020B0502040204020203" pitchFamily="34" charset="0"/>
+                </a:rPr>
+                <a:t>Controle</a:t>
+              </a:r>
+              <a:r>
+                <a:rPr lang="en-US" dirty="0">
+                  <a:latin typeface="Bahnschrift SemiBold Condensed" panose="020B0502040204020203" pitchFamily="34" charset="0"/>
+                </a:rPr>
+                <a:t> de </a:t>
+              </a:r>
+              <a:r>
+                <a:rPr lang="en-US" dirty="0" err="1">
+                  <a:latin typeface="Bahnschrift SemiBold Condensed" panose="020B0502040204020203" pitchFamily="34" charset="0"/>
+                </a:rPr>
+                <a:t>Estoque</a:t>
+              </a:r>
+              <a:endParaRPr lang="en-US" dirty="0">
+                <a:latin typeface="Bahnschrift SemiBold Condensed" panose="020B0502040204020203" pitchFamily="34" charset="0"/>
+              </a:endParaRPr>
+            </a:p>
+          </p:txBody>
+        </p:sp>
+        <p:pic>
+          <p:nvPicPr>
+            <p:cNvPr id="28" name="Graphic 27" descr="Books on shelf">
+              <a:extLst>
+                <a:ext uri="{FF2B5EF4-FFF2-40B4-BE49-F238E27FC236}">
+                  <a16:creationId xmlns:a16="http://schemas.microsoft.com/office/drawing/2014/main" id="{A41F5832-3FE9-4744-ADC8-2A8C61450020}"/>
+                </a:ext>
+              </a:extLst>
+            </p:cNvPr>
+            <p:cNvPicPr>
+              <a:picLocks noChangeAspect="1"/>
+            </p:cNvPicPr>
+            <p:nvPr/>
+          </p:nvPicPr>
+          <p:blipFill>
+            <a:blip r:embed="rId4">
+              <a:extLst>
+                <a:ext uri="{28A0092B-C50C-407E-A947-70E740481C1C}">
+                  <a14:useLocalDpi xmlns:a14="http://schemas.microsoft.com/office/drawing/2010/main" val="0"/>
+                </a:ext>
+                <a:ext uri="{96DAC541-7B7A-43D3-8B79-37D633B846F1}">
+                  <asvg:svgBlip xmlns:asvg="http://schemas.microsoft.com/office/drawing/2016/SVG/main" r:embed="rId5"/>
+                </a:ext>
+              </a:extLst>
+            </a:blip>
+            <a:stretch>
+              <a:fillRect/>
+            </a:stretch>
+          </p:blipFill>
+          <p:spPr>
+            <a:xfrm>
+              <a:off x="4394499" y="1248968"/>
+              <a:ext cx="459028" cy="459028"/>
+            </a:xfrm>
+            <a:prstGeom prst="rect">
+              <a:avLst/>
+            </a:prstGeom>
+          </p:spPr>
+        </p:pic>
+      </p:grpSp>
+      <p:grpSp>
+        <p:nvGrpSpPr>
+          <p:cNvPr id="40" name="Group 39">
+            <a:extLst>
+              <a:ext uri="{FF2B5EF4-FFF2-40B4-BE49-F238E27FC236}">
+                <a16:creationId xmlns:a16="http://schemas.microsoft.com/office/drawing/2014/main" id="{3EB464E0-BFD7-4B8D-9ECB-5EAB85A846C0}"/>
+              </a:ext>
+            </a:extLst>
+          </p:cNvPr>
+          <p:cNvGrpSpPr/>
+          <p:nvPr/>
+        </p:nvGrpSpPr>
+        <p:grpSpPr>
+          <a:xfrm>
+            <a:off x="114339" y="2267285"/>
+            <a:ext cx="2090214" cy="507403"/>
+            <a:chOff x="4394498" y="1867896"/>
+            <a:chExt cx="2090214" cy="507403"/>
+          </a:xfrm>
+        </p:grpSpPr>
+        <p:sp>
+          <p:nvSpPr>
+            <p:cNvPr id="22" name="Rectangle 21">
+              <a:extLst>
+                <a:ext uri="{FF2B5EF4-FFF2-40B4-BE49-F238E27FC236}">
+                  <a16:creationId xmlns:a16="http://schemas.microsoft.com/office/drawing/2014/main" id="{BF71EF1E-FE61-40DB-9C76-2B4DB96BEB0E}"/>
+                </a:ext>
+              </a:extLst>
+            </p:cNvPr>
+            <p:cNvSpPr/>
+            <p:nvPr/>
+          </p:nvSpPr>
+          <p:spPr>
+            <a:xfrm>
+              <a:off x="4394498" y="1892085"/>
+              <a:ext cx="2090214" cy="459027"/>
+            </a:xfrm>
+            <a:prstGeom prst="rect">
+              <a:avLst/>
+            </a:prstGeom>
+            <a:solidFill>
+              <a:srgbClr val="68A797"/>
+            </a:solidFill>
+            <a:ln>
+              <a:solidFill>
+                <a:srgbClr val="76BFAC"/>
+              </a:solidFill>
+            </a:ln>
+          </p:spPr>
+          <p:style>
+            <a:lnRef idx="2">
+              <a:schemeClr val="accent1">
+                <a:shade val="50000"/>
+              </a:schemeClr>
+            </a:lnRef>
+            <a:fillRef idx="1">
+              <a:schemeClr val="accent1"/>
+            </a:fillRef>
+            <a:effectRef idx="0">
+              <a:schemeClr val="accent1"/>
+            </a:effectRef>
+            <a:fontRef idx="minor">
+              <a:schemeClr val="lt1"/>
+            </a:fontRef>
+          </p:style>
+          <p:txBody>
+            <a:bodyPr rtlCol="0" anchor="ctr"/>
+            <a:lstStyle/>
+            <a:p>
+              <a:pPr algn="r"/>
+              <a:r>
+                <a:rPr lang="en-US" dirty="0" err="1">
+                  <a:latin typeface="Bahnschrift SemiBold Condensed" panose="020B0502040204020203" pitchFamily="34" charset="0"/>
+                </a:rPr>
+                <a:t>Calendario</a:t>
+              </a:r>
+              <a:endParaRPr lang="en-US" dirty="0">
+                <a:latin typeface="Bahnschrift SemiBold Condensed" panose="020B0502040204020203" pitchFamily="34" charset="0"/>
+              </a:endParaRPr>
+            </a:p>
+          </p:txBody>
+        </p:sp>
+        <p:pic>
+          <p:nvPicPr>
+            <p:cNvPr id="31" name="Graphic 30" descr="Monthly calendar">
+              <a:extLst>
+                <a:ext uri="{FF2B5EF4-FFF2-40B4-BE49-F238E27FC236}">
+                  <a16:creationId xmlns:a16="http://schemas.microsoft.com/office/drawing/2014/main" id="{F5A3D32E-1F53-4E0A-A066-9C9C1F151723}"/>
+                </a:ext>
+              </a:extLst>
+            </p:cNvPr>
+            <p:cNvPicPr>
+              <a:picLocks noChangeAspect="1"/>
+            </p:cNvPicPr>
+            <p:nvPr/>
+          </p:nvPicPr>
+          <p:blipFill>
+            <a:blip r:embed="rId6">
+              <a:extLst>
+                <a:ext uri="{28A0092B-C50C-407E-A947-70E740481C1C}">
+                  <a14:useLocalDpi xmlns:a14="http://schemas.microsoft.com/office/drawing/2010/main" val="0"/>
+                </a:ext>
+                <a:ext uri="{96DAC541-7B7A-43D3-8B79-37D633B846F1}">
+                  <asvg:svgBlip xmlns:asvg="http://schemas.microsoft.com/office/drawing/2016/SVG/main" r:embed="rId7"/>
+                </a:ext>
+              </a:extLst>
+            </a:blip>
+            <a:stretch>
+              <a:fillRect/>
+            </a:stretch>
+          </p:blipFill>
+          <p:spPr>
+            <a:xfrm>
+              <a:off x="4394498" y="1867896"/>
+              <a:ext cx="507403" cy="507403"/>
+            </a:xfrm>
+            <a:prstGeom prst="rect">
+              <a:avLst/>
+            </a:prstGeom>
+          </p:spPr>
+        </p:pic>
+      </p:grpSp>
+      <p:grpSp>
+        <p:nvGrpSpPr>
+          <p:cNvPr id="41" name="Group 40">
+            <a:extLst>
+              <a:ext uri="{FF2B5EF4-FFF2-40B4-BE49-F238E27FC236}">
+                <a16:creationId xmlns:a16="http://schemas.microsoft.com/office/drawing/2014/main" id="{91D02E13-DD28-4CA8-AB4A-47481B346711}"/>
+              </a:ext>
+            </a:extLst>
+          </p:cNvPr>
+          <p:cNvGrpSpPr/>
+          <p:nvPr/>
+        </p:nvGrpSpPr>
+        <p:grpSpPr>
+          <a:xfrm>
+            <a:off x="114339" y="2930291"/>
+            <a:ext cx="2090214" cy="459027"/>
+            <a:chOff x="4394498" y="2530902"/>
+            <a:chExt cx="2090214" cy="459027"/>
+          </a:xfrm>
+        </p:grpSpPr>
+        <p:sp>
+          <p:nvSpPr>
+            <p:cNvPr id="23" name="Rectangle 22">
+              <a:extLst>
+                <a:ext uri="{FF2B5EF4-FFF2-40B4-BE49-F238E27FC236}">
+                  <a16:creationId xmlns:a16="http://schemas.microsoft.com/office/drawing/2014/main" id="{47F2F85C-216E-4A53-B093-A18F09A96BEE}"/>
+                </a:ext>
+              </a:extLst>
+            </p:cNvPr>
+            <p:cNvSpPr/>
+            <p:nvPr/>
+          </p:nvSpPr>
+          <p:spPr>
+            <a:xfrm>
+              <a:off x="4394498" y="2530902"/>
+              <a:ext cx="2090214" cy="459027"/>
+            </a:xfrm>
+            <a:prstGeom prst="rect">
+              <a:avLst/>
+            </a:prstGeom>
+            <a:solidFill>
+              <a:srgbClr val="76BFAC"/>
+            </a:solidFill>
+            <a:ln>
+              <a:solidFill>
+                <a:srgbClr val="76BFAC"/>
+              </a:solidFill>
+            </a:ln>
+          </p:spPr>
+          <p:style>
+            <a:lnRef idx="2">
+              <a:schemeClr val="accent1">
+                <a:shade val="50000"/>
+              </a:schemeClr>
+            </a:lnRef>
+            <a:fillRef idx="1">
+              <a:schemeClr val="accent1"/>
+            </a:fillRef>
+            <a:effectRef idx="0">
+              <a:schemeClr val="accent1"/>
+            </a:effectRef>
+            <a:fontRef idx="minor">
+              <a:schemeClr val="lt1"/>
+            </a:fontRef>
+          </p:style>
+          <p:txBody>
+            <a:bodyPr rtlCol="0" anchor="ctr"/>
+            <a:lstStyle/>
+            <a:p>
+              <a:pPr algn="r"/>
+              <a:r>
+                <a:rPr lang="en-US" dirty="0" err="1">
+                  <a:latin typeface="Bahnschrift SemiBold Condensed" panose="020B0502040204020203" pitchFamily="34" charset="0"/>
+                </a:rPr>
+                <a:t>Livro</a:t>
+              </a:r>
+              <a:r>
+                <a:rPr lang="en-US" dirty="0">
+                  <a:latin typeface="Bahnschrift SemiBold Condensed" panose="020B0502040204020203" pitchFamily="34" charset="0"/>
+                </a:rPr>
+                <a:t>-Caixa</a:t>
+              </a:r>
+            </a:p>
+          </p:txBody>
+        </p:sp>
+        <p:pic>
+          <p:nvPicPr>
+            <p:cNvPr id="33" name="Graphic 32" descr="Register">
+              <a:extLst>
+                <a:ext uri="{FF2B5EF4-FFF2-40B4-BE49-F238E27FC236}">
+                  <a16:creationId xmlns:a16="http://schemas.microsoft.com/office/drawing/2014/main" id="{A35ED390-963B-4B15-BE7A-00D7F40189E9}"/>
+                </a:ext>
+              </a:extLst>
+            </p:cNvPr>
+            <p:cNvPicPr>
+              <a:picLocks noChangeAspect="1"/>
+            </p:cNvPicPr>
+            <p:nvPr/>
+          </p:nvPicPr>
+          <p:blipFill>
+            <a:blip r:embed="rId8">
+              <a:extLst>
+                <a:ext uri="{28A0092B-C50C-407E-A947-70E740481C1C}">
+                  <a14:useLocalDpi xmlns:a14="http://schemas.microsoft.com/office/drawing/2010/main" val="0"/>
+                </a:ext>
+                <a:ext uri="{96DAC541-7B7A-43D3-8B79-37D633B846F1}">
+                  <asvg:svgBlip xmlns:asvg="http://schemas.microsoft.com/office/drawing/2016/SVG/main" r:embed="rId9"/>
+                </a:ext>
+              </a:extLst>
+            </a:blip>
+            <a:stretch>
+              <a:fillRect/>
+            </a:stretch>
+          </p:blipFill>
+          <p:spPr>
+            <a:xfrm>
+              <a:off x="4446531" y="2556917"/>
+              <a:ext cx="406996" cy="406996"/>
+            </a:xfrm>
+            <a:prstGeom prst="rect">
+              <a:avLst/>
+            </a:prstGeom>
+          </p:spPr>
+        </p:pic>
+      </p:grpSp>
+      <p:grpSp>
+        <p:nvGrpSpPr>
+          <p:cNvPr id="42" name="Group 41">
+            <a:extLst>
+              <a:ext uri="{FF2B5EF4-FFF2-40B4-BE49-F238E27FC236}">
+                <a16:creationId xmlns:a16="http://schemas.microsoft.com/office/drawing/2014/main" id="{4834D949-97E3-4A4B-9C0E-2C5A9D2A45E1}"/>
+              </a:ext>
+            </a:extLst>
+          </p:cNvPr>
+          <p:cNvGrpSpPr/>
+          <p:nvPr/>
+        </p:nvGrpSpPr>
+        <p:grpSpPr>
+          <a:xfrm>
+            <a:off x="114339" y="3569108"/>
+            <a:ext cx="2090214" cy="459027"/>
+            <a:chOff x="4394498" y="3169719"/>
+            <a:chExt cx="2090214" cy="459027"/>
+          </a:xfrm>
+        </p:grpSpPr>
+        <p:sp>
+          <p:nvSpPr>
+            <p:cNvPr id="24" name="Rectangle 23">
+              <a:extLst>
+                <a:ext uri="{FF2B5EF4-FFF2-40B4-BE49-F238E27FC236}">
+                  <a16:creationId xmlns:a16="http://schemas.microsoft.com/office/drawing/2014/main" id="{7BB2378D-193D-4348-AC37-783445213FF3}"/>
+                </a:ext>
+              </a:extLst>
+            </p:cNvPr>
+            <p:cNvSpPr/>
+            <p:nvPr/>
+          </p:nvSpPr>
+          <p:spPr>
+            <a:xfrm>
+              <a:off x="4394498" y="3169719"/>
+              <a:ext cx="2090214" cy="459027"/>
+            </a:xfrm>
+            <a:prstGeom prst="rect">
+              <a:avLst/>
+            </a:prstGeom>
+            <a:solidFill>
+              <a:srgbClr val="76BFAC"/>
+            </a:solidFill>
+            <a:ln>
+              <a:solidFill>
+                <a:srgbClr val="76BFAC"/>
+              </a:solidFill>
+            </a:ln>
+          </p:spPr>
+          <p:style>
+            <a:lnRef idx="2">
+              <a:schemeClr val="accent1">
+                <a:shade val="50000"/>
+              </a:schemeClr>
+            </a:lnRef>
+            <a:fillRef idx="1">
+              <a:schemeClr val="accent1"/>
+            </a:fillRef>
+            <a:effectRef idx="0">
+              <a:schemeClr val="accent1"/>
+            </a:effectRef>
+            <a:fontRef idx="minor">
+              <a:schemeClr val="lt1"/>
+            </a:fontRef>
+          </p:style>
+          <p:txBody>
+            <a:bodyPr rtlCol="0" anchor="ctr"/>
+            <a:lstStyle/>
+            <a:p>
+              <a:pPr algn="r"/>
+              <a:r>
+                <a:rPr lang="en-US" dirty="0" err="1">
+                  <a:latin typeface="Bahnschrift SemiBold Condensed" panose="020B0502040204020203" pitchFamily="34" charset="0"/>
+                </a:rPr>
+                <a:t>Simulador</a:t>
+              </a:r>
+              <a:endParaRPr lang="en-US" dirty="0">
+                <a:latin typeface="Bahnschrift SemiBold Condensed" panose="020B0502040204020203" pitchFamily="34" charset="0"/>
+              </a:endParaRPr>
+            </a:p>
+          </p:txBody>
+        </p:sp>
+        <p:pic>
+          <p:nvPicPr>
+            <p:cNvPr id="35" name="Graphic 34" descr="Lightbulb">
+              <a:extLst>
+                <a:ext uri="{FF2B5EF4-FFF2-40B4-BE49-F238E27FC236}">
+                  <a16:creationId xmlns:a16="http://schemas.microsoft.com/office/drawing/2014/main" id="{E652F4B9-53E6-41CB-9D73-A6C1AB95607E}"/>
+                </a:ext>
+              </a:extLst>
+            </p:cNvPr>
+            <p:cNvPicPr>
+              <a:picLocks noChangeAspect="1"/>
+            </p:cNvPicPr>
+            <p:nvPr/>
+          </p:nvPicPr>
+          <p:blipFill>
+            <a:blip r:embed="rId10">
+              <a:extLst>
+                <a:ext uri="{28A0092B-C50C-407E-A947-70E740481C1C}">
+                  <a14:useLocalDpi xmlns:a14="http://schemas.microsoft.com/office/drawing/2010/main" val="0"/>
+                </a:ext>
+                <a:ext uri="{96DAC541-7B7A-43D3-8B79-37D633B846F1}">
+                  <asvg:svgBlip xmlns:asvg="http://schemas.microsoft.com/office/drawing/2016/SVG/main" r:embed="rId11"/>
+                </a:ext>
+              </a:extLst>
+            </a:blip>
+            <a:stretch>
+              <a:fillRect/>
+            </a:stretch>
+          </p:blipFill>
+          <p:spPr>
+            <a:xfrm>
+              <a:off x="4446531" y="3202304"/>
+              <a:ext cx="381017" cy="381017"/>
+            </a:xfrm>
+            <a:prstGeom prst="rect">
+              <a:avLst/>
+            </a:prstGeom>
+          </p:spPr>
+        </p:pic>
+      </p:grpSp>
+      <p:grpSp>
+        <p:nvGrpSpPr>
+          <p:cNvPr id="43" name="Group 42">
+            <a:extLst>
+              <a:ext uri="{FF2B5EF4-FFF2-40B4-BE49-F238E27FC236}">
+                <a16:creationId xmlns:a16="http://schemas.microsoft.com/office/drawing/2014/main" id="{6BA19F4E-EA4A-414B-B446-B5E4B0AB5457}"/>
+              </a:ext>
+            </a:extLst>
+          </p:cNvPr>
+          <p:cNvGrpSpPr/>
+          <p:nvPr/>
+        </p:nvGrpSpPr>
+        <p:grpSpPr>
+          <a:xfrm>
+            <a:off x="114339" y="4176548"/>
+            <a:ext cx="2090214" cy="490404"/>
+            <a:chOff x="4394498" y="3777159"/>
+            <a:chExt cx="2090214" cy="490404"/>
+          </a:xfrm>
+        </p:grpSpPr>
+        <p:sp>
+          <p:nvSpPr>
+            <p:cNvPr id="25" name="Rectangle 24">
+              <a:extLst>
+                <a:ext uri="{FF2B5EF4-FFF2-40B4-BE49-F238E27FC236}">
+                  <a16:creationId xmlns:a16="http://schemas.microsoft.com/office/drawing/2014/main" id="{F41DB2EC-9CEB-474E-9EA8-1F5A1C12C7AD}"/>
+                </a:ext>
+              </a:extLst>
+            </p:cNvPr>
+            <p:cNvSpPr/>
+            <p:nvPr/>
+          </p:nvSpPr>
+          <p:spPr>
+            <a:xfrm>
+              <a:off x="4394498" y="3808536"/>
+              <a:ext cx="2090214" cy="459027"/>
+            </a:xfrm>
+            <a:prstGeom prst="rect">
+              <a:avLst/>
+            </a:prstGeom>
+            <a:solidFill>
+              <a:srgbClr val="76BFAC"/>
+            </a:solidFill>
+            <a:ln>
+              <a:solidFill>
+                <a:srgbClr val="76BFAC"/>
+              </a:solidFill>
+            </a:ln>
+          </p:spPr>
+          <p:style>
+            <a:lnRef idx="2">
+              <a:schemeClr val="accent1">
+                <a:shade val="50000"/>
+              </a:schemeClr>
+            </a:lnRef>
+            <a:fillRef idx="1">
+              <a:schemeClr val="accent1"/>
+            </a:fillRef>
+            <a:effectRef idx="0">
+              <a:schemeClr val="accent1"/>
+            </a:effectRef>
+            <a:fontRef idx="minor">
+              <a:schemeClr val="lt1"/>
+            </a:fontRef>
+          </p:style>
+          <p:txBody>
+            <a:bodyPr rtlCol="0" anchor="ctr"/>
+            <a:lstStyle/>
+            <a:p>
+              <a:pPr algn="r"/>
+              <a:r>
+                <a:rPr lang="en-US" dirty="0" err="1">
+                  <a:latin typeface="Bahnschrift SemiBold Condensed" panose="020B0502040204020203" pitchFamily="34" charset="0"/>
+                </a:rPr>
+                <a:t>Catalogos</a:t>
+              </a:r>
+              <a:endParaRPr lang="en-US" dirty="0">
+                <a:latin typeface="Bahnschrift SemiBold Condensed" panose="020B0502040204020203" pitchFamily="34" charset="0"/>
+              </a:endParaRPr>
+            </a:p>
+          </p:txBody>
+        </p:sp>
+        <p:pic>
+          <p:nvPicPr>
+            <p:cNvPr id="37" name="Graphic 36" descr="Open folder">
+              <a:extLst>
+                <a:ext uri="{FF2B5EF4-FFF2-40B4-BE49-F238E27FC236}">
+                  <a16:creationId xmlns:a16="http://schemas.microsoft.com/office/drawing/2014/main" id="{85B1C722-44E4-4735-88FD-39E8D9486004}"/>
+                </a:ext>
+              </a:extLst>
+            </p:cNvPr>
+            <p:cNvPicPr>
+              <a:picLocks noChangeAspect="1"/>
+            </p:cNvPicPr>
+            <p:nvPr/>
+          </p:nvPicPr>
+          <p:blipFill>
+            <a:blip r:embed="rId12">
+              <a:extLst>
+                <a:ext uri="{28A0092B-C50C-407E-A947-70E740481C1C}">
+                  <a14:useLocalDpi xmlns:a14="http://schemas.microsoft.com/office/drawing/2010/main" val="0"/>
+                </a:ext>
+                <a:ext uri="{96DAC541-7B7A-43D3-8B79-37D633B846F1}">
+                  <asvg:svgBlip xmlns:asvg="http://schemas.microsoft.com/office/drawing/2016/SVG/main" r:embed="rId13"/>
+                </a:ext>
+              </a:extLst>
+            </a:blip>
+            <a:stretch>
+              <a:fillRect/>
+            </a:stretch>
+          </p:blipFill>
+          <p:spPr>
+            <a:xfrm>
+              <a:off x="4446531" y="3777159"/>
+              <a:ext cx="490404" cy="490404"/>
+            </a:xfrm>
+            <a:prstGeom prst="rect">
+              <a:avLst/>
+            </a:prstGeom>
+          </p:spPr>
+        </p:pic>
+      </p:grpSp>
+      <p:sp>
+        <p:nvSpPr>
+          <p:cNvPr id="26" name="Rectangle 25">
+            <a:extLst>
+              <a:ext uri="{FF2B5EF4-FFF2-40B4-BE49-F238E27FC236}">
+                <a16:creationId xmlns:a16="http://schemas.microsoft.com/office/drawing/2014/main" id="{0B466217-AAAE-4164-8732-8177ED742C51}"/>
+              </a:ext>
+            </a:extLst>
+          </p:cNvPr>
+          <p:cNvSpPr/>
+          <p:nvPr/>
+        </p:nvSpPr>
+        <p:spPr>
+          <a:xfrm>
+            <a:off x="114339" y="4846742"/>
+            <a:ext cx="2090214" cy="459027"/>
+          </a:xfrm>
+          <a:prstGeom prst="rect">
+            <a:avLst/>
+          </a:prstGeom>
+          <a:solidFill>
+            <a:srgbClr val="76BFAC"/>
+          </a:solidFill>
+          <a:ln>
+            <a:solidFill>
+              <a:srgbClr val="76BFAC"/>
+            </a:solidFill>
+          </a:ln>
+        </p:spPr>
+        <p:style>
+          <a:lnRef idx="2">
+            <a:schemeClr val="accent1">
+              <a:shade val="50000"/>
+            </a:schemeClr>
+          </a:lnRef>
+          <a:fillRef idx="1">
+            <a:schemeClr val="accent1"/>
+          </a:fillRef>
+          <a:effectRef idx="0">
+            <a:schemeClr val="accent1"/>
+          </a:effectRef>
+          <a:fontRef idx="minor">
+            <a:schemeClr val="lt1"/>
+          </a:fontRef>
+        </p:style>
+        <p:txBody>
+          <a:bodyPr rtlCol="0" anchor="ctr"/>
+          <a:lstStyle/>
+          <a:p>
+            <a:pPr algn="r"/>
+            <a:r>
+              <a:rPr lang="en-US" dirty="0">
+                <a:latin typeface="Bahnschrift SemiBold Condensed" panose="020B0502040204020203" pitchFamily="34" charset="0"/>
+              </a:rPr>
+              <a:t>Nota Fiscal</a:t>
+            </a:r>
+          </a:p>
+        </p:txBody>
+      </p:sp>
+      <p:sp>
+        <p:nvSpPr>
+          <p:cNvPr id="45" name="TextBox 44">
+            <a:extLst>
+              <a:ext uri="{FF2B5EF4-FFF2-40B4-BE49-F238E27FC236}">
+                <a16:creationId xmlns:a16="http://schemas.microsoft.com/office/drawing/2014/main" id="{5B803AE1-0ED2-4427-815B-1395C165E39C}"/>
+              </a:ext>
+            </a:extLst>
+          </p:cNvPr>
+          <p:cNvSpPr txBox="1"/>
+          <p:nvPr/>
+        </p:nvSpPr>
+        <p:spPr>
+          <a:xfrm>
+            <a:off x="5054195" y="805124"/>
+            <a:ext cx="4383464" cy="646331"/>
+          </a:xfrm>
+          <a:prstGeom prst="rect">
+            <a:avLst/>
+          </a:prstGeom>
+          <a:noFill/>
+        </p:spPr>
+        <p:txBody>
+          <a:bodyPr wrap="square" rtlCol="0">
+            <a:spAutoFit/>
+          </a:bodyPr>
+          <a:lstStyle/>
+          <a:p>
+            <a:pPr algn="ctr"/>
+            <a:r>
+              <a:rPr lang="en-US" sz="3600" dirty="0" err="1">
+                <a:solidFill>
+                  <a:srgbClr val="505F75"/>
+                </a:solidFill>
+                <a:latin typeface="Baskerville Old Face" panose="02020602080505020303" pitchFamily="18" charset="0"/>
+              </a:rPr>
+              <a:t>Calendario</a:t>
+            </a:r>
+            <a:endParaRPr lang="en-US" sz="3600" dirty="0">
+              <a:solidFill>
+                <a:srgbClr val="505F75"/>
+              </a:solidFill>
+              <a:latin typeface="Baskerville Old Face" panose="02020602080505020303" pitchFamily="18" charset="0"/>
+            </a:endParaRPr>
+          </a:p>
+        </p:txBody>
+      </p:sp>
+      <p:sp>
+        <p:nvSpPr>
+          <p:cNvPr id="91" name="Rectangle 90">
+            <a:extLst>
+              <a:ext uri="{FF2B5EF4-FFF2-40B4-BE49-F238E27FC236}">
+                <a16:creationId xmlns:a16="http://schemas.microsoft.com/office/drawing/2014/main" id="{A7D1E547-71D1-4F7F-885C-A60A4799E3F9}"/>
+              </a:ext>
+            </a:extLst>
+          </p:cNvPr>
+          <p:cNvSpPr/>
+          <p:nvPr/>
+        </p:nvSpPr>
+        <p:spPr>
+          <a:xfrm>
+            <a:off x="114338" y="1016647"/>
+            <a:ext cx="2090213" cy="459027"/>
+          </a:xfrm>
+          <a:prstGeom prst="rect">
+            <a:avLst/>
+          </a:prstGeom>
+          <a:solidFill>
+            <a:srgbClr val="76BFAC"/>
+          </a:solidFill>
+          <a:ln>
+            <a:solidFill>
+              <a:srgbClr val="76BFAC"/>
+            </a:solidFill>
+          </a:ln>
+        </p:spPr>
+        <p:style>
+          <a:lnRef idx="2">
+            <a:schemeClr val="accent1">
+              <a:shade val="50000"/>
+            </a:schemeClr>
+          </a:lnRef>
+          <a:fillRef idx="1">
+            <a:schemeClr val="accent1"/>
+          </a:fillRef>
+          <a:effectRef idx="0">
+            <a:schemeClr val="accent1"/>
+          </a:effectRef>
+          <a:fontRef idx="minor">
+            <a:schemeClr val="lt1"/>
+          </a:fontRef>
+        </p:style>
+        <p:txBody>
+          <a:bodyPr rtlCol="0" anchor="ctr"/>
+          <a:lstStyle/>
+          <a:p>
+            <a:pPr algn="r"/>
+            <a:r>
+              <a:rPr lang="en-US" dirty="0">
+                <a:latin typeface="Bahnschrift SemiBold Condensed" panose="020B0502040204020203" pitchFamily="34" charset="0"/>
+              </a:rPr>
+              <a:t>Venda</a:t>
+            </a:r>
+          </a:p>
+        </p:txBody>
+      </p:sp>
+      <p:pic>
+        <p:nvPicPr>
+          <p:cNvPr id="94" name="Graphic 93" descr="Dollar">
+            <a:extLst>
+              <a:ext uri="{FF2B5EF4-FFF2-40B4-BE49-F238E27FC236}">
+                <a16:creationId xmlns:a16="http://schemas.microsoft.com/office/drawing/2014/main" id="{9D520006-7490-4839-8994-14663C700BF1}"/>
+              </a:ext>
+            </a:extLst>
+          </p:cNvPr>
+          <p:cNvPicPr>
+            <a:picLocks noChangeAspect="1"/>
+          </p:cNvPicPr>
+          <p:nvPr/>
+        </p:nvPicPr>
+        <p:blipFill>
+          <a:blip r:embed="rId14">
+            <a:extLst>
+              <a:ext uri="{28A0092B-C50C-407E-A947-70E740481C1C}">
+                <a14:useLocalDpi xmlns:a14="http://schemas.microsoft.com/office/drawing/2010/main" val="0"/>
+              </a:ext>
+              <a:ext uri="{96DAC541-7B7A-43D3-8B79-37D633B846F1}">
+                <asvg:svgBlip xmlns:asvg="http://schemas.microsoft.com/office/drawing/2016/SVG/main" r:embed="rId15"/>
+              </a:ext>
+            </a:extLst>
+          </a:blip>
+          <a:stretch>
+            <a:fillRect/>
+          </a:stretch>
+        </p:blipFill>
+        <p:spPr>
+          <a:xfrm>
+            <a:off x="136822" y="1026153"/>
+            <a:ext cx="414064" cy="414064"/>
+          </a:xfrm>
+          <a:prstGeom prst="rect">
+            <a:avLst/>
+          </a:prstGeom>
+        </p:spPr>
+      </p:pic>
+      <p:pic>
+        <p:nvPicPr>
+          <p:cNvPr id="96" name="Graphic 95" descr="Document">
+            <a:extLst>
+              <a:ext uri="{FF2B5EF4-FFF2-40B4-BE49-F238E27FC236}">
+                <a16:creationId xmlns:a16="http://schemas.microsoft.com/office/drawing/2014/main" id="{3E48C238-1951-409E-90E5-9D6364AF1673}"/>
+              </a:ext>
+            </a:extLst>
+          </p:cNvPr>
+          <p:cNvPicPr>
+            <a:picLocks noChangeAspect="1"/>
+          </p:cNvPicPr>
+          <p:nvPr/>
+        </p:nvPicPr>
+        <p:blipFill>
+          <a:blip r:embed="rId16">
+            <a:extLst>
+              <a:ext uri="{28A0092B-C50C-407E-A947-70E740481C1C}">
+                <a14:useLocalDpi xmlns:a14="http://schemas.microsoft.com/office/drawing/2010/main" val="0"/>
+              </a:ext>
+              <a:ext uri="{96DAC541-7B7A-43D3-8B79-37D633B846F1}">
+                <asvg:svgBlip xmlns:asvg="http://schemas.microsoft.com/office/drawing/2016/SVG/main" r:embed="rId17"/>
+              </a:ext>
+            </a:extLst>
+          </a:blip>
+          <a:stretch>
+            <a:fillRect/>
+          </a:stretch>
+        </p:blipFill>
+        <p:spPr>
+          <a:xfrm>
+            <a:off x="182974" y="4846087"/>
+            <a:ext cx="457200" cy="457200"/>
+          </a:xfrm>
+          <a:prstGeom prst="rect">
+            <a:avLst/>
+          </a:prstGeom>
+        </p:spPr>
+      </p:pic>
+      <p:sp>
+        <p:nvSpPr>
+          <p:cNvPr id="68" name="TextBox 67">
+            <a:extLst>
+              <a:ext uri="{FF2B5EF4-FFF2-40B4-BE49-F238E27FC236}">
+                <a16:creationId xmlns:a16="http://schemas.microsoft.com/office/drawing/2014/main" id="{DB817D05-784F-47A3-B991-9DBFB3F0B771}"/>
+              </a:ext>
+            </a:extLst>
+          </p:cNvPr>
+          <p:cNvSpPr txBox="1"/>
+          <p:nvPr/>
+        </p:nvSpPr>
+        <p:spPr>
+          <a:xfrm>
+            <a:off x="2642688" y="1295358"/>
+            <a:ext cx="1386333" cy="369332"/>
+          </a:xfrm>
+          <a:prstGeom prst="rect">
+            <a:avLst/>
+          </a:prstGeom>
+          <a:noFill/>
+        </p:spPr>
+        <p:txBody>
+          <a:bodyPr wrap="square" rtlCol="0">
+            <a:spAutoFit/>
+          </a:bodyPr>
+          <a:lstStyle/>
+          <a:p>
+            <a:pPr algn="ctr"/>
+            <a:r>
+              <a:rPr lang="en-US" dirty="0">
+                <a:solidFill>
+                  <a:srgbClr val="505F75"/>
+                </a:solidFill>
+                <a:latin typeface="Baskerville Old Face" panose="02020602080505020303" pitchFamily="18" charset="0"/>
+              </a:rPr>
+              <a:t>Janeiro 2024</a:t>
+            </a:r>
+          </a:p>
+        </p:txBody>
+      </p:sp>
+      <p:grpSp>
+        <p:nvGrpSpPr>
+          <p:cNvPr id="8" name="Group 7">
+            <a:extLst>
+              <a:ext uri="{FF2B5EF4-FFF2-40B4-BE49-F238E27FC236}">
+                <a16:creationId xmlns:a16="http://schemas.microsoft.com/office/drawing/2014/main" id="{4CFFB88C-8DD5-4BAD-A840-21ECDAC40B31}"/>
+              </a:ext>
+            </a:extLst>
+          </p:cNvPr>
+          <p:cNvGrpSpPr/>
+          <p:nvPr/>
+        </p:nvGrpSpPr>
+        <p:grpSpPr>
+          <a:xfrm>
+            <a:off x="2483299" y="1594107"/>
+            <a:ext cx="1391300" cy="5227636"/>
+            <a:chOff x="2525030" y="1600872"/>
+            <a:chExt cx="1391300" cy="5227636"/>
+          </a:xfrm>
+        </p:grpSpPr>
+        <p:sp>
+          <p:nvSpPr>
+            <p:cNvPr id="3" name="Rectangle 2">
+              <a:extLst>
+                <a:ext uri="{FF2B5EF4-FFF2-40B4-BE49-F238E27FC236}">
+                  <a16:creationId xmlns:a16="http://schemas.microsoft.com/office/drawing/2014/main" id="{E61BE92F-A74A-4200-BBA6-68BBC4B87E66}"/>
+                </a:ext>
+              </a:extLst>
+            </p:cNvPr>
+            <p:cNvSpPr/>
+            <p:nvPr/>
+          </p:nvSpPr>
+          <p:spPr>
+            <a:xfrm>
+              <a:off x="2610463" y="1851225"/>
+              <a:ext cx="1300899" cy="4977283"/>
+            </a:xfrm>
+            <a:prstGeom prst="rect">
+              <a:avLst/>
+            </a:prstGeom>
+            <a:solidFill>
+              <a:schemeClr val="bg1"/>
+            </a:solidFill>
+            <a:ln>
+              <a:solidFill>
+                <a:srgbClr val="505F75"/>
+              </a:solidFill>
+            </a:ln>
+          </p:spPr>
+          <p:style>
+            <a:lnRef idx="2">
+              <a:schemeClr val="accent1">
+                <a:shade val="50000"/>
+              </a:schemeClr>
+            </a:lnRef>
+            <a:fillRef idx="1">
+              <a:schemeClr val="accent1"/>
+            </a:fillRef>
+            <a:effectRef idx="0">
+              <a:schemeClr val="accent1"/>
+            </a:effectRef>
+            <a:fontRef idx="minor">
+              <a:schemeClr val="lt1"/>
+            </a:fontRef>
+          </p:style>
+          <p:txBody>
+            <a:bodyPr rtlCol="0" anchor="ctr"/>
+            <a:lstStyle/>
+            <a:p>
+              <a:pPr algn="ctr"/>
+              <a:endParaRPr lang="en-US" dirty="0"/>
+            </a:p>
+          </p:txBody>
+        </p:sp>
+        <p:sp>
+          <p:nvSpPr>
+            <p:cNvPr id="69" name="TextBox 68">
+              <a:extLst>
+                <a:ext uri="{FF2B5EF4-FFF2-40B4-BE49-F238E27FC236}">
+                  <a16:creationId xmlns:a16="http://schemas.microsoft.com/office/drawing/2014/main" id="{2322E38E-E5DE-485C-859C-BA0E1612BC57}"/>
+                </a:ext>
+              </a:extLst>
+            </p:cNvPr>
+            <p:cNvSpPr txBox="1"/>
+            <p:nvPr/>
+          </p:nvSpPr>
+          <p:spPr>
+            <a:xfrm>
+              <a:off x="2525030" y="1600872"/>
+              <a:ext cx="519909" cy="276999"/>
+            </a:xfrm>
+            <a:prstGeom prst="rect">
+              <a:avLst/>
+            </a:prstGeom>
+            <a:noFill/>
+          </p:spPr>
+          <p:txBody>
+            <a:bodyPr wrap="square" rtlCol="0">
+              <a:spAutoFit/>
+            </a:bodyPr>
+            <a:lstStyle/>
+            <a:p>
+              <a:pPr algn="ctr"/>
+              <a:r>
+                <a:rPr lang="en-US" sz="1200" dirty="0">
+                  <a:solidFill>
+                    <a:srgbClr val="505F75"/>
+                  </a:solidFill>
+                  <a:latin typeface="Baskerville Old Face" panose="02020602080505020303" pitchFamily="18" charset="0"/>
+                </a:rPr>
+                <a:t>Dom</a:t>
+              </a:r>
+            </a:p>
+          </p:txBody>
+        </p:sp>
+        <p:grpSp>
+          <p:nvGrpSpPr>
+            <p:cNvPr id="6" name="Group 5">
+              <a:extLst>
+                <a:ext uri="{FF2B5EF4-FFF2-40B4-BE49-F238E27FC236}">
+                  <a16:creationId xmlns:a16="http://schemas.microsoft.com/office/drawing/2014/main" id="{2AB2CD12-9254-4DC9-A03C-1FFD71A47167}"/>
+                </a:ext>
+              </a:extLst>
+            </p:cNvPr>
+            <p:cNvGrpSpPr/>
+            <p:nvPr/>
+          </p:nvGrpSpPr>
+          <p:grpSpPr>
+            <a:xfrm>
+              <a:off x="2671887" y="1893110"/>
+              <a:ext cx="226194" cy="221381"/>
+              <a:chOff x="5009949" y="2329314"/>
+              <a:chExt cx="226194" cy="221381"/>
+            </a:xfrm>
+          </p:grpSpPr>
+          <p:sp>
+            <p:nvSpPr>
+              <p:cNvPr id="4" name="Rectangle 3">
+                <a:extLst>
+                  <a:ext uri="{FF2B5EF4-FFF2-40B4-BE49-F238E27FC236}">
+                    <a16:creationId xmlns:a16="http://schemas.microsoft.com/office/drawing/2014/main" id="{B6CF0B40-0211-42C0-B140-6EF6ACDF5B1C}"/>
+                  </a:ext>
+                </a:extLst>
+              </p:cNvPr>
+              <p:cNvSpPr/>
+              <p:nvPr/>
+            </p:nvSpPr>
+            <p:spPr>
+              <a:xfrm>
+                <a:off x="5009949" y="2329314"/>
+                <a:ext cx="226194" cy="221381"/>
+              </a:xfrm>
+              <a:prstGeom prst="rect">
+                <a:avLst/>
+              </a:prstGeom>
+              <a:solidFill>
+                <a:schemeClr val="bg1">
+                  <a:lumMod val="75000"/>
+                </a:schemeClr>
+              </a:solidFill>
+              <a:ln>
+                <a:solidFill>
+                  <a:schemeClr val="bg1">
+                    <a:lumMod val="75000"/>
+                  </a:schemeClr>
+                </a:solidFill>
+              </a:ln>
+            </p:spPr>
+            <p:style>
+              <a:lnRef idx="2">
+                <a:schemeClr val="accent1">
+                  <a:shade val="50000"/>
+                </a:schemeClr>
+              </a:lnRef>
+              <a:fillRef idx="1">
+                <a:schemeClr val="accent1"/>
+              </a:fillRef>
+              <a:effectRef idx="0">
+                <a:schemeClr val="accent1"/>
+              </a:effectRef>
+              <a:fontRef idx="minor">
+                <a:schemeClr val="lt1"/>
+              </a:fontRef>
+            </p:style>
+            <p:txBody>
+              <a:bodyPr rtlCol="0" anchor="ctr"/>
+              <a:lstStyle/>
+              <a:p>
+                <a:pPr algn="ctr"/>
+                <a:endParaRPr lang="en-US"/>
+              </a:p>
+            </p:txBody>
+          </p:sp>
+          <p:pic>
+            <p:nvPicPr>
+              <p:cNvPr id="70" name="Graphic 69" descr="Add">
+                <a:extLst>
+                  <a:ext uri="{FF2B5EF4-FFF2-40B4-BE49-F238E27FC236}">
+                    <a16:creationId xmlns:a16="http://schemas.microsoft.com/office/drawing/2014/main" id="{79A9920A-0B8B-4548-B28D-5B678E0D20B9}"/>
+                  </a:ext>
+                </a:extLst>
+              </p:cNvPr>
+              <p:cNvPicPr>
+                <a:picLocks noChangeAspect="1"/>
+              </p:cNvPicPr>
+              <p:nvPr/>
+            </p:nvPicPr>
+            <p:blipFill>
+              <a:blip r:embed="rId18">
+                <a:extLst>
+                  <a:ext uri="{28A0092B-C50C-407E-A947-70E740481C1C}">
+                    <a14:useLocalDpi xmlns:a14="http://schemas.microsoft.com/office/drawing/2010/main" val="0"/>
+                  </a:ext>
+                  <a:ext uri="{96DAC541-7B7A-43D3-8B79-37D633B846F1}">
+                    <asvg:svgBlip xmlns:asvg="http://schemas.microsoft.com/office/drawing/2016/SVG/main" r:embed="rId19"/>
+                  </a:ext>
+                </a:extLst>
+              </a:blip>
+              <a:stretch>
+                <a:fillRect/>
+              </a:stretch>
+            </p:blipFill>
+            <p:spPr>
+              <a:xfrm>
+                <a:off x="5043225" y="2363002"/>
+                <a:ext cx="157984" cy="157984"/>
+              </a:xfrm>
+              <a:prstGeom prst="rect">
+                <a:avLst/>
+              </a:prstGeom>
+            </p:spPr>
+          </p:pic>
+        </p:grpSp>
+        <p:sp>
+          <p:nvSpPr>
+            <p:cNvPr id="7" name="TextBox 6">
+              <a:extLst>
+                <a:ext uri="{FF2B5EF4-FFF2-40B4-BE49-F238E27FC236}">
+                  <a16:creationId xmlns:a16="http://schemas.microsoft.com/office/drawing/2014/main" id="{67FD4597-E917-41D4-8811-2A68CCF16312}"/>
+                </a:ext>
+              </a:extLst>
+            </p:cNvPr>
+            <p:cNvSpPr txBox="1"/>
+            <p:nvPr/>
+          </p:nvSpPr>
+          <p:spPr>
+            <a:xfrm>
+              <a:off x="3624668" y="1865300"/>
+              <a:ext cx="291662" cy="276999"/>
+            </a:xfrm>
+            <a:prstGeom prst="rect">
+              <a:avLst/>
+            </a:prstGeom>
+            <a:noFill/>
+          </p:spPr>
+          <p:txBody>
+            <a:bodyPr wrap="square" rtlCol="0">
+              <a:spAutoFit/>
+            </a:bodyPr>
+            <a:lstStyle/>
+            <a:p>
+              <a:r>
+                <a:rPr lang="en-US" sz="1200" dirty="0">
+                  <a:latin typeface="Bahnschrift SemiBold" panose="020B0502040204020203" pitchFamily="34" charset="0"/>
+                </a:rPr>
+                <a:t>8</a:t>
+              </a:r>
+            </a:p>
+          </p:txBody>
+        </p:sp>
+      </p:grpSp>
+      <p:grpSp>
+        <p:nvGrpSpPr>
+          <p:cNvPr id="71" name="Group 70">
+            <a:extLst>
+              <a:ext uri="{FF2B5EF4-FFF2-40B4-BE49-F238E27FC236}">
+                <a16:creationId xmlns:a16="http://schemas.microsoft.com/office/drawing/2014/main" id="{5C824BEB-71DC-4681-9789-791FDA161C75}"/>
+              </a:ext>
+            </a:extLst>
+          </p:cNvPr>
+          <p:cNvGrpSpPr/>
+          <p:nvPr/>
+        </p:nvGrpSpPr>
+        <p:grpSpPr>
+          <a:xfrm>
+            <a:off x="3835621" y="1594107"/>
+            <a:ext cx="1391300" cy="5227636"/>
+            <a:chOff x="2525030" y="1600872"/>
+            <a:chExt cx="1391300" cy="5227636"/>
+          </a:xfrm>
+        </p:grpSpPr>
+        <p:sp>
+          <p:nvSpPr>
+            <p:cNvPr id="72" name="Rectangle 71">
+              <a:extLst>
+                <a:ext uri="{FF2B5EF4-FFF2-40B4-BE49-F238E27FC236}">
+                  <a16:creationId xmlns:a16="http://schemas.microsoft.com/office/drawing/2014/main" id="{90198D02-CFCF-4C0B-B963-4DAEBDD623DD}"/>
+                </a:ext>
+              </a:extLst>
+            </p:cNvPr>
+            <p:cNvSpPr/>
+            <p:nvPr/>
+          </p:nvSpPr>
+          <p:spPr>
+            <a:xfrm>
+              <a:off x="2610463" y="1851225"/>
+              <a:ext cx="1300899" cy="4977283"/>
+            </a:xfrm>
+            <a:prstGeom prst="rect">
+              <a:avLst/>
+            </a:prstGeom>
+            <a:solidFill>
+              <a:schemeClr val="bg1"/>
+            </a:solidFill>
+            <a:ln>
+              <a:solidFill>
+                <a:srgbClr val="505F75"/>
+              </a:solidFill>
+            </a:ln>
+          </p:spPr>
+          <p:style>
+            <a:lnRef idx="2">
+              <a:schemeClr val="accent1">
+                <a:shade val="50000"/>
+              </a:schemeClr>
+            </a:lnRef>
+            <a:fillRef idx="1">
+              <a:schemeClr val="accent1"/>
+            </a:fillRef>
+            <a:effectRef idx="0">
+              <a:schemeClr val="accent1"/>
+            </a:effectRef>
+            <a:fontRef idx="minor">
+              <a:schemeClr val="lt1"/>
+            </a:fontRef>
+          </p:style>
+          <p:txBody>
+            <a:bodyPr rtlCol="0" anchor="ctr"/>
+            <a:lstStyle/>
+            <a:p>
+              <a:pPr algn="ctr"/>
+              <a:endParaRPr lang="en-US"/>
+            </a:p>
+          </p:txBody>
+        </p:sp>
+        <p:sp>
+          <p:nvSpPr>
+            <p:cNvPr id="73" name="TextBox 72">
+              <a:extLst>
+                <a:ext uri="{FF2B5EF4-FFF2-40B4-BE49-F238E27FC236}">
+                  <a16:creationId xmlns:a16="http://schemas.microsoft.com/office/drawing/2014/main" id="{1E1EF9E4-4949-4BED-AD86-44FC531BB4E6}"/>
+                </a:ext>
+              </a:extLst>
+            </p:cNvPr>
+            <p:cNvSpPr txBox="1"/>
+            <p:nvPr/>
+          </p:nvSpPr>
+          <p:spPr>
+            <a:xfrm>
+              <a:off x="2525030" y="1600872"/>
+              <a:ext cx="519909" cy="276999"/>
+            </a:xfrm>
+            <a:prstGeom prst="rect">
+              <a:avLst/>
+            </a:prstGeom>
+            <a:noFill/>
+          </p:spPr>
+          <p:txBody>
+            <a:bodyPr wrap="square" rtlCol="0">
+              <a:spAutoFit/>
+            </a:bodyPr>
+            <a:lstStyle/>
+            <a:p>
+              <a:pPr algn="ctr"/>
+              <a:r>
+                <a:rPr lang="en-US" sz="1200" dirty="0">
+                  <a:solidFill>
+                    <a:srgbClr val="505F75"/>
+                  </a:solidFill>
+                  <a:latin typeface="Baskerville Old Face" panose="02020602080505020303" pitchFamily="18" charset="0"/>
+                </a:rPr>
+                <a:t>Seg</a:t>
+              </a:r>
+            </a:p>
+          </p:txBody>
+        </p:sp>
+        <p:grpSp>
+          <p:nvGrpSpPr>
+            <p:cNvPr id="74" name="Group 73">
+              <a:extLst>
+                <a:ext uri="{FF2B5EF4-FFF2-40B4-BE49-F238E27FC236}">
+                  <a16:creationId xmlns:a16="http://schemas.microsoft.com/office/drawing/2014/main" id="{2A329C17-FD18-483D-8B8C-EFC0B6FED445}"/>
+                </a:ext>
+              </a:extLst>
+            </p:cNvPr>
+            <p:cNvGrpSpPr/>
+            <p:nvPr/>
+          </p:nvGrpSpPr>
+          <p:grpSpPr>
+            <a:xfrm>
+              <a:off x="2671887" y="1893110"/>
+              <a:ext cx="226194" cy="221381"/>
+              <a:chOff x="5009949" y="2329314"/>
+              <a:chExt cx="226194" cy="221381"/>
+            </a:xfrm>
+          </p:grpSpPr>
+          <p:sp>
+            <p:nvSpPr>
+              <p:cNvPr id="76" name="Rectangle 75">
+                <a:extLst>
+                  <a:ext uri="{FF2B5EF4-FFF2-40B4-BE49-F238E27FC236}">
+                    <a16:creationId xmlns:a16="http://schemas.microsoft.com/office/drawing/2014/main" id="{2E1AB032-4945-42D0-B902-E0D959931D1A}"/>
+                  </a:ext>
+                </a:extLst>
+              </p:cNvPr>
+              <p:cNvSpPr/>
+              <p:nvPr/>
+            </p:nvSpPr>
+            <p:spPr>
+              <a:xfrm>
+                <a:off x="5009949" y="2329314"/>
+                <a:ext cx="226194" cy="221381"/>
+              </a:xfrm>
+              <a:prstGeom prst="rect">
+                <a:avLst/>
+              </a:prstGeom>
+              <a:solidFill>
+                <a:schemeClr val="bg1">
+                  <a:lumMod val="75000"/>
+                </a:schemeClr>
+              </a:solidFill>
+              <a:ln>
+                <a:solidFill>
+                  <a:schemeClr val="bg1">
+                    <a:lumMod val="75000"/>
+                  </a:schemeClr>
+                </a:solidFill>
+              </a:ln>
+            </p:spPr>
+            <p:style>
+              <a:lnRef idx="2">
+                <a:schemeClr val="accent1">
+                  <a:shade val="50000"/>
+                </a:schemeClr>
+              </a:lnRef>
+              <a:fillRef idx="1">
+                <a:schemeClr val="accent1"/>
+              </a:fillRef>
+              <a:effectRef idx="0">
+                <a:schemeClr val="accent1"/>
+              </a:effectRef>
+              <a:fontRef idx="minor">
+                <a:schemeClr val="lt1"/>
+              </a:fontRef>
+            </p:style>
+            <p:txBody>
+              <a:bodyPr rtlCol="0" anchor="ctr"/>
+              <a:lstStyle/>
+              <a:p>
+                <a:pPr algn="ctr"/>
+                <a:endParaRPr lang="en-US"/>
+              </a:p>
+            </p:txBody>
+          </p:sp>
+          <p:pic>
+            <p:nvPicPr>
+              <p:cNvPr id="77" name="Graphic 76" descr="Add">
+                <a:extLst>
+                  <a:ext uri="{FF2B5EF4-FFF2-40B4-BE49-F238E27FC236}">
+                    <a16:creationId xmlns:a16="http://schemas.microsoft.com/office/drawing/2014/main" id="{73C7AAF9-466D-41CA-BD91-3D7B3D0A9780}"/>
+                  </a:ext>
+                </a:extLst>
+              </p:cNvPr>
+              <p:cNvPicPr>
+                <a:picLocks noChangeAspect="1"/>
+              </p:cNvPicPr>
+              <p:nvPr/>
+            </p:nvPicPr>
+            <p:blipFill>
+              <a:blip r:embed="rId18">
+                <a:extLst>
+                  <a:ext uri="{28A0092B-C50C-407E-A947-70E740481C1C}">
+                    <a14:useLocalDpi xmlns:a14="http://schemas.microsoft.com/office/drawing/2010/main" val="0"/>
+                  </a:ext>
+                  <a:ext uri="{96DAC541-7B7A-43D3-8B79-37D633B846F1}">
+                    <asvg:svgBlip xmlns:asvg="http://schemas.microsoft.com/office/drawing/2016/SVG/main" r:embed="rId19"/>
+                  </a:ext>
+                </a:extLst>
+              </a:blip>
+              <a:stretch>
+                <a:fillRect/>
+              </a:stretch>
+            </p:blipFill>
+            <p:spPr>
+              <a:xfrm>
+                <a:off x="5043225" y="2363002"/>
+                <a:ext cx="157984" cy="157984"/>
+              </a:xfrm>
+              <a:prstGeom prst="rect">
+                <a:avLst/>
+              </a:prstGeom>
+            </p:spPr>
+          </p:pic>
+        </p:grpSp>
+        <p:sp>
+          <p:nvSpPr>
+            <p:cNvPr id="75" name="TextBox 74">
+              <a:extLst>
+                <a:ext uri="{FF2B5EF4-FFF2-40B4-BE49-F238E27FC236}">
+                  <a16:creationId xmlns:a16="http://schemas.microsoft.com/office/drawing/2014/main" id="{19C8B949-BE96-434C-A223-F7151F34E62E}"/>
+                </a:ext>
+              </a:extLst>
+            </p:cNvPr>
+            <p:cNvSpPr txBox="1"/>
+            <p:nvPr/>
+          </p:nvSpPr>
+          <p:spPr>
+            <a:xfrm>
+              <a:off x="3624668" y="1865300"/>
+              <a:ext cx="291662" cy="276999"/>
+            </a:xfrm>
+            <a:prstGeom prst="rect">
+              <a:avLst/>
+            </a:prstGeom>
+            <a:noFill/>
+          </p:spPr>
+          <p:txBody>
+            <a:bodyPr wrap="square" rtlCol="0">
+              <a:spAutoFit/>
+            </a:bodyPr>
+            <a:lstStyle/>
+            <a:p>
+              <a:r>
+                <a:rPr lang="en-US" sz="1200" dirty="0">
+                  <a:latin typeface="Bahnschrift SemiBold" panose="020B0502040204020203" pitchFamily="34" charset="0"/>
+                </a:rPr>
+                <a:t>9</a:t>
+              </a:r>
+            </a:p>
+          </p:txBody>
+        </p:sp>
+      </p:grpSp>
+      <p:grpSp>
+        <p:nvGrpSpPr>
+          <p:cNvPr id="79" name="Group 78">
+            <a:extLst>
+              <a:ext uri="{FF2B5EF4-FFF2-40B4-BE49-F238E27FC236}">
+                <a16:creationId xmlns:a16="http://schemas.microsoft.com/office/drawing/2014/main" id="{857F99B3-8680-4589-A670-2DDE42E3946F}"/>
+              </a:ext>
+            </a:extLst>
+          </p:cNvPr>
+          <p:cNvGrpSpPr/>
+          <p:nvPr/>
+        </p:nvGrpSpPr>
+        <p:grpSpPr>
+          <a:xfrm>
+            <a:off x="5185060" y="1594107"/>
+            <a:ext cx="1391300" cy="5227636"/>
+            <a:chOff x="2525030" y="1600872"/>
+            <a:chExt cx="1391300" cy="5227636"/>
+          </a:xfrm>
+        </p:grpSpPr>
+        <p:sp>
+          <p:nvSpPr>
+            <p:cNvPr id="86" name="Rectangle 85">
+              <a:extLst>
+                <a:ext uri="{FF2B5EF4-FFF2-40B4-BE49-F238E27FC236}">
+                  <a16:creationId xmlns:a16="http://schemas.microsoft.com/office/drawing/2014/main" id="{3DF5D7AB-C2BB-4A5D-8065-F3728EF94F59}"/>
+                </a:ext>
+              </a:extLst>
+            </p:cNvPr>
+            <p:cNvSpPr/>
+            <p:nvPr/>
+          </p:nvSpPr>
+          <p:spPr>
+            <a:xfrm>
+              <a:off x="2610463" y="1851225"/>
+              <a:ext cx="1300899" cy="4977283"/>
+            </a:xfrm>
+            <a:prstGeom prst="rect">
+              <a:avLst/>
+            </a:prstGeom>
+            <a:solidFill>
+              <a:schemeClr val="bg1"/>
+            </a:solidFill>
+            <a:ln>
+              <a:solidFill>
+                <a:srgbClr val="505F75"/>
+              </a:solidFill>
+            </a:ln>
+          </p:spPr>
+          <p:style>
+            <a:lnRef idx="2">
+              <a:schemeClr val="accent1">
+                <a:shade val="50000"/>
+              </a:schemeClr>
+            </a:lnRef>
+            <a:fillRef idx="1">
+              <a:schemeClr val="accent1"/>
+            </a:fillRef>
+            <a:effectRef idx="0">
+              <a:schemeClr val="accent1"/>
+            </a:effectRef>
+            <a:fontRef idx="minor">
+              <a:schemeClr val="lt1"/>
+            </a:fontRef>
+          </p:style>
+          <p:txBody>
+            <a:bodyPr rtlCol="0" anchor="ctr"/>
+            <a:lstStyle/>
+            <a:p>
+              <a:pPr algn="ctr"/>
+              <a:endParaRPr lang="en-US"/>
+            </a:p>
+          </p:txBody>
+        </p:sp>
+        <p:sp>
+          <p:nvSpPr>
+            <p:cNvPr id="88" name="TextBox 87">
+              <a:extLst>
+                <a:ext uri="{FF2B5EF4-FFF2-40B4-BE49-F238E27FC236}">
+                  <a16:creationId xmlns:a16="http://schemas.microsoft.com/office/drawing/2014/main" id="{E80E3D38-ABA1-4170-8E0F-2AE32B2FEFA4}"/>
+                </a:ext>
+              </a:extLst>
+            </p:cNvPr>
+            <p:cNvSpPr txBox="1"/>
+            <p:nvPr/>
+          </p:nvSpPr>
+          <p:spPr>
+            <a:xfrm>
+              <a:off x="2525030" y="1600872"/>
+              <a:ext cx="519909" cy="276999"/>
+            </a:xfrm>
+            <a:prstGeom prst="rect">
+              <a:avLst/>
+            </a:prstGeom>
+            <a:noFill/>
+          </p:spPr>
+          <p:txBody>
+            <a:bodyPr wrap="square" rtlCol="0">
+              <a:spAutoFit/>
+            </a:bodyPr>
+            <a:lstStyle/>
+            <a:p>
+              <a:pPr algn="ctr"/>
+              <a:r>
+                <a:rPr lang="en-US" sz="1200" dirty="0">
+                  <a:solidFill>
+                    <a:srgbClr val="505F75"/>
+                  </a:solidFill>
+                  <a:latin typeface="Baskerville Old Face" panose="02020602080505020303" pitchFamily="18" charset="0"/>
+                </a:rPr>
+                <a:t>Ter</a:t>
+              </a:r>
+            </a:p>
+          </p:txBody>
+        </p:sp>
+        <p:grpSp>
+          <p:nvGrpSpPr>
+            <p:cNvPr id="90" name="Group 89">
+              <a:extLst>
+                <a:ext uri="{FF2B5EF4-FFF2-40B4-BE49-F238E27FC236}">
+                  <a16:creationId xmlns:a16="http://schemas.microsoft.com/office/drawing/2014/main" id="{9DD4D0F9-D481-4D70-9ACE-D9A518398325}"/>
+                </a:ext>
+              </a:extLst>
+            </p:cNvPr>
+            <p:cNvGrpSpPr/>
+            <p:nvPr/>
+          </p:nvGrpSpPr>
+          <p:grpSpPr>
+            <a:xfrm>
+              <a:off x="2671887" y="1893110"/>
+              <a:ext cx="226194" cy="221381"/>
+              <a:chOff x="5009949" y="2329314"/>
+              <a:chExt cx="226194" cy="221381"/>
+            </a:xfrm>
+          </p:grpSpPr>
+          <p:sp>
+            <p:nvSpPr>
+              <p:cNvPr id="93" name="Rectangle 92">
+                <a:extLst>
+                  <a:ext uri="{FF2B5EF4-FFF2-40B4-BE49-F238E27FC236}">
+                    <a16:creationId xmlns:a16="http://schemas.microsoft.com/office/drawing/2014/main" id="{4F1C9C78-D99C-47A8-85EB-27B75DB047BD}"/>
+                  </a:ext>
+                </a:extLst>
+              </p:cNvPr>
+              <p:cNvSpPr/>
+              <p:nvPr/>
+            </p:nvSpPr>
+            <p:spPr>
+              <a:xfrm>
+                <a:off x="5009949" y="2329314"/>
+                <a:ext cx="226194" cy="221381"/>
+              </a:xfrm>
+              <a:prstGeom prst="rect">
+                <a:avLst/>
+              </a:prstGeom>
+              <a:solidFill>
+                <a:schemeClr val="bg1">
+                  <a:lumMod val="75000"/>
+                </a:schemeClr>
+              </a:solidFill>
+              <a:ln>
+                <a:solidFill>
+                  <a:schemeClr val="bg1">
+                    <a:lumMod val="75000"/>
+                  </a:schemeClr>
+                </a:solidFill>
+              </a:ln>
+            </p:spPr>
+            <p:style>
+              <a:lnRef idx="2">
+                <a:schemeClr val="accent1">
+                  <a:shade val="50000"/>
+                </a:schemeClr>
+              </a:lnRef>
+              <a:fillRef idx="1">
+                <a:schemeClr val="accent1"/>
+              </a:fillRef>
+              <a:effectRef idx="0">
+                <a:schemeClr val="accent1"/>
+              </a:effectRef>
+              <a:fontRef idx="minor">
+                <a:schemeClr val="lt1"/>
+              </a:fontRef>
+            </p:style>
+            <p:txBody>
+              <a:bodyPr rtlCol="0" anchor="ctr"/>
+              <a:lstStyle/>
+              <a:p>
+                <a:pPr algn="ctr"/>
+                <a:endParaRPr lang="en-US"/>
+              </a:p>
+            </p:txBody>
+          </p:sp>
+          <p:pic>
+            <p:nvPicPr>
+              <p:cNvPr id="95" name="Graphic 94" descr="Add">
+                <a:extLst>
+                  <a:ext uri="{FF2B5EF4-FFF2-40B4-BE49-F238E27FC236}">
+                    <a16:creationId xmlns:a16="http://schemas.microsoft.com/office/drawing/2014/main" id="{164CF555-B771-4BB0-A00C-570E8A20B18B}"/>
+                  </a:ext>
+                </a:extLst>
+              </p:cNvPr>
+              <p:cNvPicPr>
+                <a:picLocks noChangeAspect="1"/>
+              </p:cNvPicPr>
+              <p:nvPr/>
+            </p:nvPicPr>
+            <p:blipFill>
+              <a:blip r:embed="rId18">
+                <a:extLst>
+                  <a:ext uri="{28A0092B-C50C-407E-A947-70E740481C1C}">
+                    <a14:useLocalDpi xmlns:a14="http://schemas.microsoft.com/office/drawing/2010/main" val="0"/>
+                  </a:ext>
+                  <a:ext uri="{96DAC541-7B7A-43D3-8B79-37D633B846F1}">
+                    <asvg:svgBlip xmlns:asvg="http://schemas.microsoft.com/office/drawing/2016/SVG/main" r:embed="rId19"/>
+                  </a:ext>
+                </a:extLst>
+              </a:blip>
+              <a:stretch>
+                <a:fillRect/>
+              </a:stretch>
+            </p:blipFill>
+            <p:spPr>
+              <a:xfrm>
+                <a:off x="5043225" y="2363002"/>
+                <a:ext cx="157984" cy="157984"/>
+              </a:xfrm>
+              <a:prstGeom prst="rect">
+                <a:avLst/>
+              </a:prstGeom>
+            </p:spPr>
+          </p:pic>
+        </p:grpSp>
+        <p:sp>
+          <p:nvSpPr>
+            <p:cNvPr id="92" name="TextBox 91">
+              <a:extLst>
+                <a:ext uri="{FF2B5EF4-FFF2-40B4-BE49-F238E27FC236}">
+                  <a16:creationId xmlns:a16="http://schemas.microsoft.com/office/drawing/2014/main" id="{3FF7E8CF-9C8F-48A1-B55E-8018CA453443}"/>
+                </a:ext>
+              </a:extLst>
+            </p:cNvPr>
+            <p:cNvSpPr txBox="1"/>
+            <p:nvPr/>
+          </p:nvSpPr>
+          <p:spPr>
+            <a:xfrm>
+              <a:off x="3589734" y="1865300"/>
+              <a:ext cx="326596" cy="276999"/>
+            </a:xfrm>
+            <a:prstGeom prst="rect">
+              <a:avLst/>
+            </a:prstGeom>
+            <a:noFill/>
+          </p:spPr>
+          <p:txBody>
+            <a:bodyPr wrap="square" rtlCol="0">
+              <a:spAutoFit/>
+            </a:bodyPr>
+            <a:lstStyle/>
+            <a:p>
+              <a:r>
+                <a:rPr lang="en-US" sz="1200" dirty="0">
+                  <a:latin typeface="Bahnschrift SemiBold" panose="020B0502040204020203" pitchFamily="34" charset="0"/>
+                </a:rPr>
+                <a:t>10</a:t>
+              </a:r>
+            </a:p>
+          </p:txBody>
+        </p:sp>
+      </p:grpSp>
+      <p:grpSp>
+        <p:nvGrpSpPr>
+          <p:cNvPr id="97" name="Group 96">
+            <a:extLst>
+              <a:ext uri="{FF2B5EF4-FFF2-40B4-BE49-F238E27FC236}">
+                <a16:creationId xmlns:a16="http://schemas.microsoft.com/office/drawing/2014/main" id="{A7F21491-A2B8-4615-A53E-B38C83C7D9C6}"/>
+              </a:ext>
+            </a:extLst>
+          </p:cNvPr>
+          <p:cNvGrpSpPr/>
+          <p:nvPr/>
+        </p:nvGrpSpPr>
+        <p:grpSpPr>
+          <a:xfrm>
+            <a:off x="6538896" y="1594107"/>
+            <a:ext cx="1391300" cy="5227636"/>
+            <a:chOff x="2525030" y="1600872"/>
+            <a:chExt cx="1391300" cy="5227636"/>
+          </a:xfrm>
+        </p:grpSpPr>
+        <p:sp>
+          <p:nvSpPr>
+            <p:cNvPr id="98" name="Rectangle 97">
+              <a:extLst>
+                <a:ext uri="{FF2B5EF4-FFF2-40B4-BE49-F238E27FC236}">
+                  <a16:creationId xmlns:a16="http://schemas.microsoft.com/office/drawing/2014/main" id="{D2229BB6-EF7D-4665-B1AF-36DE760E6267}"/>
+                </a:ext>
+              </a:extLst>
+            </p:cNvPr>
+            <p:cNvSpPr/>
+            <p:nvPr/>
+          </p:nvSpPr>
+          <p:spPr>
+            <a:xfrm>
+              <a:off x="2610463" y="1851225"/>
+              <a:ext cx="1300899" cy="4977283"/>
+            </a:xfrm>
+            <a:prstGeom prst="rect">
+              <a:avLst/>
+            </a:prstGeom>
+            <a:solidFill>
+              <a:schemeClr val="bg1"/>
+            </a:solidFill>
+            <a:ln>
+              <a:solidFill>
+                <a:srgbClr val="505F75"/>
+              </a:solidFill>
+            </a:ln>
+          </p:spPr>
+          <p:style>
+            <a:lnRef idx="2">
+              <a:schemeClr val="accent1">
+                <a:shade val="50000"/>
+              </a:schemeClr>
+            </a:lnRef>
+            <a:fillRef idx="1">
+              <a:schemeClr val="accent1"/>
+            </a:fillRef>
+            <a:effectRef idx="0">
+              <a:schemeClr val="accent1"/>
+            </a:effectRef>
+            <a:fontRef idx="minor">
+              <a:schemeClr val="lt1"/>
+            </a:fontRef>
+          </p:style>
+          <p:txBody>
+            <a:bodyPr rtlCol="0" anchor="ctr"/>
+            <a:lstStyle/>
+            <a:p>
+              <a:pPr algn="ctr"/>
+              <a:endParaRPr lang="en-US"/>
+            </a:p>
+          </p:txBody>
+        </p:sp>
+        <p:sp>
+          <p:nvSpPr>
+            <p:cNvPr id="99" name="TextBox 98">
+              <a:extLst>
+                <a:ext uri="{FF2B5EF4-FFF2-40B4-BE49-F238E27FC236}">
+                  <a16:creationId xmlns:a16="http://schemas.microsoft.com/office/drawing/2014/main" id="{31E0DED5-7164-4A96-BDF2-7087417D3973}"/>
+                </a:ext>
+              </a:extLst>
+            </p:cNvPr>
+            <p:cNvSpPr txBox="1"/>
+            <p:nvPr/>
+          </p:nvSpPr>
+          <p:spPr>
+            <a:xfrm>
+              <a:off x="2525030" y="1600872"/>
+              <a:ext cx="519909" cy="276999"/>
+            </a:xfrm>
+            <a:prstGeom prst="rect">
+              <a:avLst/>
+            </a:prstGeom>
+            <a:noFill/>
+          </p:spPr>
+          <p:txBody>
+            <a:bodyPr wrap="square" rtlCol="0">
+              <a:spAutoFit/>
+            </a:bodyPr>
+            <a:lstStyle/>
+            <a:p>
+              <a:pPr algn="ctr"/>
+              <a:r>
+                <a:rPr lang="en-US" sz="1200" dirty="0" err="1">
+                  <a:solidFill>
+                    <a:srgbClr val="505F75"/>
+                  </a:solidFill>
+                  <a:latin typeface="Baskerville Old Face" panose="02020602080505020303" pitchFamily="18" charset="0"/>
+                </a:rPr>
+                <a:t>Quar</a:t>
+              </a:r>
+              <a:endParaRPr lang="en-US" sz="1200" dirty="0">
+                <a:solidFill>
+                  <a:srgbClr val="505F75"/>
+                </a:solidFill>
+                <a:latin typeface="Baskerville Old Face" panose="02020602080505020303" pitchFamily="18" charset="0"/>
+              </a:endParaRPr>
+            </a:p>
+          </p:txBody>
+        </p:sp>
+        <p:grpSp>
+          <p:nvGrpSpPr>
+            <p:cNvPr id="100" name="Group 99">
+              <a:extLst>
+                <a:ext uri="{FF2B5EF4-FFF2-40B4-BE49-F238E27FC236}">
+                  <a16:creationId xmlns:a16="http://schemas.microsoft.com/office/drawing/2014/main" id="{9EDA77EC-021F-4CFC-B477-6F5406AE5CC0}"/>
+                </a:ext>
+              </a:extLst>
+            </p:cNvPr>
+            <p:cNvGrpSpPr/>
+            <p:nvPr/>
+          </p:nvGrpSpPr>
+          <p:grpSpPr>
+            <a:xfrm>
+              <a:off x="2671887" y="1893110"/>
+              <a:ext cx="226194" cy="221381"/>
+              <a:chOff x="5009949" y="2329314"/>
+              <a:chExt cx="226194" cy="221381"/>
+            </a:xfrm>
+          </p:grpSpPr>
+          <p:sp>
+            <p:nvSpPr>
+              <p:cNvPr id="102" name="Rectangle 101">
+                <a:extLst>
+                  <a:ext uri="{FF2B5EF4-FFF2-40B4-BE49-F238E27FC236}">
+                    <a16:creationId xmlns:a16="http://schemas.microsoft.com/office/drawing/2014/main" id="{BFB1B497-C636-43F1-B56E-C39D0179E08F}"/>
+                  </a:ext>
+                </a:extLst>
+              </p:cNvPr>
+              <p:cNvSpPr/>
+              <p:nvPr/>
+            </p:nvSpPr>
+            <p:spPr>
+              <a:xfrm>
+                <a:off x="5009949" y="2329314"/>
+                <a:ext cx="226194" cy="221381"/>
+              </a:xfrm>
+              <a:prstGeom prst="rect">
+                <a:avLst/>
+              </a:prstGeom>
+              <a:solidFill>
+                <a:schemeClr val="bg1">
+                  <a:lumMod val="75000"/>
+                </a:schemeClr>
+              </a:solidFill>
+              <a:ln>
+                <a:solidFill>
+                  <a:schemeClr val="bg1">
+                    <a:lumMod val="75000"/>
+                  </a:schemeClr>
+                </a:solidFill>
+              </a:ln>
+            </p:spPr>
+            <p:style>
+              <a:lnRef idx="2">
+                <a:schemeClr val="accent1">
+                  <a:shade val="50000"/>
+                </a:schemeClr>
+              </a:lnRef>
+              <a:fillRef idx="1">
+                <a:schemeClr val="accent1"/>
+              </a:fillRef>
+              <a:effectRef idx="0">
+                <a:schemeClr val="accent1"/>
+              </a:effectRef>
+              <a:fontRef idx="minor">
+                <a:schemeClr val="lt1"/>
+              </a:fontRef>
+            </p:style>
+            <p:txBody>
+              <a:bodyPr rtlCol="0" anchor="ctr"/>
+              <a:lstStyle/>
+              <a:p>
+                <a:pPr algn="ctr"/>
+                <a:endParaRPr lang="en-US"/>
+              </a:p>
+            </p:txBody>
+          </p:sp>
+          <p:pic>
+            <p:nvPicPr>
+              <p:cNvPr id="103" name="Graphic 102" descr="Add">
+                <a:extLst>
+                  <a:ext uri="{FF2B5EF4-FFF2-40B4-BE49-F238E27FC236}">
+                    <a16:creationId xmlns:a16="http://schemas.microsoft.com/office/drawing/2014/main" id="{0E544AB4-8D4F-4EEB-8F6B-6817501DED7A}"/>
+                  </a:ext>
+                </a:extLst>
+              </p:cNvPr>
+              <p:cNvPicPr>
+                <a:picLocks noChangeAspect="1"/>
+              </p:cNvPicPr>
+              <p:nvPr/>
+            </p:nvPicPr>
+            <p:blipFill>
+              <a:blip r:embed="rId18">
+                <a:extLst>
+                  <a:ext uri="{28A0092B-C50C-407E-A947-70E740481C1C}">
+                    <a14:useLocalDpi xmlns:a14="http://schemas.microsoft.com/office/drawing/2010/main" val="0"/>
+                  </a:ext>
+                  <a:ext uri="{96DAC541-7B7A-43D3-8B79-37D633B846F1}">
+                    <asvg:svgBlip xmlns:asvg="http://schemas.microsoft.com/office/drawing/2016/SVG/main" r:embed="rId19"/>
+                  </a:ext>
+                </a:extLst>
+              </a:blip>
+              <a:stretch>
+                <a:fillRect/>
+              </a:stretch>
+            </p:blipFill>
+            <p:spPr>
+              <a:xfrm>
+                <a:off x="5043225" y="2363002"/>
+                <a:ext cx="157984" cy="157984"/>
+              </a:xfrm>
+              <a:prstGeom prst="rect">
+                <a:avLst/>
+              </a:prstGeom>
+            </p:spPr>
+          </p:pic>
+        </p:grpSp>
+        <p:sp>
+          <p:nvSpPr>
+            <p:cNvPr id="101" name="TextBox 100">
+              <a:extLst>
+                <a:ext uri="{FF2B5EF4-FFF2-40B4-BE49-F238E27FC236}">
+                  <a16:creationId xmlns:a16="http://schemas.microsoft.com/office/drawing/2014/main" id="{BFE93EE8-2A8A-4EFE-B570-27A79D45FEEB}"/>
+                </a:ext>
+              </a:extLst>
+            </p:cNvPr>
+            <p:cNvSpPr txBox="1"/>
+            <p:nvPr/>
+          </p:nvSpPr>
+          <p:spPr>
+            <a:xfrm>
+              <a:off x="3624668" y="1865300"/>
+              <a:ext cx="291662" cy="276999"/>
+            </a:xfrm>
+            <a:prstGeom prst="rect">
+              <a:avLst/>
+            </a:prstGeom>
+            <a:noFill/>
+          </p:spPr>
+          <p:txBody>
+            <a:bodyPr wrap="square" rtlCol="0">
+              <a:spAutoFit/>
+            </a:bodyPr>
+            <a:lstStyle/>
+            <a:p>
+              <a:r>
+                <a:rPr lang="en-US" sz="1200" dirty="0">
+                  <a:latin typeface="Bahnschrift SemiBold" panose="020B0502040204020203" pitchFamily="34" charset="0"/>
+                </a:rPr>
+                <a:t>11</a:t>
+              </a:r>
+            </a:p>
+          </p:txBody>
+        </p:sp>
+      </p:grpSp>
+      <p:grpSp>
+        <p:nvGrpSpPr>
+          <p:cNvPr id="104" name="Group 103">
+            <a:extLst>
+              <a:ext uri="{FF2B5EF4-FFF2-40B4-BE49-F238E27FC236}">
+                <a16:creationId xmlns:a16="http://schemas.microsoft.com/office/drawing/2014/main" id="{2AD5127C-8A34-4E89-B4F9-C4E774FAF773}"/>
+              </a:ext>
+            </a:extLst>
+          </p:cNvPr>
+          <p:cNvGrpSpPr/>
+          <p:nvPr/>
+        </p:nvGrpSpPr>
+        <p:grpSpPr>
+          <a:xfrm>
+            <a:off x="7905931" y="1594107"/>
+            <a:ext cx="1391300" cy="5227636"/>
+            <a:chOff x="2525030" y="1600872"/>
+            <a:chExt cx="1391300" cy="5227636"/>
+          </a:xfrm>
+        </p:grpSpPr>
+        <p:sp>
+          <p:nvSpPr>
+            <p:cNvPr id="105" name="Rectangle 104">
+              <a:extLst>
+                <a:ext uri="{FF2B5EF4-FFF2-40B4-BE49-F238E27FC236}">
+                  <a16:creationId xmlns:a16="http://schemas.microsoft.com/office/drawing/2014/main" id="{E3E7EEFD-B32B-4364-B6A0-8BA6B6490DBF}"/>
+                </a:ext>
+              </a:extLst>
+            </p:cNvPr>
+            <p:cNvSpPr/>
+            <p:nvPr/>
+          </p:nvSpPr>
+          <p:spPr>
+            <a:xfrm>
+              <a:off x="2610463" y="1851225"/>
+              <a:ext cx="1300899" cy="4977283"/>
+            </a:xfrm>
+            <a:prstGeom prst="rect">
+              <a:avLst/>
+            </a:prstGeom>
+            <a:solidFill>
+              <a:schemeClr val="bg1"/>
+            </a:solidFill>
+            <a:ln>
+              <a:solidFill>
+                <a:srgbClr val="505F75"/>
+              </a:solidFill>
+            </a:ln>
+          </p:spPr>
+          <p:style>
+            <a:lnRef idx="2">
+              <a:schemeClr val="accent1">
+                <a:shade val="50000"/>
+              </a:schemeClr>
+            </a:lnRef>
+            <a:fillRef idx="1">
+              <a:schemeClr val="accent1"/>
+            </a:fillRef>
+            <a:effectRef idx="0">
+              <a:schemeClr val="accent1"/>
+            </a:effectRef>
+            <a:fontRef idx="minor">
+              <a:schemeClr val="lt1"/>
+            </a:fontRef>
+          </p:style>
+          <p:txBody>
+            <a:bodyPr rtlCol="0" anchor="ctr"/>
+            <a:lstStyle/>
+            <a:p>
+              <a:pPr algn="ctr"/>
+              <a:endParaRPr lang="en-US"/>
+            </a:p>
+          </p:txBody>
+        </p:sp>
+        <p:sp>
+          <p:nvSpPr>
+            <p:cNvPr id="106" name="TextBox 105">
+              <a:extLst>
+                <a:ext uri="{FF2B5EF4-FFF2-40B4-BE49-F238E27FC236}">
+                  <a16:creationId xmlns:a16="http://schemas.microsoft.com/office/drawing/2014/main" id="{3EC64AF2-3021-42D8-A2DF-790D3A55B365}"/>
+                </a:ext>
+              </a:extLst>
+            </p:cNvPr>
+            <p:cNvSpPr txBox="1"/>
+            <p:nvPr/>
+          </p:nvSpPr>
+          <p:spPr>
+            <a:xfrm>
+              <a:off x="2525030" y="1600872"/>
+              <a:ext cx="519909" cy="276999"/>
+            </a:xfrm>
+            <a:prstGeom prst="rect">
+              <a:avLst/>
+            </a:prstGeom>
+            <a:noFill/>
+          </p:spPr>
+          <p:txBody>
+            <a:bodyPr wrap="square" rtlCol="0">
+              <a:spAutoFit/>
+            </a:bodyPr>
+            <a:lstStyle/>
+            <a:p>
+              <a:pPr algn="ctr"/>
+              <a:r>
+                <a:rPr lang="en-US" sz="1200" dirty="0">
+                  <a:solidFill>
+                    <a:srgbClr val="505F75"/>
+                  </a:solidFill>
+                  <a:latin typeface="Baskerville Old Face" panose="02020602080505020303" pitchFamily="18" charset="0"/>
+                </a:rPr>
+                <a:t>Quin</a:t>
+              </a:r>
+            </a:p>
+          </p:txBody>
+        </p:sp>
+        <p:grpSp>
+          <p:nvGrpSpPr>
+            <p:cNvPr id="107" name="Group 106">
+              <a:extLst>
+                <a:ext uri="{FF2B5EF4-FFF2-40B4-BE49-F238E27FC236}">
+                  <a16:creationId xmlns:a16="http://schemas.microsoft.com/office/drawing/2014/main" id="{0C66FF08-8425-4DE1-9B05-6B9CADC2A522}"/>
+                </a:ext>
+              </a:extLst>
+            </p:cNvPr>
+            <p:cNvGrpSpPr/>
+            <p:nvPr/>
+          </p:nvGrpSpPr>
+          <p:grpSpPr>
+            <a:xfrm>
+              <a:off x="2671887" y="1893110"/>
+              <a:ext cx="226194" cy="221381"/>
+              <a:chOff x="5009949" y="2329314"/>
+              <a:chExt cx="226194" cy="221381"/>
+            </a:xfrm>
+          </p:grpSpPr>
+          <p:sp>
+            <p:nvSpPr>
+              <p:cNvPr id="109" name="Rectangle 108">
+                <a:extLst>
+                  <a:ext uri="{FF2B5EF4-FFF2-40B4-BE49-F238E27FC236}">
+                    <a16:creationId xmlns:a16="http://schemas.microsoft.com/office/drawing/2014/main" id="{CC21C223-E2BD-4974-8E6C-8C5045AD4FED}"/>
+                  </a:ext>
+                </a:extLst>
+              </p:cNvPr>
+              <p:cNvSpPr/>
+              <p:nvPr/>
+            </p:nvSpPr>
+            <p:spPr>
+              <a:xfrm>
+                <a:off x="5009949" y="2329314"/>
+                <a:ext cx="226194" cy="221381"/>
+              </a:xfrm>
+              <a:prstGeom prst="rect">
+                <a:avLst/>
+              </a:prstGeom>
+              <a:solidFill>
+                <a:schemeClr val="bg1">
+                  <a:lumMod val="75000"/>
+                </a:schemeClr>
+              </a:solidFill>
+              <a:ln>
+                <a:solidFill>
+                  <a:schemeClr val="bg1">
+                    <a:lumMod val="75000"/>
+                  </a:schemeClr>
+                </a:solidFill>
+              </a:ln>
+            </p:spPr>
+            <p:style>
+              <a:lnRef idx="2">
+                <a:schemeClr val="accent1">
+                  <a:shade val="50000"/>
+                </a:schemeClr>
+              </a:lnRef>
+              <a:fillRef idx="1">
+                <a:schemeClr val="accent1"/>
+              </a:fillRef>
+              <a:effectRef idx="0">
+                <a:schemeClr val="accent1"/>
+              </a:effectRef>
+              <a:fontRef idx="minor">
+                <a:schemeClr val="lt1"/>
+              </a:fontRef>
+            </p:style>
+            <p:txBody>
+              <a:bodyPr rtlCol="0" anchor="ctr"/>
+              <a:lstStyle/>
+              <a:p>
+                <a:pPr algn="ctr"/>
+                <a:endParaRPr lang="en-US"/>
+              </a:p>
+            </p:txBody>
+          </p:sp>
+          <p:pic>
+            <p:nvPicPr>
+              <p:cNvPr id="110" name="Graphic 109" descr="Add">
+                <a:extLst>
+                  <a:ext uri="{FF2B5EF4-FFF2-40B4-BE49-F238E27FC236}">
+                    <a16:creationId xmlns:a16="http://schemas.microsoft.com/office/drawing/2014/main" id="{0491A9B1-4CEB-46E5-A012-9501517F86ED}"/>
+                  </a:ext>
+                </a:extLst>
+              </p:cNvPr>
+              <p:cNvPicPr>
+                <a:picLocks noChangeAspect="1"/>
+              </p:cNvPicPr>
+              <p:nvPr/>
+            </p:nvPicPr>
+            <p:blipFill>
+              <a:blip r:embed="rId18">
+                <a:extLst>
+                  <a:ext uri="{28A0092B-C50C-407E-A947-70E740481C1C}">
+                    <a14:useLocalDpi xmlns:a14="http://schemas.microsoft.com/office/drawing/2010/main" val="0"/>
+                  </a:ext>
+                  <a:ext uri="{96DAC541-7B7A-43D3-8B79-37D633B846F1}">
+                    <asvg:svgBlip xmlns:asvg="http://schemas.microsoft.com/office/drawing/2016/SVG/main" r:embed="rId19"/>
+                  </a:ext>
+                </a:extLst>
+              </a:blip>
+              <a:stretch>
+                <a:fillRect/>
+              </a:stretch>
+            </p:blipFill>
+            <p:spPr>
+              <a:xfrm>
+                <a:off x="5043225" y="2363002"/>
+                <a:ext cx="157984" cy="157984"/>
+              </a:xfrm>
+              <a:prstGeom prst="rect">
+                <a:avLst/>
+              </a:prstGeom>
+            </p:spPr>
+          </p:pic>
+        </p:grpSp>
+        <p:sp>
+          <p:nvSpPr>
+            <p:cNvPr id="108" name="TextBox 107">
+              <a:extLst>
+                <a:ext uri="{FF2B5EF4-FFF2-40B4-BE49-F238E27FC236}">
+                  <a16:creationId xmlns:a16="http://schemas.microsoft.com/office/drawing/2014/main" id="{EEDFB7F2-2CE1-4C18-92C5-2F47545004A8}"/>
+                </a:ext>
+              </a:extLst>
+            </p:cNvPr>
+            <p:cNvSpPr txBox="1"/>
+            <p:nvPr/>
+          </p:nvSpPr>
+          <p:spPr>
+            <a:xfrm>
+              <a:off x="3589734" y="1865300"/>
+              <a:ext cx="326596" cy="276999"/>
+            </a:xfrm>
+            <a:prstGeom prst="rect">
+              <a:avLst/>
+            </a:prstGeom>
+            <a:noFill/>
+          </p:spPr>
+          <p:txBody>
+            <a:bodyPr wrap="square" rtlCol="0">
+              <a:spAutoFit/>
+            </a:bodyPr>
+            <a:lstStyle/>
+            <a:p>
+              <a:r>
+                <a:rPr lang="en-US" sz="1200" dirty="0">
+                  <a:latin typeface="Bahnschrift SemiBold" panose="020B0502040204020203" pitchFamily="34" charset="0"/>
+                </a:rPr>
+                <a:t>12</a:t>
+              </a:r>
+            </a:p>
+          </p:txBody>
+        </p:sp>
+      </p:grpSp>
+      <p:grpSp>
+        <p:nvGrpSpPr>
+          <p:cNvPr id="111" name="Group 110">
+            <a:extLst>
+              <a:ext uri="{FF2B5EF4-FFF2-40B4-BE49-F238E27FC236}">
+                <a16:creationId xmlns:a16="http://schemas.microsoft.com/office/drawing/2014/main" id="{DB6E95A1-0757-4450-9012-850CF06B562B}"/>
+              </a:ext>
+            </a:extLst>
+          </p:cNvPr>
+          <p:cNvGrpSpPr/>
+          <p:nvPr/>
+        </p:nvGrpSpPr>
+        <p:grpSpPr>
+          <a:xfrm>
+            <a:off x="9258253" y="1593629"/>
+            <a:ext cx="1391300" cy="5227636"/>
+            <a:chOff x="2525030" y="1600872"/>
+            <a:chExt cx="1391300" cy="5227636"/>
+          </a:xfrm>
+        </p:grpSpPr>
+        <p:sp>
+          <p:nvSpPr>
+            <p:cNvPr id="112" name="Rectangle 111">
+              <a:extLst>
+                <a:ext uri="{FF2B5EF4-FFF2-40B4-BE49-F238E27FC236}">
+                  <a16:creationId xmlns:a16="http://schemas.microsoft.com/office/drawing/2014/main" id="{FF43EF7D-3DE1-428F-A846-76ED199BC1A2}"/>
+                </a:ext>
+              </a:extLst>
+            </p:cNvPr>
+            <p:cNvSpPr/>
+            <p:nvPr/>
+          </p:nvSpPr>
+          <p:spPr>
+            <a:xfrm>
+              <a:off x="2610463" y="1851225"/>
+              <a:ext cx="1300899" cy="4977283"/>
+            </a:xfrm>
+            <a:prstGeom prst="rect">
+              <a:avLst/>
+            </a:prstGeom>
+            <a:solidFill>
+              <a:schemeClr val="bg1"/>
+            </a:solidFill>
+            <a:ln>
+              <a:solidFill>
+                <a:srgbClr val="505F75"/>
+              </a:solidFill>
+            </a:ln>
+          </p:spPr>
+          <p:style>
+            <a:lnRef idx="2">
+              <a:schemeClr val="accent1">
+                <a:shade val="50000"/>
+              </a:schemeClr>
+            </a:lnRef>
+            <a:fillRef idx="1">
+              <a:schemeClr val="accent1"/>
+            </a:fillRef>
+            <a:effectRef idx="0">
+              <a:schemeClr val="accent1"/>
+            </a:effectRef>
+            <a:fontRef idx="minor">
+              <a:schemeClr val="lt1"/>
+            </a:fontRef>
+          </p:style>
+          <p:txBody>
+            <a:bodyPr rtlCol="0" anchor="ctr"/>
+            <a:lstStyle/>
+            <a:p>
+              <a:pPr algn="ctr"/>
+              <a:endParaRPr lang="en-US"/>
+            </a:p>
+          </p:txBody>
+        </p:sp>
+        <p:sp>
+          <p:nvSpPr>
+            <p:cNvPr id="113" name="TextBox 112">
+              <a:extLst>
+                <a:ext uri="{FF2B5EF4-FFF2-40B4-BE49-F238E27FC236}">
+                  <a16:creationId xmlns:a16="http://schemas.microsoft.com/office/drawing/2014/main" id="{5B7087AB-F2E0-4D7A-9102-D3C472BE1165}"/>
+                </a:ext>
+              </a:extLst>
+            </p:cNvPr>
+            <p:cNvSpPr txBox="1"/>
+            <p:nvPr/>
+          </p:nvSpPr>
+          <p:spPr>
+            <a:xfrm>
+              <a:off x="2525030" y="1600872"/>
+              <a:ext cx="519909" cy="276999"/>
+            </a:xfrm>
+            <a:prstGeom prst="rect">
+              <a:avLst/>
+            </a:prstGeom>
+            <a:noFill/>
+          </p:spPr>
+          <p:txBody>
+            <a:bodyPr wrap="square" rtlCol="0">
+              <a:spAutoFit/>
+            </a:bodyPr>
+            <a:lstStyle/>
+            <a:p>
+              <a:pPr algn="ctr"/>
+              <a:r>
+                <a:rPr lang="en-US" sz="1200" dirty="0">
+                  <a:solidFill>
+                    <a:srgbClr val="505F75"/>
+                  </a:solidFill>
+                  <a:latin typeface="Baskerville Old Face" panose="02020602080505020303" pitchFamily="18" charset="0"/>
+                </a:rPr>
+                <a:t>Sex</a:t>
+              </a:r>
+            </a:p>
+          </p:txBody>
+        </p:sp>
+        <p:grpSp>
+          <p:nvGrpSpPr>
+            <p:cNvPr id="114" name="Group 113">
+              <a:extLst>
+                <a:ext uri="{FF2B5EF4-FFF2-40B4-BE49-F238E27FC236}">
+                  <a16:creationId xmlns:a16="http://schemas.microsoft.com/office/drawing/2014/main" id="{659B804B-A27E-43DA-819F-98B3A2ED923D}"/>
+                </a:ext>
+              </a:extLst>
+            </p:cNvPr>
+            <p:cNvGrpSpPr/>
+            <p:nvPr/>
+          </p:nvGrpSpPr>
+          <p:grpSpPr>
+            <a:xfrm>
+              <a:off x="2671887" y="1893110"/>
+              <a:ext cx="226194" cy="221381"/>
+              <a:chOff x="5009949" y="2329314"/>
+              <a:chExt cx="226194" cy="221381"/>
+            </a:xfrm>
+          </p:grpSpPr>
+          <p:sp>
+            <p:nvSpPr>
+              <p:cNvPr id="116" name="Rectangle 115">
+                <a:extLst>
+                  <a:ext uri="{FF2B5EF4-FFF2-40B4-BE49-F238E27FC236}">
+                    <a16:creationId xmlns:a16="http://schemas.microsoft.com/office/drawing/2014/main" id="{E218B098-ECE1-4417-9630-5EA62322F820}"/>
+                  </a:ext>
+                </a:extLst>
+              </p:cNvPr>
+              <p:cNvSpPr/>
+              <p:nvPr/>
+            </p:nvSpPr>
+            <p:spPr>
+              <a:xfrm>
+                <a:off x="5009949" y="2329314"/>
+                <a:ext cx="226194" cy="221381"/>
+              </a:xfrm>
+              <a:prstGeom prst="rect">
+                <a:avLst/>
+              </a:prstGeom>
+              <a:solidFill>
+                <a:schemeClr val="bg1">
+                  <a:lumMod val="75000"/>
+                </a:schemeClr>
+              </a:solidFill>
+              <a:ln>
+                <a:solidFill>
+                  <a:schemeClr val="bg1">
+                    <a:lumMod val="75000"/>
+                  </a:schemeClr>
+                </a:solidFill>
+              </a:ln>
+            </p:spPr>
+            <p:style>
+              <a:lnRef idx="2">
+                <a:schemeClr val="accent1">
+                  <a:shade val="50000"/>
+                </a:schemeClr>
+              </a:lnRef>
+              <a:fillRef idx="1">
+                <a:schemeClr val="accent1"/>
+              </a:fillRef>
+              <a:effectRef idx="0">
+                <a:schemeClr val="accent1"/>
+              </a:effectRef>
+              <a:fontRef idx="minor">
+                <a:schemeClr val="lt1"/>
+              </a:fontRef>
+            </p:style>
+            <p:txBody>
+              <a:bodyPr rtlCol="0" anchor="ctr"/>
+              <a:lstStyle/>
+              <a:p>
+                <a:pPr algn="ctr"/>
+                <a:endParaRPr lang="en-US"/>
+              </a:p>
+            </p:txBody>
+          </p:sp>
+          <p:pic>
+            <p:nvPicPr>
+              <p:cNvPr id="117" name="Graphic 116" descr="Add">
+                <a:extLst>
+                  <a:ext uri="{FF2B5EF4-FFF2-40B4-BE49-F238E27FC236}">
+                    <a16:creationId xmlns:a16="http://schemas.microsoft.com/office/drawing/2014/main" id="{70D2A830-84D4-4F26-83E0-AABDCCF53550}"/>
+                  </a:ext>
+                </a:extLst>
+              </p:cNvPr>
+              <p:cNvPicPr>
+                <a:picLocks noChangeAspect="1"/>
+              </p:cNvPicPr>
+              <p:nvPr/>
+            </p:nvPicPr>
+            <p:blipFill>
+              <a:blip r:embed="rId18">
+                <a:extLst>
+                  <a:ext uri="{28A0092B-C50C-407E-A947-70E740481C1C}">
+                    <a14:useLocalDpi xmlns:a14="http://schemas.microsoft.com/office/drawing/2010/main" val="0"/>
+                  </a:ext>
+                  <a:ext uri="{96DAC541-7B7A-43D3-8B79-37D633B846F1}">
+                    <asvg:svgBlip xmlns:asvg="http://schemas.microsoft.com/office/drawing/2016/SVG/main" r:embed="rId19"/>
+                  </a:ext>
+                </a:extLst>
+              </a:blip>
+              <a:stretch>
+                <a:fillRect/>
+              </a:stretch>
+            </p:blipFill>
+            <p:spPr>
+              <a:xfrm>
+                <a:off x="5043225" y="2363002"/>
+                <a:ext cx="157984" cy="157984"/>
+              </a:xfrm>
+              <a:prstGeom prst="rect">
+                <a:avLst/>
+              </a:prstGeom>
+            </p:spPr>
+          </p:pic>
+        </p:grpSp>
+        <p:sp>
+          <p:nvSpPr>
+            <p:cNvPr id="115" name="TextBox 114">
+              <a:extLst>
+                <a:ext uri="{FF2B5EF4-FFF2-40B4-BE49-F238E27FC236}">
+                  <a16:creationId xmlns:a16="http://schemas.microsoft.com/office/drawing/2014/main" id="{E094CAC3-7B1A-44E6-A573-FB3ADE8D94F3}"/>
+                </a:ext>
+              </a:extLst>
+            </p:cNvPr>
+            <p:cNvSpPr txBox="1"/>
+            <p:nvPr/>
+          </p:nvSpPr>
+          <p:spPr>
+            <a:xfrm>
+              <a:off x="3589734" y="1865300"/>
+              <a:ext cx="326596" cy="276999"/>
+            </a:xfrm>
+            <a:prstGeom prst="rect">
+              <a:avLst/>
+            </a:prstGeom>
+            <a:noFill/>
+          </p:spPr>
+          <p:txBody>
+            <a:bodyPr wrap="square" rtlCol="0">
+              <a:spAutoFit/>
+            </a:bodyPr>
+            <a:lstStyle/>
+            <a:p>
+              <a:r>
+                <a:rPr lang="en-US" sz="1200" dirty="0">
+                  <a:latin typeface="Bahnschrift SemiBold" panose="020B0502040204020203" pitchFamily="34" charset="0"/>
+                </a:rPr>
+                <a:t>13</a:t>
+              </a:r>
+            </a:p>
+          </p:txBody>
+        </p:sp>
+      </p:grpSp>
+      <p:grpSp>
+        <p:nvGrpSpPr>
+          <p:cNvPr id="118" name="Group 117">
+            <a:extLst>
+              <a:ext uri="{FF2B5EF4-FFF2-40B4-BE49-F238E27FC236}">
+                <a16:creationId xmlns:a16="http://schemas.microsoft.com/office/drawing/2014/main" id="{90403C53-A19D-48F8-B4B7-37EB459BB930}"/>
+              </a:ext>
+            </a:extLst>
+          </p:cNvPr>
+          <p:cNvGrpSpPr/>
+          <p:nvPr/>
+        </p:nvGrpSpPr>
+        <p:grpSpPr>
+          <a:xfrm>
+            <a:off x="10635566" y="1593629"/>
+            <a:ext cx="1391300" cy="5227636"/>
+            <a:chOff x="2525030" y="1600872"/>
+            <a:chExt cx="1391300" cy="5227636"/>
+          </a:xfrm>
+        </p:grpSpPr>
+        <p:sp>
+          <p:nvSpPr>
+            <p:cNvPr id="119" name="Rectangle 118">
+              <a:extLst>
+                <a:ext uri="{FF2B5EF4-FFF2-40B4-BE49-F238E27FC236}">
+                  <a16:creationId xmlns:a16="http://schemas.microsoft.com/office/drawing/2014/main" id="{DADCEC65-CD4A-4AD9-9113-244227AACF3A}"/>
+                </a:ext>
+              </a:extLst>
+            </p:cNvPr>
+            <p:cNvSpPr/>
+            <p:nvPr/>
+          </p:nvSpPr>
+          <p:spPr>
+            <a:xfrm>
+              <a:off x="2610463" y="1851225"/>
+              <a:ext cx="1300899" cy="4977283"/>
+            </a:xfrm>
+            <a:prstGeom prst="rect">
+              <a:avLst/>
+            </a:prstGeom>
+            <a:solidFill>
+              <a:schemeClr val="bg1"/>
+            </a:solidFill>
+            <a:ln>
+              <a:solidFill>
+                <a:srgbClr val="505F75"/>
+              </a:solidFill>
+            </a:ln>
+          </p:spPr>
+          <p:style>
+            <a:lnRef idx="2">
+              <a:schemeClr val="accent1">
+                <a:shade val="50000"/>
+              </a:schemeClr>
+            </a:lnRef>
+            <a:fillRef idx="1">
+              <a:schemeClr val="accent1"/>
+            </a:fillRef>
+            <a:effectRef idx="0">
+              <a:schemeClr val="accent1"/>
+            </a:effectRef>
+            <a:fontRef idx="minor">
+              <a:schemeClr val="lt1"/>
+            </a:fontRef>
+          </p:style>
+          <p:txBody>
+            <a:bodyPr rtlCol="0" anchor="ctr"/>
+            <a:lstStyle/>
+            <a:p>
+              <a:pPr algn="ctr"/>
+              <a:endParaRPr lang="en-US"/>
+            </a:p>
+          </p:txBody>
+        </p:sp>
+        <p:sp>
+          <p:nvSpPr>
+            <p:cNvPr id="120" name="TextBox 119">
+              <a:extLst>
+                <a:ext uri="{FF2B5EF4-FFF2-40B4-BE49-F238E27FC236}">
+                  <a16:creationId xmlns:a16="http://schemas.microsoft.com/office/drawing/2014/main" id="{FF85B968-B229-490E-9298-98C2802222DB}"/>
+                </a:ext>
+              </a:extLst>
+            </p:cNvPr>
+            <p:cNvSpPr txBox="1"/>
+            <p:nvPr/>
+          </p:nvSpPr>
+          <p:spPr>
+            <a:xfrm>
+              <a:off x="2525030" y="1600872"/>
+              <a:ext cx="519909" cy="276999"/>
+            </a:xfrm>
+            <a:prstGeom prst="rect">
+              <a:avLst/>
+            </a:prstGeom>
+            <a:noFill/>
+          </p:spPr>
+          <p:txBody>
+            <a:bodyPr wrap="square" rtlCol="0">
+              <a:spAutoFit/>
+            </a:bodyPr>
+            <a:lstStyle/>
+            <a:p>
+              <a:pPr algn="ctr"/>
+              <a:r>
+                <a:rPr lang="en-US" sz="1200" dirty="0">
+                  <a:solidFill>
+                    <a:srgbClr val="505F75"/>
+                  </a:solidFill>
+                  <a:latin typeface="Baskerville Old Face" panose="02020602080505020303" pitchFamily="18" charset="0"/>
+                </a:rPr>
+                <a:t>Sab</a:t>
+              </a:r>
+            </a:p>
+          </p:txBody>
+        </p:sp>
+        <p:grpSp>
+          <p:nvGrpSpPr>
+            <p:cNvPr id="121" name="Group 120">
+              <a:extLst>
+                <a:ext uri="{FF2B5EF4-FFF2-40B4-BE49-F238E27FC236}">
+                  <a16:creationId xmlns:a16="http://schemas.microsoft.com/office/drawing/2014/main" id="{A0FC1F37-93CF-43E1-B326-1EC1C3B573F1}"/>
+                </a:ext>
+              </a:extLst>
+            </p:cNvPr>
+            <p:cNvGrpSpPr/>
+            <p:nvPr/>
+          </p:nvGrpSpPr>
+          <p:grpSpPr>
+            <a:xfrm>
+              <a:off x="2671887" y="1893110"/>
+              <a:ext cx="226194" cy="221381"/>
+              <a:chOff x="5009949" y="2329314"/>
+              <a:chExt cx="226194" cy="221381"/>
+            </a:xfrm>
+          </p:grpSpPr>
+          <p:sp>
+            <p:nvSpPr>
+              <p:cNvPr id="123" name="Rectangle 122">
+                <a:extLst>
+                  <a:ext uri="{FF2B5EF4-FFF2-40B4-BE49-F238E27FC236}">
+                    <a16:creationId xmlns:a16="http://schemas.microsoft.com/office/drawing/2014/main" id="{449F6BF7-5500-49F4-A671-D6C94BA9B9E1}"/>
+                  </a:ext>
+                </a:extLst>
+              </p:cNvPr>
+              <p:cNvSpPr/>
+              <p:nvPr/>
+            </p:nvSpPr>
+            <p:spPr>
+              <a:xfrm>
+                <a:off x="5009949" y="2329314"/>
+                <a:ext cx="226194" cy="221381"/>
+              </a:xfrm>
+              <a:prstGeom prst="rect">
+                <a:avLst/>
+              </a:prstGeom>
+              <a:solidFill>
+                <a:schemeClr val="bg1">
+                  <a:lumMod val="75000"/>
+                </a:schemeClr>
+              </a:solidFill>
+              <a:ln>
+                <a:solidFill>
+                  <a:schemeClr val="bg1">
+                    <a:lumMod val="75000"/>
+                  </a:schemeClr>
+                </a:solidFill>
+              </a:ln>
+            </p:spPr>
+            <p:style>
+              <a:lnRef idx="2">
+                <a:schemeClr val="accent1">
+                  <a:shade val="50000"/>
+                </a:schemeClr>
+              </a:lnRef>
+              <a:fillRef idx="1">
+                <a:schemeClr val="accent1"/>
+              </a:fillRef>
+              <a:effectRef idx="0">
+                <a:schemeClr val="accent1"/>
+              </a:effectRef>
+              <a:fontRef idx="minor">
+                <a:schemeClr val="lt1"/>
+              </a:fontRef>
+            </p:style>
+            <p:txBody>
+              <a:bodyPr rtlCol="0" anchor="ctr"/>
+              <a:lstStyle/>
+              <a:p>
+                <a:pPr algn="ctr"/>
+                <a:endParaRPr lang="en-US"/>
+              </a:p>
+            </p:txBody>
+          </p:sp>
+          <p:pic>
+            <p:nvPicPr>
+              <p:cNvPr id="124" name="Graphic 123" descr="Add">
+                <a:extLst>
+                  <a:ext uri="{FF2B5EF4-FFF2-40B4-BE49-F238E27FC236}">
+                    <a16:creationId xmlns:a16="http://schemas.microsoft.com/office/drawing/2014/main" id="{87200261-D6DC-406E-AE32-C4092B76F8F5}"/>
+                  </a:ext>
+                </a:extLst>
+              </p:cNvPr>
+              <p:cNvPicPr>
+                <a:picLocks noChangeAspect="1"/>
+              </p:cNvPicPr>
+              <p:nvPr/>
+            </p:nvPicPr>
+            <p:blipFill>
+              <a:blip r:embed="rId18">
+                <a:extLst>
+                  <a:ext uri="{28A0092B-C50C-407E-A947-70E740481C1C}">
+                    <a14:useLocalDpi xmlns:a14="http://schemas.microsoft.com/office/drawing/2010/main" val="0"/>
+                  </a:ext>
+                  <a:ext uri="{96DAC541-7B7A-43D3-8B79-37D633B846F1}">
+                    <asvg:svgBlip xmlns:asvg="http://schemas.microsoft.com/office/drawing/2016/SVG/main" r:embed="rId19"/>
+                  </a:ext>
+                </a:extLst>
+              </a:blip>
+              <a:stretch>
+                <a:fillRect/>
+              </a:stretch>
+            </p:blipFill>
+            <p:spPr>
+              <a:xfrm>
+                <a:off x="5043225" y="2363002"/>
+                <a:ext cx="157984" cy="157984"/>
+              </a:xfrm>
+              <a:prstGeom prst="rect">
+                <a:avLst/>
+              </a:prstGeom>
+            </p:spPr>
+          </p:pic>
+        </p:grpSp>
+        <p:sp>
+          <p:nvSpPr>
+            <p:cNvPr id="122" name="TextBox 121">
+              <a:extLst>
+                <a:ext uri="{FF2B5EF4-FFF2-40B4-BE49-F238E27FC236}">
+                  <a16:creationId xmlns:a16="http://schemas.microsoft.com/office/drawing/2014/main" id="{EE86DF63-B921-4CBB-A7BC-E8B66B7918FE}"/>
+                </a:ext>
+              </a:extLst>
+            </p:cNvPr>
+            <p:cNvSpPr txBox="1"/>
+            <p:nvPr/>
+          </p:nvSpPr>
+          <p:spPr>
+            <a:xfrm>
+              <a:off x="3590684" y="1865300"/>
+              <a:ext cx="325646" cy="276999"/>
+            </a:xfrm>
+            <a:prstGeom prst="rect">
+              <a:avLst/>
+            </a:prstGeom>
+            <a:noFill/>
+          </p:spPr>
+          <p:txBody>
+            <a:bodyPr wrap="square" rtlCol="0">
+              <a:spAutoFit/>
+            </a:bodyPr>
+            <a:lstStyle/>
+            <a:p>
+              <a:r>
+                <a:rPr lang="en-US" sz="1200" dirty="0">
+                  <a:latin typeface="Bahnschrift SemiBold" panose="020B0502040204020203" pitchFamily="34" charset="0"/>
+                </a:rPr>
+                <a:t>14</a:t>
+              </a:r>
+            </a:p>
+          </p:txBody>
+        </p:sp>
+      </p:grpSp>
+      <p:sp>
+        <p:nvSpPr>
+          <p:cNvPr id="9" name="Isosceles Triangle 8">
+            <a:extLst>
+              <a:ext uri="{FF2B5EF4-FFF2-40B4-BE49-F238E27FC236}">
+                <a16:creationId xmlns:a16="http://schemas.microsoft.com/office/drawing/2014/main" id="{FA4E26FE-9EE8-436F-8C98-AA05F80E144E}"/>
+              </a:ext>
+            </a:extLst>
+          </p:cNvPr>
+          <p:cNvSpPr/>
+          <p:nvPr/>
+        </p:nvSpPr>
+        <p:spPr>
+          <a:xfrm rot="5400000">
+            <a:off x="4011058" y="1424625"/>
+            <a:ext cx="99633" cy="127413"/>
+          </a:xfrm>
+          <a:prstGeom prst="triangle">
+            <a:avLst/>
+          </a:prstGeom>
+          <a:solidFill>
+            <a:srgbClr val="68A797"/>
+          </a:solidFill>
+          <a:ln>
+            <a:solidFill>
+              <a:srgbClr val="68A797"/>
+            </a:solidFill>
+          </a:ln>
+        </p:spPr>
+        <p:style>
+          <a:lnRef idx="2">
+            <a:schemeClr val="accent1">
+              <a:shade val="50000"/>
+            </a:schemeClr>
+          </a:lnRef>
+          <a:fillRef idx="1">
+            <a:schemeClr val="accent1"/>
+          </a:fillRef>
+          <a:effectRef idx="0">
+            <a:schemeClr val="accent1"/>
+          </a:effectRef>
+          <a:fontRef idx="minor">
+            <a:schemeClr val="lt1"/>
+          </a:fontRef>
+        </p:style>
+        <p:txBody>
+          <a:bodyPr rtlCol="0" anchor="ctr"/>
+          <a:lstStyle/>
+          <a:p>
+            <a:pPr algn="ctr"/>
+            <a:endParaRPr lang="en-US"/>
+          </a:p>
+        </p:txBody>
+      </p:sp>
+      <p:sp>
+        <p:nvSpPr>
+          <p:cNvPr id="125" name="Isosceles Triangle 124">
+            <a:extLst>
+              <a:ext uri="{FF2B5EF4-FFF2-40B4-BE49-F238E27FC236}">
+                <a16:creationId xmlns:a16="http://schemas.microsoft.com/office/drawing/2014/main" id="{F185CBE6-11C7-466A-81B1-43B4C923562E}"/>
+              </a:ext>
+            </a:extLst>
+          </p:cNvPr>
+          <p:cNvSpPr/>
+          <p:nvPr/>
+        </p:nvSpPr>
+        <p:spPr>
+          <a:xfrm rot="16200000">
+            <a:off x="2585083" y="1424625"/>
+            <a:ext cx="99633" cy="127413"/>
+          </a:xfrm>
+          <a:prstGeom prst="triangle">
+            <a:avLst/>
+          </a:prstGeom>
+          <a:solidFill>
+            <a:srgbClr val="68A797"/>
+          </a:solidFill>
+          <a:ln>
+            <a:solidFill>
+              <a:srgbClr val="68A797"/>
+            </a:solidFill>
+          </a:ln>
+        </p:spPr>
+        <p:style>
+          <a:lnRef idx="2">
+            <a:schemeClr val="accent1">
+              <a:shade val="50000"/>
+            </a:schemeClr>
+          </a:lnRef>
+          <a:fillRef idx="1">
+            <a:schemeClr val="accent1"/>
+          </a:fillRef>
+          <a:effectRef idx="0">
+            <a:schemeClr val="accent1"/>
+          </a:effectRef>
+          <a:fontRef idx="minor">
+            <a:schemeClr val="lt1"/>
+          </a:fontRef>
+        </p:style>
+        <p:txBody>
+          <a:bodyPr rtlCol="0" anchor="ctr"/>
+          <a:lstStyle/>
+          <a:p>
+            <a:pPr algn="ctr"/>
+            <a:endParaRPr lang="en-US"/>
+          </a:p>
+        </p:txBody>
+      </p:sp>
+      <p:sp>
+        <p:nvSpPr>
+          <p:cNvPr id="10" name="Rectangle: Rounded Corners 9">
+            <a:extLst>
+              <a:ext uri="{FF2B5EF4-FFF2-40B4-BE49-F238E27FC236}">
+                <a16:creationId xmlns:a16="http://schemas.microsoft.com/office/drawing/2014/main" id="{5C0526BF-CE2B-4404-AB16-BD00B8583563}"/>
+              </a:ext>
+            </a:extLst>
+          </p:cNvPr>
+          <p:cNvSpPr/>
+          <p:nvPr/>
+        </p:nvSpPr>
+        <p:spPr>
+          <a:xfrm>
+            <a:off x="3982478" y="2253389"/>
+            <a:ext cx="1202582" cy="856675"/>
+          </a:xfrm>
+          <a:prstGeom prst="roundRect">
+            <a:avLst/>
+          </a:prstGeom>
+          <a:solidFill>
+            <a:srgbClr val="76BFAC"/>
+          </a:solidFill>
+          <a:ln>
+            <a:solidFill>
+              <a:srgbClr val="76BFAC"/>
+            </a:solidFill>
+          </a:ln>
+        </p:spPr>
+        <p:style>
+          <a:lnRef idx="2">
+            <a:schemeClr val="accent1">
+              <a:shade val="50000"/>
+            </a:schemeClr>
+          </a:lnRef>
+          <a:fillRef idx="1">
+            <a:schemeClr val="accent1"/>
+          </a:fillRef>
+          <a:effectRef idx="0">
+            <a:schemeClr val="accent1"/>
+          </a:effectRef>
+          <a:fontRef idx="minor">
+            <a:schemeClr val="lt1"/>
+          </a:fontRef>
+        </p:style>
+        <p:txBody>
+          <a:bodyPr rtlCol="0" anchor="ctr"/>
+          <a:lstStyle/>
+          <a:p>
+            <a:pPr algn="ctr"/>
+            <a:endParaRPr lang="en-US"/>
+          </a:p>
+        </p:txBody>
+      </p:sp>
+      <p:sp>
+        <p:nvSpPr>
+          <p:cNvPr id="11" name="TextBox 10">
+            <a:extLst>
+              <a:ext uri="{FF2B5EF4-FFF2-40B4-BE49-F238E27FC236}">
+                <a16:creationId xmlns:a16="http://schemas.microsoft.com/office/drawing/2014/main" id="{DBDBF496-3C4D-4349-87E1-A46AC1B38930}"/>
+              </a:ext>
+            </a:extLst>
+          </p:cNvPr>
+          <p:cNvSpPr txBox="1"/>
+          <p:nvPr/>
+        </p:nvSpPr>
+        <p:spPr>
+          <a:xfrm>
+            <a:off x="3997168" y="2287496"/>
+            <a:ext cx="1126161" cy="530915"/>
+          </a:xfrm>
+          <a:prstGeom prst="rect">
+            <a:avLst/>
+          </a:prstGeom>
+          <a:noFill/>
+        </p:spPr>
+        <p:txBody>
+          <a:bodyPr wrap="square" rtlCol="0">
+            <a:spAutoFit/>
+          </a:bodyPr>
+          <a:lstStyle/>
+          <a:p>
+            <a:r>
+              <a:rPr lang="en-US" sz="1050" dirty="0" err="1">
+                <a:solidFill>
+                  <a:schemeClr val="bg1"/>
+                </a:solidFill>
+                <a:latin typeface="Bahnschrift SemiBold" panose="020B0502040204020203" pitchFamily="34" charset="0"/>
+              </a:rPr>
+              <a:t>Banho</a:t>
+            </a:r>
+            <a:r>
+              <a:rPr lang="en-US" sz="1050" dirty="0">
+                <a:solidFill>
+                  <a:schemeClr val="bg1"/>
+                </a:solidFill>
+                <a:latin typeface="Bahnschrift SemiBold" panose="020B0502040204020203" pitchFamily="34" charset="0"/>
+              </a:rPr>
+              <a:t> no </a:t>
+            </a:r>
+            <a:r>
+              <a:rPr lang="en-US" sz="1050" dirty="0" err="1">
+                <a:solidFill>
+                  <a:schemeClr val="bg1"/>
+                </a:solidFill>
+                <a:latin typeface="Bahnschrift SemiBold" panose="020B0502040204020203" pitchFamily="34" charset="0"/>
+              </a:rPr>
+              <a:t>Tiao</a:t>
+            </a:r>
+            <a:endParaRPr lang="en-US" sz="1050" dirty="0">
+              <a:solidFill>
+                <a:schemeClr val="bg1"/>
+              </a:solidFill>
+              <a:latin typeface="Bahnschrift SemiBold" panose="020B0502040204020203" pitchFamily="34" charset="0"/>
+            </a:endParaRPr>
+          </a:p>
+          <a:p>
+            <a:r>
+              <a:rPr lang="en-US" sz="900" dirty="0">
+                <a:solidFill>
+                  <a:schemeClr val="bg1"/>
+                </a:solidFill>
+                <a:latin typeface="Bahnschrift SemiBold" panose="020B0502040204020203" pitchFamily="34" charset="0"/>
+              </a:rPr>
+              <a:t>13:00</a:t>
+            </a:r>
+          </a:p>
+          <a:p>
+            <a:r>
+              <a:rPr lang="en-US" sz="900" dirty="0">
+                <a:solidFill>
+                  <a:schemeClr val="bg1"/>
+                </a:solidFill>
+                <a:latin typeface="Bahnschrift SemiBold" panose="020B0502040204020203" pitchFamily="34" charset="0"/>
+              </a:rPr>
+              <a:t>Pet-Shop</a:t>
+            </a:r>
+          </a:p>
+        </p:txBody>
+      </p:sp>
+      <p:sp>
+        <p:nvSpPr>
+          <p:cNvPr id="30" name="Rectangle 29">
+            <a:extLst>
+              <a:ext uri="{FF2B5EF4-FFF2-40B4-BE49-F238E27FC236}">
+                <a16:creationId xmlns:a16="http://schemas.microsoft.com/office/drawing/2014/main" id="{4684251B-6382-42DB-A3F5-01422DEBE1E5}"/>
+              </a:ext>
+            </a:extLst>
+          </p:cNvPr>
+          <p:cNvSpPr/>
+          <p:nvPr/>
+        </p:nvSpPr>
+        <p:spPr>
+          <a:xfrm>
+            <a:off x="4094746" y="2852518"/>
+            <a:ext cx="159007" cy="145663"/>
+          </a:xfrm>
+          <a:prstGeom prst="rect">
+            <a:avLst/>
+          </a:prstGeom>
+          <a:solidFill>
+            <a:schemeClr val="bg1"/>
+          </a:solidFill>
+          <a:ln>
+            <a:solidFill>
+              <a:schemeClr val="bg1"/>
+            </a:solidFill>
+          </a:ln>
+        </p:spPr>
+        <p:style>
+          <a:lnRef idx="2">
+            <a:schemeClr val="accent1">
+              <a:shade val="50000"/>
+            </a:schemeClr>
+          </a:lnRef>
+          <a:fillRef idx="1">
+            <a:schemeClr val="accent1"/>
+          </a:fillRef>
+          <a:effectRef idx="0">
+            <a:schemeClr val="accent1"/>
+          </a:effectRef>
+          <a:fontRef idx="minor">
+            <a:schemeClr val="lt1"/>
+          </a:fontRef>
+        </p:style>
+        <p:txBody>
+          <a:bodyPr rtlCol="0" anchor="ctr"/>
+          <a:lstStyle/>
+          <a:p>
+            <a:pPr algn="ctr"/>
+            <a:endParaRPr lang="en-US"/>
+          </a:p>
+        </p:txBody>
+      </p:sp>
+      <p:pic>
+        <p:nvPicPr>
+          <p:cNvPr id="27" name="Graphic 26" descr="Checkmark">
+            <a:extLst>
+              <a:ext uri="{FF2B5EF4-FFF2-40B4-BE49-F238E27FC236}">
+                <a16:creationId xmlns:a16="http://schemas.microsoft.com/office/drawing/2014/main" id="{79B660C5-A28F-4829-8F66-9E92C1BDDC3D}"/>
+              </a:ext>
+            </a:extLst>
+          </p:cNvPr>
+          <p:cNvPicPr>
+            <a:picLocks noChangeAspect="1"/>
+          </p:cNvPicPr>
+          <p:nvPr/>
+        </p:nvPicPr>
+        <p:blipFill>
+          <a:blip r:embed="rId20">
+            <a:extLst>
+              <a:ext uri="{28A0092B-C50C-407E-A947-70E740481C1C}">
+                <a14:useLocalDpi xmlns:a14="http://schemas.microsoft.com/office/drawing/2010/main" val="0"/>
+              </a:ext>
+              <a:ext uri="{96DAC541-7B7A-43D3-8B79-37D633B846F1}">
+                <asvg:svgBlip xmlns:asvg="http://schemas.microsoft.com/office/drawing/2016/SVG/main" r:embed="rId21"/>
+              </a:ext>
+            </a:extLst>
+          </a:blip>
+          <a:stretch>
+            <a:fillRect/>
+          </a:stretch>
+        </p:blipFill>
+        <p:spPr>
+          <a:xfrm>
+            <a:off x="4101103" y="2854091"/>
+            <a:ext cx="152400" cy="152400"/>
+          </a:xfrm>
+          <a:prstGeom prst="rect">
+            <a:avLst/>
+          </a:prstGeom>
+        </p:spPr>
+      </p:pic>
+    </p:spTree>
+    <p:extLst>
+      <p:ext uri="{BB962C8B-B14F-4D97-AF65-F5344CB8AC3E}">
+        <p14:creationId xmlns:p14="http://schemas.microsoft.com/office/powerpoint/2010/main" val="2428143302"/>
+      </p:ext>
+    </p:extLst>
+  </p:cSld>
+  <p:clrMapOvr>
+    <a:masterClrMapping/>
+  </p:clrMapOvr>
+</p:sld>
+</file>
+
+<file path=ppt/slides/slide7.xml><?xml version="1.0" encoding="utf-8"?>
+<p:sld xmlns:a="http://schemas.openxmlformats.org/drawingml/2006/main" xmlns:r="http://schemas.openxmlformats.org/officeDocument/2006/relationships" xmlns:p="http://schemas.openxmlformats.org/presentationml/2006/main">
+  <p:cSld>
+    <p:bg>
+      <p:bgPr>
+        <a:solidFill>
+          <a:srgbClr val="ECF3F1"/>
+        </a:solidFill>
+        <a:effectLst/>
+      </p:bgPr>
+    </p:bg>
+    <p:spTree>
+      <p:nvGrpSpPr>
+        <p:cNvPr id="1" name=""/>
+        <p:cNvGrpSpPr/>
+        <p:nvPr/>
+      </p:nvGrpSpPr>
+      <p:grpSpPr>
+        <a:xfrm>
+          <a:off x="0" y="0"/>
+          <a:ext cx="0" cy="0"/>
+          <a:chOff x="0" y="0"/>
+          <a:chExt cx="0" cy="0"/>
+        </a:xfrm>
+      </p:grpSpPr>
+      <p:sp>
+        <p:nvSpPr>
+          <p:cNvPr id="68" name="Rectangle: Rounded Corners 67">
+            <a:extLst>
+              <a:ext uri="{FF2B5EF4-FFF2-40B4-BE49-F238E27FC236}">
+                <a16:creationId xmlns:a16="http://schemas.microsoft.com/office/drawing/2014/main" id="{AA915204-18FA-4B8F-AEB4-96D0373A80C8}"/>
+              </a:ext>
+            </a:extLst>
+          </p:cNvPr>
+          <p:cNvSpPr/>
+          <p:nvPr/>
+        </p:nvSpPr>
+        <p:spPr>
+          <a:xfrm>
+            <a:off x="3339352" y="439716"/>
+            <a:ext cx="5513294" cy="6005462"/>
+          </a:xfrm>
+          <a:prstGeom prst="roundRect">
+            <a:avLst>
+              <a:gd name="adj" fmla="val 4033"/>
+            </a:avLst>
+          </a:prstGeom>
+          <a:solidFill>
+            <a:srgbClr val="505F75"/>
+          </a:solidFill>
+          <a:ln>
+            <a:solidFill>
+              <a:srgbClr val="68A797"/>
+            </a:solidFill>
+          </a:ln>
+        </p:spPr>
+        <p:style>
+          <a:lnRef idx="2">
+            <a:schemeClr val="accent1">
+              <a:shade val="50000"/>
+            </a:schemeClr>
+          </a:lnRef>
+          <a:fillRef idx="1">
+            <a:schemeClr val="accent1"/>
+          </a:fillRef>
+          <a:effectRef idx="0">
+            <a:schemeClr val="accent1"/>
+          </a:effectRef>
+          <a:fontRef idx="minor">
+            <a:schemeClr val="lt1"/>
+          </a:fontRef>
+        </p:style>
+        <p:txBody>
+          <a:bodyPr rtlCol="0" anchor="ctr"/>
+          <a:lstStyle/>
+          <a:p>
+            <a:pPr algn="ctr"/>
+            <a:endParaRPr lang="en-US"/>
+          </a:p>
+        </p:txBody>
+      </p:sp>
+      <p:sp>
+        <p:nvSpPr>
+          <p:cNvPr id="69" name="TextBox 68">
+            <a:extLst>
+              <a:ext uri="{FF2B5EF4-FFF2-40B4-BE49-F238E27FC236}">
+                <a16:creationId xmlns:a16="http://schemas.microsoft.com/office/drawing/2014/main" id="{609CDA2A-D47E-4DBC-93A5-BEEBBE34C5D1}"/>
+              </a:ext>
+            </a:extLst>
+          </p:cNvPr>
+          <p:cNvSpPr txBox="1"/>
+          <p:nvPr/>
+        </p:nvSpPr>
+        <p:spPr>
+          <a:xfrm>
+            <a:off x="3684563" y="439716"/>
+            <a:ext cx="4822873" cy="923330"/>
+          </a:xfrm>
+          <a:prstGeom prst="rect">
+            <a:avLst/>
+          </a:prstGeom>
+          <a:noFill/>
+        </p:spPr>
+        <p:txBody>
+          <a:bodyPr wrap="square" rtlCol="0">
+            <a:spAutoFit/>
+          </a:bodyPr>
+          <a:lstStyle/>
+          <a:p>
+            <a:pPr algn="ctr"/>
+            <a:r>
+              <a:rPr lang="en-US" sz="5400" dirty="0" err="1">
+                <a:solidFill>
+                  <a:schemeClr val="bg1"/>
+                </a:solidFill>
+                <a:latin typeface="Baskerville Old Face" panose="02020602080505020303" pitchFamily="18" charset="0"/>
+              </a:rPr>
+              <a:t>Evento</a:t>
+            </a:r>
+            <a:endParaRPr lang="en-US" sz="5400" dirty="0">
+              <a:solidFill>
+                <a:schemeClr val="bg1"/>
+              </a:solidFill>
+              <a:latin typeface="Baskerville Old Face" panose="02020602080505020303" pitchFamily="18" charset="0"/>
+            </a:endParaRPr>
+          </a:p>
+        </p:txBody>
+      </p:sp>
+      <p:sp>
+        <p:nvSpPr>
+          <p:cNvPr id="70" name="Rectangle: Rounded Corners 69">
+            <a:extLst>
+              <a:ext uri="{FF2B5EF4-FFF2-40B4-BE49-F238E27FC236}">
+                <a16:creationId xmlns:a16="http://schemas.microsoft.com/office/drawing/2014/main" id="{284A799F-EBFA-44CA-A511-9AA9A02E60EA}"/>
+              </a:ext>
+            </a:extLst>
+          </p:cNvPr>
+          <p:cNvSpPr/>
+          <p:nvPr/>
+        </p:nvSpPr>
+        <p:spPr>
+          <a:xfrm>
+            <a:off x="3684563" y="1540657"/>
+            <a:ext cx="4822872" cy="438796"/>
+          </a:xfrm>
+          <a:prstGeom prst="roundRect">
+            <a:avLst/>
+          </a:prstGeom>
+          <a:solidFill>
+            <a:srgbClr val="76BFAC"/>
+          </a:solidFill>
+          <a:ln>
+            <a:solidFill>
+              <a:srgbClr val="76BFAC"/>
+            </a:solidFill>
+          </a:ln>
+        </p:spPr>
+        <p:style>
+          <a:lnRef idx="2">
+            <a:schemeClr val="accent1">
+              <a:shade val="50000"/>
+            </a:schemeClr>
+          </a:lnRef>
+          <a:fillRef idx="1">
+            <a:schemeClr val="accent1"/>
+          </a:fillRef>
+          <a:effectRef idx="0">
+            <a:schemeClr val="accent1"/>
+          </a:effectRef>
+          <a:fontRef idx="minor">
+            <a:schemeClr val="lt1"/>
+          </a:fontRef>
+        </p:style>
+        <p:txBody>
+          <a:bodyPr rtlCol="0" anchor="ctr"/>
+          <a:lstStyle/>
+          <a:p>
+            <a:r>
+              <a:rPr lang="en-US" dirty="0">
+                <a:solidFill>
+                  <a:schemeClr val="bg1"/>
+                </a:solidFill>
+                <a:latin typeface="Bahnschrift SemiBold" panose="020B0502040204020203" pitchFamily="34" charset="0"/>
+              </a:rPr>
+              <a:t>Nome</a:t>
+            </a:r>
+          </a:p>
+        </p:txBody>
+      </p:sp>
+      <p:sp>
+        <p:nvSpPr>
+          <p:cNvPr id="71" name="Rectangle: Rounded Corners 70">
+            <a:extLst>
+              <a:ext uri="{FF2B5EF4-FFF2-40B4-BE49-F238E27FC236}">
+                <a16:creationId xmlns:a16="http://schemas.microsoft.com/office/drawing/2014/main" id="{099239FB-F7CA-4DF3-8443-82EA15370BDB}"/>
+              </a:ext>
+            </a:extLst>
+          </p:cNvPr>
+          <p:cNvSpPr/>
+          <p:nvPr/>
+        </p:nvSpPr>
+        <p:spPr>
+          <a:xfrm>
+            <a:off x="3684563" y="2055310"/>
+            <a:ext cx="4822872" cy="1036068"/>
+          </a:xfrm>
+          <a:prstGeom prst="roundRect">
+            <a:avLst/>
+          </a:prstGeom>
+          <a:solidFill>
+            <a:srgbClr val="76BFAC"/>
+          </a:solidFill>
+          <a:ln>
+            <a:solidFill>
+              <a:srgbClr val="76BFAC"/>
+            </a:solidFill>
+          </a:ln>
+        </p:spPr>
+        <p:style>
+          <a:lnRef idx="2">
+            <a:schemeClr val="accent1">
+              <a:shade val="50000"/>
+            </a:schemeClr>
+          </a:lnRef>
+          <a:fillRef idx="1">
+            <a:schemeClr val="accent1"/>
+          </a:fillRef>
+          <a:effectRef idx="0">
+            <a:schemeClr val="accent1"/>
+          </a:effectRef>
+          <a:fontRef idx="minor">
+            <a:schemeClr val="lt1"/>
+          </a:fontRef>
+        </p:style>
+        <p:txBody>
+          <a:bodyPr rtlCol="0" anchor="ctr"/>
+          <a:lstStyle/>
+          <a:p>
+            <a:endParaRPr lang="en-US" dirty="0"/>
+          </a:p>
+        </p:txBody>
+      </p:sp>
+      <p:sp>
+        <p:nvSpPr>
+          <p:cNvPr id="72" name="Rectangle: Rounded Corners 71">
+            <a:extLst>
+              <a:ext uri="{FF2B5EF4-FFF2-40B4-BE49-F238E27FC236}">
+                <a16:creationId xmlns:a16="http://schemas.microsoft.com/office/drawing/2014/main" id="{59A112BC-70EE-44C2-8E97-23B43BD4B8E2}"/>
+              </a:ext>
+            </a:extLst>
+          </p:cNvPr>
+          <p:cNvSpPr/>
+          <p:nvPr/>
+        </p:nvSpPr>
+        <p:spPr>
+          <a:xfrm>
+            <a:off x="3684563" y="3216374"/>
+            <a:ext cx="4822872" cy="438796"/>
+          </a:xfrm>
+          <a:prstGeom prst="roundRect">
+            <a:avLst/>
+          </a:prstGeom>
+          <a:solidFill>
+            <a:srgbClr val="76BFAC"/>
+          </a:solidFill>
+          <a:ln>
+            <a:solidFill>
+              <a:srgbClr val="76BFAC"/>
+            </a:solidFill>
+          </a:ln>
+        </p:spPr>
+        <p:style>
+          <a:lnRef idx="2">
+            <a:schemeClr val="accent1">
+              <a:shade val="50000"/>
+            </a:schemeClr>
+          </a:lnRef>
+          <a:fillRef idx="1">
+            <a:schemeClr val="accent1"/>
+          </a:fillRef>
+          <a:effectRef idx="0">
+            <a:schemeClr val="accent1"/>
+          </a:effectRef>
+          <a:fontRef idx="minor">
+            <a:schemeClr val="lt1"/>
+          </a:fontRef>
+        </p:style>
+        <p:txBody>
+          <a:bodyPr rtlCol="0" anchor="ctr"/>
+          <a:lstStyle/>
+          <a:p>
+            <a:r>
+              <a:rPr lang="en-US" dirty="0">
+                <a:solidFill>
+                  <a:schemeClr val="bg1"/>
+                </a:solidFill>
+                <a:latin typeface="Bahnschrift SemiBold" panose="020B0502040204020203" pitchFamily="34" charset="0"/>
+              </a:rPr>
+              <a:t>Local</a:t>
+            </a:r>
+          </a:p>
+        </p:txBody>
+      </p:sp>
+      <p:sp>
+        <p:nvSpPr>
+          <p:cNvPr id="73" name="Rectangle: Rounded Corners 72">
+            <a:extLst>
+              <a:ext uri="{FF2B5EF4-FFF2-40B4-BE49-F238E27FC236}">
+                <a16:creationId xmlns:a16="http://schemas.microsoft.com/office/drawing/2014/main" id="{627D3DF3-A0DA-439F-9DF7-996892410843}"/>
+              </a:ext>
+            </a:extLst>
+          </p:cNvPr>
+          <p:cNvSpPr/>
+          <p:nvPr/>
+        </p:nvSpPr>
+        <p:spPr>
+          <a:xfrm>
+            <a:off x="3684563" y="3773394"/>
+            <a:ext cx="4822872" cy="438796"/>
+          </a:xfrm>
+          <a:prstGeom prst="roundRect">
+            <a:avLst/>
+          </a:prstGeom>
+          <a:solidFill>
+            <a:srgbClr val="76BFAC"/>
+          </a:solidFill>
+          <a:ln>
+            <a:solidFill>
+              <a:srgbClr val="76BFAC"/>
+            </a:solidFill>
+          </a:ln>
+        </p:spPr>
+        <p:style>
+          <a:lnRef idx="2">
+            <a:schemeClr val="accent1">
+              <a:shade val="50000"/>
+            </a:schemeClr>
+          </a:lnRef>
+          <a:fillRef idx="1">
+            <a:schemeClr val="accent1"/>
+          </a:fillRef>
+          <a:effectRef idx="0">
+            <a:schemeClr val="accent1"/>
+          </a:effectRef>
+          <a:fontRef idx="minor">
+            <a:schemeClr val="lt1"/>
+          </a:fontRef>
+        </p:style>
+        <p:txBody>
+          <a:bodyPr rtlCol="0" anchor="ctr"/>
+          <a:lstStyle/>
+          <a:p>
+            <a:r>
+              <a:rPr lang="en-US" dirty="0">
+                <a:solidFill>
+                  <a:schemeClr val="bg1"/>
+                </a:solidFill>
+                <a:latin typeface="Bahnschrift SemiBold" panose="020B0502040204020203" pitchFamily="34" charset="0"/>
+              </a:rPr>
+              <a:t>Hora</a:t>
+            </a:r>
+          </a:p>
+        </p:txBody>
+      </p:sp>
+      <p:sp>
+        <p:nvSpPr>
+          <p:cNvPr id="15" name="Rectangle: Rounded Corners 14">
+            <a:extLst>
+              <a:ext uri="{FF2B5EF4-FFF2-40B4-BE49-F238E27FC236}">
+                <a16:creationId xmlns:a16="http://schemas.microsoft.com/office/drawing/2014/main" id="{593412D1-8427-478A-8478-90556BE10982}"/>
+              </a:ext>
+            </a:extLst>
+          </p:cNvPr>
+          <p:cNvSpPr/>
+          <p:nvPr/>
+        </p:nvSpPr>
+        <p:spPr>
+          <a:xfrm>
+            <a:off x="3684563" y="5010381"/>
+            <a:ext cx="1958428" cy="627468"/>
+          </a:xfrm>
+          <a:prstGeom prst="roundRect">
+            <a:avLst/>
+          </a:prstGeom>
+          <a:solidFill>
+            <a:srgbClr val="FF0000"/>
+          </a:solidFill>
+        </p:spPr>
+        <p:style>
+          <a:lnRef idx="2">
+            <a:schemeClr val="accent1">
+              <a:shade val="50000"/>
+            </a:schemeClr>
+          </a:lnRef>
+          <a:fillRef idx="1">
+            <a:schemeClr val="accent1"/>
+          </a:fillRef>
+          <a:effectRef idx="0">
+            <a:schemeClr val="accent1"/>
+          </a:effectRef>
+          <a:fontRef idx="minor">
+            <a:schemeClr val="lt1"/>
+          </a:fontRef>
+        </p:style>
+        <p:txBody>
+          <a:bodyPr rtlCol="0" anchor="ctr"/>
+          <a:lstStyle/>
+          <a:p>
+            <a:pPr algn="ctr"/>
+            <a:r>
+              <a:rPr lang="en-US" dirty="0" err="1">
+                <a:latin typeface="Bahnschrift SemiBold" panose="020B0502040204020203" pitchFamily="34" charset="0"/>
+              </a:rPr>
+              <a:t>Deletar</a:t>
+            </a:r>
+            <a:r>
+              <a:rPr lang="en-US" dirty="0">
+                <a:latin typeface="Bahnschrift SemiBold" panose="020B0502040204020203" pitchFamily="34" charset="0"/>
+              </a:rPr>
+              <a:t> </a:t>
+            </a:r>
+            <a:r>
+              <a:rPr lang="en-US" dirty="0" err="1">
+                <a:latin typeface="Bahnschrift SemiBold" panose="020B0502040204020203" pitchFamily="34" charset="0"/>
+              </a:rPr>
+              <a:t>evento</a:t>
+            </a:r>
+            <a:endParaRPr lang="en-US" dirty="0">
+              <a:latin typeface="Bahnschrift SemiBold" panose="020B0502040204020203" pitchFamily="34" charset="0"/>
+            </a:endParaRPr>
+          </a:p>
+        </p:txBody>
+      </p:sp>
+      <p:sp>
+        <p:nvSpPr>
+          <p:cNvPr id="16" name="Rectangle: Rounded Corners 15">
+            <a:extLst>
+              <a:ext uri="{FF2B5EF4-FFF2-40B4-BE49-F238E27FC236}">
+                <a16:creationId xmlns:a16="http://schemas.microsoft.com/office/drawing/2014/main" id="{E5B6BFFC-CA76-42B3-80E7-D14A46A6EEF3}"/>
+              </a:ext>
+            </a:extLst>
+          </p:cNvPr>
+          <p:cNvSpPr/>
+          <p:nvPr/>
+        </p:nvSpPr>
+        <p:spPr>
+          <a:xfrm>
+            <a:off x="6549010" y="5019519"/>
+            <a:ext cx="1909013" cy="618330"/>
+          </a:xfrm>
+          <a:prstGeom prst="roundRect">
+            <a:avLst/>
+          </a:prstGeom>
+          <a:solidFill>
+            <a:srgbClr val="68A797"/>
+          </a:solidFill>
+          <a:ln>
+            <a:solidFill>
+              <a:srgbClr val="76BFAC"/>
+            </a:solidFill>
+          </a:ln>
+        </p:spPr>
+        <p:style>
+          <a:lnRef idx="2">
+            <a:schemeClr val="accent1">
+              <a:shade val="50000"/>
+            </a:schemeClr>
+          </a:lnRef>
+          <a:fillRef idx="1">
+            <a:schemeClr val="accent1"/>
+          </a:fillRef>
+          <a:effectRef idx="0">
+            <a:schemeClr val="accent1"/>
+          </a:effectRef>
+          <a:fontRef idx="minor">
+            <a:schemeClr val="lt1"/>
+          </a:fontRef>
+        </p:style>
+        <p:txBody>
+          <a:bodyPr rtlCol="0" anchor="ctr"/>
+          <a:lstStyle/>
+          <a:p>
+            <a:pPr algn="ctr"/>
+            <a:r>
+              <a:rPr lang="en-US" dirty="0" err="1">
+                <a:latin typeface="Bahnschrift SemiBold" panose="020B0502040204020203" pitchFamily="34" charset="0"/>
+              </a:rPr>
+              <a:t>Salvar</a:t>
+            </a:r>
+            <a:endParaRPr lang="en-US" dirty="0">
+              <a:latin typeface="Bahnschrift SemiBold" panose="020B0502040204020203" pitchFamily="34" charset="0"/>
+            </a:endParaRPr>
+          </a:p>
+        </p:txBody>
+      </p:sp>
+      <p:sp>
+        <p:nvSpPr>
+          <p:cNvPr id="2" name="TextBox 1">
+            <a:extLst>
+              <a:ext uri="{FF2B5EF4-FFF2-40B4-BE49-F238E27FC236}">
+                <a16:creationId xmlns:a16="http://schemas.microsoft.com/office/drawing/2014/main" id="{6C9B23DC-C348-4E72-95E7-5C45C1A70B13}"/>
+              </a:ext>
+            </a:extLst>
+          </p:cNvPr>
+          <p:cNvSpPr txBox="1"/>
+          <p:nvPr/>
+        </p:nvSpPr>
+        <p:spPr>
+          <a:xfrm>
+            <a:off x="3684563" y="2128162"/>
+            <a:ext cx="4600281" cy="369332"/>
+          </a:xfrm>
+          <a:prstGeom prst="rect">
+            <a:avLst/>
+          </a:prstGeom>
+          <a:noFill/>
+        </p:spPr>
+        <p:txBody>
+          <a:bodyPr wrap="square" rtlCol="0">
+            <a:spAutoFit/>
+          </a:bodyPr>
+          <a:lstStyle/>
+          <a:p>
+            <a:r>
+              <a:rPr lang="en-US" dirty="0" err="1">
+                <a:solidFill>
+                  <a:schemeClr val="bg1"/>
+                </a:solidFill>
+                <a:latin typeface="Bahnschrift SemiBold" panose="020B0502040204020203" pitchFamily="34" charset="0"/>
+              </a:rPr>
+              <a:t>Descricao</a:t>
+            </a:r>
+            <a:r>
+              <a:rPr lang="en-US" dirty="0">
+                <a:solidFill>
+                  <a:schemeClr val="bg1"/>
+                </a:solidFill>
+                <a:latin typeface="Bahnschrift SemiBold" panose="020B0502040204020203" pitchFamily="34" charset="0"/>
+              </a:rPr>
+              <a:t>…</a:t>
+            </a:r>
+          </a:p>
+        </p:txBody>
+      </p:sp>
+    </p:spTree>
+    <p:extLst>
+      <p:ext uri="{BB962C8B-B14F-4D97-AF65-F5344CB8AC3E}">
+        <p14:creationId xmlns:p14="http://schemas.microsoft.com/office/powerpoint/2010/main" val="388474903"/>
+      </p:ext>
+    </p:extLst>
+  </p:cSld>
+  <p:clrMapOvr>
+    <a:masterClrMapping/>
+  </p:clrMapOvr>
+</p:sld>
+</file>
+
+<file path=ppt/slides/slide8.xml><?xml version="1.0" encoding="utf-8"?>
+<p:sld xmlns:a="http://schemas.openxmlformats.org/drawingml/2006/main" xmlns:r="http://schemas.openxmlformats.org/officeDocument/2006/relationships" xmlns:p="http://schemas.openxmlformats.org/presentationml/2006/main">
+  <p:cSld>
+    <p:bg>
+      <p:bgPr>
+        <a:solidFill>
+          <a:srgbClr val="ECF3F1"/>
+        </a:solidFill>
+        <a:effectLst/>
+      </p:bgPr>
+    </p:bg>
+    <p:spTree>
+      <p:nvGrpSpPr>
+        <p:cNvPr id="1" name=""/>
+        <p:cNvGrpSpPr/>
+        <p:nvPr/>
+      </p:nvGrpSpPr>
+      <p:grpSpPr>
+        <a:xfrm>
+          <a:off x="0" y="0"/>
+          <a:ext cx="0" cy="0"/>
+          <a:chOff x="0" y="0"/>
+          <a:chExt cx="0" cy="0"/>
+        </a:xfrm>
+      </p:grpSpPr>
+      <p:sp>
+        <p:nvSpPr>
+          <p:cNvPr id="2" name="Rectangle 1">
+            <a:extLst>
+              <a:ext uri="{FF2B5EF4-FFF2-40B4-BE49-F238E27FC236}">
+                <a16:creationId xmlns:a16="http://schemas.microsoft.com/office/drawing/2014/main" id="{64177BDF-BF60-4800-A5C9-0E685ECEF12A}"/>
+              </a:ext>
+            </a:extLst>
+          </p:cNvPr>
+          <p:cNvSpPr/>
+          <p:nvPr/>
+        </p:nvSpPr>
+        <p:spPr>
+          <a:xfrm>
+            <a:off x="0" y="0"/>
+            <a:ext cx="12192000" cy="659876"/>
+          </a:xfrm>
+          <a:prstGeom prst="rect">
+            <a:avLst/>
+          </a:prstGeom>
+          <a:solidFill>
+            <a:srgbClr val="76BFAC"/>
+          </a:solidFill>
+          <a:ln>
+            <a:solidFill>
+              <a:srgbClr val="76BFAC"/>
+            </a:solidFill>
+          </a:ln>
+        </p:spPr>
+        <p:style>
+          <a:lnRef idx="2">
+            <a:schemeClr val="accent1">
+              <a:shade val="50000"/>
+            </a:schemeClr>
+          </a:lnRef>
+          <a:fillRef idx="1">
+            <a:schemeClr val="accent1"/>
+          </a:fillRef>
+          <a:effectRef idx="0">
+            <a:schemeClr val="accent1"/>
+          </a:effectRef>
+          <a:fontRef idx="minor">
+            <a:schemeClr val="lt1"/>
+          </a:fontRef>
+        </p:style>
+        <p:txBody>
+          <a:bodyPr rtlCol="0" anchor="ctr"/>
+          <a:lstStyle/>
+          <a:p>
+            <a:pPr algn="ctr"/>
+            <a:endParaRPr lang="en-US"/>
+          </a:p>
+        </p:txBody>
+      </p:sp>
+      <p:grpSp>
+        <p:nvGrpSpPr>
+          <p:cNvPr id="14" name="Group 13">
+            <a:extLst>
+              <a:ext uri="{FF2B5EF4-FFF2-40B4-BE49-F238E27FC236}">
+                <a16:creationId xmlns:a16="http://schemas.microsoft.com/office/drawing/2014/main" id="{370F5A5E-DD61-4F1B-B31F-D48E97527DAF}"/>
+              </a:ext>
+            </a:extLst>
+          </p:cNvPr>
+          <p:cNvGrpSpPr/>
+          <p:nvPr/>
+        </p:nvGrpSpPr>
+        <p:grpSpPr>
+          <a:xfrm>
+            <a:off x="11517818" y="82164"/>
+            <a:ext cx="509048" cy="495548"/>
+            <a:chOff x="10916239" y="1366887"/>
+            <a:chExt cx="509048" cy="495548"/>
+          </a:xfrm>
+        </p:grpSpPr>
+        <p:sp>
+          <p:nvSpPr>
+            <p:cNvPr id="13" name="Oval 12">
+              <a:extLst>
+                <a:ext uri="{FF2B5EF4-FFF2-40B4-BE49-F238E27FC236}">
+                  <a16:creationId xmlns:a16="http://schemas.microsoft.com/office/drawing/2014/main" id="{0A1A32BA-8986-4790-A542-C30EFBDEA3FF}"/>
+                </a:ext>
+              </a:extLst>
+            </p:cNvPr>
+            <p:cNvSpPr/>
+            <p:nvPr/>
+          </p:nvSpPr>
+          <p:spPr>
+            <a:xfrm>
+              <a:off x="10916239" y="1366887"/>
+              <a:ext cx="509048" cy="495548"/>
+            </a:xfrm>
+            <a:prstGeom prst="ellipse">
+              <a:avLst/>
+            </a:prstGeom>
+            <a:solidFill>
+              <a:schemeClr val="bg1">
+                <a:lumMod val="85000"/>
+              </a:schemeClr>
+            </a:solidFill>
+            <a:ln>
+              <a:solidFill>
+                <a:schemeClr val="bg1">
+                  <a:lumMod val="85000"/>
+                </a:schemeClr>
+              </a:solidFill>
+            </a:ln>
+          </p:spPr>
+          <p:style>
+            <a:lnRef idx="2">
+              <a:schemeClr val="accent1">
+                <a:shade val="50000"/>
+              </a:schemeClr>
+            </a:lnRef>
+            <a:fillRef idx="1">
+              <a:schemeClr val="accent1"/>
+            </a:fillRef>
+            <a:effectRef idx="0">
+              <a:schemeClr val="accent1"/>
+            </a:effectRef>
+            <a:fontRef idx="minor">
+              <a:schemeClr val="lt1"/>
+            </a:fontRef>
+          </p:style>
+          <p:txBody>
+            <a:bodyPr rtlCol="0" anchor="ctr"/>
+            <a:lstStyle/>
+            <a:p>
+              <a:pPr algn="ctr"/>
+              <a:endParaRPr lang="en-US"/>
+            </a:p>
+          </p:txBody>
+        </p:sp>
+        <p:pic>
+          <p:nvPicPr>
+            <p:cNvPr id="12" name="Graphic 11" descr="User">
+              <a:extLst>
+                <a:ext uri="{FF2B5EF4-FFF2-40B4-BE49-F238E27FC236}">
+                  <a16:creationId xmlns:a16="http://schemas.microsoft.com/office/drawing/2014/main" id="{A5559A09-7C4E-4063-A0DE-D9F1270D65CC}"/>
+                </a:ext>
+              </a:extLst>
+            </p:cNvPr>
+            <p:cNvPicPr>
+              <a:picLocks noChangeAspect="1"/>
+            </p:cNvPicPr>
+            <p:nvPr/>
+          </p:nvPicPr>
+          <p:blipFill>
+            <a:blip r:embed="rId2">
+              <a:extLst>
+                <a:ext uri="{28A0092B-C50C-407E-A947-70E740481C1C}">
+                  <a14:useLocalDpi xmlns:a14="http://schemas.microsoft.com/office/drawing/2010/main" val="0"/>
+                </a:ext>
+                <a:ext uri="{96DAC541-7B7A-43D3-8B79-37D633B846F1}">
+                  <asvg:svgBlip xmlns:asvg="http://schemas.microsoft.com/office/drawing/2016/SVG/main" r:embed="rId3"/>
+                </a:ext>
+              </a:extLst>
+            </a:blip>
+            <a:stretch>
+              <a:fillRect/>
+            </a:stretch>
+          </p:blipFill>
+          <p:spPr>
+            <a:xfrm>
+              <a:off x="10935383" y="1366887"/>
+              <a:ext cx="482337" cy="482337"/>
+            </a:xfrm>
+            <a:prstGeom prst="rect">
+              <a:avLst/>
+            </a:prstGeom>
+          </p:spPr>
+        </p:pic>
+      </p:grpSp>
+      <p:sp>
+        <p:nvSpPr>
+          <p:cNvPr id="15" name="TextBox 14">
+            <a:extLst>
+              <a:ext uri="{FF2B5EF4-FFF2-40B4-BE49-F238E27FC236}">
+                <a16:creationId xmlns:a16="http://schemas.microsoft.com/office/drawing/2014/main" id="{BDE5FB8B-8411-4D74-9DEF-0D4A29CA3E6E}"/>
+              </a:ext>
+            </a:extLst>
+          </p:cNvPr>
+          <p:cNvSpPr txBox="1"/>
+          <p:nvPr/>
+        </p:nvSpPr>
+        <p:spPr>
+          <a:xfrm>
+            <a:off x="10681828" y="0"/>
+            <a:ext cx="826418" cy="646331"/>
+          </a:xfrm>
+          <a:prstGeom prst="rect">
+            <a:avLst/>
+          </a:prstGeom>
+          <a:noFill/>
+        </p:spPr>
+        <p:txBody>
+          <a:bodyPr wrap="square" rtlCol="0">
+            <a:spAutoFit/>
+          </a:bodyPr>
+          <a:lstStyle/>
+          <a:p>
+            <a:r>
+              <a:rPr lang="en-US" dirty="0">
+                <a:solidFill>
+                  <a:schemeClr val="bg1"/>
+                </a:solidFill>
+                <a:latin typeface="Bahnschrift SemiBold Condensed" panose="020B0502040204020203" pitchFamily="34" charset="0"/>
+              </a:rPr>
+              <a:t>Ola, </a:t>
+            </a:r>
+            <a:r>
+              <a:rPr lang="en-US" dirty="0" err="1">
+                <a:solidFill>
+                  <a:schemeClr val="bg1"/>
+                </a:solidFill>
+                <a:latin typeface="Bahnschrift SemiBold Condensed" panose="020B0502040204020203" pitchFamily="34" charset="0"/>
+              </a:rPr>
+              <a:t>Usuario</a:t>
+            </a:r>
+            <a:endParaRPr lang="en-US" dirty="0">
+              <a:solidFill>
+                <a:schemeClr val="bg1"/>
+              </a:solidFill>
+              <a:latin typeface="Bahnschrift SemiBold Condensed" panose="020B0502040204020203" pitchFamily="34" charset="0"/>
+            </a:endParaRPr>
+          </a:p>
+        </p:txBody>
+      </p:sp>
+      <p:grpSp>
+        <p:nvGrpSpPr>
+          <p:cNvPr id="18" name="Group 17">
+            <a:extLst>
+              <a:ext uri="{FF2B5EF4-FFF2-40B4-BE49-F238E27FC236}">
+                <a16:creationId xmlns:a16="http://schemas.microsoft.com/office/drawing/2014/main" id="{1210462B-BB4F-4841-9855-3D630CA863B1}"/>
+              </a:ext>
+            </a:extLst>
+          </p:cNvPr>
+          <p:cNvGrpSpPr/>
+          <p:nvPr/>
+        </p:nvGrpSpPr>
+        <p:grpSpPr>
+          <a:xfrm>
+            <a:off x="11969449" y="474614"/>
+            <a:ext cx="133977" cy="144180"/>
+            <a:chOff x="9049145" y="705720"/>
+            <a:chExt cx="197298" cy="182121"/>
+          </a:xfrm>
+        </p:grpSpPr>
+        <p:sp>
+          <p:nvSpPr>
+            <p:cNvPr id="17" name="Rectangle 16">
+              <a:extLst>
+                <a:ext uri="{FF2B5EF4-FFF2-40B4-BE49-F238E27FC236}">
+                  <a16:creationId xmlns:a16="http://schemas.microsoft.com/office/drawing/2014/main" id="{22FC9661-3ED5-4E0A-9C2E-4FEF0E6A1F67}"/>
+                </a:ext>
+              </a:extLst>
+            </p:cNvPr>
+            <p:cNvSpPr/>
+            <p:nvPr/>
+          </p:nvSpPr>
+          <p:spPr>
+            <a:xfrm>
+              <a:off x="9049145" y="705720"/>
+              <a:ext cx="197298" cy="182121"/>
+            </a:xfrm>
+            <a:prstGeom prst="rect">
+              <a:avLst/>
+            </a:prstGeom>
+            <a:solidFill>
+              <a:schemeClr val="bg1">
+                <a:lumMod val="85000"/>
+              </a:schemeClr>
+            </a:solidFill>
+            <a:ln>
+              <a:solidFill>
+                <a:schemeClr val="bg1">
+                  <a:lumMod val="85000"/>
+                </a:schemeClr>
+              </a:solidFill>
+            </a:ln>
+          </p:spPr>
+          <p:style>
+            <a:lnRef idx="2">
+              <a:schemeClr val="accent1">
+                <a:shade val="50000"/>
+              </a:schemeClr>
+            </a:lnRef>
+            <a:fillRef idx="1">
+              <a:schemeClr val="accent1"/>
+            </a:fillRef>
+            <a:effectRef idx="0">
+              <a:schemeClr val="accent1"/>
+            </a:effectRef>
+            <a:fontRef idx="minor">
+              <a:schemeClr val="lt1"/>
+            </a:fontRef>
+          </p:style>
+          <p:txBody>
+            <a:bodyPr rtlCol="0" anchor="ctr"/>
+            <a:lstStyle/>
+            <a:p>
+              <a:pPr algn="ctr"/>
+              <a:endParaRPr lang="en-US"/>
+            </a:p>
+          </p:txBody>
+        </p:sp>
+        <p:sp>
+          <p:nvSpPr>
+            <p:cNvPr id="16" name="Isosceles Triangle 15">
+              <a:extLst>
+                <a:ext uri="{FF2B5EF4-FFF2-40B4-BE49-F238E27FC236}">
+                  <a16:creationId xmlns:a16="http://schemas.microsoft.com/office/drawing/2014/main" id="{B4C8D83F-0A99-408E-9604-58B7AF29B706}"/>
+                </a:ext>
+              </a:extLst>
+            </p:cNvPr>
+            <p:cNvSpPr/>
+            <p:nvPr/>
+          </p:nvSpPr>
+          <p:spPr>
+            <a:xfrm rot="10800000">
+              <a:off x="9102264" y="739867"/>
+              <a:ext cx="106237" cy="117620"/>
+            </a:xfrm>
+            <a:prstGeom prst="triangle">
+              <a:avLst/>
+            </a:prstGeom>
+            <a:solidFill>
+              <a:schemeClr val="tx1"/>
+            </a:solidFill>
+            <a:ln>
+              <a:solidFill>
+                <a:schemeClr val="tx1"/>
+              </a:solidFill>
+            </a:ln>
+          </p:spPr>
+          <p:style>
+            <a:lnRef idx="2">
+              <a:schemeClr val="accent1">
+                <a:shade val="50000"/>
+              </a:schemeClr>
+            </a:lnRef>
+            <a:fillRef idx="1">
+              <a:schemeClr val="accent1"/>
+            </a:fillRef>
+            <a:effectRef idx="0">
+              <a:schemeClr val="accent1"/>
+            </a:effectRef>
+            <a:fontRef idx="minor">
+              <a:schemeClr val="lt1"/>
+            </a:fontRef>
+          </p:style>
+          <p:txBody>
+            <a:bodyPr rtlCol="0" anchor="ctr"/>
+            <a:lstStyle/>
+            <a:p>
+              <a:pPr algn="ctr"/>
+              <a:endParaRPr lang="en-US"/>
+            </a:p>
+          </p:txBody>
+        </p:sp>
+      </p:grpSp>
+      <p:sp>
+        <p:nvSpPr>
+          <p:cNvPr id="5" name="TextBox 4">
+            <a:extLst>
+              <a:ext uri="{FF2B5EF4-FFF2-40B4-BE49-F238E27FC236}">
+                <a16:creationId xmlns:a16="http://schemas.microsoft.com/office/drawing/2014/main" id="{C6B78D9D-3225-4E47-B3D4-7F1C1B61E1CB}"/>
+              </a:ext>
+            </a:extLst>
+          </p:cNvPr>
+          <p:cNvSpPr txBox="1"/>
+          <p:nvPr/>
+        </p:nvSpPr>
+        <p:spPr>
+          <a:xfrm>
+            <a:off x="114339" y="-131727"/>
+            <a:ext cx="2697636" cy="923330"/>
+          </a:xfrm>
+          <a:prstGeom prst="rect">
+            <a:avLst/>
+          </a:prstGeom>
+          <a:noFill/>
+        </p:spPr>
+        <p:txBody>
+          <a:bodyPr wrap="square" rtlCol="0">
+            <a:spAutoFit/>
+          </a:bodyPr>
+          <a:lstStyle/>
+          <a:p>
+            <a:pPr algn="ctr"/>
+            <a:r>
+              <a:rPr lang="en-US" sz="5400" dirty="0">
+                <a:solidFill>
+                  <a:srgbClr val="505F75"/>
+                </a:solidFill>
+                <a:latin typeface="Baskerville Old Face" panose="02020602080505020303" pitchFamily="18" charset="0"/>
+              </a:rPr>
+              <a:t>Bella Pet</a:t>
+            </a:r>
+          </a:p>
+        </p:txBody>
+      </p:sp>
+      <p:sp>
+        <p:nvSpPr>
+          <p:cNvPr id="19" name="Rectangle 18">
+            <a:extLst>
+              <a:ext uri="{FF2B5EF4-FFF2-40B4-BE49-F238E27FC236}">
+                <a16:creationId xmlns:a16="http://schemas.microsoft.com/office/drawing/2014/main" id="{27593590-9426-4A55-8222-D868AC7E3765}"/>
+              </a:ext>
+            </a:extLst>
+          </p:cNvPr>
+          <p:cNvSpPr/>
+          <p:nvPr/>
+        </p:nvSpPr>
+        <p:spPr>
+          <a:xfrm>
+            <a:off x="-1" y="659876"/>
+            <a:ext cx="2410691" cy="6198124"/>
+          </a:xfrm>
+          <a:prstGeom prst="rect">
+            <a:avLst/>
+          </a:prstGeom>
+          <a:solidFill>
+            <a:srgbClr val="505F75"/>
+          </a:solidFill>
+          <a:ln>
+            <a:solidFill>
+              <a:srgbClr val="505F75"/>
+            </a:solidFill>
+          </a:ln>
+        </p:spPr>
+        <p:style>
+          <a:lnRef idx="2">
+            <a:schemeClr val="accent1">
+              <a:shade val="50000"/>
+            </a:schemeClr>
+          </a:lnRef>
+          <a:fillRef idx="1">
+            <a:schemeClr val="accent1"/>
+          </a:fillRef>
+          <a:effectRef idx="0">
+            <a:schemeClr val="accent1"/>
+          </a:effectRef>
+          <a:fontRef idx="minor">
+            <a:schemeClr val="lt1"/>
+          </a:fontRef>
+        </p:style>
+        <p:txBody>
+          <a:bodyPr rtlCol="0" anchor="ctr"/>
+          <a:lstStyle/>
+          <a:p>
+            <a:pPr algn="ctr"/>
+            <a:endParaRPr lang="en-US"/>
+          </a:p>
+        </p:txBody>
+      </p:sp>
+      <p:grpSp>
+        <p:nvGrpSpPr>
+          <p:cNvPr id="29" name="Group 28">
+            <a:extLst>
+              <a:ext uri="{FF2B5EF4-FFF2-40B4-BE49-F238E27FC236}">
+                <a16:creationId xmlns:a16="http://schemas.microsoft.com/office/drawing/2014/main" id="{7DFD4ECE-7174-4F21-87F4-81D21FDEC443}"/>
+              </a:ext>
+            </a:extLst>
+          </p:cNvPr>
+          <p:cNvGrpSpPr/>
+          <p:nvPr/>
+        </p:nvGrpSpPr>
+        <p:grpSpPr>
+          <a:xfrm>
+            <a:off x="114339" y="1648357"/>
+            <a:ext cx="2090213" cy="463327"/>
+            <a:chOff x="4394498" y="1248968"/>
+            <a:chExt cx="2090213" cy="463327"/>
+          </a:xfrm>
+        </p:grpSpPr>
+        <p:sp>
+          <p:nvSpPr>
+            <p:cNvPr id="21" name="Rectangle 20">
+              <a:extLst>
+                <a:ext uri="{FF2B5EF4-FFF2-40B4-BE49-F238E27FC236}">
+                  <a16:creationId xmlns:a16="http://schemas.microsoft.com/office/drawing/2014/main" id="{7CB65F31-B929-4AD0-B8B8-4AD21A4B5561}"/>
+                </a:ext>
+              </a:extLst>
+            </p:cNvPr>
+            <p:cNvSpPr/>
+            <p:nvPr/>
+          </p:nvSpPr>
+          <p:spPr>
+            <a:xfrm>
+              <a:off x="4394498" y="1253268"/>
+              <a:ext cx="2090213" cy="459027"/>
+            </a:xfrm>
+            <a:prstGeom prst="rect">
+              <a:avLst/>
+            </a:prstGeom>
+            <a:solidFill>
+              <a:srgbClr val="76BFAC"/>
+            </a:solidFill>
+            <a:ln>
+              <a:solidFill>
+                <a:srgbClr val="76BFAC"/>
+              </a:solidFill>
+            </a:ln>
+          </p:spPr>
+          <p:style>
+            <a:lnRef idx="2">
+              <a:schemeClr val="accent1">
+                <a:shade val="50000"/>
+              </a:schemeClr>
+            </a:lnRef>
+            <a:fillRef idx="1">
+              <a:schemeClr val="accent1"/>
+            </a:fillRef>
+            <a:effectRef idx="0">
+              <a:schemeClr val="accent1"/>
+            </a:effectRef>
+            <a:fontRef idx="minor">
+              <a:schemeClr val="lt1"/>
+            </a:fontRef>
+          </p:style>
+          <p:txBody>
+            <a:bodyPr rtlCol="0" anchor="ctr"/>
+            <a:lstStyle/>
+            <a:p>
+              <a:pPr algn="r"/>
+              <a:r>
+                <a:rPr lang="en-US" dirty="0" err="1">
+                  <a:latin typeface="Bahnschrift SemiBold Condensed" panose="020B0502040204020203" pitchFamily="34" charset="0"/>
+                </a:rPr>
+                <a:t>Controle</a:t>
+              </a:r>
+              <a:r>
+                <a:rPr lang="en-US" dirty="0">
+                  <a:latin typeface="Bahnschrift SemiBold Condensed" panose="020B0502040204020203" pitchFamily="34" charset="0"/>
+                </a:rPr>
+                <a:t> de </a:t>
+              </a:r>
+              <a:r>
+                <a:rPr lang="en-US" dirty="0" err="1">
+                  <a:latin typeface="Bahnschrift SemiBold Condensed" panose="020B0502040204020203" pitchFamily="34" charset="0"/>
+                </a:rPr>
+                <a:t>Estoque</a:t>
+              </a:r>
+              <a:endParaRPr lang="en-US" dirty="0">
+                <a:latin typeface="Bahnschrift SemiBold Condensed" panose="020B0502040204020203" pitchFamily="34" charset="0"/>
+              </a:endParaRPr>
+            </a:p>
+          </p:txBody>
+        </p:sp>
+        <p:pic>
+          <p:nvPicPr>
+            <p:cNvPr id="28" name="Graphic 27" descr="Books on shelf">
+              <a:extLst>
+                <a:ext uri="{FF2B5EF4-FFF2-40B4-BE49-F238E27FC236}">
+                  <a16:creationId xmlns:a16="http://schemas.microsoft.com/office/drawing/2014/main" id="{A41F5832-3FE9-4744-ADC8-2A8C61450020}"/>
+                </a:ext>
+              </a:extLst>
+            </p:cNvPr>
+            <p:cNvPicPr>
+              <a:picLocks noChangeAspect="1"/>
+            </p:cNvPicPr>
+            <p:nvPr/>
+          </p:nvPicPr>
+          <p:blipFill>
+            <a:blip r:embed="rId4">
+              <a:extLst>
+                <a:ext uri="{28A0092B-C50C-407E-A947-70E740481C1C}">
+                  <a14:useLocalDpi xmlns:a14="http://schemas.microsoft.com/office/drawing/2010/main" val="0"/>
+                </a:ext>
+                <a:ext uri="{96DAC541-7B7A-43D3-8B79-37D633B846F1}">
+                  <asvg:svgBlip xmlns:asvg="http://schemas.microsoft.com/office/drawing/2016/SVG/main" r:embed="rId5"/>
+                </a:ext>
+              </a:extLst>
+            </a:blip>
+            <a:stretch>
+              <a:fillRect/>
+            </a:stretch>
+          </p:blipFill>
+          <p:spPr>
+            <a:xfrm>
+              <a:off x="4394499" y="1248968"/>
+              <a:ext cx="459028" cy="459028"/>
+            </a:xfrm>
+            <a:prstGeom prst="rect">
+              <a:avLst/>
+            </a:prstGeom>
+          </p:spPr>
+        </p:pic>
+      </p:grpSp>
+      <p:grpSp>
+        <p:nvGrpSpPr>
+          <p:cNvPr id="40" name="Group 39">
+            <a:extLst>
+              <a:ext uri="{FF2B5EF4-FFF2-40B4-BE49-F238E27FC236}">
+                <a16:creationId xmlns:a16="http://schemas.microsoft.com/office/drawing/2014/main" id="{3EB464E0-BFD7-4B8D-9ECB-5EAB85A846C0}"/>
+              </a:ext>
+            </a:extLst>
+          </p:cNvPr>
+          <p:cNvGrpSpPr/>
+          <p:nvPr/>
+        </p:nvGrpSpPr>
+        <p:grpSpPr>
+          <a:xfrm>
+            <a:off x="114339" y="2267285"/>
+            <a:ext cx="2090214" cy="507403"/>
+            <a:chOff x="4394498" y="1867896"/>
+            <a:chExt cx="2090214" cy="507403"/>
+          </a:xfrm>
+        </p:grpSpPr>
+        <p:sp>
+          <p:nvSpPr>
+            <p:cNvPr id="22" name="Rectangle 21">
+              <a:extLst>
+                <a:ext uri="{FF2B5EF4-FFF2-40B4-BE49-F238E27FC236}">
+                  <a16:creationId xmlns:a16="http://schemas.microsoft.com/office/drawing/2014/main" id="{BF71EF1E-FE61-40DB-9C76-2B4DB96BEB0E}"/>
+                </a:ext>
+              </a:extLst>
+            </p:cNvPr>
+            <p:cNvSpPr/>
+            <p:nvPr/>
+          </p:nvSpPr>
+          <p:spPr>
+            <a:xfrm>
+              <a:off x="4394498" y="1892085"/>
+              <a:ext cx="2090214" cy="459027"/>
+            </a:xfrm>
+            <a:prstGeom prst="rect">
+              <a:avLst/>
+            </a:prstGeom>
+            <a:solidFill>
+              <a:srgbClr val="76BFAC"/>
+            </a:solidFill>
+            <a:ln>
+              <a:solidFill>
+                <a:srgbClr val="76BFAC"/>
+              </a:solidFill>
+            </a:ln>
+          </p:spPr>
+          <p:style>
+            <a:lnRef idx="2">
+              <a:schemeClr val="accent1">
+                <a:shade val="50000"/>
+              </a:schemeClr>
+            </a:lnRef>
+            <a:fillRef idx="1">
+              <a:schemeClr val="accent1"/>
+            </a:fillRef>
+            <a:effectRef idx="0">
+              <a:schemeClr val="accent1"/>
+            </a:effectRef>
+            <a:fontRef idx="minor">
+              <a:schemeClr val="lt1"/>
+            </a:fontRef>
+          </p:style>
+          <p:txBody>
+            <a:bodyPr rtlCol="0" anchor="ctr"/>
+            <a:lstStyle/>
+            <a:p>
+              <a:pPr algn="r"/>
+              <a:r>
+                <a:rPr lang="en-US" dirty="0" err="1">
+                  <a:latin typeface="Bahnschrift SemiBold Condensed" panose="020B0502040204020203" pitchFamily="34" charset="0"/>
+                </a:rPr>
+                <a:t>Calendario</a:t>
+              </a:r>
+              <a:endParaRPr lang="en-US" dirty="0">
+                <a:latin typeface="Bahnschrift SemiBold Condensed" panose="020B0502040204020203" pitchFamily="34" charset="0"/>
+              </a:endParaRPr>
+            </a:p>
+          </p:txBody>
+        </p:sp>
+        <p:pic>
+          <p:nvPicPr>
+            <p:cNvPr id="31" name="Graphic 30" descr="Monthly calendar">
+              <a:extLst>
+                <a:ext uri="{FF2B5EF4-FFF2-40B4-BE49-F238E27FC236}">
+                  <a16:creationId xmlns:a16="http://schemas.microsoft.com/office/drawing/2014/main" id="{F5A3D32E-1F53-4E0A-A066-9C9C1F151723}"/>
+                </a:ext>
+              </a:extLst>
+            </p:cNvPr>
+            <p:cNvPicPr>
+              <a:picLocks noChangeAspect="1"/>
+            </p:cNvPicPr>
+            <p:nvPr/>
+          </p:nvPicPr>
+          <p:blipFill>
+            <a:blip r:embed="rId6">
+              <a:extLst>
+                <a:ext uri="{28A0092B-C50C-407E-A947-70E740481C1C}">
+                  <a14:useLocalDpi xmlns:a14="http://schemas.microsoft.com/office/drawing/2010/main" val="0"/>
+                </a:ext>
+                <a:ext uri="{96DAC541-7B7A-43D3-8B79-37D633B846F1}">
+                  <asvg:svgBlip xmlns:asvg="http://schemas.microsoft.com/office/drawing/2016/SVG/main" r:embed="rId7"/>
+                </a:ext>
+              </a:extLst>
+            </a:blip>
+            <a:stretch>
+              <a:fillRect/>
+            </a:stretch>
+          </p:blipFill>
+          <p:spPr>
+            <a:xfrm>
+              <a:off x="4394498" y="1867896"/>
+              <a:ext cx="507403" cy="507403"/>
+            </a:xfrm>
+            <a:prstGeom prst="rect">
+              <a:avLst/>
+            </a:prstGeom>
+          </p:spPr>
+        </p:pic>
+      </p:grpSp>
+      <p:grpSp>
+        <p:nvGrpSpPr>
+          <p:cNvPr id="41" name="Group 40">
+            <a:extLst>
+              <a:ext uri="{FF2B5EF4-FFF2-40B4-BE49-F238E27FC236}">
+                <a16:creationId xmlns:a16="http://schemas.microsoft.com/office/drawing/2014/main" id="{91D02E13-DD28-4CA8-AB4A-47481B346711}"/>
+              </a:ext>
+            </a:extLst>
+          </p:cNvPr>
+          <p:cNvGrpSpPr/>
+          <p:nvPr/>
+        </p:nvGrpSpPr>
+        <p:grpSpPr>
+          <a:xfrm>
+            <a:off x="114339" y="2930291"/>
+            <a:ext cx="2090214" cy="459027"/>
+            <a:chOff x="4394498" y="2530902"/>
+            <a:chExt cx="2090214" cy="459027"/>
+          </a:xfrm>
+        </p:grpSpPr>
+        <p:sp>
+          <p:nvSpPr>
+            <p:cNvPr id="23" name="Rectangle 22">
+              <a:extLst>
+                <a:ext uri="{FF2B5EF4-FFF2-40B4-BE49-F238E27FC236}">
+                  <a16:creationId xmlns:a16="http://schemas.microsoft.com/office/drawing/2014/main" id="{47F2F85C-216E-4A53-B093-A18F09A96BEE}"/>
+                </a:ext>
+              </a:extLst>
+            </p:cNvPr>
+            <p:cNvSpPr/>
+            <p:nvPr/>
+          </p:nvSpPr>
+          <p:spPr>
+            <a:xfrm>
+              <a:off x="4394498" y="2530902"/>
+              <a:ext cx="2090214" cy="459027"/>
+            </a:xfrm>
+            <a:prstGeom prst="rect">
+              <a:avLst/>
+            </a:prstGeom>
+            <a:solidFill>
+              <a:srgbClr val="68A797"/>
+            </a:solidFill>
+            <a:ln>
+              <a:solidFill>
+                <a:srgbClr val="76BFAC"/>
+              </a:solidFill>
+            </a:ln>
+          </p:spPr>
+          <p:style>
+            <a:lnRef idx="2">
+              <a:schemeClr val="accent1">
+                <a:shade val="50000"/>
+              </a:schemeClr>
+            </a:lnRef>
+            <a:fillRef idx="1">
+              <a:schemeClr val="accent1"/>
+            </a:fillRef>
+            <a:effectRef idx="0">
+              <a:schemeClr val="accent1"/>
+            </a:effectRef>
+            <a:fontRef idx="minor">
+              <a:schemeClr val="lt1"/>
+            </a:fontRef>
+          </p:style>
+          <p:txBody>
+            <a:bodyPr rtlCol="0" anchor="ctr"/>
+            <a:lstStyle/>
+            <a:p>
+              <a:pPr algn="r"/>
+              <a:r>
+                <a:rPr lang="en-US" dirty="0" err="1">
+                  <a:latin typeface="Bahnschrift SemiBold Condensed" panose="020B0502040204020203" pitchFamily="34" charset="0"/>
+                </a:rPr>
+                <a:t>Livro</a:t>
+              </a:r>
+              <a:r>
+                <a:rPr lang="en-US" dirty="0">
+                  <a:latin typeface="Bahnschrift SemiBold Condensed" panose="020B0502040204020203" pitchFamily="34" charset="0"/>
+                </a:rPr>
+                <a:t>-Caixa</a:t>
+              </a:r>
+            </a:p>
+          </p:txBody>
+        </p:sp>
+        <p:pic>
+          <p:nvPicPr>
+            <p:cNvPr id="33" name="Graphic 32" descr="Register">
+              <a:extLst>
+                <a:ext uri="{FF2B5EF4-FFF2-40B4-BE49-F238E27FC236}">
+                  <a16:creationId xmlns:a16="http://schemas.microsoft.com/office/drawing/2014/main" id="{A35ED390-963B-4B15-BE7A-00D7F40189E9}"/>
+                </a:ext>
+              </a:extLst>
+            </p:cNvPr>
+            <p:cNvPicPr>
+              <a:picLocks noChangeAspect="1"/>
+            </p:cNvPicPr>
+            <p:nvPr/>
+          </p:nvPicPr>
+          <p:blipFill>
+            <a:blip r:embed="rId8">
+              <a:extLst>
+                <a:ext uri="{28A0092B-C50C-407E-A947-70E740481C1C}">
+                  <a14:useLocalDpi xmlns:a14="http://schemas.microsoft.com/office/drawing/2010/main" val="0"/>
+                </a:ext>
+                <a:ext uri="{96DAC541-7B7A-43D3-8B79-37D633B846F1}">
+                  <asvg:svgBlip xmlns:asvg="http://schemas.microsoft.com/office/drawing/2016/SVG/main" r:embed="rId9"/>
+                </a:ext>
+              </a:extLst>
+            </a:blip>
+            <a:stretch>
+              <a:fillRect/>
+            </a:stretch>
+          </p:blipFill>
+          <p:spPr>
+            <a:xfrm>
+              <a:off x="4446531" y="2556917"/>
+              <a:ext cx="406996" cy="406996"/>
+            </a:xfrm>
+            <a:prstGeom prst="rect">
+              <a:avLst/>
+            </a:prstGeom>
+          </p:spPr>
+        </p:pic>
+      </p:grpSp>
+      <p:grpSp>
+        <p:nvGrpSpPr>
+          <p:cNvPr id="42" name="Group 41">
+            <a:extLst>
+              <a:ext uri="{FF2B5EF4-FFF2-40B4-BE49-F238E27FC236}">
+                <a16:creationId xmlns:a16="http://schemas.microsoft.com/office/drawing/2014/main" id="{4834D949-97E3-4A4B-9C0E-2C5A9D2A45E1}"/>
+              </a:ext>
+            </a:extLst>
+          </p:cNvPr>
+          <p:cNvGrpSpPr/>
+          <p:nvPr/>
+        </p:nvGrpSpPr>
+        <p:grpSpPr>
+          <a:xfrm>
+            <a:off x="114339" y="3569108"/>
+            <a:ext cx="2090214" cy="459027"/>
+            <a:chOff x="4394498" y="3169719"/>
+            <a:chExt cx="2090214" cy="459027"/>
+          </a:xfrm>
+        </p:grpSpPr>
+        <p:sp>
+          <p:nvSpPr>
+            <p:cNvPr id="24" name="Rectangle 23">
+              <a:extLst>
+                <a:ext uri="{FF2B5EF4-FFF2-40B4-BE49-F238E27FC236}">
+                  <a16:creationId xmlns:a16="http://schemas.microsoft.com/office/drawing/2014/main" id="{7BB2378D-193D-4348-AC37-783445213FF3}"/>
+                </a:ext>
+              </a:extLst>
+            </p:cNvPr>
+            <p:cNvSpPr/>
+            <p:nvPr/>
+          </p:nvSpPr>
+          <p:spPr>
+            <a:xfrm>
+              <a:off x="4394498" y="3169719"/>
+              <a:ext cx="2090214" cy="459027"/>
+            </a:xfrm>
+            <a:prstGeom prst="rect">
+              <a:avLst/>
+            </a:prstGeom>
+            <a:solidFill>
+              <a:srgbClr val="76BFAC"/>
+            </a:solidFill>
+            <a:ln>
+              <a:solidFill>
+                <a:srgbClr val="76BFAC"/>
+              </a:solidFill>
+            </a:ln>
+          </p:spPr>
+          <p:style>
+            <a:lnRef idx="2">
+              <a:schemeClr val="accent1">
+                <a:shade val="50000"/>
+              </a:schemeClr>
+            </a:lnRef>
+            <a:fillRef idx="1">
+              <a:schemeClr val="accent1"/>
+            </a:fillRef>
+            <a:effectRef idx="0">
+              <a:schemeClr val="accent1"/>
+            </a:effectRef>
+            <a:fontRef idx="minor">
+              <a:schemeClr val="lt1"/>
+            </a:fontRef>
+          </p:style>
+          <p:txBody>
+            <a:bodyPr rtlCol="0" anchor="ctr"/>
+            <a:lstStyle/>
+            <a:p>
+              <a:pPr algn="r"/>
+              <a:r>
+                <a:rPr lang="en-US" dirty="0" err="1">
+                  <a:latin typeface="Bahnschrift SemiBold Condensed" panose="020B0502040204020203" pitchFamily="34" charset="0"/>
+                </a:rPr>
+                <a:t>Simulador</a:t>
+              </a:r>
+              <a:endParaRPr lang="en-US" dirty="0">
+                <a:latin typeface="Bahnschrift SemiBold Condensed" panose="020B0502040204020203" pitchFamily="34" charset="0"/>
+              </a:endParaRPr>
+            </a:p>
+          </p:txBody>
+        </p:sp>
+        <p:pic>
+          <p:nvPicPr>
+            <p:cNvPr id="35" name="Graphic 34" descr="Lightbulb">
+              <a:extLst>
+                <a:ext uri="{FF2B5EF4-FFF2-40B4-BE49-F238E27FC236}">
+                  <a16:creationId xmlns:a16="http://schemas.microsoft.com/office/drawing/2014/main" id="{E652F4B9-53E6-41CB-9D73-A6C1AB95607E}"/>
+                </a:ext>
+              </a:extLst>
+            </p:cNvPr>
+            <p:cNvPicPr>
+              <a:picLocks noChangeAspect="1"/>
+            </p:cNvPicPr>
+            <p:nvPr/>
+          </p:nvPicPr>
+          <p:blipFill>
+            <a:blip r:embed="rId10">
+              <a:extLst>
+                <a:ext uri="{28A0092B-C50C-407E-A947-70E740481C1C}">
+                  <a14:useLocalDpi xmlns:a14="http://schemas.microsoft.com/office/drawing/2010/main" val="0"/>
+                </a:ext>
+                <a:ext uri="{96DAC541-7B7A-43D3-8B79-37D633B846F1}">
+                  <asvg:svgBlip xmlns:asvg="http://schemas.microsoft.com/office/drawing/2016/SVG/main" r:embed="rId11"/>
+                </a:ext>
+              </a:extLst>
+            </a:blip>
+            <a:stretch>
+              <a:fillRect/>
+            </a:stretch>
+          </p:blipFill>
+          <p:spPr>
+            <a:xfrm>
+              <a:off x="4446531" y="3202304"/>
+              <a:ext cx="381017" cy="381017"/>
+            </a:xfrm>
+            <a:prstGeom prst="rect">
+              <a:avLst/>
+            </a:prstGeom>
+          </p:spPr>
+        </p:pic>
+      </p:grpSp>
+      <p:grpSp>
+        <p:nvGrpSpPr>
+          <p:cNvPr id="43" name="Group 42">
+            <a:extLst>
+              <a:ext uri="{FF2B5EF4-FFF2-40B4-BE49-F238E27FC236}">
+                <a16:creationId xmlns:a16="http://schemas.microsoft.com/office/drawing/2014/main" id="{6BA19F4E-EA4A-414B-B446-B5E4B0AB5457}"/>
+              </a:ext>
+            </a:extLst>
+          </p:cNvPr>
+          <p:cNvGrpSpPr/>
+          <p:nvPr/>
+        </p:nvGrpSpPr>
+        <p:grpSpPr>
+          <a:xfrm>
+            <a:off x="114339" y="4176548"/>
+            <a:ext cx="2090214" cy="490404"/>
+            <a:chOff x="4394498" y="3777159"/>
+            <a:chExt cx="2090214" cy="490404"/>
+          </a:xfrm>
+        </p:grpSpPr>
+        <p:sp>
+          <p:nvSpPr>
+            <p:cNvPr id="25" name="Rectangle 24">
+              <a:extLst>
+                <a:ext uri="{FF2B5EF4-FFF2-40B4-BE49-F238E27FC236}">
+                  <a16:creationId xmlns:a16="http://schemas.microsoft.com/office/drawing/2014/main" id="{F41DB2EC-9CEB-474E-9EA8-1F5A1C12C7AD}"/>
+                </a:ext>
+              </a:extLst>
+            </p:cNvPr>
+            <p:cNvSpPr/>
+            <p:nvPr/>
+          </p:nvSpPr>
+          <p:spPr>
+            <a:xfrm>
+              <a:off x="4394498" y="3808536"/>
+              <a:ext cx="2090214" cy="459027"/>
+            </a:xfrm>
+            <a:prstGeom prst="rect">
+              <a:avLst/>
+            </a:prstGeom>
+            <a:solidFill>
+              <a:srgbClr val="76BFAC"/>
+            </a:solidFill>
+            <a:ln>
+              <a:solidFill>
+                <a:srgbClr val="76BFAC"/>
+              </a:solidFill>
+            </a:ln>
+          </p:spPr>
+          <p:style>
+            <a:lnRef idx="2">
+              <a:schemeClr val="accent1">
+                <a:shade val="50000"/>
+              </a:schemeClr>
+            </a:lnRef>
+            <a:fillRef idx="1">
+              <a:schemeClr val="accent1"/>
+            </a:fillRef>
+            <a:effectRef idx="0">
+              <a:schemeClr val="accent1"/>
+            </a:effectRef>
+            <a:fontRef idx="minor">
+              <a:schemeClr val="lt1"/>
+            </a:fontRef>
+          </p:style>
+          <p:txBody>
+            <a:bodyPr rtlCol="0" anchor="ctr"/>
+            <a:lstStyle/>
+            <a:p>
+              <a:pPr algn="r"/>
+              <a:r>
+                <a:rPr lang="en-US" dirty="0" err="1">
+                  <a:latin typeface="Bahnschrift SemiBold Condensed" panose="020B0502040204020203" pitchFamily="34" charset="0"/>
+                </a:rPr>
+                <a:t>Catalogos</a:t>
+              </a:r>
+              <a:endParaRPr lang="en-US" dirty="0">
+                <a:latin typeface="Bahnschrift SemiBold Condensed" panose="020B0502040204020203" pitchFamily="34" charset="0"/>
+              </a:endParaRPr>
+            </a:p>
+          </p:txBody>
+        </p:sp>
+        <p:pic>
+          <p:nvPicPr>
+            <p:cNvPr id="37" name="Graphic 36" descr="Open folder">
+              <a:extLst>
+                <a:ext uri="{FF2B5EF4-FFF2-40B4-BE49-F238E27FC236}">
+                  <a16:creationId xmlns:a16="http://schemas.microsoft.com/office/drawing/2014/main" id="{85B1C722-44E4-4735-88FD-39E8D9486004}"/>
+                </a:ext>
+              </a:extLst>
+            </p:cNvPr>
+            <p:cNvPicPr>
+              <a:picLocks noChangeAspect="1"/>
+            </p:cNvPicPr>
+            <p:nvPr/>
+          </p:nvPicPr>
+          <p:blipFill>
+            <a:blip r:embed="rId12">
+              <a:extLst>
+                <a:ext uri="{28A0092B-C50C-407E-A947-70E740481C1C}">
+                  <a14:useLocalDpi xmlns:a14="http://schemas.microsoft.com/office/drawing/2010/main" val="0"/>
+                </a:ext>
+                <a:ext uri="{96DAC541-7B7A-43D3-8B79-37D633B846F1}">
+                  <asvg:svgBlip xmlns:asvg="http://schemas.microsoft.com/office/drawing/2016/SVG/main" r:embed="rId13"/>
+                </a:ext>
+              </a:extLst>
+            </a:blip>
+            <a:stretch>
+              <a:fillRect/>
+            </a:stretch>
+          </p:blipFill>
+          <p:spPr>
+            <a:xfrm>
+              <a:off x="4446531" y="3777159"/>
+              <a:ext cx="490404" cy="490404"/>
+            </a:xfrm>
+            <a:prstGeom prst="rect">
+              <a:avLst/>
+            </a:prstGeom>
+          </p:spPr>
+        </p:pic>
+      </p:grpSp>
+      <p:sp>
+        <p:nvSpPr>
+          <p:cNvPr id="26" name="Rectangle 25">
+            <a:extLst>
+              <a:ext uri="{FF2B5EF4-FFF2-40B4-BE49-F238E27FC236}">
+                <a16:creationId xmlns:a16="http://schemas.microsoft.com/office/drawing/2014/main" id="{0B466217-AAAE-4164-8732-8177ED742C51}"/>
+              </a:ext>
+            </a:extLst>
+          </p:cNvPr>
+          <p:cNvSpPr/>
+          <p:nvPr/>
+        </p:nvSpPr>
+        <p:spPr>
+          <a:xfrm>
+            <a:off x="114339" y="4846742"/>
+            <a:ext cx="2090214" cy="459027"/>
+          </a:xfrm>
+          <a:prstGeom prst="rect">
+            <a:avLst/>
+          </a:prstGeom>
+          <a:solidFill>
+            <a:srgbClr val="76BFAC"/>
+          </a:solidFill>
+          <a:ln>
+            <a:solidFill>
+              <a:srgbClr val="76BFAC"/>
+            </a:solidFill>
+          </a:ln>
+        </p:spPr>
+        <p:style>
+          <a:lnRef idx="2">
+            <a:schemeClr val="accent1">
+              <a:shade val="50000"/>
+            </a:schemeClr>
+          </a:lnRef>
+          <a:fillRef idx="1">
+            <a:schemeClr val="accent1"/>
+          </a:fillRef>
+          <a:effectRef idx="0">
+            <a:schemeClr val="accent1"/>
+          </a:effectRef>
+          <a:fontRef idx="minor">
+            <a:schemeClr val="lt1"/>
+          </a:fontRef>
+        </p:style>
+        <p:txBody>
+          <a:bodyPr rtlCol="0" anchor="ctr"/>
+          <a:lstStyle/>
+          <a:p>
+            <a:pPr algn="r"/>
+            <a:r>
+              <a:rPr lang="en-US" dirty="0">
+                <a:latin typeface="Bahnschrift SemiBold Condensed" panose="020B0502040204020203" pitchFamily="34" charset="0"/>
+              </a:rPr>
+              <a:t>Nota Fiscal</a:t>
+            </a:r>
+          </a:p>
+        </p:txBody>
+      </p:sp>
+      <p:sp>
+        <p:nvSpPr>
+          <p:cNvPr id="45" name="TextBox 44">
+            <a:extLst>
+              <a:ext uri="{FF2B5EF4-FFF2-40B4-BE49-F238E27FC236}">
+                <a16:creationId xmlns:a16="http://schemas.microsoft.com/office/drawing/2014/main" id="{5B803AE1-0ED2-4427-815B-1395C165E39C}"/>
+              </a:ext>
+            </a:extLst>
+          </p:cNvPr>
+          <p:cNvSpPr txBox="1"/>
+          <p:nvPr/>
+        </p:nvSpPr>
+        <p:spPr>
+          <a:xfrm>
+            <a:off x="5054195" y="805124"/>
+            <a:ext cx="4383464" cy="646331"/>
+          </a:xfrm>
+          <a:prstGeom prst="rect">
+            <a:avLst/>
+          </a:prstGeom>
+          <a:noFill/>
+        </p:spPr>
+        <p:txBody>
+          <a:bodyPr wrap="square" rtlCol="0">
+            <a:spAutoFit/>
+          </a:bodyPr>
+          <a:lstStyle/>
+          <a:p>
+            <a:pPr algn="ctr"/>
+            <a:r>
+              <a:rPr lang="en-US" sz="3600" dirty="0" err="1">
+                <a:solidFill>
+                  <a:srgbClr val="505F75"/>
+                </a:solidFill>
+                <a:latin typeface="Baskerville Old Face" panose="02020602080505020303" pitchFamily="18" charset="0"/>
+              </a:rPr>
+              <a:t>Livro</a:t>
+            </a:r>
+            <a:r>
+              <a:rPr lang="en-US" sz="3600" dirty="0">
+                <a:solidFill>
+                  <a:srgbClr val="505F75"/>
+                </a:solidFill>
+                <a:latin typeface="Baskerville Old Face" panose="02020602080505020303" pitchFamily="18" charset="0"/>
+              </a:rPr>
+              <a:t>-Caixa</a:t>
+            </a:r>
+          </a:p>
+        </p:txBody>
+      </p:sp>
+      <p:sp>
+        <p:nvSpPr>
+          <p:cNvPr id="91" name="Rectangle 90">
+            <a:extLst>
+              <a:ext uri="{FF2B5EF4-FFF2-40B4-BE49-F238E27FC236}">
+                <a16:creationId xmlns:a16="http://schemas.microsoft.com/office/drawing/2014/main" id="{A7D1E547-71D1-4F7F-885C-A60A4799E3F9}"/>
+              </a:ext>
+            </a:extLst>
+          </p:cNvPr>
+          <p:cNvSpPr/>
+          <p:nvPr/>
+        </p:nvSpPr>
+        <p:spPr>
+          <a:xfrm>
+            <a:off x="114338" y="1016647"/>
+            <a:ext cx="2090213" cy="459027"/>
+          </a:xfrm>
+          <a:prstGeom prst="rect">
+            <a:avLst/>
+          </a:prstGeom>
+          <a:solidFill>
+            <a:srgbClr val="76BFAC"/>
+          </a:solidFill>
+          <a:ln>
+            <a:solidFill>
+              <a:srgbClr val="76BFAC"/>
+            </a:solidFill>
+          </a:ln>
+        </p:spPr>
+        <p:style>
+          <a:lnRef idx="2">
+            <a:schemeClr val="accent1">
+              <a:shade val="50000"/>
+            </a:schemeClr>
+          </a:lnRef>
+          <a:fillRef idx="1">
+            <a:schemeClr val="accent1"/>
+          </a:fillRef>
+          <a:effectRef idx="0">
+            <a:schemeClr val="accent1"/>
+          </a:effectRef>
+          <a:fontRef idx="minor">
+            <a:schemeClr val="lt1"/>
+          </a:fontRef>
+        </p:style>
+        <p:txBody>
+          <a:bodyPr rtlCol="0" anchor="ctr"/>
+          <a:lstStyle/>
+          <a:p>
+            <a:pPr algn="r"/>
+            <a:r>
+              <a:rPr lang="en-US" dirty="0">
+                <a:latin typeface="Bahnschrift SemiBold Condensed" panose="020B0502040204020203" pitchFamily="34" charset="0"/>
+              </a:rPr>
+              <a:t>Venda</a:t>
+            </a:r>
+          </a:p>
+        </p:txBody>
+      </p:sp>
+      <p:pic>
+        <p:nvPicPr>
+          <p:cNvPr id="94" name="Graphic 93" descr="Dollar">
+            <a:extLst>
+              <a:ext uri="{FF2B5EF4-FFF2-40B4-BE49-F238E27FC236}">
+                <a16:creationId xmlns:a16="http://schemas.microsoft.com/office/drawing/2014/main" id="{9D520006-7490-4839-8994-14663C700BF1}"/>
+              </a:ext>
+            </a:extLst>
+          </p:cNvPr>
+          <p:cNvPicPr>
+            <a:picLocks noChangeAspect="1"/>
+          </p:cNvPicPr>
+          <p:nvPr/>
+        </p:nvPicPr>
+        <p:blipFill>
+          <a:blip r:embed="rId14">
+            <a:extLst>
+              <a:ext uri="{28A0092B-C50C-407E-A947-70E740481C1C}">
+                <a14:useLocalDpi xmlns:a14="http://schemas.microsoft.com/office/drawing/2010/main" val="0"/>
+              </a:ext>
+              <a:ext uri="{96DAC541-7B7A-43D3-8B79-37D633B846F1}">
+                <asvg:svgBlip xmlns:asvg="http://schemas.microsoft.com/office/drawing/2016/SVG/main" r:embed="rId15"/>
+              </a:ext>
+            </a:extLst>
+          </a:blip>
+          <a:stretch>
+            <a:fillRect/>
+          </a:stretch>
+        </p:blipFill>
+        <p:spPr>
+          <a:xfrm>
+            <a:off x="136822" y="1026153"/>
+            <a:ext cx="414064" cy="414064"/>
+          </a:xfrm>
+          <a:prstGeom prst="rect">
+            <a:avLst/>
+          </a:prstGeom>
+        </p:spPr>
+      </p:pic>
+      <p:pic>
+        <p:nvPicPr>
+          <p:cNvPr id="96" name="Graphic 95" descr="Document">
+            <a:extLst>
+              <a:ext uri="{FF2B5EF4-FFF2-40B4-BE49-F238E27FC236}">
+                <a16:creationId xmlns:a16="http://schemas.microsoft.com/office/drawing/2014/main" id="{3E48C238-1951-409E-90E5-9D6364AF1673}"/>
+              </a:ext>
+            </a:extLst>
+          </p:cNvPr>
+          <p:cNvPicPr>
+            <a:picLocks noChangeAspect="1"/>
+          </p:cNvPicPr>
+          <p:nvPr/>
+        </p:nvPicPr>
+        <p:blipFill>
+          <a:blip r:embed="rId16">
+            <a:extLst>
+              <a:ext uri="{28A0092B-C50C-407E-A947-70E740481C1C}">
+                <a14:useLocalDpi xmlns:a14="http://schemas.microsoft.com/office/drawing/2010/main" val="0"/>
+              </a:ext>
+              <a:ext uri="{96DAC541-7B7A-43D3-8B79-37D633B846F1}">
+                <asvg:svgBlip xmlns:asvg="http://schemas.microsoft.com/office/drawing/2016/SVG/main" r:embed="rId17"/>
+              </a:ext>
+            </a:extLst>
+          </a:blip>
+          <a:stretch>
+            <a:fillRect/>
+          </a:stretch>
+        </p:blipFill>
+        <p:spPr>
+          <a:xfrm>
+            <a:off x="182974" y="4846087"/>
+            <a:ext cx="457200" cy="457200"/>
+          </a:xfrm>
+          <a:prstGeom prst="rect">
+            <a:avLst/>
+          </a:prstGeom>
+        </p:spPr>
+      </p:pic>
+      <p:grpSp>
+        <p:nvGrpSpPr>
+          <p:cNvPr id="7" name="Group 6">
+            <a:extLst>
+              <a:ext uri="{FF2B5EF4-FFF2-40B4-BE49-F238E27FC236}">
+                <a16:creationId xmlns:a16="http://schemas.microsoft.com/office/drawing/2014/main" id="{CC653127-212C-42FB-842F-7402CA253A63}"/>
+              </a:ext>
+            </a:extLst>
+          </p:cNvPr>
+          <p:cNvGrpSpPr/>
+          <p:nvPr/>
+        </p:nvGrpSpPr>
+        <p:grpSpPr>
+          <a:xfrm>
+            <a:off x="5469417" y="1424684"/>
+            <a:ext cx="3553020" cy="1157312"/>
+            <a:chOff x="2801153" y="1416206"/>
+            <a:chExt cx="2834681" cy="923330"/>
+          </a:xfrm>
+          <a:solidFill>
+            <a:srgbClr val="505F75"/>
+          </a:solidFill>
+        </p:grpSpPr>
+        <p:sp>
+          <p:nvSpPr>
+            <p:cNvPr id="4" name="Rectangle 3">
+              <a:extLst>
+                <a:ext uri="{FF2B5EF4-FFF2-40B4-BE49-F238E27FC236}">
+                  <a16:creationId xmlns:a16="http://schemas.microsoft.com/office/drawing/2014/main" id="{EC58B4F3-D994-4BC6-973C-36D4CB8E5739}"/>
+                </a:ext>
+              </a:extLst>
+            </p:cNvPr>
+            <p:cNvSpPr/>
+            <p:nvPr/>
+          </p:nvSpPr>
+          <p:spPr>
+            <a:xfrm>
+              <a:off x="2801153" y="1416206"/>
+              <a:ext cx="2834681" cy="923330"/>
+            </a:xfrm>
+            <a:prstGeom prst="rect">
+              <a:avLst/>
+            </a:prstGeom>
+            <a:grpFill/>
+            <a:ln>
+              <a:solidFill>
+                <a:srgbClr val="505F75"/>
+              </a:solidFill>
+            </a:ln>
+          </p:spPr>
+          <p:style>
+            <a:lnRef idx="2">
+              <a:schemeClr val="accent1">
+                <a:shade val="50000"/>
+              </a:schemeClr>
+            </a:lnRef>
+            <a:fillRef idx="1">
+              <a:schemeClr val="accent1"/>
+            </a:fillRef>
+            <a:effectRef idx="0">
+              <a:schemeClr val="accent1"/>
+            </a:effectRef>
+            <a:fontRef idx="minor">
+              <a:schemeClr val="lt1"/>
+            </a:fontRef>
+          </p:style>
+          <p:txBody>
+            <a:bodyPr rtlCol="0" anchor="ctr"/>
+            <a:lstStyle/>
+            <a:p>
+              <a:pPr algn="ctr"/>
+              <a:endParaRPr lang="en-US" dirty="0"/>
+            </a:p>
+          </p:txBody>
+        </p:sp>
+        <p:sp>
+          <p:nvSpPr>
+            <p:cNvPr id="6" name="TextBox 5">
+              <a:extLst>
+                <a:ext uri="{FF2B5EF4-FFF2-40B4-BE49-F238E27FC236}">
+                  <a16:creationId xmlns:a16="http://schemas.microsoft.com/office/drawing/2014/main" id="{8E01EDBC-3366-4210-8293-3A9814DCB0DF}"/>
+                </a:ext>
+              </a:extLst>
+            </p:cNvPr>
+            <p:cNvSpPr txBox="1"/>
+            <p:nvPr/>
+          </p:nvSpPr>
+          <p:spPr>
+            <a:xfrm>
+              <a:off x="2912882" y="1475674"/>
+              <a:ext cx="2611225" cy="564768"/>
+            </a:xfrm>
+            <a:prstGeom prst="rect">
+              <a:avLst/>
+            </a:prstGeom>
+            <a:grpFill/>
+            <a:ln>
+              <a:solidFill>
+                <a:srgbClr val="505F75"/>
+              </a:solidFill>
+            </a:ln>
+          </p:spPr>
+          <p:txBody>
+            <a:bodyPr wrap="square" rtlCol="0">
+              <a:spAutoFit/>
+            </a:bodyPr>
+            <a:lstStyle/>
+            <a:p>
+              <a:r>
+                <a:rPr lang="en-US" sz="4000" dirty="0">
+                  <a:solidFill>
+                    <a:schemeClr val="bg1"/>
+                  </a:solidFill>
+                  <a:latin typeface="Bahnschrift SemiBold" panose="020B0502040204020203" pitchFamily="34" charset="0"/>
+                </a:rPr>
+                <a:t>R$ 1340</a:t>
+              </a:r>
+            </a:p>
+          </p:txBody>
+        </p:sp>
+        <p:sp>
+          <p:nvSpPr>
+            <p:cNvPr id="36" name="TextBox 35">
+              <a:extLst>
+                <a:ext uri="{FF2B5EF4-FFF2-40B4-BE49-F238E27FC236}">
+                  <a16:creationId xmlns:a16="http://schemas.microsoft.com/office/drawing/2014/main" id="{8BA5F17E-C235-444B-9DFE-B78725885F1E}"/>
+                </a:ext>
+              </a:extLst>
+            </p:cNvPr>
+            <p:cNvSpPr txBox="1"/>
+            <p:nvPr/>
+          </p:nvSpPr>
+          <p:spPr>
+            <a:xfrm>
+              <a:off x="3024609" y="1935251"/>
+              <a:ext cx="2611225" cy="369332"/>
+            </a:xfrm>
+            <a:prstGeom prst="rect">
+              <a:avLst/>
+            </a:prstGeom>
+            <a:grpFill/>
+            <a:ln>
+              <a:solidFill>
+                <a:srgbClr val="505F75"/>
+              </a:solidFill>
+            </a:ln>
+          </p:spPr>
+          <p:txBody>
+            <a:bodyPr wrap="square" rtlCol="0">
+              <a:spAutoFit/>
+            </a:bodyPr>
+            <a:lstStyle/>
+            <a:p>
+              <a:pPr algn="r"/>
+              <a:r>
+                <a:rPr lang="en-US" dirty="0" err="1">
+                  <a:solidFill>
+                    <a:schemeClr val="bg1"/>
+                  </a:solidFill>
+                  <a:latin typeface="Bahnschrift SemiBold" panose="020B0502040204020203" pitchFamily="34" charset="0"/>
+                </a:rPr>
+                <a:t>Lucro</a:t>
+              </a:r>
+              <a:r>
+                <a:rPr lang="en-US" dirty="0">
+                  <a:solidFill>
+                    <a:schemeClr val="bg1"/>
+                  </a:solidFill>
+                  <a:latin typeface="Bahnschrift SemiBold" panose="020B0502040204020203" pitchFamily="34" charset="0"/>
+                </a:rPr>
+                <a:t> de Janeiro</a:t>
+              </a:r>
+            </a:p>
+          </p:txBody>
+        </p:sp>
+      </p:grpSp>
+      <p:grpSp>
+        <p:nvGrpSpPr>
+          <p:cNvPr id="38" name="Group 37">
+            <a:extLst>
+              <a:ext uri="{FF2B5EF4-FFF2-40B4-BE49-F238E27FC236}">
+                <a16:creationId xmlns:a16="http://schemas.microsoft.com/office/drawing/2014/main" id="{F66D693A-777E-41D0-AA2D-FAB862DCB9D4}"/>
+              </a:ext>
+            </a:extLst>
+          </p:cNvPr>
+          <p:cNvGrpSpPr/>
+          <p:nvPr/>
+        </p:nvGrpSpPr>
+        <p:grpSpPr>
+          <a:xfrm>
+            <a:off x="2811975" y="2678474"/>
+            <a:ext cx="2834681" cy="923330"/>
+            <a:chOff x="2801153" y="1416206"/>
+            <a:chExt cx="2834681" cy="923330"/>
+          </a:xfrm>
+        </p:grpSpPr>
+        <p:sp>
+          <p:nvSpPr>
+            <p:cNvPr id="39" name="Rectangle 38">
+              <a:extLst>
+                <a:ext uri="{FF2B5EF4-FFF2-40B4-BE49-F238E27FC236}">
+                  <a16:creationId xmlns:a16="http://schemas.microsoft.com/office/drawing/2014/main" id="{62A7239B-DF60-43FB-881E-B87ECA9BDFBD}"/>
+                </a:ext>
+              </a:extLst>
+            </p:cNvPr>
+            <p:cNvSpPr/>
+            <p:nvPr/>
+          </p:nvSpPr>
+          <p:spPr>
+            <a:xfrm>
+              <a:off x="2801153" y="1416206"/>
+              <a:ext cx="2834681" cy="923330"/>
+            </a:xfrm>
+            <a:prstGeom prst="rect">
+              <a:avLst/>
+            </a:prstGeom>
+            <a:solidFill>
+              <a:srgbClr val="76BFAC"/>
+            </a:solidFill>
+            <a:ln>
+              <a:solidFill>
+                <a:srgbClr val="76BFAC"/>
+              </a:solidFill>
+            </a:ln>
+          </p:spPr>
+          <p:style>
+            <a:lnRef idx="2">
+              <a:schemeClr val="accent1">
+                <a:shade val="50000"/>
+              </a:schemeClr>
+            </a:lnRef>
+            <a:fillRef idx="1">
+              <a:schemeClr val="accent1"/>
+            </a:fillRef>
+            <a:effectRef idx="0">
+              <a:schemeClr val="accent1"/>
+            </a:effectRef>
+            <a:fontRef idx="minor">
+              <a:schemeClr val="lt1"/>
+            </a:fontRef>
+          </p:style>
+          <p:txBody>
+            <a:bodyPr rtlCol="0" anchor="ctr"/>
+            <a:lstStyle/>
+            <a:p>
+              <a:pPr algn="ctr"/>
+              <a:endParaRPr lang="en-US" dirty="0"/>
+            </a:p>
+          </p:txBody>
+        </p:sp>
+        <p:sp>
+          <p:nvSpPr>
+            <p:cNvPr id="44" name="TextBox 43">
+              <a:extLst>
+                <a:ext uri="{FF2B5EF4-FFF2-40B4-BE49-F238E27FC236}">
+                  <a16:creationId xmlns:a16="http://schemas.microsoft.com/office/drawing/2014/main" id="{98AD7D4D-3609-4A34-9763-DA7AB3DF11CE}"/>
+                </a:ext>
+              </a:extLst>
+            </p:cNvPr>
+            <p:cNvSpPr txBox="1"/>
+            <p:nvPr/>
+          </p:nvSpPr>
+          <p:spPr>
+            <a:xfrm>
+              <a:off x="2912882" y="1475674"/>
+              <a:ext cx="2611225" cy="584775"/>
+            </a:xfrm>
+            <a:prstGeom prst="rect">
+              <a:avLst/>
+            </a:prstGeom>
+            <a:noFill/>
+          </p:spPr>
+          <p:txBody>
+            <a:bodyPr wrap="square" rtlCol="0">
+              <a:spAutoFit/>
+            </a:bodyPr>
+            <a:lstStyle/>
+            <a:p>
+              <a:r>
+                <a:rPr lang="en-US" sz="3200" dirty="0">
+                  <a:solidFill>
+                    <a:schemeClr val="bg1"/>
+                  </a:solidFill>
+                  <a:latin typeface="Bahnschrift SemiBold" panose="020B0502040204020203" pitchFamily="34" charset="0"/>
+                </a:rPr>
+                <a:t>R$ 4620</a:t>
+              </a:r>
+            </a:p>
+          </p:txBody>
+        </p:sp>
+        <p:sp>
+          <p:nvSpPr>
+            <p:cNvPr id="46" name="TextBox 45">
+              <a:extLst>
+                <a:ext uri="{FF2B5EF4-FFF2-40B4-BE49-F238E27FC236}">
+                  <a16:creationId xmlns:a16="http://schemas.microsoft.com/office/drawing/2014/main" id="{DA9231A9-FB03-4802-9EAD-21BD8A9AAA80}"/>
+                </a:ext>
+              </a:extLst>
+            </p:cNvPr>
+            <p:cNvSpPr txBox="1"/>
+            <p:nvPr/>
+          </p:nvSpPr>
+          <p:spPr>
+            <a:xfrm>
+              <a:off x="3024609" y="1935251"/>
+              <a:ext cx="2611225" cy="369332"/>
+            </a:xfrm>
+            <a:prstGeom prst="rect">
+              <a:avLst/>
+            </a:prstGeom>
+            <a:noFill/>
+          </p:spPr>
+          <p:txBody>
+            <a:bodyPr wrap="square" rtlCol="0">
+              <a:spAutoFit/>
+            </a:bodyPr>
+            <a:lstStyle/>
+            <a:p>
+              <a:pPr algn="r"/>
+              <a:r>
+                <a:rPr lang="en-US" dirty="0">
+                  <a:solidFill>
+                    <a:schemeClr val="bg1"/>
+                  </a:solidFill>
+                  <a:latin typeface="Bahnschrift SemiBold" panose="020B0502040204020203" pitchFamily="34" charset="0"/>
+                </a:rPr>
+                <a:t>Valor </a:t>
+              </a:r>
+              <a:r>
+                <a:rPr lang="en-US" dirty="0" err="1">
+                  <a:solidFill>
+                    <a:schemeClr val="bg1"/>
+                  </a:solidFill>
+                  <a:latin typeface="Bahnschrift SemiBold" panose="020B0502040204020203" pitchFamily="34" charset="0"/>
+                </a:rPr>
+                <a:t>em</a:t>
+              </a:r>
+              <a:r>
+                <a:rPr lang="en-US" dirty="0">
+                  <a:solidFill>
+                    <a:schemeClr val="bg1"/>
+                  </a:solidFill>
+                  <a:latin typeface="Bahnschrift SemiBold" panose="020B0502040204020203" pitchFamily="34" charset="0"/>
+                </a:rPr>
+                <a:t> </a:t>
+              </a:r>
+              <a:r>
+                <a:rPr lang="en-US" dirty="0" err="1">
+                  <a:solidFill>
+                    <a:schemeClr val="bg1"/>
+                  </a:solidFill>
+                  <a:latin typeface="Bahnschrift SemiBold" panose="020B0502040204020203" pitchFamily="34" charset="0"/>
+                </a:rPr>
+                <a:t>estoque</a:t>
+              </a:r>
+              <a:endParaRPr lang="en-US" dirty="0">
+                <a:solidFill>
+                  <a:schemeClr val="bg1"/>
+                </a:solidFill>
+                <a:latin typeface="Bahnschrift SemiBold" panose="020B0502040204020203" pitchFamily="34" charset="0"/>
+              </a:endParaRPr>
+            </a:p>
+          </p:txBody>
+        </p:sp>
+      </p:grpSp>
+      <p:grpSp>
+        <p:nvGrpSpPr>
+          <p:cNvPr id="47" name="Group 46">
+            <a:extLst>
+              <a:ext uri="{FF2B5EF4-FFF2-40B4-BE49-F238E27FC236}">
+                <a16:creationId xmlns:a16="http://schemas.microsoft.com/office/drawing/2014/main" id="{40305C9A-35F9-4427-92F0-103C820E6D9A}"/>
+              </a:ext>
+            </a:extLst>
+          </p:cNvPr>
+          <p:cNvGrpSpPr/>
+          <p:nvPr/>
+        </p:nvGrpSpPr>
+        <p:grpSpPr>
+          <a:xfrm>
+            <a:off x="5870112" y="2680111"/>
+            <a:ext cx="2834681" cy="923330"/>
+            <a:chOff x="2801153" y="1416206"/>
+            <a:chExt cx="2834681" cy="923330"/>
+          </a:xfrm>
+        </p:grpSpPr>
+        <p:sp>
+          <p:nvSpPr>
+            <p:cNvPr id="48" name="Rectangle 47">
+              <a:extLst>
+                <a:ext uri="{FF2B5EF4-FFF2-40B4-BE49-F238E27FC236}">
+                  <a16:creationId xmlns:a16="http://schemas.microsoft.com/office/drawing/2014/main" id="{AFC1364C-3217-4A6E-B0B2-D08B02AE6C61}"/>
+                </a:ext>
+              </a:extLst>
+            </p:cNvPr>
+            <p:cNvSpPr/>
+            <p:nvPr/>
+          </p:nvSpPr>
+          <p:spPr>
+            <a:xfrm>
+              <a:off x="2801153" y="1416206"/>
+              <a:ext cx="2834681" cy="923330"/>
+            </a:xfrm>
+            <a:prstGeom prst="rect">
+              <a:avLst/>
+            </a:prstGeom>
+            <a:solidFill>
+              <a:srgbClr val="76BFAC"/>
+            </a:solidFill>
+            <a:ln>
+              <a:solidFill>
+                <a:srgbClr val="76BFAC"/>
+              </a:solidFill>
+            </a:ln>
+          </p:spPr>
+          <p:style>
+            <a:lnRef idx="2">
+              <a:schemeClr val="accent1">
+                <a:shade val="50000"/>
+              </a:schemeClr>
+            </a:lnRef>
+            <a:fillRef idx="1">
+              <a:schemeClr val="accent1"/>
+            </a:fillRef>
+            <a:effectRef idx="0">
+              <a:schemeClr val="accent1"/>
+            </a:effectRef>
+            <a:fontRef idx="minor">
+              <a:schemeClr val="lt1"/>
+            </a:fontRef>
+          </p:style>
+          <p:txBody>
+            <a:bodyPr rtlCol="0" anchor="ctr"/>
+            <a:lstStyle/>
+            <a:p>
+              <a:pPr algn="ctr"/>
+              <a:endParaRPr lang="en-US" dirty="0"/>
+            </a:p>
+          </p:txBody>
+        </p:sp>
+        <p:sp>
+          <p:nvSpPr>
+            <p:cNvPr id="49" name="TextBox 48">
+              <a:extLst>
+                <a:ext uri="{FF2B5EF4-FFF2-40B4-BE49-F238E27FC236}">
+                  <a16:creationId xmlns:a16="http://schemas.microsoft.com/office/drawing/2014/main" id="{0903B85D-2C88-4B24-960E-9D2476D43901}"/>
+                </a:ext>
+              </a:extLst>
+            </p:cNvPr>
+            <p:cNvSpPr txBox="1"/>
+            <p:nvPr/>
+          </p:nvSpPr>
+          <p:spPr>
+            <a:xfrm>
+              <a:off x="2912882" y="1475674"/>
+              <a:ext cx="2611225" cy="584775"/>
+            </a:xfrm>
+            <a:prstGeom prst="rect">
+              <a:avLst/>
+            </a:prstGeom>
+            <a:noFill/>
+          </p:spPr>
+          <p:txBody>
+            <a:bodyPr wrap="square" rtlCol="0">
+              <a:spAutoFit/>
+            </a:bodyPr>
+            <a:lstStyle/>
+            <a:p>
+              <a:r>
+                <a:rPr lang="en-US" sz="3200" dirty="0">
+                  <a:solidFill>
+                    <a:schemeClr val="bg1"/>
+                  </a:solidFill>
+                  <a:latin typeface="Bahnschrift SemiBold" panose="020B0502040204020203" pitchFamily="34" charset="0"/>
+                </a:rPr>
+                <a:t>R$ 15620</a:t>
+              </a:r>
+            </a:p>
+          </p:txBody>
+        </p:sp>
+        <p:sp>
+          <p:nvSpPr>
+            <p:cNvPr id="50" name="TextBox 49">
+              <a:extLst>
+                <a:ext uri="{FF2B5EF4-FFF2-40B4-BE49-F238E27FC236}">
+                  <a16:creationId xmlns:a16="http://schemas.microsoft.com/office/drawing/2014/main" id="{196F6A31-F25A-4133-9BAF-9649DD8E62F0}"/>
+                </a:ext>
+              </a:extLst>
+            </p:cNvPr>
+            <p:cNvSpPr txBox="1"/>
+            <p:nvPr/>
+          </p:nvSpPr>
+          <p:spPr>
+            <a:xfrm>
+              <a:off x="3024609" y="1935251"/>
+              <a:ext cx="2611225" cy="369332"/>
+            </a:xfrm>
+            <a:prstGeom prst="rect">
+              <a:avLst/>
+            </a:prstGeom>
+            <a:noFill/>
+          </p:spPr>
+          <p:txBody>
+            <a:bodyPr wrap="square" rtlCol="0">
+              <a:spAutoFit/>
+            </a:bodyPr>
+            <a:lstStyle/>
+            <a:p>
+              <a:pPr algn="r"/>
+              <a:r>
+                <a:rPr lang="en-US" dirty="0" err="1">
+                  <a:solidFill>
+                    <a:schemeClr val="bg1"/>
+                  </a:solidFill>
+                  <a:latin typeface="Bahnschrift SemiBold" panose="020B0502040204020203" pitchFamily="34" charset="0"/>
+                </a:rPr>
+                <a:t>Poupanca</a:t>
+              </a:r>
+              <a:endParaRPr lang="en-US" dirty="0">
+                <a:solidFill>
+                  <a:schemeClr val="bg1"/>
+                </a:solidFill>
+                <a:latin typeface="Bahnschrift SemiBold" panose="020B0502040204020203" pitchFamily="34" charset="0"/>
+              </a:endParaRPr>
+            </a:p>
+          </p:txBody>
+        </p:sp>
+      </p:grpSp>
+      <p:grpSp>
+        <p:nvGrpSpPr>
+          <p:cNvPr id="51" name="Group 50">
+            <a:extLst>
+              <a:ext uri="{FF2B5EF4-FFF2-40B4-BE49-F238E27FC236}">
+                <a16:creationId xmlns:a16="http://schemas.microsoft.com/office/drawing/2014/main" id="{F0912DF1-E405-4BA9-B5E7-6D1409EEA9E9}"/>
+              </a:ext>
+            </a:extLst>
+          </p:cNvPr>
+          <p:cNvGrpSpPr/>
+          <p:nvPr/>
+        </p:nvGrpSpPr>
+        <p:grpSpPr>
+          <a:xfrm>
+            <a:off x="8928249" y="2678474"/>
+            <a:ext cx="2834681" cy="923330"/>
+            <a:chOff x="2801153" y="1416206"/>
+            <a:chExt cx="2834681" cy="923330"/>
+          </a:xfrm>
+        </p:grpSpPr>
+        <p:sp>
+          <p:nvSpPr>
+            <p:cNvPr id="52" name="Rectangle 51">
+              <a:extLst>
+                <a:ext uri="{FF2B5EF4-FFF2-40B4-BE49-F238E27FC236}">
+                  <a16:creationId xmlns:a16="http://schemas.microsoft.com/office/drawing/2014/main" id="{3926E027-0554-4797-A67A-DA977DABA7E1}"/>
+                </a:ext>
+              </a:extLst>
+            </p:cNvPr>
+            <p:cNvSpPr/>
+            <p:nvPr/>
+          </p:nvSpPr>
+          <p:spPr>
+            <a:xfrm>
+              <a:off x="2801153" y="1416206"/>
+              <a:ext cx="2834681" cy="923330"/>
+            </a:xfrm>
+            <a:prstGeom prst="rect">
+              <a:avLst/>
+            </a:prstGeom>
+            <a:solidFill>
+              <a:srgbClr val="76BFAC"/>
+            </a:solidFill>
+            <a:ln>
+              <a:solidFill>
+                <a:srgbClr val="76BFAC"/>
+              </a:solidFill>
+            </a:ln>
+          </p:spPr>
+          <p:style>
+            <a:lnRef idx="2">
+              <a:schemeClr val="accent1">
+                <a:shade val="50000"/>
+              </a:schemeClr>
+            </a:lnRef>
+            <a:fillRef idx="1">
+              <a:schemeClr val="accent1"/>
+            </a:fillRef>
+            <a:effectRef idx="0">
+              <a:schemeClr val="accent1"/>
+            </a:effectRef>
+            <a:fontRef idx="minor">
+              <a:schemeClr val="lt1"/>
+            </a:fontRef>
+          </p:style>
+          <p:txBody>
+            <a:bodyPr rtlCol="0" anchor="ctr"/>
+            <a:lstStyle/>
+            <a:p>
+              <a:pPr algn="ctr"/>
+              <a:endParaRPr lang="en-US" dirty="0"/>
+            </a:p>
+          </p:txBody>
+        </p:sp>
+        <p:sp>
+          <p:nvSpPr>
+            <p:cNvPr id="53" name="TextBox 52">
+              <a:extLst>
+                <a:ext uri="{FF2B5EF4-FFF2-40B4-BE49-F238E27FC236}">
+                  <a16:creationId xmlns:a16="http://schemas.microsoft.com/office/drawing/2014/main" id="{27EA1C38-4EDF-4389-892A-F7708E69344C}"/>
+                </a:ext>
+              </a:extLst>
+            </p:cNvPr>
+            <p:cNvSpPr txBox="1"/>
+            <p:nvPr/>
+          </p:nvSpPr>
+          <p:spPr>
+            <a:xfrm>
+              <a:off x="2912882" y="1475674"/>
+              <a:ext cx="2611225" cy="584775"/>
+            </a:xfrm>
+            <a:prstGeom prst="rect">
+              <a:avLst/>
+            </a:prstGeom>
+            <a:noFill/>
+          </p:spPr>
+          <p:txBody>
+            <a:bodyPr wrap="square" rtlCol="0">
+              <a:spAutoFit/>
+            </a:bodyPr>
+            <a:lstStyle/>
+            <a:p>
+              <a:r>
+                <a:rPr lang="en-US" sz="3200" dirty="0">
+                  <a:solidFill>
+                    <a:schemeClr val="bg1"/>
+                  </a:solidFill>
+                  <a:latin typeface="Bahnschrift SemiBold" panose="020B0502040204020203" pitchFamily="34" charset="0"/>
+                </a:rPr>
+                <a:t>R$ 620</a:t>
+              </a:r>
+            </a:p>
+          </p:txBody>
+        </p:sp>
+        <p:sp>
+          <p:nvSpPr>
+            <p:cNvPr id="54" name="TextBox 53">
+              <a:extLst>
+                <a:ext uri="{FF2B5EF4-FFF2-40B4-BE49-F238E27FC236}">
+                  <a16:creationId xmlns:a16="http://schemas.microsoft.com/office/drawing/2014/main" id="{C0FD79A7-2414-4D33-9F9C-DF6FD5F39F9D}"/>
+                </a:ext>
+              </a:extLst>
+            </p:cNvPr>
+            <p:cNvSpPr txBox="1"/>
+            <p:nvPr/>
+          </p:nvSpPr>
+          <p:spPr>
+            <a:xfrm>
+              <a:off x="3024609" y="1935251"/>
+              <a:ext cx="2611225" cy="369332"/>
+            </a:xfrm>
+            <a:prstGeom prst="rect">
+              <a:avLst/>
+            </a:prstGeom>
+            <a:noFill/>
+          </p:spPr>
+          <p:txBody>
+            <a:bodyPr wrap="square" rtlCol="0">
+              <a:spAutoFit/>
+            </a:bodyPr>
+            <a:lstStyle/>
+            <a:p>
+              <a:pPr algn="r"/>
+              <a:r>
+                <a:rPr lang="en-US" dirty="0" err="1">
+                  <a:solidFill>
+                    <a:schemeClr val="bg1"/>
+                  </a:solidFill>
+                  <a:latin typeface="Bahnschrift SemiBold" panose="020B0502040204020203" pitchFamily="34" charset="0"/>
+                </a:rPr>
+                <a:t>Pagamentos</a:t>
+              </a:r>
+              <a:r>
+                <a:rPr lang="en-US" dirty="0">
+                  <a:solidFill>
+                    <a:schemeClr val="bg1"/>
+                  </a:solidFill>
+                  <a:latin typeface="Bahnschrift SemiBold" panose="020B0502040204020203" pitchFamily="34" charset="0"/>
+                </a:rPr>
+                <a:t> de Janeiro</a:t>
+              </a:r>
+            </a:p>
+          </p:txBody>
+        </p:sp>
+      </p:grpSp>
+      <p:graphicFrame>
+        <p:nvGraphicFramePr>
+          <p:cNvPr id="10" name="Chart 9">
+            <a:extLst>
+              <a:ext uri="{FF2B5EF4-FFF2-40B4-BE49-F238E27FC236}">
+                <a16:creationId xmlns:a16="http://schemas.microsoft.com/office/drawing/2014/main" id="{614FA1B3-FD32-44A1-804B-32EA84953063}"/>
+              </a:ext>
+            </a:extLst>
+          </p:cNvPr>
+          <p:cNvGraphicFramePr/>
+          <p:nvPr>
+            <p:extLst>
+              <p:ext uri="{D42A27DB-BD31-4B8C-83A1-F6EECF244321}">
+                <p14:modId xmlns:p14="http://schemas.microsoft.com/office/powerpoint/2010/main" val="912036740"/>
+              </p:ext>
+            </p:extLst>
+          </p:nvPr>
+        </p:nvGraphicFramePr>
+        <p:xfrm>
+          <a:off x="2923704" y="3363302"/>
+          <a:ext cx="3630846" cy="3268628"/>
+        </p:xfrm>
+        <a:graphic>
+          <a:graphicData uri="http://schemas.openxmlformats.org/drawingml/2006/chart">
+            <c:chart xmlns:c="http://schemas.openxmlformats.org/drawingml/2006/chart" xmlns:r="http://schemas.openxmlformats.org/officeDocument/2006/relationships" r:id="rId18"/>
+          </a:graphicData>
+        </a:graphic>
+      </p:graphicFrame>
+      <p:graphicFrame>
+        <p:nvGraphicFramePr>
+          <p:cNvPr id="27" name="Chart 26">
+            <a:extLst>
+              <a:ext uri="{FF2B5EF4-FFF2-40B4-BE49-F238E27FC236}">
+                <a16:creationId xmlns:a16="http://schemas.microsoft.com/office/drawing/2014/main" id="{AEBCD8FE-589C-4BD5-98D5-70C3F13B45D0}"/>
+              </a:ext>
+            </a:extLst>
+          </p:cNvPr>
+          <p:cNvGraphicFramePr/>
+          <p:nvPr>
+            <p:extLst>
+              <p:ext uri="{D42A27DB-BD31-4B8C-83A1-F6EECF244321}">
+                <p14:modId xmlns:p14="http://schemas.microsoft.com/office/powerpoint/2010/main" val="130267336"/>
+              </p:ext>
+            </p:extLst>
+          </p:nvPr>
+        </p:nvGraphicFramePr>
+        <p:xfrm>
+          <a:off x="6943248" y="3736236"/>
+          <a:ext cx="4416913" cy="2944609"/>
+        </p:xfrm>
+        <a:graphic>
+          <a:graphicData uri="http://schemas.openxmlformats.org/drawingml/2006/chart">
+            <c:chart xmlns:c="http://schemas.openxmlformats.org/drawingml/2006/chart" xmlns:r="http://schemas.openxmlformats.org/officeDocument/2006/relationships" r:id="rId19"/>
+          </a:graphicData>
+        </a:graphic>
+      </p:graphicFrame>
+    </p:spTree>
+    <p:extLst>
+      <p:ext uri="{BB962C8B-B14F-4D97-AF65-F5344CB8AC3E}">
+        <p14:creationId xmlns:p14="http://schemas.microsoft.com/office/powerpoint/2010/main" val="3920858083"/>
       </p:ext>
     </p:extLst>
   </p:cSld>

--- a/Design.pptx
+++ b/Design.pptx
@@ -16,16 +16,16 @@
     <p:sldId id="260" r:id="rId10"/>
     <p:sldId id="261" r:id="rId11"/>
     <p:sldId id="262" r:id="rId12"/>
-    <p:sldId id="263" r:id="rId13"/>
-    <p:sldId id="269" r:id="rId14"/>
-    <p:sldId id="270" r:id="rId15"/>
-    <p:sldId id="271" r:id="rId16"/>
-    <p:sldId id="272" r:id="rId17"/>
-    <p:sldId id="273" r:id="rId18"/>
-    <p:sldId id="274" r:id="rId19"/>
-    <p:sldId id="275" r:id="rId20"/>
-    <p:sldId id="276" r:id="rId21"/>
-    <p:sldId id="264" r:id="rId22"/>
+    <p:sldId id="264" r:id="rId13"/>
+    <p:sldId id="263" r:id="rId14"/>
+    <p:sldId id="269" r:id="rId15"/>
+    <p:sldId id="270" r:id="rId16"/>
+    <p:sldId id="271" r:id="rId17"/>
+    <p:sldId id="272" r:id="rId18"/>
+    <p:sldId id="273" r:id="rId19"/>
+    <p:sldId id="274" r:id="rId20"/>
+    <p:sldId id="275" r:id="rId21"/>
+    <p:sldId id="276" r:id="rId22"/>
     <p:sldId id="268" r:id="rId23"/>
   </p:sldIdLst>
   <p:sldSz cx="12192000" cy="6858000"/>
@@ -2061,7 +2061,7 @@
           <a:p>
             <a:fld id="{8584B886-2642-4FA4-9BEF-D5EB2CF943E7}" type="datetimeFigureOut">
               <a:rPr lang="en-US" smtClean="0"/>
-              <a:t>1/13/2024</a:t>
+              <a:t>1/25/2024</a:t>
             </a:fld>
             <a:endParaRPr lang="en-US"/>
           </a:p>
@@ -2259,7 +2259,7 @@
           <a:p>
             <a:fld id="{8584B886-2642-4FA4-9BEF-D5EB2CF943E7}" type="datetimeFigureOut">
               <a:rPr lang="en-US" smtClean="0"/>
-              <a:t>1/13/2024</a:t>
+              <a:t>1/25/2024</a:t>
             </a:fld>
             <a:endParaRPr lang="en-US"/>
           </a:p>
@@ -2467,7 +2467,7 @@
           <a:p>
             <a:fld id="{8584B886-2642-4FA4-9BEF-D5EB2CF943E7}" type="datetimeFigureOut">
               <a:rPr lang="en-US" smtClean="0"/>
-              <a:t>1/13/2024</a:t>
+              <a:t>1/25/2024</a:t>
             </a:fld>
             <a:endParaRPr lang="en-US"/>
           </a:p>
@@ -2665,7 +2665,7 @@
           <a:p>
             <a:fld id="{8584B886-2642-4FA4-9BEF-D5EB2CF943E7}" type="datetimeFigureOut">
               <a:rPr lang="en-US" smtClean="0"/>
-              <a:t>1/13/2024</a:t>
+              <a:t>1/25/2024</a:t>
             </a:fld>
             <a:endParaRPr lang="en-US"/>
           </a:p>
@@ -2940,7 +2940,7 @@
           <a:p>
             <a:fld id="{8584B886-2642-4FA4-9BEF-D5EB2CF943E7}" type="datetimeFigureOut">
               <a:rPr lang="en-US" smtClean="0"/>
-              <a:t>1/13/2024</a:t>
+              <a:t>1/25/2024</a:t>
             </a:fld>
             <a:endParaRPr lang="en-US"/>
           </a:p>
@@ -3205,7 +3205,7 @@
           <a:p>
             <a:fld id="{8584B886-2642-4FA4-9BEF-D5EB2CF943E7}" type="datetimeFigureOut">
               <a:rPr lang="en-US" smtClean="0"/>
-              <a:t>1/13/2024</a:t>
+              <a:t>1/25/2024</a:t>
             </a:fld>
             <a:endParaRPr lang="en-US"/>
           </a:p>
@@ -3617,7 +3617,7 @@
           <a:p>
             <a:fld id="{8584B886-2642-4FA4-9BEF-D5EB2CF943E7}" type="datetimeFigureOut">
               <a:rPr lang="en-US" smtClean="0"/>
-              <a:t>1/13/2024</a:t>
+              <a:t>1/25/2024</a:t>
             </a:fld>
             <a:endParaRPr lang="en-US"/>
           </a:p>
@@ -3758,7 +3758,7 @@
           <a:p>
             <a:fld id="{8584B886-2642-4FA4-9BEF-D5EB2CF943E7}" type="datetimeFigureOut">
               <a:rPr lang="en-US" smtClean="0"/>
-              <a:t>1/13/2024</a:t>
+              <a:t>1/25/2024</a:t>
             </a:fld>
             <a:endParaRPr lang="en-US"/>
           </a:p>
@@ -3871,7 +3871,7 @@
           <a:p>
             <a:fld id="{8584B886-2642-4FA4-9BEF-D5EB2CF943E7}" type="datetimeFigureOut">
               <a:rPr lang="en-US" smtClean="0"/>
-              <a:t>1/13/2024</a:t>
+              <a:t>1/25/2024</a:t>
             </a:fld>
             <a:endParaRPr lang="en-US"/>
           </a:p>
@@ -4182,7 +4182,7 @@
           <a:p>
             <a:fld id="{8584B886-2642-4FA4-9BEF-D5EB2CF943E7}" type="datetimeFigureOut">
               <a:rPr lang="en-US" smtClean="0"/>
-              <a:t>1/13/2024</a:t>
+              <a:t>1/25/2024</a:t>
             </a:fld>
             <a:endParaRPr lang="en-US"/>
           </a:p>
@@ -4470,7 +4470,7 @@
           <a:p>
             <a:fld id="{8584B886-2642-4FA4-9BEF-D5EB2CF943E7}" type="datetimeFigureOut">
               <a:rPr lang="en-US" smtClean="0"/>
-              <a:t>1/13/2024</a:t>
+              <a:t>1/25/2024</a:t>
             </a:fld>
             <a:endParaRPr lang="en-US"/>
           </a:p>
@@ -4711,7 +4711,7 @@
           <a:p>
             <a:fld id="{8584B886-2642-4FA4-9BEF-D5EB2CF943E7}" type="datetimeFigureOut">
               <a:rPr lang="en-US" smtClean="0"/>
-              <a:t>1/13/2024</a:t>
+              <a:t>1/25/2024</a:t>
             </a:fld>
             <a:endParaRPr lang="en-US"/>
           </a:p>
@@ -9783,6 +9783,2745 @@
       </p:grpSpPr>
       <p:sp>
         <p:nvSpPr>
+          <p:cNvPr id="75" name="Rectangle: Rounded Corners 74">
+            <a:extLst>
+              <a:ext uri="{FF2B5EF4-FFF2-40B4-BE49-F238E27FC236}">
+                <a16:creationId xmlns:a16="http://schemas.microsoft.com/office/drawing/2014/main" id="{1C01721B-A59A-4305-8FBC-0A4ABCD73975}"/>
+              </a:ext>
+            </a:extLst>
+          </p:cNvPr>
+          <p:cNvSpPr/>
+          <p:nvPr/>
+        </p:nvSpPr>
+        <p:spPr>
+          <a:xfrm>
+            <a:off x="6798295" y="1437933"/>
+            <a:ext cx="3643239" cy="5321085"/>
+          </a:xfrm>
+          <a:prstGeom prst="roundRect">
+            <a:avLst>
+              <a:gd name="adj" fmla="val 8128"/>
+            </a:avLst>
+          </a:prstGeom>
+          <a:solidFill>
+            <a:srgbClr val="76BFAC"/>
+          </a:solidFill>
+          <a:ln>
+            <a:solidFill>
+              <a:srgbClr val="76BFAC"/>
+            </a:solidFill>
+          </a:ln>
+        </p:spPr>
+        <p:style>
+          <a:lnRef idx="2">
+            <a:schemeClr val="accent1">
+              <a:shade val="50000"/>
+            </a:schemeClr>
+          </a:lnRef>
+          <a:fillRef idx="1">
+            <a:schemeClr val="accent1"/>
+          </a:fillRef>
+          <a:effectRef idx="0">
+            <a:schemeClr val="accent1"/>
+          </a:effectRef>
+          <a:fontRef idx="minor">
+            <a:schemeClr val="lt1"/>
+          </a:fontRef>
+        </p:style>
+        <p:txBody>
+          <a:bodyPr rtlCol="0" anchor="ctr"/>
+          <a:lstStyle/>
+          <a:p>
+            <a:pPr algn="ctr"/>
+            <a:endParaRPr lang="en-US"/>
+          </a:p>
+        </p:txBody>
+      </p:sp>
+      <p:sp>
+        <p:nvSpPr>
+          <p:cNvPr id="11" name="Rectangle: Rounded Corners 10">
+            <a:extLst>
+              <a:ext uri="{FF2B5EF4-FFF2-40B4-BE49-F238E27FC236}">
+                <a16:creationId xmlns:a16="http://schemas.microsoft.com/office/drawing/2014/main" id="{D210B49F-F620-4A84-96AC-0E22664FB91F}"/>
+              </a:ext>
+            </a:extLst>
+          </p:cNvPr>
+          <p:cNvSpPr/>
+          <p:nvPr/>
+        </p:nvSpPr>
+        <p:spPr>
+          <a:xfrm>
+            <a:off x="2948917" y="1437934"/>
+            <a:ext cx="3643239" cy="5321085"/>
+          </a:xfrm>
+          <a:prstGeom prst="roundRect">
+            <a:avLst>
+              <a:gd name="adj" fmla="val 8128"/>
+            </a:avLst>
+          </a:prstGeom>
+          <a:solidFill>
+            <a:srgbClr val="76BFAC"/>
+          </a:solidFill>
+          <a:ln>
+            <a:solidFill>
+              <a:srgbClr val="76BFAC"/>
+            </a:solidFill>
+          </a:ln>
+        </p:spPr>
+        <p:style>
+          <a:lnRef idx="2">
+            <a:schemeClr val="accent1">
+              <a:shade val="50000"/>
+            </a:schemeClr>
+          </a:lnRef>
+          <a:fillRef idx="1">
+            <a:schemeClr val="accent1"/>
+          </a:fillRef>
+          <a:effectRef idx="0">
+            <a:schemeClr val="accent1"/>
+          </a:effectRef>
+          <a:fontRef idx="minor">
+            <a:schemeClr val="lt1"/>
+          </a:fontRef>
+        </p:style>
+        <p:txBody>
+          <a:bodyPr rtlCol="0" anchor="ctr"/>
+          <a:lstStyle/>
+          <a:p>
+            <a:pPr algn="ctr"/>
+            <a:endParaRPr lang="en-US"/>
+          </a:p>
+        </p:txBody>
+      </p:sp>
+      <p:sp>
+        <p:nvSpPr>
+          <p:cNvPr id="2" name="Rectangle 1">
+            <a:extLst>
+              <a:ext uri="{FF2B5EF4-FFF2-40B4-BE49-F238E27FC236}">
+                <a16:creationId xmlns:a16="http://schemas.microsoft.com/office/drawing/2014/main" id="{64177BDF-BF60-4800-A5C9-0E685ECEF12A}"/>
+              </a:ext>
+            </a:extLst>
+          </p:cNvPr>
+          <p:cNvSpPr/>
+          <p:nvPr/>
+        </p:nvSpPr>
+        <p:spPr>
+          <a:xfrm>
+            <a:off x="0" y="0"/>
+            <a:ext cx="12192000" cy="659876"/>
+          </a:xfrm>
+          <a:prstGeom prst="rect">
+            <a:avLst/>
+          </a:prstGeom>
+          <a:solidFill>
+            <a:srgbClr val="76BFAC"/>
+          </a:solidFill>
+          <a:ln>
+            <a:solidFill>
+              <a:srgbClr val="76BFAC"/>
+            </a:solidFill>
+          </a:ln>
+        </p:spPr>
+        <p:style>
+          <a:lnRef idx="2">
+            <a:schemeClr val="accent1">
+              <a:shade val="50000"/>
+            </a:schemeClr>
+          </a:lnRef>
+          <a:fillRef idx="1">
+            <a:schemeClr val="accent1"/>
+          </a:fillRef>
+          <a:effectRef idx="0">
+            <a:schemeClr val="accent1"/>
+          </a:effectRef>
+          <a:fontRef idx="minor">
+            <a:schemeClr val="lt1"/>
+          </a:fontRef>
+        </p:style>
+        <p:txBody>
+          <a:bodyPr rtlCol="0" anchor="ctr"/>
+          <a:lstStyle/>
+          <a:p>
+            <a:pPr algn="ctr"/>
+            <a:endParaRPr lang="en-US"/>
+          </a:p>
+        </p:txBody>
+      </p:sp>
+      <p:grpSp>
+        <p:nvGrpSpPr>
+          <p:cNvPr id="14" name="Group 13">
+            <a:extLst>
+              <a:ext uri="{FF2B5EF4-FFF2-40B4-BE49-F238E27FC236}">
+                <a16:creationId xmlns:a16="http://schemas.microsoft.com/office/drawing/2014/main" id="{370F5A5E-DD61-4F1B-B31F-D48E97527DAF}"/>
+              </a:ext>
+            </a:extLst>
+          </p:cNvPr>
+          <p:cNvGrpSpPr/>
+          <p:nvPr/>
+        </p:nvGrpSpPr>
+        <p:grpSpPr>
+          <a:xfrm>
+            <a:off x="11517818" y="82164"/>
+            <a:ext cx="509048" cy="495548"/>
+            <a:chOff x="10916239" y="1366887"/>
+            <a:chExt cx="509048" cy="495548"/>
+          </a:xfrm>
+        </p:grpSpPr>
+        <p:sp>
+          <p:nvSpPr>
+            <p:cNvPr id="13" name="Oval 12">
+              <a:extLst>
+                <a:ext uri="{FF2B5EF4-FFF2-40B4-BE49-F238E27FC236}">
+                  <a16:creationId xmlns:a16="http://schemas.microsoft.com/office/drawing/2014/main" id="{0A1A32BA-8986-4790-A542-C30EFBDEA3FF}"/>
+                </a:ext>
+              </a:extLst>
+            </p:cNvPr>
+            <p:cNvSpPr/>
+            <p:nvPr/>
+          </p:nvSpPr>
+          <p:spPr>
+            <a:xfrm>
+              <a:off x="10916239" y="1366887"/>
+              <a:ext cx="509048" cy="495548"/>
+            </a:xfrm>
+            <a:prstGeom prst="ellipse">
+              <a:avLst/>
+            </a:prstGeom>
+            <a:solidFill>
+              <a:schemeClr val="bg1">
+                <a:lumMod val="85000"/>
+              </a:schemeClr>
+            </a:solidFill>
+            <a:ln>
+              <a:solidFill>
+                <a:schemeClr val="bg1">
+                  <a:lumMod val="85000"/>
+                </a:schemeClr>
+              </a:solidFill>
+            </a:ln>
+          </p:spPr>
+          <p:style>
+            <a:lnRef idx="2">
+              <a:schemeClr val="accent1">
+                <a:shade val="50000"/>
+              </a:schemeClr>
+            </a:lnRef>
+            <a:fillRef idx="1">
+              <a:schemeClr val="accent1"/>
+            </a:fillRef>
+            <a:effectRef idx="0">
+              <a:schemeClr val="accent1"/>
+            </a:effectRef>
+            <a:fontRef idx="minor">
+              <a:schemeClr val="lt1"/>
+            </a:fontRef>
+          </p:style>
+          <p:txBody>
+            <a:bodyPr rtlCol="0" anchor="ctr"/>
+            <a:lstStyle/>
+            <a:p>
+              <a:pPr algn="ctr"/>
+              <a:endParaRPr lang="en-US"/>
+            </a:p>
+          </p:txBody>
+        </p:sp>
+        <p:pic>
+          <p:nvPicPr>
+            <p:cNvPr id="12" name="Graphic 11" descr="User">
+              <a:extLst>
+                <a:ext uri="{FF2B5EF4-FFF2-40B4-BE49-F238E27FC236}">
+                  <a16:creationId xmlns:a16="http://schemas.microsoft.com/office/drawing/2014/main" id="{A5559A09-7C4E-4063-A0DE-D9F1270D65CC}"/>
+                </a:ext>
+              </a:extLst>
+            </p:cNvPr>
+            <p:cNvPicPr>
+              <a:picLocks noChangeAspect="1"/>
+            </p:cNvPicPr>
+            <p:nvPr/>
+          </p:nvPicPr>
+          <p:blipFill>
+            <a:blip r:embed="rId2">
+              <a:extLst>
+                <a:ext uri="{28A0092B-C50C-407E-A947-70E740481C1C}">
+                  <a14:useLocalDpi xmlns:a14="http://schemas.microsoft.com/office/drawing/2010/main" val="0"/>
+                </a:ext>
+                <a:ext uri="{96DAC541-7B7A-43D3-8B79-37D633B846F1}">
+                  <asvg:svgBlip xmlns:asvg="http://schemas.microsoft.com/office/drawing/2016/SVG/main" r:embed="rId3"/>
+                </a:ext>
+              </a:extLst>
+            </a:blip>
+            <a:stretch>
+              <a:fillRect/>
+            </a:stretch>
+          </p:blipFill>
+          <p:spPr>
+            <a:xfrm>
+              <a:off x="10935383" y="1366887"/>
+              <a:ext cx="482337" cy="482337"/>
+            </a:xfrm>
+            <a:prstGeom prst="rect">
+              <a:avLst/>
+            </a:prstGeom>
+          </p:spPr>
+        </p:pic>
+      </p:grpSp>
+      <p:sp>
+        <p:nvSpPr>
+          <p:cNvPr id="15" name="TextBox 14">
+            <a:extLst>
+              <a:ext uri="{FF2B5EF4-FFF2-40B4-BE49-F238E27FC236}">
+                <a16:creationId xmlns:a16="http://schemas.microsoft.com/office/drawing/2014/main" id="{BDE5FB8B-8411-4D74-9DEF-0D4A29CA3E6E}"/>
+              </a:ext>
+            </a:extLst>
+          </p:cNvPr>
+          <p:cNvSpPr txBox="1"/>
+          <p:nvPr/>
+        </p:nvSpPr>
+        <p:spPr>
+          <a:xfrm>
+            <a:off x="10681828" y="0"/>
+            <a:ext cx="826418" cy="646331"/>
+          </a:xfrm>
+          <a:prstGeom prst="rect">
+            <a:avLst/>
+          </a:prstGeom>
+          <a:noFill/>
+        </p:spPr>
+        <p:txBody>
+          <a:bodyPr wrap="square" rtlCol="0">
+            <a:spAutoFit/>
+          </a:bodyPr>
+          <a:lstStyle/>
+          <a:p>
+            <a:r>
+              <a:rPr lang="en-US" dirty="0">
+                <a:solidFill>
+                  <a:schemeClr val="bg1"/>
+                </a:solidFill>
+                <a:latin typeface="Bahnschrift SemiBold Condensed" panose="020B0502040204020203" pitchFamily="34" charset="0"/>
+              </a:rPr>
+              <a:t>Ola, </a:t>
+            </a:r>
+            <a:r>
+              <a:rPr lang="en-US" dirty="0" err="1">
+                <a:solidFill>
+                  <a:schemeClr val="bg1"/>
+                </a:solidFill>
+                <a:latin typeface="Bahnschrift SemiBold Condensed" panose="020B0502040204020203" pitchFamily="34" charset="0"/>
+              </a:rPr>
+              <a:t>Usuario</a:t>
+            </a:r>
+            <a:endParaRPr lang="en-US" dirty="0">
+              <a:solidFill>
+                <a:schemeClr val="bg1"/>
+              </a:solidFill>
+              <a:latin typeface="Bahnschrift SemiBold Condensed" panose="020B0502040204020203" pitchFamily="34" charset="0"/>
+            </a:endParaRPr>
+          </a:p>
+        </p:txBody>
+      </p:sp>
+      <p:grpSp>
+        <p:nvGrpSpPr>
+          <p:cNvPr id="18" name="Group 17">
+            <a:extLst>
+              <a:ext uri="{FF2B5EF4-FFF2-40B4-BE49-F238E27FC236}">
+                <a16:creationId xmlns:a16="http://schemas.microsoft.com/office/drawing/2014/main" id="{1210462B-BB4F-4841-9855-3D630CA863B1}"/>
+              </a:ext>
+            </a:extLst>
+          </p:cNvPr>
+          <p:cNvGrpSpPr/>
+          <p:nvPr/>
+        </p:nvGrpSpPr>
+        <p:grpSpPr>
+          <a:xfrm>
+            <a:off x="11969449" y="474614"/>
+            <a:ext cx="133977" cy="144180"/>
+            <a:chOff x="9049145" y="705720"/>
+            <a:chExt cx="197298" cy="182121"/>
+          </a:xfrm>
+        </p:grpSpPr>
+        <p:sp>
+          <p:nvSpPr>
+            <p:cNvPr id="17" name="Rectangle 16">
+              <a:extLst>
+                <a:ext uri="{FF2B5EF4-FFF2-40B4-BE49-F238E27FC236}">
+                  <a16:creationId xmlns:a16="http://schemas.microsoft.com/office/drawing/2014/main" id="{22FC9661-3ED5-4E0A-9C2E-4FEF0E6A1F67}"/>
+                </a:ext>
+              </a:extLst>
+            </p:cNvPr>
+            <p:cNvSpPr/>
+            <p:nvPr/>
+          </p:nvSpPr>
+          <p:spPr>
+            <a:xfrm>
+              <a:off x="9049145" y="705720"/>
+              <a:ext cx="197298" cy="182121"/>
+            </a:xfrm>
+            <a:prstGeom prst="rect">
+              <a:avLst/>
+            </a:prstGeom>
+            <a:solidFill>
+              <a:schemeClr val="bg1">
+                <a:lumMod val="85000"/>
+              </a:schemeClr>
+            </a:solidFill>
+            <a:ln>
+              <a:solidFill>
+                <a:schemeClr val="bg1">
+                  <a:lumMod val="85000"/>
+                </a:schemeClr>
+              </a:solidFill>
+            </a:ln>
+          </p:spPr>
+          <p:style>
+            <a:lnRef idx="2">
+              <a:schemeClr val="accent1">
+                <a:shade val="50000"/>
+              </a:schemeClr>
+            </a:lnRef>
+            <a:fillRef idx="1">
+              <a:schemeClr val="accent1"/>
+            </a:fillRef>
+            <a:effectRef idx="0">
+              <a:schemeClr val="accent1"/>
+            </a:effectRef>
+            <a:fontRef idx="minor">
+              <a:schemeClr val="lt1"/>
+            </a:fontRef>
+          </p:style>
+          <p:txBody>
+            <a:bodyPr rtlCol="0" anchor="ctr"/>
+            <a:lstStyle/>
+            <a:p>
+              <a:pPr algn="ctr"/>
+              <a:endParaRPr lang="en-US"/>
+            </a:p>
+          </p:txBody>
+        </p:sp>
+        <p:sp>
+          <p:nvSpPr>
+            <p:cNvPr id="16" name="Isosceles Triangle 15">
+              <a:extLst>
+                <a:ext uri="{FF2B5EF4-FFF2-40B4-BE49-F238E27FC236}">
+                  <a16:creationId xmlns:a16="http://schemas.microsoft.com/office/drawing/2014/main" id="{B4C8D83F-0A99-408E-9604-58B7AF29B706}"/>
+                </a:ext>
+              </a:extLst>
+            </p:cNvPr>
+            <p:cNvSpPr/>
+            <p:nvPr/>
+          </p:nvSpPr>
+          <p:spPr>
+            <a:xfrm rot="10800000">
+              <a:off x="9102264" y="739867"/>
+              <a:ext cx="106237" cy="117620"/>
+            </a:xfrm>
+            <a:prstGeom prst="triangle">
+              <a:avLst/>
+            </a:prstGeom>
+            <a:solidFill>
+              <a:schemeClr val="tx1"/>
+            </a:solidFill>
+            <a:ln>
+              <a:solidFill>
+                <a:schemeClr val="tx1"/>
+              </a:solidFill>
+            </a:ln>
+          </p:spPr>
+          <p:style>
+            <a:lnRef idx="2">
+              <a:schemeClr val="accent1">
+                <a:shade val="50000"/>
+              </a:schemeClr>
+            </a:lnRef>
+            <a:fillRef idx="1">
+              <a:schemeClr val="accent1"/>
+            </a:fillRef>
+            <a:effectRef idx="0">
+              <a:schemeClr val="accent1"/>
+            </a:effectRef>
+            <a:fontRef idx="minor">
+              <a:schemeClr val="lt1"/>
+            </a:fontRef>
+          </p:style>
+          <p:txBody>
+            <a:bodyPr rtlCol="0" anchor="ctr"/>
+            <a:lstStyle/>
+            <a:p>
+              <a:pPr algn="ctr"/>
+              <a:endParaRPr lang="en-US"/>
+            </a:p>
+          </p:txBody>
+        </p:sp>
+      </p:grpSp>
+      <p:sp>
+        <p:nvSpPr>
+          <p:cNvPr id="5" name="TextBox 4">
+            <a:extLst>
+              <a:ext uri="{FF2B5EF4-FFF2-40B4-BE49-F238E27FC236}">
+                <a16:creationId xmlns:a16="http://schemas.microsoft.com/office/drawing/2014/main" id="{C6B78D9D-3225-4E47-B3D4-7F1C1B61E1CB}"/>
+              </a:ext>
+            </a:extLst>
+          </p:cNvPr>
+          <p:cNvSpPr txBox="1"/>
+          <p:nvPr/>
+        </p:nvSpPr>
+        <p:spPr>
+          <a:xfrm>
+            <a:off x="114339" y="-131727"/>
+            <a:ext cx="2697636" cy="923330"/>
+          </a:xfrm>
+          <a:prstGeom prst="rect">
+            <a:avLst/>
+          </a:prstGeom>
+          <a:noFill/>
+        </p:spPr>
+        <p:txBody>
+          <a:bodyPr wrap="square" rtlCol="0">
+            <a:spAutoFit/>
+          </a:bodyPr>
+          <a:lstStyle/>
+          <a:p>
+            <a:pPr algn="ctr"/>
+            <a:r>
+              <a:rPr lang="en-US" sz="5400" dirty="0">
+                <a:solidFill>
+                  <a:srgbClr val="505F75"/>
+                </a:solidFill>
+                <a:latin typeface="Baskerville Old Face" panose="02020602080505020303" pitchFamily="18" charset="0"/>
+              </a:rPr>
+              <a:t>Bella Pet</a:t>
+            </a:r>
+          </a:p>
+        </p:txBody>
+      </p:sp>
+      <p:sp>
+        <p:nvSpPr>
+          <p:cNvPr id="19" name="Rectangle 18">
+            <a:extLst>
+              <a:ext uri="{FF2B5EF4-FFF2-40B4-BE49-F238E27FC236}">
+                <a16:creationId xmlns:a16="http://schemas.microsoft.com/office/drawing/2014/main" id="{27593590-9426-4A55-8222-D868AC7E3765}"/>
+              </a:ext>
+            </a:extLst>
+          </p:cNvPr>
+          <p:cNvSpPr/>
+          <p:nvPr/>
+        </p:nvSpPr>
+        <p:spPr>
+          <a:xfrm>
+            <a:off x="-1" y="659876"/>
+            <a:ext cx="2410691" cy="6198124"/>
+          </a:xfrm>
+          <a:prstGeom prst="rect">
+            <a:avLst/>
+          </a:prstGeom>
+          <a:solidFill>
+            <a:srgbClr val="505F75"/>
+          </a:solidFill>
+          <a:ln>
+            <a:solidFill>
+              <a:srgbClr val="505F75"/>
+            </a:solidFill>
+          </a:ln>
+        </p:spPr>
+        <p:style>
+          <a:lnRef idx="2">
+            <a:schemeClr val="accent1">
+              <a:shade val="50000"/>
+            </a:schemeClr>
+          </a:lnRef>
+          <a:fillRef idx="1">
+            <a:schemeClr val="accent1"/>
+          </a:fillRef>
+          <a:effectRef idx="0">
+            <a:schemeClr val="accent1"/>
+          </a:effectRef>
+          <a:fontRef idx="minor">
+            <a:schemeClr val="lt1"/>
+          </a:fontRef>
+        </p:style>
+        <p:txBody>
+          <a:bodyPr rtlCol="0" anchor="ctr"/>
+          <a:lstStyle/>
+          <a:p>
+            <a:pPr algn="ctr"/>
+            <a:endParaRPr lang="en-US"/>
+          </a:p>
+        </p:txBody>
+      </p:sp>
+      <p:grpSp>
+        <p:nvGrpSpPr>
+          <p:cNvPr id="29" name="Group 28">
+            <a:extLst>
+              <a:ext uri="{FF2B5EF4-FFF2-40B4-BE49-F238E27FC236}">
+                <a16:creationId xmlns:a16="http://schemas.microsoft.com/office/drawing/2014/main" id="{7DFD4ECE-7174-4F21-87F4-81D21FDEC443}"/>
+              </a:ext>
+            </a:extLst>
+          </p:cNvPr>
+          <p:cNvGrpSpPr/>
+          <p:nvPr/>
+        </p:nvGrpSpPr>
+        <p:grpSpPr>
+          <a:xfrm>
+            <a:off x="114339" y="1648357"/>
+            <a:ext cx="2090213" cy="463327"/>
+            <a:chOff x="4394498" y="1248968"/>
+            <a:chExt cx="2090213" cy="463327"/>
+          </a:xfrm>
+        </p:grpSpPr>
+        <p:sp>
+          <p:nvSpPr>
+            <p:cNvPr id="21" name="Rectangle 20">
+              <a:extLst>
+                <a:ext uri="{FF2B5EF4-FFF2-40B4-BE49-F238E27FC236}">
+                  <a16:creationId xmlns:a16="http://schemas.microsoft.com/office/drawing/2014/main" id="{7CB65F31-B929-4AD0-B8B8-4AD21A4B5561}"/>
+                </a:ext>
+              </a:extLst>
+            </p:cNvPr>
+            <p:cNvSpPr/>
+            <p:nvPr/>
+          </p:nvSpPr>
+          <p:spPr>
+            <a:xfrm>
+              <a:off x="4394498" y="1253268"/>
+              <a:ext cx="2090213" cy="459027"/>
+            </a:xfrm>
+            <a:prstGeom prst="rect">
+              <a:avLst/>
+            </a:prstGeom>
+            <a:solidFill>
+              <a:srgbClr val="76BFAC"/>
+            </a:solidFill>
+            <a:ln>
+              <a:solidFill>
+                <a:srgbClr val="76BFAC"/>
+              </a:solidFill>
+            </a:ln>
+          </p:spPr>
+          <p:style>
+            <a:lnRef idx="2">
+              <a:schemeClr val="accent1">
+                <a:shade val="50000"/>
+              </a:schemeClr>
+            </a:lnRef>
+            <a:fillRef idx="1">
+              <a:schemeClr val="accent1"/>
+            </a:fillRef>
+            <a:effectRef idx="0">
+              <a:schemeClr val="accent1"/>
+            </a:effectRef>
+            <a:fontRef idx="minor">
+              <a:schemeClr val="lt1"/>
+            </a:fontRef>
+          </p:style>
+          <p:txBody>
+            <a:bodyPr rtlCol="0" anchor="ctr"/>
+            <a:lstStyle/>
+            <a:p>
+              <a:pPr algn="r"/>
+              <a:r>
+                <a:rPr lang="en-US" dirty="0" err="1">
+                  <a:latin typeface="Bahnschrift SemiBold Condensed" panose="020B0502040204020203" pitchFamily="34" charset="0"/>
+                </a:rPr>
+                <a:t>Controle</a:t>
+              </a:r>
+              <a:r>
+                <a:rPr lang="en-US" dirty="0">
+                  <a:latin typeface="Bahnschrift SemiBold Condensed" panose="020B0502040204020203" pitchFamily="34" charset="0"/>
+                </a:rPr>
+                <a:t> de </a:t>
+              </a:r>
+              <a:r>
+                <a:rPr lang="en-US" dirty="0" err="1">
+                  <a:latin typeface="Bahnschrift SemiBold Condensed" panose="020B0502040204020203" pitchFamily="34" charset="0"/>
+                </a:rPr>
+                <a:t>Estoque</a:t>
+              </a:r>
+              <a:endParaRPr lang="en-US" dirty="0">
+                <a:latin typeface="Bahnschrift SemiBold Condensed" panose="020B0502040204020203" pitchFamily="34" charset="0"/>
+              </a:endParaRPr>
+            </a:p>
+          </p:txBody>
+        </p:sp>
+        <p:pic>
+          <p:nvPicPr>
+            <p:cNvPr id="28" name="Graphic 27" descr="Books on shelf">
+              <a:extLst>
+                <a:ext uri="{FF2B5EF4-FFF2-40B4-BE49-F238E27FC236}">
+                  <a16:creationId xmlns:a16="http://schemas.microsoft.com/office/drawing/2014/main" id="{A41F5832-3FE9-4744-ADC8-2A8C61450020}"/>
+                </a:ext>
+              </a:extLst>
+            </p:cNvPr>
+            <p:cNvPicPr>
+              <a:picLocks noChangeAspect="1"/>
+            </p:cNvPicPr>
+            <p:nvPr/>
+          </p:nvPicPr>
+          <p:blipFill>
+            <a:blip r:embed="rId4">
+              <a:extLst>
+                <a:ext uri="{28A0092B-C50C-407E-A947-70E740481C1C}">
+                  <a14:useLocalDpi xmlns:a14="http://schemas.microsoft.com/office/drawing/2010/main" val="0"/>
+                </a:ext>
+                <a:ext uri="{96DAC541-7B7A-43D3-8B79-37D633B846F1}">
+                  <asvg:svgBlip xmlns:asvg="http://schemas.microsoft.com/office/drawing/2016/SVG/main" r:embed="rId5"/>
+                </a:ext>
+              </a:extLst>
+            </a:blip>
+            <a:stretch>
+              <a:fillRect/>
+            </a:stretch>
+          </p:blipFill>
+          <p:spPr>
+            <a:xfrm>
+              <a:off x="4394499" y="1248968"/>
+              <a:ext cx="459028" cy="459028"/>
+            </a:xfrm>
+            <a:prstGeom prst="rect">
+              <a:avLst/>
+            </a:prstGeom>
+          </p:spPr>
+        </p:pic>
+      </p:grpSp>
+      <p:grpSp>
+        <p:nvGrpSpPr>
+          <p:cNvPr id="40" name="Group 39">
+            <a:extLst>
+              <a:ext uri="{FF2B5EF4-FFF2-40B4-BE49-F238E27FC236}">
+                <a16:creationId xmlns:a16="http://schemas.microsoft.com/office/drawing/2014/main" id="{3EB464E0-BFD7-4B8D-9ECB-5EAB85A846C0}"/>
+              </a:ext>
+            </a:extLst>
+          </p:cNvPr>
+          <p:cNvGrpSpPr/>
+          <p:nvPr/>
+        </p:nvGrpSpPr>
+        <p:grpSpPr>
+          <a:xfrm>
+            <a:off x="114339" y="2267285"/>
+            <a:ext cx="2090214" cy="507403"/>
+            <a:chOff x="4394498" y="1867896"/>
+            <a:chExt cx="2090214" cy="507403"/>
+          </a:xfrm>
+        </p:grpSpPr>
+        <p:sp>
+          <p:nvSpPr>
+            <p:cNvPr id="22" name="Rectangle 21">
+              <a:extLst>
+                <a:ext uri="{FF2B5EF4-FFF2-40B4-BE49-F238E27FC236}">
+                  <a16:creationId xmlns:a16="http://schemas.microsoft.com/office/drawing/2014/main" id="{BF71EF1E-FE61-40DB-9C76-2B4DB96BEB0E}"/>
+                </a:ext>
+              </a:extLst>
+            </p:cNvPr>
+            <p:cNvSpPr/>
+            <p:nvPr/>
+          </p:nvSpPr>
+          <p:spPr>
+            <a:xfrm>
+              <a:off x="4394498" y="1892085"/>
+              <a:ext cx="2090214" cy="459027"/>
+            </a:xfrm>
+            <a:prstGeom prst="rect">
+              <a:avLst/>
+            </a:prstGeom>
+            <a:solidFill>
+              <a:srgbClr val="76BFAC"/>
+            </a:solidFill>
+            <a:ln>
+              <a:solidFill>
+                <a:srgbClr val="76BFAC"/>
+              </a:solidFill>
+            </a:ln>
+          </p:spPr>
+          <p:style>
+            <a:lnRef idx="2">
+              <a:schemeClr val="accent1">
+                <a:shade val="50000"/>
+              </a:schemeClr>
+            </a:lnRef>
+            <a:fillRef idx="1">
+              <a:schemeClr val="accent1"/>
+            </a:fillRef>
+            <a:effectRef idx="0">
+              <a:schemeClr val="accent1"/>
+            </a:effectRef>
+            <a:fontRef idx="minor">
+              <a:schemeClr val="lt1"/>
+            </a:fontRef>
+          </p:style>
+          <p:txBody>
+            <a:bodyPr rtlCol="0" anchor="ctr"/>
+            <a:lstStyle/>
+            <a:p>
+              <a:pPr algn="r"/>
+              <a:r>
+                <a:rPr lang="en-US" dirty="0" err="1">
+                  <a:latin typeface="Bahnschrift SemiBold Condensed" panose="020B0502040204020203" pitchFamily="34" charset="0"/>
+                </a:rPr>
+                <a:t>Calendario</a:t>
+              </a:r>
+              <a:endParaRPr lang="en-US" dirty="0">
+                <a:latin typeface="Bahnschrift SemiBold Condensed" panose="020B0502040204020203" pitchFamily="34" charset="0"/>
+              </a:endParaRPr>
+            </a:p>
+          </p:txBody>
+        </p:sp>
+        <p:pic>
+          <p:nvPicPr>
+            <p:cNvPr id="31" name="Graphic 30" descr="Monthly calendar">
+              <a:extLst>
+                <a:ext uri="{FF2B5EF4-FFF2-40B4-BE49-F238E27FC236}">
+                  <a16:creationId xmlns:a16="http://schemas.microsoft.com/office/drawing/2014/main" id="{F5A3D32E-1F53-4E0A-A066-9C9C1F151723}"/>
+                </a:ext>
+              </a:extLst>
+            </p:cNvPr>
+            <p:cNvPicPr>
+              <a:picLocks noChangeAspect="1"/>
+            </p:cNvPicPr>
+            <p:nvPr/>
+          </p:nvPicPr>
+          <p:blipFill>
+            <a:blip r:embed="rId6">
+              <a:extLst>
+                <a:ext uri="{28A0092B-C50C-407E-A947-70E740481C1C}">
+                  <a14:useLocalDpi xmlns:a14="http://schemas.microsoft.com/office/drawing/2010/main" val="0"/>
+                </a:ext>
+                <a:ext uri="{96DAC541-7B7A-43D3-8B79-37D633B846F1}">
+                  <asvg:svgBlip xmlns:asvg="http://schemas.microsoft.com/office/drawing/2016/SVG/main" r:embed="rId7"/>
+                </a:ext>
+              </a:extLst>
+            </a:blip>
+            <a:stretch>
+              <a:fillRect/>
+            </a:stretch>
+          </p:blipFill>
+          <p:spPr>
+            <a:xfrm>
+              <a:off x="4394498" y="1867896"/>
+              <a:ext cx="507403" cy="507403"/>
+            </a:xfrm>
+            <a:prstGeom prst="rect">
+              <a:avLst/>
+            </a:prstGeom>
+          </p:spPr>
+        </p:pic>
+      </p:grpSp>
+      <p:grpSp>
+        <p:nvGrpSpPr>
+          <p:cNvPr id="41" name="Group 40">
+            <a:extLst>
+              <a:ext uri="{FF2B5EF4-FFF2-40B4-BE49-F238E27FC236}">
+                <a16:creationId xmlns:a16="http://schemas.microsoft.com/office/drawing/2014/main" id="{91D02E13-DD28-4CA8-AB4A-47481B346711}"/>
+              </a:ext>
+            </a:extLst>
+          </p:cNvPr>
+          <p:cNvGrpSpPr/>
+          <p:nvPr/>
+        </p:nvGrpSpPr>
+        <p:grpSpPr>
+          <a:xfrm>
+            <a:off x="114339" y="2930291"/>
+            <a:ext cx="2090214" cy="459027"/>
+            <a:chOff x="4394498" y="2530902"/>
+            <a:chExt cx="2090214" cy="459027"/>
+          </a:xfrm>
+        </p:grpSpPr>
+        <p:sp>
+          <p:nvSpPr>
+            <p:cNvPr id="23" name="Rectangle 22">
+              <a:extLst>
+                <a:ext uri="{FF2B5EF4-FFF2-40B4-BE49-F238E27FC236}">
+                  <a16:creationId xmlns:a16="http://schemas.microsoft.com/office/drawing/2014/main" id="{47F2F85C-216E-4A53-B093-A18F09A96BEE}"/>
+                </a:ext>
+              </a:extLst>
+            </p:cNvPr>
+            <p:cNvSpPr/>
+            <p:nvPr/>
+          </p:nvSpPr>
+          <p:spPr>
+            <a:xfrm>
+              <a:off x="4394498" y="2530902"/>
+              <a:ext cx="2090214" cy="459027"/>
+            </a:xfrm>
+            <a:prstGeom prst="rect">
+              <a:avLst/>
+            </a:prstGeom>
+            <a:solidFill>
+              <a:srgbClr val="76BFAC"/>
+            </a:solidFill>
+            <a:ln>
+              <a:solidFill>
+                <a:srgbClr val="76BFAC"/>
+              </a:solidFill>
+            </a:ln>
+          </p:spPr>
+          <p:style>
+            <a:lnRef idx="2">
+              <a:schemeClr val="accent1">
+                <a:shade val="50000"/>
+              </a:schemeClr>
+            </a:lnRef>
+            <a:fillRef idx="1">
+              <a:schemeClr val="accent1"/>
+            </a:fillRef>
+            <a:effectRef idx="0">
+              <a:schemeClr val="accent1"/>
+            </a:effectRef>
+            <a:fontRef idx="minor">
+              <a:schemeClr val="lt1"/>
+            </a:fontRef>
+          </p:style>
+          <p:txBody>
+            <a:bodyPr rtlCol="0" anchor="ctr"/>
+            <a:lstStyle/>
+            <a:p>
+              <a:pPr algn="r"/>
+              <a:r>
+                <a:rPr lang="en-US" dirty="0" err="1">
+                  <a:latin typeface="Bahnschrift SemiBold Condensed" panose="020B0502040204020203" pitchFamily="34" charset="0"/>
+                </a:rPr>
+                <a:t>Livro</a:t>
+              </a:r>
+              <a:r>
+                <a:rPr lang="en-US" dirty="0">
+                  <a:latin typeface="Bahnschrift SemiBold Condensed" panose="020B0502040204020203" pitchFamily="34" charset="0"/>
+                </a:rPr>
+                <a:t>-Caixa</a:t>
+              </a:r>
+            </a:p>
+          </p:txBody>
+        </p:sp>
+        <p:pic>
+          <p:nvPicPr>
+            <p:cNvPr id="33" name="Graphic 32" descr="Register">
+              <a:extLst>
+                <a:ext uri="{FF2B5EF4-FFF2-40B4-BE49-F238E27FC236}">
+                  <a16:creationId xmlns:a16="http://schemas.microsoft.com/office/drawing/2014/main" id="{A35ED390-963B-4B15-BE7A-00D7F40189E9}"/>
+                </a:ext>
+              </a:extLst>
+            </p:cNvPr>
+            <p:cNvPicPr>
+              <a:picLocks noChangeAspect="1"/>
+            </p:cNvPicPr>
+            <p:nvPr/>
+          </p:nvPicPr>
+          <p:blipFill>
+            <a:blip r:embed="rId8">
+              <a:extLst>
+                <a:ext uri="{28A0092B-C50C-407E-A947-70E740481C1C}">
+                  <a14:useLocalDpi xmlns:a14="http://schemas.microsoft.com/office/drawing/2010/main" val="0"/>
+                </a:ext>
+                <a:ext uri="{96DAC541-7B7A-43D3-8B79-37D633B846F1}">
+                  <asvg:svgBlip xmlns:asvg="http://schemas.microsoft.com/office/drawing/2016/SVG/main" r:embed="rId9"/>
+                </a:ext>
+              </a:extLst>
+            </a:blip>
+            <a:stretch>
+              <a:fillRect/>
+            </a:stretch>
+          </p:blipFill>
+          <p:spPr>
+            <a:xfrm>
+              <a:off x="4446531" y="2556917"/>
+              <a:ext cx="406996" cy="406996"/>
+            </a:xfrm>
+            <a:prstGeom prst="rect">
+              <a:avLst/>
+            </a:prstGeom>
+          </p:spPr>
+        </p:pic>
+      </p:grpSp>
+      <p:grpSp>
+        <p:nvGrpSpPr>
+          <p:cNvPr id="4" name="Group 3">
+            <a:extLst>
+              <a:ext uri="{FF2B5EF4-FFF2-40B4-BE49-F238E27FC236}">
+                <a16:creationId xmlns:a16="http://schemas.microsoft.com/office/drawing/2014/main" id="{C456D368-3C8B-4713-849B-848C4F8DB31A}"/>
+              </a:ext>
+            </a:extLst>
+          </p:cNvPr>
+          <p:cNvGrpSpPr/>
+          <p:nvPr/>
+        </p:nvGrpSpPr>
+        <p:grpSpPr>
+          <a:xfrm>
+            <a:off x="114339" y="3569108"/>
+            <a:ext cx="2090214" cy="459027"/>
+            <a:chOff x="114339" y="3569108"/>
+            <a:chExt cx="2090214" cy="459027"/>
+          </a:xfrm>
+        </p:grpSpPr>
+        <p:sp>
+          <p:nvSpPr>
+            <p:cNvPr id="24" name="Rectangle 23">
+              <a:extLst>
+                <a:ext uri="{FF2B5EF4-FFF2-40B4-BE49-F238E27FC236}">
+                  <a16:creationId xmlns:a16="http://schemas.microsoft.com/office/drawing/2014/main" id="{7BB2378D-193D-4348-AC37-783445213FF3}"/>
+                </a:ext>
+              </a:extLst>
+            </p:cNvPr>
+            <p:cNvSpPr/>
+            <p:nvPr/>
+          </p:nvSpPr>
+          <p:spPr>
+            <a:xfrm>
+              <a:off x="114339" y="3569108"/>
+              <a:ext cx="2090214" cy="459027"/>
+            </a:xfrm>
+            <a:prstGeom prst="rect">
+              <a:avLst/>
+            </a:prstGeom>
+            <a:solidFill>
+              <a:srgbClr val="68A797"/>
+            </a:solidFill>
+            <a:ln>
+              <a:solidFill>
+                <a:srgbClr val="76BFAC"/>
+              </a:solidFill>
+            </a:ln>
+          </p:spPr>
+          <p:style>
+            <a:lnRef idx="2">
+              <a:schemeClr val="accent1">
+                <a:shade val="50000"/>
+              </a:schemeClr>
+            </a:lnRef>
+            <a:fillRef idx="1">
+              <a:schemeClr val="accent1"/>
+            </a:fillRef>
+            <a:effectRef idx="0">
+              <a:schemeClr val="accent1"/>
+            </a:effectRef>
+            <a:fontRef idx="minor">
+              <a:schemeClr val="lt1"/>
+            </a:fontRef>
+          </p:style>
+          <p:txBody>
+            <a:bodyPr rtlCol="0" anchor="ctr"/>
+            <a:lstStyle/>
+            <a:p>
+              <a:pPr algn="r"/>
+              <a:r>
+                <a:rPr lang="en-US" dirty="0" err="1">
+                  <a:latin typeface="Bahnschrift SemiBold Condensed" panose="020B0502040204020203" pitchFamily="34" charset="0"/>
+                </a:rPr>
+                <a:t>Simulador</a:t>
+              </a:r>
+              <a:endParaRPr lang="en-US" dirty="0">
+                <a:latin typeface="Bahnschrift SemiBold Condensed" panose="020B0502040204020203" pitchFamily="34" charset="0"/>
+              </a:endParaRPr>
+            </a:p>
+          </p:txBody>
+        </p:sp>
+        <p:pic>
+          <p:nvPicPr>
+            <p:cNvPr id="35" name="Graphic 34" descr="Lightbulb">
+              <a:extLst>
+                <a:ext uri="{FF2B5EF4-FFF2-40B4-BE49-F238E27FC236}">
+                  <a16:creationId xmlns:a16="http://schemas.microsoft.com/office/drawing/2014/main" id="{E652F4B9-53E6-41CB-9D73-A6C1AB95607E}"/>
+                </a:ext>
+              </a:extLst>
+            </p:cNvPr>
+            <p:cNvPicPr>
+              <a:picLocks noChangeAspect="1"/>
+            </p:cNvPicPr>
+            <p:nvPr/>
+          </p:nvPicPr>
+          <p:blipFill>
+            <a:blip r:embed="rId10">
+              <a:extLst>
+                <a:ext uri="{28A0092B-C50C-407E-A947-70E740481C1C}">
+                  <a14:useLocalDpi xmlns:a14="http://schemas.microsoft.com/office/drawing/2010/main" val="0"/>
+                </a:ext>
+                <a:ext uri="{96DAC541-7B7A-43D3-8B79-37D633B846F1}">
+                  <asvg:svgBlip xmlns:asvg="http://schemas.microsoft.com/office/drawing/2016/SVG/main" r:embed="rId11"/>
+                </a:ext>
+              </a:extLst>
+            </a:blip>
+            <a:stretch>
+              <a:fillRect/>
+            </a:stretch>
+          </p:blipFill>
+          <p:spPr>
+            <a:xfrm>
+              <a:off x="166372" y="3601693"/>
+              <a:ext cx="381017" cy="381017"/>
+            </a:xfrm>
+            <a:prstGeom prst="rect">
+              <a:avLst/>
+            </a:prstGeom>
+          </p:spPr>
+        </p:pic>
+      </p:grpSp>
+      <p:grpSp>
+        <p:nvGrpSpPr>
+          <p:cNvPr id="43" name="Group 42">
+            <a:extLst>
+              <a:ext uri="{FF2B5EF4-FFF2-40B4-BE49-F238E27FC236}">
+                <a16:creationId xmlns:a16="http://schemas.microsoft.com/office/drawing/2014/main" id="{6BA19F4E-EA4A-414B-B446-B5E4B0AB5457}"/>
+              </a:ext>
+            </a:extLst>
+          </p:cNvPr>
+          <p:cNvGrpSpPr/>
+          <p:nvPr/>
+        </p:nvGrpSpPr>
+        <p:grpSpPr>
+          <a:xfrm>
+            <a:off x="114339" y="4176548"/>
+            <a:ext cx="2090214" cy="490404"/>
+            <a:chOff x="4394498" y="3777159"/>
+            <a:chExt cx="2090214" cy="490404"/>
+          </a:xfrm>
+        </p:grpSpPr>
+        <p:sp>
+          <p:nvSpPr>
+            <p:cNvPr id="25" name="Rectangle 24">
+              <a:extLst>
+                <a:ext uri="{FF2B5EF4-FFF2-40B4-BE49-F238E27FC236}">
+                  <a16:creationId xmlns:a16="http://schemas.microsoft.com/office/drawing/2014/main" id="{F41DB2EC-9CEB-474E-9EA8-1F5A1C12C7AD}"/>
+                </a:ext>
+              </a:extLst>
+            </p:cNvPr>
+            <p:cNvSpPr/>
+            <p:nvPr/>
+          </p:nvSpPr>
+          <p:spPr>
+            <a:xfrm>
+              <a:off x="4394498" y="3808536"/>
+              <a:ext cx="2090214" cy="459027"/>
+            </a:xfrm>
+            <a:prstGeom prst="rect">
+              <a:avLst/>
+            </a:prstGeom>
+            <a:solidFill>
+              <a:srgbClr val="76BFAC"/>
+            </a:solidFill>
+            <a:ln>
+              <a:solidFill>
+                <a:srgbClr val="76BFAC"/>
+              </a:solidFill>
+            </a:ln>
+          </p:spPr>
+          <p:style>
+            <a:lnRef idx="2">
+              <a:schemeClr val="accent1">
+                <a:shade val="50000"/>
+              </a:schemeClr>
+            </a:lnRef>
+            <a:fillRef idx="1">
+              <a:schemeClr val="accent1"/>
+            </a:fillRef>
+            <a:effectRef idx="0">
+              <a:schemeClr val="accent1"/>
+            </a:effectRef>
+            <a:fontRef idx="minor">
+              <a:schemeClr val="lt1"/>
+            </a:fontRef>
+          </p:style>
+          <p:txBody>
+            <a:bodyPr rtlCol="0" anchor="ctr"/>
+            <a:lstStyle/>
+            <a:p>
+              <a:pPr algn="r"/>
+              <a:r>
+                <a:rPr lang="en-US" dirty="0" err="1">
+                  <a:latin typeface="Bahnschrift SemiBold Condensed" panose="020B0502040204020203" pitchFamily="34" charset="0"/>
+                </a:rPr>
+                <a:t>Clientes</a:t>
+              </a:r>
+              <a:r>
+                <a:rPr lang="en-US" dirty="0">
+                  <a:latin typeface="Bahnschrift SemiBold Condensed" panose="020B0502040204020203" pitchFamily="34" charset="0"/>
+                </a:rPr>
+                <a:t> &amp; </a:t>
+              </a:r>
+              <a:r>
+                <a:rPr lang="en-US" dirty="0" err="1">
+                  <a:latin typeface="Bahnschrift SemiBold Condensed" panose="020B0502040204020203" pitchFamily="34" charset="0"/>
+                </a:rPr>
+                <a:t>Planos</a:t>
+              </a:r>
+              <a:endParaRPr lang="en-US" dirty="0">
+                <a:latin typeface="Bahnschrift SemiBold Condensed" panose="020B0502040204020203" pitchFamily="34" charset="0"/>
+              </a:endParaRPr>
+            </a:p>
+          </p:txBody>
+        </p:sp>
+        <p:pic>
+          <p:nvPicPr>
+            <p:cNvPr id="37" name="Graphic 36" descr="Open folder">
+              <a:extLst>
+                <a:ext uri="{FF2B5EF4-FFF2-40B4-BE49-F238E27FC236}">
+                  <a16:creationId xmlns:a16="http://schemas.microsoft.com/office/drawing/2014/main" id="{85B1C722-44E4-4735-88FD-39E8D9486004}"/>
+                </a:ext>
+              </a:extLst>
+            </p:cNvPr>
+            <p:cNvPicPr>
+              <a:picLocks noChangeAspect="1"/>
+            </p:cNvPicPr>
+            <p:nvPr/>
+          </p:nvPicPr>
+          <p:blipFill>
+            <a:blip r:embed="rId12">
+              <a:extLst>
+                <a:ext uri="{28A0092B-C50C-407E-A947-70E740481C1C}">
+                  <a14:useLocalDpi xmlns:a14="http://schemas.microsoft.com/office/drawing/2010/main" val="0"/>
+                </a:ext>
+                <a:ext uri="{96DAC541-7B7A-43D3-8B79-37D633B846F1}">
+                  <asvg:svgBlip xmlns:asvg="http://schemas.microsoft.com/office/drawing/2016/SVG/main" r:embed="rId13"/>
+                </a:ext>
+              </a:extLst>
+            </a:blip>
+            <a:stretch>
+              <a:fillRect/>
+            </a:stretch>
+          </p:blipFill>
+          <p:spPr>
+            <a:xfrm>
+              <a:off x="4446531" y="3777159"/>
+              <a:ext cx="490404" cy="490404"/>
+            </a:xfrm>
+            <a:prstGeom prst="rect">
+              <a:avLst/>
+            </a:prstGeom>
+          </p:spPr>
+        </p:pic>
+      </p:grpSp>
+      <p:sp>
+        <p:nvSpPr>
+          <p:cNvPr id="26" name="Rectangle 25">
+            <a:extLst>
+              <a:ext uri="{FF2B5EF4-FFF2-40B4-BE49-F238E27FC236}">
+                <a16:creationId xmlns:a16="http://schemas.microsoft.com/office/drawing/2014/main" id="{0B466217-AAAE-4164-8732-8177ED742C51}"/>
+              </a:ext>
+            </a:extLst>
+          </p:cNvPr>
+          <p:cNvSpPr/>
+          <p:nvPr/>
+        </p:nvSpPr>
+        <p:spPr>
+          <a:xfrm>
+            <a:off x="114339" y="4846742"/>
+            <a:ext cx="2090214" cy="459027"/>
+          </a:xfrm>
+          <a:prstGeom prst="rect">
+            <a:avLst/>
+          </a:prstGeom>
+          <a:solidFill>
+            <a:srgbClr val="76BFAC"/>
+          </a:solidFill>
+          <a:ln>
+            <a:solidFill>
+              <a:srgbClr val="76BFAC"/>
+            </a:solidFill>
+          </a:ln>
+        </p:spPr>
+        <p:style>
+          <a:lnRef idx="2">
+            <a:schemeClr val="accent1">
+              <a:shade val="50000"/>
+            </a:schemeClr>
+          </a:lnRef>
+          <a:fillRef idx="1">
+            <a:schemeClr val="accent1"/>
+          </a:fillRef>
+          <a:effectRef idx="0">
+            <a:schemeClr val="accent1"/>
+          </a:effectRef>
+          <a:fontRef idx="minor">
+            <a:schemeClr val="lt1"/>
+          </a:fontRef>
+        </p:style>
+        <p:txBody>
+          <a:bodyPr rtlCol="0" anchor="ctr"/>
+          <a:lstStyle/>
+          <a:p>
+            <a:pPr algn="r"/>
+            <a:r>
+              <a:rPr lang="en-US" dirty="0">
+                <a:latin typeface="Bahnschrift SemiBold Condensed" panose="020B0502040204020203" pitchFamily="34" charset="0"/>
+              </a:rPr>
+              <a:t>Nota Fiscal</a:t>
+            </a:r>
+          </a:p>
+        </p:txBody>
+      </p:sp>
+      <p:sp>
+        <p:nvSpPr>
+          <p:cNvPr id="45" name="TextBox 44">
+            <a:extLst>
+              <a:ext uri="{FF2B5EF4-FFF2-40B4-BE49-F238E27FC236}">
+                <a16:creationId xmlns:a16="http://schemas.microsoft.com/office/drawing/2014/main" id="{5B803AE1-0ED2-4427-815B-1395C165E39C}"/>
+              </a:ext>
+            </a:extLst>
+          </p:cNvPr>
+          <p:cNvSpPr txBox="1"/>
+          <p:nvPr/>
+        </p:nvSpPr>
+        <p:spPr>
+          <a:xfrm>
+            <a:off x="4702831" y="791603"/>
+            <a:ext cx="4383464" cy="646331"/>
+          </a:xfrm>
+          <a:prstGeom prst="rect">
+            <a:avLst/>
+          </a:prstGeom>
+          <a:noFill/>
+        </p:spPr>
+        <p:txBody>
+          <a:bodyPr wrap="square" rtlCol="0">
+            <a:spAutoFit/>
+          </a:bodyPr>
+          <a:lstStyle/>
+          <a:p>
+            <a:pPr algn="ctr"/>
+            <a:r>
+              <a:rPr lang="en-US" sz="3600" dirty="0" err="1">
+                <a:solidFill>
+                  <a:srgbClr val="505F75"/>
+                </a:solidFill>
+                <a:latin typeface="Baskerville Old Face" panose="02020602080505020303" pitchFamily="18" charset="0"/>
+              </a:rPr>
+              <a:t>Simulador</a:t>
+            </a:r>
+            <a:endParaRPr lang="en-US" sz="3600" dirty="0">
+              <a:solidFill>
+                <a:srgbClr val="505F75"/>
+              </a:solidFill>
+              <a:latin typeface="Baskerville Old Face" panose="02020602080505020303" pitchFamily="18" charset="0"/>
+            </a:endParaRPr>
+          </a:p>
+        </p:txBody>
+      </p:sp>
+      <p:sp>
+        <p:nvSpPr>
+          <p:cNvPr id="91" name="Rectangle 90">
+            <a:extLst>
+              <a:ext uri="{FF2B5EF4-FFF2-40B4-BE49-F238E27FC236}">
+                <a16:creationId xmlns:a16="http://schemas.microsoft.com/office/drawing/2014/main" id="{A7D1E547-71D1-4F7F-885C-A60A4799E3F9}"/>
+              </a:ext>
+            </a:extLst>
+          </p:cNvPr>
+          <p:cNvSpPr/>
+          <p:nvPr/>
+        </p:nvSpPr>
+        <p:spPr>
+          <a:xfrm>
+            <a:off x="114338" y="1016647"/>
+            <a:ext cx="2090213" cy="459027"/>
+          </a:xfrm>
+          <a:prstGeom prst="rect">
+            <a:avLst/>
+          </a:prstGeom>
+          <a:solidFill>
+            <a:srgbClr val="76BFAC"/>
+          </a:solidFill>
+          <a:ln>
+            <a:solidFill>
+              <a:srgbClr val="76BFAC"/>
+            </a:solidFill>
+          </a:ln>
+        </p:spPr>
+        <p:style>
+          <a:lnRef idx="2">
+            <a:schemeClr val="accent1">
+              <a:shade val="50000"/>
+            </a:schemeClr>
+          </a:lnRef>
+          <a:fillRef idx="1">
+            <a:schemeClr val="accent1"/>
+          </a:fillRef>
+          <a:effectRef idx="0">
+            <a:schemeClr val="accent1"/>
+          </a:effectRef>
+          <a:fontRef idx="minor">
+            <a:schemeClr val="lt1"/>
+          </a:fontRef>
+        </p:style>
+        <p:txBody>
+          <a:bodyPr rtlCol="0" anchor="ctr"/>
+          <a:lstStyle/>
+          <a:p>
+            <a:pPr algn="r"/>
+            <a:r>
+              <a:rPr lang="en-US" dirty="0">
+                <a:latin typeface="Bahnschrift SemiBold Condensed" panose="020B0502040204020203" pitchFamily="34" charset="0"/>
+              </a:rPr>
+              <a:t>Venda</a:t>
+            </a:r>
+          </a:p>
+        </p:txBody>
+      </p:sp>
+      <p:pic>
+        <p:nvPicPr>
+          <p:cNvPr id="94" name="Graphic 93" descr="Dollar">
+            <a:extLst>
+              <a:ext uri="{FF2B5EF4-FFF2-40B4-BE49-F238E27FC236}">
+                <a16:creationId xmlns:a16="http://schemas.microsoft.com/office/drawing/2014/main" id="{9D520006-7490-4839-8994-14663C700BF1}"/>
+              </a:ext>
+            </a:extLst>
+          </p:cNvPr>
+          <p:cNvPicPr>
+            <a:picLocks noChangeAspect="1"/>
+          </p:cNvPicPr>
+          <p:nvPr/>
+        </p:nvPicPr>
+        <p:blipFill>
+          <a:blip r:embed="rId14">
+            <a:extLst>
+              <a:ext uri="{28A0092B-C50C-407E-A947-70E740481C1C}">
+                <a14:useLocalDpi xmlns:a14="http://schemas.microsoft.com/office/drawing/2010/main" val="0"/>
+              </a:ext>
+              <a:ext uri="{96DAC541-7B7A-43D3-8B79-37D633B846F1}">
+                <asvg:svgBlip xmlns:asvg="http://schemas.microsoft.com/office/drawing/2016/SVG/main" r:embed="rId15"/>
+              </a:ext>
+            </a:extLst>
+          </a:blip>
+          <a:stretch>
+            <a:fillRect/>
+          </a:stretch>
+        </p:blipFill>
+        <p:spPr>
+          <a:xfrm>
+            <a:off x="136822" y="1026153"/>
+            <a:ext cx="414064" cy="414064"/>
+          </a:xfrm>
+          <a:prstGeom prst="rect">
+            <a:avLst/>
+          </a:prstGeom>
+        </p:spPr>
+      </p:pic>
+      <p:pic>
+        <p:nvPicPr>
+          <p:cNvPr id="96" name="Graphic 95" descr="Document">
+            <a:extLst>
+              <a:ext uri="{FF2B5EF4-FFF2-40B4-BE49-F238E27FC236}">
+                <a16:creationId xmlns:a16="http://schemas.microsoft.com/office/drawing/2014/main" id="{3E48C238-1951-409E-90E5-9D6364AF1673}"/>
+              </a:ext>
+            </a:extLst>
+          </p:cNvPr>
+          <p:cNvPicPr>
+            <a:picLocks noChangeAspect="1"/>
+          </p:cNvPicPr>
+          <p:nvPr/>
+        </p:nvPicPr>
+        <p:blipFill>
+          <a:blip r:embed="rId16">
+            <a:extLst>
+              <a:ext uri="{28A0092B-C50C-407E-A947-70E740481C1C}">
+                <a14:useLocalDpi xmlns:a14="http://schemas.microsoft.com/office/drawing/2010/main" val="0"/>
+              </a:ext>
+              <a:ext uri="{96DAC541-7B7A-43D3-8B79-37D633B846F1}">
+                <asvg:svgBlip xmlns:asvg="http://schemas.microsoft.com/office/drawing/2016/SVG/main" r:embed="rId17"/>
+              </a:ext>
+            </a:extLst>
+          </a:blip>
+          <a:stretch>
+            <a:fillRect/>
+          </a:stretch>
+        </p:blipFill>
+        <p:spPr>
+          <a:xfrm>
+            <a:off x="182974" y="4846087"/>
+            <a:ext cx="457200" cy="457200"/>
+          </a:xfrm>
+          <a:prstGeom prst="rect">
+            <a:avLst/>
+          </a:prstGeom>
+        </p:spPr>
+      </p:pic>
+      <p:sp>
+        <p:nvSpPr>
+          <p:cNvPr id="3" name="TextBox 2">
+            <a:extLst>
+              <a:ext uri="{FF2B5EF4-FFF2-40B4-BE49-F238E27FC236}">
+                <a16:creationId xmlns:a16="http://schemas.microsoft.com/office/drawing/2014/main" id="{D51134AE-5B2D-47A7-B916-5B5E3EC05C63}"/>
+              </a:ext>
+            </a:extLst>
+          </p:cNvPr>
+          <p:cNvSpPr txBox="1"/>
+          <p:nvPr/>
+        </p:nvSpPr>
+        <p:spPr>
+          <a:xfrm>
+            <a:off x="3195686" y="2928799"/>
+            <a:ext cx="1715679" cy="369332"/>
+          </a:xfrm>
+          <a:prstGeom prst="rect">
+            <a:avLst/>
+          </a:prstGeom>
+          <a:noFill/>
+        </p:spPr>
+        <p:txBody>
+          <a:bodyPr wrap="square" rtlCol="0">
+            <a:spAutoFit/>
+          </a:bodyPr>
+          <a:lstStyle/>
+          <a:p>
+            <a:r>
+              <a:rPr lang="en-US" dirty="0" err="1">
+                <a:solidFill>
+                  <a:srgbClr val="505F75"/>
+                </a:solidFill>
+                <a:latin typeface="Bahnschrift SemiBold" panose="020B0502040204020203" pitchFamily="34" charset="0"/>
+              </a:rPr>
+              <a:t>Produto</a:t>
+            </a:r>
+            <a:r>
+              <a:rPr lang="en-US" dirty="0">
+                <a:solidFill>
+                  <a:srgbClr val="505F75"/>
+                </a:solidFill>
+                <a:latin typeface="Bahnschrift SemiBold" panose="020B0502040204020203" pitchFamily="34" charset="0"/>
+              </a:rPr>
+              <a:t> 1</a:t>
+            </a:r>
+          </a:p>
+        </p:txBody>
+      </p:sp>
+      <p:sp>
+        <p:nvSpPr>
+          <p:cNvPr id="55" name="TextBox 54">
+            <a:extLst>
+              <a:ext uri="{FF2B5EF4-FFF2-40B4-BE49-F238E27FC236}">
+                <a16:creationId xmlns:a16="http://schemas.microsoft.com/office/drawing/2014/main" id="{BB8DB589-D781-4B47-AC3B-53979A55E0CC}"/>
+              </a:ext>
+            </a:extLst>
+          </p:cNvPr>
+          <p:cNvSpPr txBox="1"/>
+          <p:nvPr/>
+        </p:nvSpPr>
+        <p:spPr>
+          <a:xfrm>
+            <a:off x="3195685" y="3298131"/>
+            <a:ext cx="1715679" cy="276999"/>
+          </a:xfrm>
+          <a:prstGeom prst="rect">
+            <a:avLst/>
+          </a:prstGeom>
+          <a:noFill/>
+        </p:spPr>
+        <p:txBody>
+          <a:bodyPr wrap="square" rtlCol="0">
+            <a:spAutoFit/>
+          </a:bodyPr>
+          <a:lstStyle/>
+          <a:p>
+            <a:r>
+              <a:rPr lang="en-US" sz="1200" dirty="0" err="1">
+                <a:solidFill>
+                  <a:srgbClr val="505F75"/>
+                </a:solidFill>
+                <a:latin typeface="Bahnschrift SemiBold" panose="020B0502040204020203" pitchFamily="34" charset="0"/>
+              </a:rPr>
+              <a:t>Preco</a:t>
+            </a:r>
+            <a:r>
+              <a:rPr lang="en-US" sz="1200" dirty="0">
+                <a:solidFill>
+                  <a:srgbClr val="505F75"/>
+                </a:solidFill>
+                <a:latin typeface="Bahnschrift SemiBold" panose="020B0502040204020203" pitchFamily="34" charset="0"/>
+              </a:rPr>
+              <a:t> por </a:t>
+            </a:r>
+            <a:r>
+              <a:rPr lang="en-US" sz="1200" dirty="0" err="1">
+                <a:solidFill>
+                  <a:srgbClr val="505F75"/>
+                </a:solidFill>
+                <a:latin typeface="Bahnschrift SemiBold" panose="020B0502040204020203" pitchFamily="34" charset="0"/>
+              </a:rPr>
+              <a:t>quantidade</a:t>
+            </a:r>
+            <a:r>
+              <a:rPr lang="en-US" sz="1200" dirty="0">
+                <a:solidFill>
+                  <a:srgbClr val="505F75"/>
+                </a:solidFill>
+                <a:latin typeface="Bahnschrift SemiBold" panose="020B0502040204020203" pitchFamily="34" charset="0"/>
+              </a:rPr>
+              <a:t>:</a:t>
+            </a:r>
+          </a:p>
+        </p:txBody>
+      </p:sp>
+      <p:sp>
+        <p:nvSpPr>
+          <p:cNvPr id="56" name="TextBox 55">
+            <a:extLst>
+              <a:ext uri="{FF2B5EF4-FFF2-40B4-BE49-F238E27FC236}">
+                <a16:creationId xmlns:a16="http://schemas.microsoft.com/office/drawing/2014/main" id="{14EACA82-ED54-4ED9-9104-888DA64D2775}"/>
+              </a:ext>
+            </a:extLst>
+          </p:cNvPr>
+          <p:cNvSpPr txBox="1"/>
+          <p:nvPr/>
+        </p:nvSpPr>
+        <p:spPr>
+          <a:xfrm>
+            <a:off x="3195684" y="3568357"/>
+            <a:ext cx="1715679" cy="276999"/>
+          </a:xfrm>
+          <a:prstGeom prst="rect">
+            <a:avLst/>
+          </a:prstGeom>
+          <a:noFill/>
+        </p:spPr>
+        <p:txBody>
+          <a:bodyPr wrap="square" rtlCol="0">
+            <a:spAutoFit/>
+          </a:bodyPr>
+          <a:lstStyle/>
+          <a:p>
+            <a:r>
+              <a:rPr lang="en-US" sz="1200" dirty="0" err="1">
+                <a:solidFill>
+                  <a:srgbClr val="505F75"/>
+                </a:solidFill>
+                <a:latin typeface="Bahnschrift SemiBold" panose="020B0502040204020203" pitchFamily="34" charset="0"/>
+              </a:rPr>
+              <a:t>Quantidade</a:t>
+            </a:r>
+            <a:r>
+              <a:rPr lang="en-US" sz="1200" dirty="0">
+                <a:solidFill>
+                  <a:srgbClr val="505F75"/>
+                </a:solidFill>
+                <a:latin typeface="Bahnschrift SemiBold" panose="020B0502040204020203" pitchFamily="34" charset="0"/>
+              </a:rPr>
+              <a:t>:</a:t>
+            </a:r>
+          </a:p>
+        </p:txBody>
+      </p:sp>
+      <p:sp>
+        <p:nvSpPr>
+          <p:cNvPr id="8" name="Rectangle 7">
+            <a:extLst>
+              <a:ext uri="{FF2B5EF4-FFF2-40B4-BE49-F238E27FC236}">
+                <a16:creationId xmlns:a16="http://schemas.microsoft.com/office/drawing/2014/main" id="{06A9F95A-2F05-4BEF-B194-1963D895D0C7}"/>
+              </a:ext>
+            </a:extLst>
+          </p:cNvPr>
+          <p:cNvSpPr/>
+          <p:nvPr/>
+        </p:nvSpPr>
+        <p:spPr>
+          <a:xfrm>
+            <a:off x="4911363" y="3245370"/>
+            <a:ext cx="1168923" cy="276999"/>
+          </a:xfrm>
+          <a:prstGeom prst="rect">
+            <a:avLst/>
+          </a:prstGeom>
+          <a:solidFill>
+            <a:schemeClr val="bg1"/>
+          </a:solidFill>
+          <a:ln>
+            <a:solidFill>
+              <a:srgbClr val="505F75"/>
+            </a:solidFill>
+          </a:ln>
+        </p:spPr>
+        <p:style>
+          <a:lnRef idx="2">
+            <a:schemeClr val="accent1">
+              <a:shade val="50000"/>
+            </a:schemeClr>
+          </a:lnRef>
+          <a:fillRef idx="1">
+            <a:schemeClr val="accent1"/>
+          </a:fillRef>
+          <a:effectRef idx="0">
+            <a:schemeClr val="accent1"/>
+          </a:effectRef>
+          <a:fontRef idx="minor">
+            <a:schemeClr val="lt1"/>
+          </a:fontRef>
+        </p:style>
+        <p:txBody>
+          <a:bodyPr rtlCol="0" anchor="ctr"/>
+          <a:lstStyle/>
+          <a:p>
+            <a:pPr algn="ctr"/>
+            <a:endParaRPr lang="en-US"/>
+          </a:p>
+        </p:txBody>
+      </p:sp>
+      <p:sp>
+        <p:nvSpPr>
+          <p:cNvPr id="57" name="Rectangle 56">
+            <a:extLst>
+              <a:ext uri="{FF2B5EF4-FFF2-40B4-BE49-F238E27FC236}">
+                <a16:creationId xmlns:a16="http://schemas.microsoft.com/office/drawing/2014/main" id="{1F0EECC1-7F05-4B3D-98D6-9CFE091DAA08}"/>
+              </a:ext>
+            </a:extLst>
+          </p:cNvPr>
+          <p:cNvSpPr/>
+          <p:nvPr/>
+        </p:nvSpPr>
+        <p:spPr>
+          <a:xfrm>
+            <a:off x="4911363" y="3605967"/>
+            <a:ext cx="1168923" cy="276999"/>
+          </a:xfrm>
+          <a:prstGeom prst="rect">
+            <a:avLst/>
+          </a:prstGeom>
+          <a:solidFill>
+            <a:schemeClr val="bg1"/>
+          </a:solidFill>
+          <a:ln>
+            <a:solidFill>
+              <a:srgbClr val="505F75"/>
+            </a:solidFill>
+          </a:ln>
+        </p:spPr>
+        <p:style>
+          <a:lnRef idx="2">
+            <a:schemeClr val="accent1">
+              <a:shade val="50000"/>
+            </a:schemeClr>
+          </a:lnRef>
+          <a:fillRef idx="1">
+            <a:schemeClr val="accent1"/>
+          </a:fillRef>
+          <a:effectRef idx="0">
+            <a:schemeClr val="accent1"/>
+          </a:effectRef>
+          <a:fontRef idx="minor">
+            <a:schemeClr val="lt1"/>
+          </a:fontRef>
+        </p:style>
+        <p:txBody>
+          <a:bodyPr rtlCol="0" anchor="ctr"/>
+          <a:lstStyle/>
+          <a:p>
+            <a:pPr algn="ctr"/>
+            <a:endParaRPr lang="en-US"/>
+          </a:p>
+        </p:txBody>
+      </p:sp>
+      <p:sp>
+        <p:nvSpPr>
+          <p:cNvPr id="58" name="TextBox 57">
+            <a:extLst>
+              <a:ext uri="{FF2B5EF4-FFF2-40B4-BE49-F238E27FC236}">
+                <a16:creationId xmlns:a16="http://schemas.microsoft.com/office/drawing/2014/main" id="{7BDDBBD0-E538-4BAD-9089-B3B74CDF4F67}"/>
+              </a:ext>
+            </a:extLst>
+          </p:cNvPr>
+          <p:cNvSpPr txBox="1"/>
+          <p:nvPr/>
+        </p:nvSpPr>
+        <p:spPr>
+          <a:xfrm>
+            <a:off x="3195684" y="1598651"/>
+            <a:ext cx="1715679" cy="369332"/>
+          </a:xfrm>
+          <a:prstGeom prst="rect">
+            <a:avLst/>
+          </a:prstGeom>
+          <a:noFill/>
+        </p:spPr>
+        <p:txBody>
+          <a:bodyPr wrap="square" rtlCol="0">
+            <a:spAutoFit/>
+          </a:bodyPr>
+          <a:lstStyle/>
+          <a:p>
+            <a:r>
+              <a:rPr lang="en-US" dirty="0" err="1">
+                <a:solidFill>
+                  <a:srgbClr val="505F75"/>
+                </a:solidFill>
+                <a:latin typeface="Bahnschrift SemiBold" panose="020B0502040204020203" pitchFamily="34" charset="0"/>
+              </a:rPr>
+              <a:t>Servico</a:t>
+            </a:r>
+            <a:endParaRPr lang="en-US" dirty="0">
+              <a:solidFill>
+                <a:srgbClr val="505F75"/>
+              </a:solidFill>
+              <a:latin typeface="Bahnschrift SemiBold" panose="020B0502040204020203" pitchFamily="34" charset="0"/>
+            </a:endParaRPr>
+          </a:p>
+        </p:txBody>
+      </p:sp>
+      <p:sp>
+        <p:nvSpPr>
+          <p:cNvPr id="59" name="TextBox 58">
+            <a:extLst>
+              <a:ext uri="{FF2B5EF4-FFF2-40B4-BE49-F238E27FC236}">
+                <a16:creationId xmlns:a16="http://schemas.microsoft.com/office/drawing/2014/main" id="{CF93E494-44AA-46A2-B957-3E8E43C77E7B}"/>
+              </a:ext>
+            </a:extLst>
+          </p:cNvPr>
+          <p:cNvSpPr txBox="1"/>
+          <p:nvPr/>
+        </p:nvSpPr>
+        <p:spPr>
+          <a:xfrm>
+            <a:off x="3195685" y="1936729"/>
+            <a:ext cx="1715679" cy="276999"/>
+          </a:xfrm>
+          <a:prstGeom prst="rect">
+            <a:avLst/>
+          </a:prstGeom>
+          <a:noFill/>
+        </p:spPr>
+        <p:txBody>
+          <a:bodyPr wrap="square" rtlCol="0">
+            <a:spAutoFit/>
+          </a:bodyPr>
+          <a:lstStyle/>
+          <a:p>
+            <a:r>
+              <a:rPr lang="en-US" sz="1200" dirty="0">
+                <a:solidFill>
+                  <a:srgbClr val="505F75"/>
+                </a:solidFill>
+                <a:latin typeface="Bahnschrift SemiBold" panose="020B0502040204020203" pitchFamily="34" charset="0"/>
+              </a:rPr>
+              <a:t>Mao-de-</a:t>
+            </a:r>
+            <a:r>
+              <a:rPr lang="en-US" sz="1200" dirty="0" err="1">
+                <a:solidFill>
+                  <a:srgbClr val="505F75"/>
+                </a:solidFill>
+                <a:latin typeface="Bahnschrift SemiBold" panose="020B0502040204020203" pitchFamily="34" charset="0"/>
+              </a:rPr>
+              <a:t>obra</a:t>
+            </a:r>
+            <a:r>
+              <a:rPr lang="en-US" sz="1200" dirty="0">
+                <a:solidFill>
+                  <a:srgbClr val="505F75"/>
+                </a:solidFill>
+                <a:latin typeface="Bahnschrift SemiBold" panose="020B0502040204020203" pitchFamily="34" charset="0"/>
+              </a:rPr>
+              <a:t>:</a:t>
+            </a:r>
+          </a:p>
+        </p:txBody>
+      </p:sp>
+      <p:sp>
+        <p:nvSpPr>
+          <p:cNvPr id="60" name="TextBox 59">
+            <a:extLst>
+              <a:ext uri="{FF2B5EF4-FFF2-40B4-BE49-F238E27FC236}">
+                <a16:creationId xmlns:a16="http://schemas.microsoft.com/office/drawing/2014/main" id="{B8CDCE09-9E5C-45ED-89C8-4A75F6148330}"/>
+              </a:ext>
+            </a:extLst>
+          </p:cNvPr>
+          <p:cNvSpPr txBox="1"/>
+          <p:nvPr/>
+        </p:nvSpPr>
+        <p:spPr>
+          <a:xfrm>
+            <a:off x="3195684" y="2206955"/>
+            <a:ext cx="1715679" cy="276999"/>
+          </a:xfrm>
+          <a:prstGeom prst="rect">
+            <a:avLst/>
+          </a:prstGeom>
+          <a:noFill/>
+        </p:spPr>
+        <p:txBody>
+          <a:bodyPr wrap="square" rtlCol="0">
+            <a:spAutoFit/>
+          </a:bodyPr>
+          <a:lstStyle/>
+          <a:p>
+            <a:r>
+              <a:rPr lang="en-US" sz="1200" dirty="0" err="1">
+                <a:solidFill>
+                  <a:srgbClr val="505F75"/>
+                </a:solidFill>
+                <a:latin typeface="Bahnschrift SemiBold" panose="020B0502040204020203" pitchFamily="34" charset="0"/>
+              </a:rPr>
+              <a:t>Imposto</a:t>
+            </a:r>
+            <a:r>
+              <a:rPr lang="en-US" sz="1200" dirty="0">
+                <a:solidFill>
+                  <a:srgbClr val="505F75"/>
+                </a:solidFill>
+                <a:latin typeface="Bahnschrift SemiBold" panose="020B0502040204020203" pitchFamily="34" charset="0"/>
+              </a:rPr>
+              <a:t> (%):</a:t>
+            </a:r>
+          </a:p>
+        </p:txBody>
+      </p:sp>
+      <p:sp>
+        <p:nvSpPr>
+          <p:cNvPr id="61" name="Rectangle 60">
+            <a:extLst>
+              <a:ext uri="{FF2B5EF4-FFF2-40B4-BE49-F238E27FC236}">
+                <a16:creationId xmlns:a16="http://schemas.microsoft.com/office/drawing/2014/main" id="{C4D5FEEA-734D-4AC7-B307-215C97215786}"/>
+              </a:ext>
+            </a:extLst>
+          </p:cNvPr>
+          <p:cNvSpPr/>
+          <p:nvPr/>
+        </p:nvSpPr>
+        <p:spPr>
+          <a:xfrm>
+            <a:off x="4911363" y="1883968"/>
+            <a:ext cx="1168923" cy="276999"/>
+          </a:xfrm>
+          <a:prstGeom prst="rect">
+            <a:avLst/>
+          </a:prstGeom>
+          <a:solidFill>
+            <a:schemeClr val="bg1"/>
+          </a:solidFill>
+          <a:ln>
+            <a:solidFill>
+              <a:srgbClr val="505F75"/>
+            </a:solidFill>
+          </a:ln>
+        </p:spPr>
+        <p:style>
+          <a:lnRef idx="2">
+            <a:schemeClr val="accent1">
+              <a:shade val="50000"/>
+            </a:schemeClr>
+          </a:lnRef>
+          <a:fillRef idx="1">
+            <a:schemeClr val="accent1"/>
+          </a:fillRef>
+          <a:effectRef idx="0">
+            <a:schemeClr val="accent1"/>
+          </a:effectRef>
+          <a:fontRef idx="minor">
+            <a:schemeClr val="lt1"/>
+          </a:fontRef>
+        </p:style>
+        <p:txBody>
+          <a:bodyPr rtlCol="0" anchor="ctr"/>
+          <a:lstStyle/>
+          <a:p>
+            <a:pPr algn="ctr"/>
+            <a:endParaRPr lang="en-US"/>
+          </a:p>
+        </p:txBody>
+      </p:sp>
+      <p:sp>
+        <p:nvSpPr>
+          <p:cNvPr id="62" name="Rectangle 61">
+            <a:extLst>
+              <a:ext uri="{FF2B5EF4-FFF2-40B4-BE49-F238E27FC236}">
+                <a16:creationId xmlns:a16="http://schemas.microsoft.com/office/drawing/2014/main" id="{85F15B78-3BCF-450F-9E3A-700D1EC5F526}"/>
+              </a:ext>
+            </a:extLst>
+          </p:cNvPr>
+          <p:cNvSpPr/>
+          <p:nvPr/>
+        </p:nvSpPr>
+        <p:spPr>
+          <a:xfrm>
+            <a:off x="4911363" y="2244565"/>
+            <a:ext cx="1168923" cy="276999"/>
+          </a:xfrm>
+          <a:prstGeom prst="rect">
+            <a:avLst/>
+          </a:prstGeom>
+          <a:solidFill>
+            <a:schemeClr val="bg1"/>
+          </a:solidFill>
+          <a:ln>
+            <a:solidFill>
+              <a:srgbClr val="505F75"/>
+            </a:solidFill>
+          </a:ln>
+        </p:spPr>
+        <p:style>
+          <a:lnRef idx="2">
+            <a:schemeClr val="accent1">
+              <a:shade val="50000"/>
+            </a:schemeClr>
+          </a:lnRef>
+          <a:fillRef idx="1">
+            <a:schemeClr val="accent1"/>
+          </a:fillRef>
+          <a:effectRef idx="0">
+            <a:schemeClr val="accent1"/>
+          </a:effectRef>
+          <a:fontRef idx="minor">
+            <a:schemeClr val="lt1"/>
+          </a:fontRef>
+        </p:style>
+        <p:txBody>
+          <a:bodyPr rtlCol="0" anchor="ctr"/>
+          <a:lstStyle/>
+          <a:p>
+            <a:pPr algn="ctr"/>
+            <a:endParaRPr lang="en-US"/>
+          </a:p>
+        </p:txBody>
+      </p:sp>
+      <p:sp>
+        <p:nvSpPr>
+          <p:cNvPr id="63" name="TextBox 62">
+            <a:extLst>
+              <a:ext uri="{FF2B5EF4-FFF2-40B4-BE49-F238E27FC236}">
+                <a16:creationId xmlns:a16="http://schemas.microsoft.com/office/drawing/2014/main" id="{C13C77AB-4025-4020-87C1-D3109A9C61ED}"/>
+              </a:ext>
+            </a:extLst>
+          </p:cNvPr>
+          <p:cNvSpPr txBox="1"/>
+          <p:nvPr/>
+        </p:nvSpPr>
+        <p:spPr>
+          <a:xfrm>
+            <a:off x="3195684" y="2567552"/>
+            <a:ext cx="1715679" cy="276999"/>
+          </a:xfrm>
+          <a:prstGeom prst="rect">
+            <a:avLst/>
+          </a:prstGeom>
+          <a:noFill/>
+        </p:spPr>
+        <p:txBody>
+          <a:bodyPr wrap="square" rtlCol="0">
+            <a:spAutoFit/>
+          </a:bodyPr>
+          <a:lstStyle/>
+          <a:p>
+            <a:r>
+              <a:rPr lang="en-US" sz="1200" dirty="0" err="1">
+                <a:solidFill>
+                  <a:srgbClr val="505F75"/>
+                </a:solidFill>
+                <a:latin typeface="Bahnschrift SemiBold" panose="020B0502040204020203" pitchFamily="34" charset="0"/>
+              </a:rPr>
+              <a:t>Lucro</a:t>
+            </a:r>
+            <a:r>
+              <a:rPr lang="en-US" sz="1200" dirty="0">
+                <a:solidFill>
+                  <a:srgbClr val="505F75"/>
+                </a:solidFill>
+                <a:latin typeface="Bahnschrift SemiBold" panose="020B0502040204020203" pitchFamily="34" charset="0"/>
+              </a:rPr>
+              <a:t> </a:t>
+            </a:r>
+            <a:r>
+              <a:rPr lang="en-US" sz="1200" dirty="0" err="1">
+                <a:solidFill>
+                  <a:srgbClr val="505F75"/>
+                </a:solidFill>
+                <a:latin typeface="Bahnschrift SemiBold" panose="020B0502040204020203" pitchFamily="34" charset="0"/>
+              </a:rPr>
+              <a:t>desejado</a:t>
+            </a:r>
+            <a:r>
+              <a:rPr lang="en-US" sz="1200" dirty="0">
+                <a:solidFill>
+                  <a:srgbClr val="505F75"/>
+                </a:solidFill>
+                <a:latin typeface="Bahnschrift SemiBold" panose="020B0502040204020203" pitchFamily="34" charset="0"/>
+              </a:rPr>
+              <a:t> (%):</a:t>
+            </a:r>
+          </a:p>
+        </p:txBody>
+      </p:sp>
+      <p:sp>
+        <p:nvSpPr>
+          <p:cNvPr id="64" name="Rectangle 63">
+            <a:extLst>
+              <a:ext uri="{FF2B5EF4-FFF2-40B4-BE49-F238E27FC236}">
+                <a16:creationId xmlns:a16="http://schemas.microsoft.com/office/drawing/2014/main" id="{878FB88E-AAAA-4D9F-85A5-8A99AAA89F2C}"/>
+              </a:ext>
+            </a:extLst>
+          </p:cNvPr>
+          <p:cNvSpPr/>
+          <p:nvPr/>
+        </p:nvSpPr>
+        <p:spPr>
+          <a:xfrm>
+            <a:off x="4911363" y="2605162"/>
+            <a:ext cx="1168923" cy="276999"/>
+          </a:xfrm>
+          <a:prstGeom prst="rect">
+            <a:avLst/>
+          </a:prstGeom>
+          <a:solidFill>
+            <a:schemeClr val="bg1"/>
+          </a:solidFill>
+          <a:ln>
+            <a:solidFill>
+              <a:srgbClr val="505F75"/>
+            </a:solidFill>
+          </a:ln>
+        </p:spPr>
+        <p:style>
+          <a:lnRef idx="2">
+            <a:schemeClr val="accent1">
+              <a:shade val="50000"/>
+            </a:schemeClr>
+          </a:lnRef>
+          <a:fillRef idx="1">
+            <a:schemeClr val="accent1"/>
+          </a:fillRef>
+          <a:effectRef idx="0">
+            <a:schemeClr val="accent1"/>
+          </a:effectRef>
+          <a:fontRef idx="minor">
+            <a:schemeClr val="lt1"/>
+          </a:fontRef>
+        </p:style>
+        <p:txBody>
+          <a:bodyPr rtlCol="0" anchor="ctr"/>
+          <a:lstStyle/>
+          <a:p>
+            <a:pPr algn="ctr"/>
+            <a:endParaRPr lang="en-US"/>
+          </a:p>
+        </p:txBody>
+      </p:sp>
+      <p:sp>
+        <p:nvSpPr>
+          <p:cNvPr id="9" name="Rectangle: Rounded Corners 8">
+            <a:extLst>
+              <a:ext uri="{FF2B5EF4-FFF2-40B4-BE49-F238E27FC236}">
+                <a16:creationId xmlns:a16="http://schemas.microsoft.com/office/drawing/2014/main" id="{D23A5BDD-AECE-4B23-B8D6-2F0DF40DCC38}"/>
+              </a:ext>
+            </a:extLst>
+          </p:cNvPr>
+          <p:cNvSpPr/>
+          <p:nvPr/>
+        </p:nvSpPr>
+        <p:spPr>
+          <a:xfrm>
+            <a:off x="3195684" y="4021937"/>
+            <a:ext cx="1470582" cy="517971"/>
+          </a:xfrm>
+          <a:prstGeom prst="roundRect">
+            <a:avLst/>
+          </a:prstGeom>
+        </p:spPr>
+        <p:style>
+          <a:lnRef idx="2">
+            <a:schemeClr val="accent6">
+              <a:shade val="50000"/>
+            </a:schemeClr>
+          </a:lnRef>
+          <a:fillRef idx="1">
+            <a:schemeClr val="accent6"/>
+          </a:fillRef>
+          <a:effectRef idx="0">
+            <a:schemeClr val="accent6"/>
+          </a:effectRef>
+          <a:fontRef idx="minor">
+            <a:schemeClr val="lt1"/>
+          </a:fontRef>
+        </p:style>
+        <p:txBody>
+          <a:bodyPr rtlCol="0" anchor="ctr"/>
+          <a:lstStyle/>
+          <a:p>
+            <a:pPr algn="ctr"/>
+            <a:r>
+              <a:rPr lang="en-US" sz="1400" dirty="0" err="1">
+                <a:latin typeface="Bahnschrift SemiBold" panose="020B0502040204020203" pitchFamily="34" charset="0"/>
+              </a:rPr>
+              <a:t>Adicionar</a:t>
+            </a:r>
+            <a:r>
+              <a:rPr lang="en-US" sz="1400" dirty="0">
+                <a:latin typeface="Bahnschrift SemiBold" panose="020B0502040204020203" pitchFamily="34" charset="0"/>
+              </a:rPr>
+              <a:t> </a:t>
+            </a:r>
+            <a:r>
+              <a:rPr lang="en-US" sz="1400" dirty="0" err="1">
+                <a:latin typeface="Bahnschrift SemiBold" panose="020B0502040204020203" pitchFamily="34" charset="0"/>
+              </a:rPr>
+              <a:t>Produto</a:t>
+            </a:r>
+            <a:endParaRPr lang="en-US" sz="1400" dirty="0">
+              <a:latin typeface="Bahnschrift SemiBold" panose="020B0502040204020203" pitchFamily="34" charset="0"/>
+            </a:endParaRPr>
+          </a:p>
+        </p:txBody>
+      </p:sp>
+      <p:sp>
+        <p:nvSpPr>
+          <p:cNvPr id="65" name="Rectangle: Rounded Corners 64">
+            <a:extLst>
+              <a:ext uri="{FF2B5EF4-FFF2-40B4-BE49-F238E27FC236}">
+                <a16:creationId xmlns:a16="http://schemas.microsoft.com/office/drawing/2014/main" id="{0B2AF544-EC37-4304-A16C-C554EF80C0C7}"/>
+              </a:ext>
+            </a:extLst>
+          </p:cNvPr>
+          <p:cNvSpPr/>
+          <p:nvPr/>
+        </p:nvSpPr>
+        <p:spPr>
+          <a:xfrm>
+            <a:off x="4885654" y="4021937"/>
+            <a:ext cx="1470582" cy="517971"/>
+          </a:xfrm>
+          <a:prstGeom prst="roundRect">
+            <a:avLst/>
+          </a:prstGeom>
+          <a:solidFill>
+            <a:srgbClr val="FF0000"/>
+          </a:solidFill>
+        </p:spPr>
+        <p:style>
+          <a:lnRef idx="2">
+            <a:schemeClr val="accent1">
+              <a:shade val="50000"/>
+            </a:schemeClr>
+          </a:lnRef>
+          <a:fillRef idx="1">
+            <a:schemeClr val="accent1"/>
+          </a:fillRef>
+          <a:effectRef idx="0">
+            <a:schemeClr val="accent1"/>
+          </a:effectRef>
+          <a:fontRef idx="minor">
+            <a:schemeClr val="lt1"/>
+          </a:fontRef>
+        </p:style>
+        <p:txBody>
+          <a:bodyPr rtlCol="0" anchor="ctr"/>
+          <a:lstStyle/>
+          <a:p>
+            <a:pPr algn="ctr"/>
+            <a:r>
+              <a:rPr lang="en-US" sz="1400" dirty="0">
+                <a:latin typeface="Bahnschrift SemiBold" panose="020B0502040204020203" pitchFamily="34" charset="0"/>
+              </a:rPr>
+              <a:t>Remover </a:t>
+            </a:r>
+            <a:r>
+              <a:rPr lang="en-US" sz="1400" dirty="0" err="1">
+                <a:latin typeface="Bahnschrift SemiBold" panose="020B0502040204020203" pitchFamily="34" charset="0"/>
+              </a:rPr>
+              <a:t>Produto</a:t>
+            </a:r>
+            <a:endParaRPr lang="en-US" sz="1400" dirty="0">
+              <a:latin typeface="Bahnschrift SemiBold" panose="020B0502040204020203" pitchFamily="34" charset="0"/>
+            </a:endParaRPr>
+          </a:p>
+        </p:txBody>
+      </p:sp>
+      <p:sp>
+        <p:nvSpPr>
+          <p:cNvPr id="66" name="TextBox 65">
+            <a:extLst>
+              <a:ext uri="{FF2B5EF4-FFF2-40B4-BE49-F238E27FC236}">
+                <a16:creationId xmlns:a16="http://schemas.microsoft.com/office/drawing/2014/main" id="{3D5F9DEC-7130-4E90-BD11-872D31CED3D4}"/>
+              </a:ext>
+            </a:extLst>
+          </p:cNvPr>
+          <p:cNvSpPr txBox="1"/>
+          <p:nvPr/>
+        </p:nvSpPr>
+        <p:spPr>
+          <a:xfrm>
+            <a:off x="3195684" y="4681810"/>
+            <a:ext cx="2714922" cy="369332"/>
+          </a:xfrm>
+          <a:prstGeom prst="rect">
+            <a:avLst/>
+          </a:prstGeom>
+          <a:noFill/>
+        </p:spPr>
+        <p:txBody>
+          <a:bodyPr wrap="square" rtlCol="0">
+            <a:spAutoFit/>
+          </a:bodyPr>
+          <a:lstStyle/>
+          <a:p>
+            <a:r>
+              <a:rPr lang="en-US" dirty="0">
+                <a:solidFill>
+                  <a:schemeClr val="bg1"/>
+                </a:solidFill>
+                <a:latin typeface="Bahnschrift SemiBold" panose="020B0502040204020203" pitchFamily="34" charset="0"/>
+              </a:rPr>
+              <a:t>Valor de </a:t>
+            </a:r>
+            <a:r>
+              <a:rPr lang="en-US" dirty="0" err="1">
+                <a:solidFill>
+                  <a:schemeClr val="bg1"/>
+                </a:solidFill>
+                <a:latin typeface="Bahnschrift SemiBold" panose="020B0502040204020203" pitchFamily="34" charset="0"/>
+              </a:rPr>
+              <a:t>venda</a:t>
+            </a:r>
+            <a:r>
+              <a:rPr lang="en-US" dirty="0">
+                <a:solidFill>
+                  <a:schemeClr val="bg1"/>
+                </a:solidFill>
+                <a:latin typeface="Bahnschrift SemiBold" panose="020B0502040204020203" pitchFamily="34" charset="0"/>
+              </a:rPr>
+              <a:t>: XXXX</a:t>
+            </a:r>
+          </a:p>
+        </p:txBody>
+      </p:sp>
+      <p:sp>
+        <p:nvSpPr>
+          <p:cNvPr id="67" name="TextBox 66">
+            <a:extLst>
+              <a:ext uri="{FF2B5EF4-FFF2-40B4-BE49-F238E27FC236}">
+                <a16:creationId xmlns:a16="http://schemas.microsoft.com/office/drawing/2014/main" id="{77058248-BC05-421A-83E9-CB790AA37587}"/>
+              </a:ext>
+            </a:extLst>
+          </p:cNvPr>
+          <p:cNvSpPr txBox="1"/>
+          <p:nvPr/>
+        </p:nvSpPr>
+        <p:spPr>
+          <a:xfrm>
+            <a:off x="6897479" y="1565991"/>
+            <a:ext cx="2713349" cy="307777"/>
+          </a:xfrm>
+          <a:prstGeom prst="rect">
+            <a:avLst/>
+          </a:prstGeom>
+          <a:noFill/>
+        </p:spPr>
+        <p:txBody>
+          <a:bodyPr wrap="square" rtlCol="0">
+            <a:spAutoFit/>
+          </a:bodyPr>
+          <a:lstStyle/>
+          <a:p>
+            <a:r>
+              <a:rPr lang="en-US" sz="1400" dirty="0">
+                <a:solidFill>
+                  <a:srgbClr val="505F75"/>
+                </a:solidFill>
+                <a:latin typeface="Bahnschrift SemiBold" panose="020B0502040204020203" pitchFamily="34" charset="0"/>
+              </a:rPr>
+              <a:t>Novo </a:t>
+            </a:r>
+            <a:r>
+              <a:rPr lang="en-US" sz="1400" dirty="0" err="1">
+                <a:solidFill>
+                  <a:srgbClr val="505F75"/>
+                </a:solidFill>
+                <a:latin typeface="Bahnschrift SemiBold" panose="020B0502040204020203" pitchFamily="34" charset="0"/>
+              </a:rPr>
+              <a:t>custo</a:t>
+            </a:r>
+            <a:r>
+              <a:rPr lang="en-US" sz="1400" dirty="0">
+                <a:solidFill>
+                  <a:srgbClr val="505F75"/>
+                </a:solidFill>
+                <a:latin typeface="Bahnschrift SemiBold" panose="020B0502040204020203" pitchFamily="34" charset="0"/>
+              </a:rPr>
+              <a:t> do </a:t>
+            </a:r>
+            <a:r>
+              <a:rPr lang="en-US" sz="1400" dirty="0" err="1">
+                <a:solidFill>
+                  <a:srgbClr val="505F75"/>
+                </a:solidFill>
+                <a:latin typeface="Bahnschrift SemiBold" panose="020B0502040204020203" pitchFamily="34" charset="0"/>
+              </a:rPr>
+              <a:t>produto</a:t>
+            </a:r>
+            <a:r>
+              <a:rPr lang="en-US" sz="1400" dirty="0">
+                <a:solidFill>
+                  <a:srgbClr val="505F75"/>
+                </a:solidFill>
+                <a:latin typeface="Bahnschrift SemiBold" panose="020B0502040204020203" pitchFamily="34" charset="0"/>
+              </a:rPr>
+              <a:t>:</a:t>
+            </a:r>
+          </a:p>
+        </p:txBody>
+      </p:sp>
+      <p:sp>
+        <p:nvSpPr>
+          <p:cNvPr id="68" name="TextBox 67">
+            <a:extLst>
+              <a:ext uri="{FF2B5EF4-FFF2-40B4-BE49-F238E27FC236}">
+                <a16:creationId xmlns:a16="http://schemas.microsoft.com/office/drawing/2014/main" id="{F88F64D1-D2AC-4896-813B-9982406EA2B4}"/>
+              </a:ext>
+            </a:extLst>
+          </p:cNvPr>
+          <p:cNvSpPr txBox="1"/>
+          <p:nvPr/>
+        </p:nvSpPr>
+        <p:spPr>
+          <a:xfrm>
+            <a:off x="6897478" y="1933059"/>
+            <a:ext cx="2713349" cy="307777"/>
+          </a:xfrm>
+          <a:prstGeom prst="rect">
+            <a:avLst/>
+          </a:prstGeom>
+          <a:noFill/>
+        </p:spPr>
+        <p:txBody>
+          <a:bodyPr wrap="square" rtlCol="0">
+            <a:spAutoFit/>
+          </a:bodyPr>
+          <a:lstStyle/>
+          <a:p>
+            <a:r>
+              <a:rPr lang="en-US" sz="1400" dirty="0" err="1">
+                <a:solidFill>
+                  <a:srgbClr val="505F75"/>
+                </a:solidFill>
+                <a:latin typeface="Bahnschrift SemiBold" panose="020B0502040204020203" pitchFamily="34" charset="0"/>
+              </a:rPr>
+              <a:t>Imposto</a:t>
+            </a:r>
+            <a:r>
+              <a:rPr lang="en-US" sz="1400" dirty="0">
+                <a:solidFill>
+                  <a:srgbClr val="505F75"/>
+                </a:solidFill>
+                <a:latin typeface="Bahnschrift SemiBold" panose="020B0502040204020203" pitchFamily="34" charset="0"/>
+              </a:rPr>
+              <a:t> (%):</a:t>
+            </a:r>
+          </a:p>
+        </p:txBody>
+      </p:sp>
+      <p:sp>
+        <p:nvSpPr>
+          <p:cNvPr id="69" name="TextBox 68">
+            <a:extLst>
+              <a:ext uri="{FF2B5EF4-FFF2-40B4-BE49-F238E27FC236}">
+                <a16:creationId xmlns:a16="http://schemas.microsoft.com/office/drawing/2014/main" id="{71E69C6C-D5D2-44C8-ACE2-DEE979080A38}"/>
+              </a:ext>
+            </a:extLst>
+          </p:cNvPr>
+          <p:cNvSpPr txBox="1"/>
+          <p:nvPr/>
+        </p:nvSpPr>
+        <p:spPr>
+          <a:xfrm>
+            <a:off x="6897478" y="2338319"/>
+            <a:ext cx="2713349" cy="307777"/>
+          </a:xfrm>
+          <a:prstGeom prst="rect">
+            <a:avLst/>
+          </a:prstGeom>
+          <a:noFill/>
+        </p:spPr>
+        <p:txBody>
+          <a:bodyPr wrap="square" rtlCol="0">
+            <a:spAutoFit/>
+          </a:bodyPr>
+          <a:lstStyle/>
+          <a:p>
+            <a:r>
+              <a:rPr lang="en-US" sz="1400" dirty="0" err="1">
+                <a:solidFill>
+                  <a:srgbClr val="505F75"/>
+                </a:solidFill>
+                <a:latin typeface="Bahnschrift SemiBold" panose="020B0502040204020203" pitchFamily="34" charset="0"/>
+              </a:rPr>
+              <a:t>Lucro</a:t>
+            </a:r>
+            <a:r>
+              <a:rPr lang="en-US" sz="1400" dirty="0">
+                <a:solidFill>
+                  <a:srgbClr val="505F75"/>
+                </a:solidFill>
+                <a:latin typeface="Bahnschrift SemiBold" panose="020B0502040204020203" pitchFamily="34" charset="0"/>
+              </a:rPr>
+              <a:t> </a:t>
+            </a:r>
+            <a:r>
+              <a:rPr lang="en-US" sz="1400" dirty="0" err="1">
+                <a:solidFill>
+                  <a:srgbClr val="505F75"/>
+                </a:solidFill>
+                <a:latin typeface="Bahnschrift SemiBold" panose="020B0502040204020203" pitchFamily="34" charset="0"/>
+              </a:rPr>
+              <a:t>desejado</a:t>
+            </a:r>
+            <a:r>
+              <a:rPr lang="en-US" sz="1400" dirty="0">
+                <a:solidFill>
+                  <a:srgbClr val="505F75"/>
+                </a:solidFill>
+                <a:latin typeface="Bahnschrift SemiBold" panose="020B0502040204020203" pitchFamily="34" charset="0"/>
+              </a:rPr>
+              <a:t> (%): </a:t>
+            </a:r>
+          </a:p>
+        </p:txBody>
+      </p:sp>
+      <p:sp>
+        <p:nvSpPr>
+          <p:cNvPr id="70" name="Rectangle 69">
+            <a:extLst>
+              <a:ext uri="{FF2B5EF4-FFF2-40B4-BE49-F238E27FC236}">
+                <a16:creationId xmlns:a16="http://schemas.microsoft.com/office/drawing/2014/main" id="{6EB3032C-9973-451F-84F0-D4FF04C0F166}"/>
+              </a:ext>
+            </a:extLst>
+          </p:cNvPr>
+          <p:cNvSpPr/>
+          <p:nvPr/>
+        </p:nvSpPr>
+        <p:spPr>
+          <a:xfrm>
+            <a:off x="8988657" y="1564204"/>
+            <a:ext cx="1244340" cy="300960"/>
+          </a:xfrm>
+          <a:prstGeom prst="rect">
+            <a:avLst/>
+          </a:prstGeom>
+          <a:solidFill>
+            <a:schemeClr val="bg1"/>
+          </a:solidFill>
+          <a:ln>
+            <a:solidFill>
+              <a:srgbClr val="505F75"/>
+            </a:solidFill>
+          </a:ln>
+        </p:spPr>
+        <p:style>
+          <a:lnRef idx="2">
+            <a:schemeClr val="accent1">
+              <a:shade val="50000"/>
+            </a:schemeClr>
+          </a:lnRef>
+          <a:fillRef idx="1">
+            <a:schemeClr val="accent1"/>
+          </a:fillRef>
+          <a:effectRef idx="0">
+            <a:schemeClr val="accent1"/>
+          </a:effectRef>
+          <a:fontRef idx="minor">
+            <a:schemeClr val="lt1"/>
+          </a:fontRef>
+        </p:style>
+        <p:txBody>
+          <a:bodyPr rtlCol="0" anchor="ctr"/>
+          <a:lstStyle/>
+          <a:p>
+            <a:pPr algn="ctr"/>
+            <a:endParaRPr lang="en-US"/>
+          </a:p>
+        </p:txBody>
+      </p:sp>
+      <p:sp>
+        <p:nvSpPr>
+          <p:cNvPr id="71" name="Rectangle 70">
+            <a:extLst>
+              <a:ext uri="{FF2B5EF4-FFF2-40B4-BE49-F238E27FC236}">
+                <a16:creationId xmlns:a16="http://schemas.microsoft.com/office/drawing/2014/main" id="{ACFC7834-2171-4EBF-9768-D78E30A49891}"/>
+              </a:ext>
+            </a:extLst>
+          </p:cNvPr>
+          <p:cNvSpPr/>
+          <p:nvPr/>
+        </p:nvSpPr>
+        <p:spPr>
+          <a:xfrm>
+            <a:off x="8988657" y="1950995"/>
+            <a:ext cx="1244340" cy="300960"/>
+          </a:xfrm>
+          <a:prstGeom prst="rect">
+            <a:avLst/>
+          </a:prstGeom>
+          <a:solidFill>
+            <a:schemeClr val="bg1"/>
+          </a:solidFill>
+          <a:ln>
+            <a:solidFill>
+              <a:srgbClr val="505F75"/>
+            </a:solidFill>
+          </a:ln>
+        </p:spPr>
+        <p:style>
+          <a:lnRef idx="2">
+            <a:schemeClr val="accent1">
+              <a:shade val="50000"/>
+            </a:schemeClr>
+          </a:lnRef>
+          <a:fillRef idx="1">
+            <a:schemeClr val="accent1"/>
+          </a:fillRef>
+          <a:effectRef idx="0">
+            <a:schemeClr val="accent1"/>
+          </a:effectRef>
+          <a:fontRef idx="minor">
+            <a:schemeClr val="lt1"/>
+          </a:fontRef>
+        </p:style>
+        <p:txBody>
+          <a:bodyPr rtlCol="0" anchor="ctr"/>
+          <a:lstStyle/>
+          <a:p>
+            <a:pPr algn="ctr"/>
+            <a:endParaRPr lang="en-US"/>
+          </a:p>
+        </p:txBody>
+      </p:sp>
+      <p:sp>
+        <p:nvSpPr>
+          <p:cNvPr id="72" name="Rectangle 71">
+            <a:extLst>
+              <a:ext uri="{FF2B5EF4-FFF2-40B4-BE49-F238E27FC236}">
+                <a16:creationId xmlns:a16="http://schemas.microsoft.com/office/drawing/2014/main" id="{EBD2B9F3-9784-40CE-8164-DC2150C9D925}"/>
+              </a:ext>
+            </a:extLst>
+          </p:cNvPr>
+          <p:cNvSpPr/>
+          <p:nvPr/>
+        </p:nvSpPr>
+        <p:spPr>
+          <a:xfrm>
+            <a:off x="8988657" y="2348616"/>
+            <a:ext cx="1244340" cy="300960"/>
+          </a:xfrm>
+          <a:prstGeom prst="rect">
+            <a:avLst/>
+          </a:prstGeom>
+          <a:solidFill>
+            <a:schemeClr val="bg1"/>
+          </a:solidFill>
+          <a:ln>
+            <a:solidFill>
+              <a:srgbClr val="505F75"/>
+            </a:solidFill>
+          </a:ln>
+        </p:spPr>
+        <p:style>
+          <a:lnRef idx="2">
+            <a:schemeClr val="accent1">
+              <a:shade val="50000"/>
+            </a:schemeClr>
+          </a:lnRef>
+          <a:fillRef idx="1">
+            <a:schemeClr val="accent1"/>
+          </a:fillRef>
+          <a:effectRef idx="0">
+            <a:schemeClr val="accent1"/>
+          </a:effectRef>
+          <a:fontRef idx="minor">
+            <a:schemeClr val="lt1"/>
+          </a:fontRef>
+        </p:style>
+        <p:txBody>
+          <a:bodyPr rtlCol="0" anchor="ctr"/>
+          <a:lstStyle/>
+          <a:p>
+            <a:pPr algn="ctr"/>
+            <a:endParaRPr lang="en-US"/>
+          </a:p>
+        </p:txBody>
+      </p:sp>
+      <p:sp>
+        <p:nvSpPr>
+          <p:cNvPr id="73" name="TextBox 72">
+            <a:extLst>
+              <a:ext uri="{FF2B5EF4-FFF2-40B4-BE49-F238E27FC236}">
+                <a16:creationId xmlns:a16="http://schemas.microsoft.com/office/drawing/2014/main" id="{8051EF10-AF1B-4B30-B9FE-2650917B9E3D}"/>
+              </a:ext>
+            </a:extLst>
+          </p:cNvPr>
+          <p:cNvSpPr txBox="1"/>
+          <p:nvPr/>
+        </p:nvSpPr>
+        <p:spPr>
+          <a:xfrm>
+            <a:off x="6897478" y="2800061"/>
+            <a:ext cx="2714922" cy="369332"/>
+          </a:xfrm>
+          <a:prstGeom prst="rect">
+            <a:avLst/>
+          </a:prstGeom>
+          <a:noFill/>
+        </p:spPr>
+        <p:txBody>
+          <a:bodyPr wrap="square" rtlCol="0">
+            <a:spAutoFit/>
+          </a:bodyPr>
+          <a:lstStyle/>
+          <a:p>
+            <a:r>
+              <a:rPr lang="en-US" dirty="0">
+                <a:solidFill>
+                  <a:schemeClr val="bg1"/>
+                </a:solidFill>
+                <a:latin typeface="Bahnschrift SemiBold" panose="020B0502040204020203" pitchFamily="34" charset="0"/>
+              </a:rPr>
+              <a:t>Valor de </a:t>
+            </a:r>
+            <a:r>
+              <a:rPr lang="en-US" dirty="0" err="1">
+                <a:solidFill>
+                  <a:schemeClr val="bg1"/>
+                </a:solidFill>
+                <a:latin typeface="Bahnschrift SemiBold" panose="020B0502040204020203" pitchFamily="34" charset="0"/>
+              </a:rPr>
+              <a:t>venda</a:t>
+            </a:r>
+            <a:r>
+              <a:rPr lang="en-US" dirty="0">
+                <a:solidFill>
+                  <a:schemeClr val="bg1"/>
+                </a:solidFill>
+                <a:latin typeface="Bahnschrift SemiBold" panose="020B0502040204020203" pitchFamily="34" charset="0"/>
+              </a:rPr>
+              <a:t>: XXXX</a:t>
+            </a:r>
+          </a:p>
+        </p:txBody>
+      </p:sp>
+    </p:spTree>
+    <p:extLst>
+      <p:ext uri="{BB962C8B-B14F-4D97-AF65-F5344CB8AC3E}">
+        <p14:creationId xmlns:p14="http://schemas.microsoft.com/office/powerpoint/2010/main" val="1828827317"/>
+      </p:ext>
+    </p:extLst>
+  </p:cSld>
+  <p:clrMapOvr>
+    <a:masterClrMapping/>
+  </p:clrMapOvr>
+</p:sld>
+</file>
+
+<file path=ppt/slides/slide13.xml><?xml version="1.0" encoding="utf-8"?>
+<p:sld xmlns:a="http://schemas.openxmlformats.org/drawingml/2006/main" xmlns:r="http://schemas.openxmlformats.org/officeDocument/2006/relationships" xmlns:p="http://schemas.openxmlformats.org/presentationml/2006/main">
+  <p:cSld>
+    <p:bg>
+      <p:bgPr>
+        <a:solidFill>
+          <a:srgbClr val="ECF3F1"/>
+        </a:solidFill>
+        <a:effectLst/>
+      </p:bgPr>
+    </p:bg>
+    <p:spTree>
+      <p:nvGrpSpPr>
+        <p:cNvPr id="1" name=""/>
+        <p:cNvGrpSpPr/>
+        <p:nvPr/>
+      </p:nvGrpSpPr>
+      <p:grpSpPr>
+        <a:xfrm>
+          <a:off x="0" y="0"/>
+          <a:ext cx="0" cy="0"/>
+          <a:chOff x="0" y="0"/>
+          <a:chExt cx="0" cy="0"/>
+        </a:xfrm>
+      </p:grpSpPr>
+      <p:sp>
+        <p:nvSpPr>
           <p:cNvPr id="2" name="Rectangle 1">
             <a:extLst>
               <a:ext uri="{FF2B5EF4-FFF2-40B4-BE49-F238E27FC236}">
@@ -11880,7 +14619,7 @@
 </p:sld>
 </file>
 
-<file path=ppt/slides/slide13.xml><?xml version="1.0" encoding="utf-8"?>
+<file path=ppt/slides/slide14.xml><?xml version="1.0" encoding="utf-8"?>
 <p:sld xmlns:a="http://schemas.openxmlformats.org/drawingml/2006/main" xmlns:r="http://schemas.openxmlformats.org/officeDocument/2006/relationships" xmlns:p="http://schemas.openxmlformats.org/presentationml/2006/main">
   <p:cSld>
     <p:bg>
@@ -16641,7 +19380,7 @@
 </p:sld>
 </file>
 
-<file path=ppt/slides/slide14.xml><?xml version="1.0" encoding="utf-8"?>
+<file path=ppt/slides/slide15.xml><?xml version="1.0" encoding="utf-8"?>
 <p:sld xmlns:a="http://schemas.openxmlformats.org/drawingml/2006/main" xmlns:r="http://schemas.openxmlformats.org/officeDocument/2006/relationships" xmlns:p="http://schemas.openxmlformats.org/presentationml/2006/main">
   <p:cSld>
     <p:bg>
@@ -17290,7 +20029,7 @@
 </p:sld>
 </file>
 
-<file path=ppt/slides/slide15.xml><?xml version="1.0" encoding="utf-8"?>
+<file path=ppt/slides/slide16.xml><?xml version="1.0" encoding="utf-8"?>
 <p:sld xmlns:a="http://schemas.openxmlformats.org/drawingml/2006/main" xmlns:r="http://schemas.openxmlformats.org/officeDocument/2006/relationships" xmlns:p="http://schemas.openxmlformats.org/presentationml/2006/main">
   <p:cSld>
     <p:bg>
@@ -18169,7 +20908,7 @@
 </p:sld>
 </file>
 
-<file path=ppt/slides/slide16.xml><?xml version="1.0" encoding="utf-8"?>
+<file path=ppt/slides/slide17.xml><?xml version="1.0" encoding="utf-8"?>
 <p:sld xmlns:a="http://schemas.openxmlformats.org/drawingml/2006/main" xmlns:r="http://schemas.openxmlformats.org/officeDocument/2006/relationships" xmlns:p="http://schemas.openxmlformats.org/presentationml/2006/main">
   <p:cSld>
     <p:bg>
@@ -19550,7 +22289,7 @@
 </p:sld>
 </file>
 
-<file path=ppt/slides/slide17.xml><?xml version="1.0" encoding="utf-8"?>
+<file path=ppt/slides/slide18.xml><?xml version="1.0" encoding="utf-8"?>
 <p:sld xmlns:a="http://schemas.openxmlformats.org/drawingml/2006/main" xmlns:r="http://schemas.openxmlformats.org/officeDocument/2006/relationships" xmlns:p="http://schemas.openxmlformats.org/presentationml/2006/main">
   <p:cSld>
     <p:bg>
@@ -23189,7 +25928,7 @@
 </p:sld>
 </file>
 
-<file path=ppt/slides/slide18.xml><?xml version="1.0" encoding="utf-8"?>
+<file path=ppt/slides/slide19.xml><?xml version="1.0" encoding="utf-8"?>
 <p:sld xmlns:a="http://schemas.openxmlformats.org/drawingml/2006/main" xmlns:r="http://schemas.openxmlformats.org/officeDocument/2006/relationships" xmlns:p="http://schemas.openxmlformats.org/presentationml/2006/main">
   <p:cSld>
     <p:bg>
@@ -23724,945 +26463,6 @@
     <p:extLst>
       <p:ext uri="{BB962C8B-B14F-4D97-AF65-F5344CB8AC3E}">
         <p14:creationId xmlns:p14="http://schemas.microsoft.com/office/powerpoint/2010/main" val="2426615148"/>
-      </p:ext>
-    </p:extLst>
-  </p:cSld>
-  <p:clrMapOvr>
-    <a:masterClrMapping/>
-  </p:clrMapOvr>
-</p:sld>
-</file>
-
-<file path=ppt/slides/slide19.xml><?xml version="1.0" encoding="utf-8"?>
-<p:sld xmlns:a="http://schemas.openxmlformats.org/drawingml/2006/main" xmlns:r="http://schemas.openxmlformats.org/officeDocument/2006/relationships" xmlns:p="http://schemas.openxmlformats.org/presentationml/2006/main">
-  <p:cSld>
-    <p:bg>
-      <p:bgPr>
-        <a:solidFill>
-          <a:srgbClr val="ECF3F1"/>
-        </a:solidFill>
-        <a:effectLst/>
-      </p:bgPr>
-    </p:bg>
-    <p:spTree>
-      <p:nvGrpSpPr>
-        <p:cNvPr id="1" name=""/>
-        <p:cNvGrpSpPr/>
-        <p:nvPr/>
-      </p:nvGrpSpPr>
-      <p:grpSpPr>
-        <a:xfrm>
-          <a:off x="0" y="0"/>
-          <a:ext cx="0" cy="0"/>
-          <a:chOff x="0" y="0"/>
-          <a:chExt cx="0" cy="0"/>
-        </a:xfrm>
-      </p:grpSpPr>
-      <p:sp>
-        <p:nvSpPr>
-          <p:cNvPr id="68" name="Rectangle: Rounded Corners 67">
-            <a:extLst>
-              <a:ext uri="{FF2B5EF4-FFF2-40B4-BE49-F238E27FC236}">
-                <a16:creationId xmlns:a16="http://schemas.microsoft.com/office/drawing/2014/main" id="{AA915204-18FA-4B8F-AEB4-96D0373A80C8}"/>
-              </a:ext>
-            </a:extLst>
-          </p:cNvPr>
-          <p:cNvSpPr/>
-          <p:nvPr/>
-        </p:nvSpPr>
-        <p:spPr>
-          <a:xfrm>
-            <a:off x="3339352" y="439716"/>
-            <a:ext cx="5513294" cy="6005462"/>
-          </a:xfrm>
-          <a:prstGeom prst="roundRect">
-            <a:avLst>
-              <a:gd name="adj" fmla="val 4033"/>
-            </a:avLst>
-          </a:prstGeom>
-          <a:solidFill>
-            <a:srgbClr val="505F75"/>
-          </a:solidFill>
-          <a:ln>
-            <a:solidFill>
-              <a:srgbClr val="68A797"/>
-            </a:solidFill>
-          </a:ln>
-        </p:spPr>
-        <p:style>
-          <a:lnRef idx="2">
-            <a:schemeClr val="accent1">
-              <a:shade val="50000"/>
-            </a:schemeClr>
-          </a:lnRef>
-          <a:fillRef idx="1">
-            <a:schemeClr val="accent1"/>
-          </a:fillRef>
-          <a:effectRef idx="0">
-            <a:schemeClr val="accent1"/>
-          </a:effectRef>
-          <a:fontRef idx="minor">
-            <a:schemeClr val="lt1"/>
-          </a:fontRef>
-        </p:style>
-        <p:txBody>
-          <a:bodyPr rtlCol="0" anchor="ctr"/>
-          <a:lstStyle/>
-          <a:p>
-            <a:pPr algn="ctr"/>
-            <a:endParaRPr lang="en-US"/>
-          </a:p>
-        </p:txBody>
-      </p:sp>
-      <p:sp>
-        <p:nvSpPr>
-          <p:cNvPr id="69" name="TextBox 68">
-            <a:extLst>
-              <a:ext uri="{FF2B5EF4-FFF2-40B4-BE49-F238E27FC236}">
-                <a16:creationId xmlns:a16="http://schemas.microsoft.com/office/drawing/2014/main" id="{609CDA2A-D47E-4DBC-93A5-BEEBBE34C5D1}"/>
-              </a:ext>
-            </a:extLst>
-          </p:cNvPr>
-          <p:cNvSpPr txBox="1"/>
-          <p:nvPr/>
-        </p:nvSpPr>
-        <p:spPr>
-          <a:xfrm>
-            <a:off x="3684563" y="439716"/>
-            <a:ext cx="4822873" cy="923330"/>
-          </a:xfrm>
-          <a:prstGeom prst="rect">
-            <a:avLst/>
-          </a:prstGeom>
-          <a:noFill/>
-        </p:spPr>
-        <p:txBody>
-          <a:bodyPr wrap="square" rtlCol="0">
-            <a:spAutoFit/>
-          </a:bodyPr>
-          <a:lstStyle/>
-          <a:p>
-            <a:pPr algn="ctr"/>
-            <a:r>
-              <a:rPr lang="en-US" sz="5400" dirty="0">
-                <a:solidFill>
-                  <a:schemeClr val="bg1"/>
-                </a:solidFill>
-                <a:latin typeface="Baskerville Old Face" panose="02020602080505020303" pitchFamily="18" charset="0"/>
-              </a:rPr>
-              <a:t>Remover</a:t>
-            </a:r>
-          </a:p>
-        </p:txBody>
-      </p:sp>
-      <p:sp>
-        <p:nvSpPr>
-          <p:cNvPr id="18" name="Rectangle: Rounded Corners 17">
-            <a:extLst>
-              <a:ext uri="{FF2B5EF4-FFF2-40B4-BE49-F238E27FC236}">
-                <a16:creationId xmlns:a16="http://schemas.microsoft.com/office/drawing/2014/main" id="{05EA8F7A-9D49-4BA5-AD4E-0717BB4737FE}"/>
-              </a:ext>
-            </a:extLst>
-          </p:cNvPr>
-          <p:cNvSpPr/>
-          <p:nvPr/>
-        </p:nvSpPr>
-        <p:spPr>
-          <a:xfrm>
-            <a:off x="3852402" y="1363046"/>
-            <a:ext cx="4301836" cy="798263"/>
-          </a:xfrm>
-          <a:prstGeom prst="roundRect">
-            <a:avLst/>
-          </a:prstGeom>
-          <a:solidFill>
-            <a:srgbClr val="76BFAC"/>
-          </a:solidFill>
-          <a:ln>
-            <a:solidFill>
-              <a:srgbClr val="505F75"/>
-            </a:solidFill>
-          </a:ln>
-        </p:spPr>
-        <p:style>
-          <a:lnRef idx="2">
-            <a:schemeClr val="accent1">
-              <a:shade val="50000"/>
-            </a:schemeClr>
-          </a:lnRef>
-          <a:fillRef idx="1">
-            <a:schemeClr val="accent1"/>
-          </a:fillRef>
-          <a:effectRef idx="0">
-            <a:schemeClr val="accent1"/>
-          </a:effectRef>
-          <a:fontRef idx="minor">
-            <a:schemeClr val="lt1"/>
-          </a:fontRef>
-        </p:style>
-        <p:txBody>
-          <a:bodyPr rtlCol="0" anchor="ctr"/>
-          <a:lstStyle/>
-          <a:p>
-            <a:pPr algn="ctr"/>
-            <a:endParaRPr lang="en-US"/>
-          </a:p>
-        </p:txBody>
-      </p:sp>
-      <p:pic>
-        <p:nvPicPr>
-          <p:cNvPr id="19" name="Graphic 18" descr="Magnifying glass">
-            <a:extLst>
-              <a:ext uri="{FF2B5EF4-FFF2-40B4-BE49-F238E27FC236}">
-                <a16:creationId xmlns:a16="http://schemas.microsoft.com/office/drawing/2014/main" id="{AE97502F-C8F7-4968-AA7C-5CC7C43CD0C0}"/>
-              </a:ext>
-            </a:extLst>
-          </p:cNvPr>
-          <p:cNvPicPr>
-            <a:picLocks noChangeAspect="1"/>
-          </p:cNvPicPr>
-          <p:nvPr/>
-        </p:nvPicPr>
-        <p:blipFill>
-          <a:blip r:embed="rId2">
-            <a:extLst>
-              <a:ext uri="{28A0092B-C50C-407E-A947-70E740481C1C}">
-                <a14:useLocalDpi xmlns:a14="http://schemas.microsoft.com/office/drawing/2010/main" val="0"/>
-              </a:ext>
-              <a:ext uri="{96DAC541-7B7A-43D3-8B79-37D633B846F1}">
-                <asvg:svgBlip xmlns:asvg="http://schemas.microsoft.com/office/drawing/2016/SVG/main" r:embed="rId3"/>
-              </a:ext>
-            </a:extLst>
-          </a:blip>
-          <a:stretch>
-            <a:fillRect/>
-          </a:stretch>
-        </p:blipFill>
-        <p:spPr>
-          <a:xfrm>
-            <a:off x="7352449" y="1496261"/>
-            <a:ext cx="608209" cy="531831"/>
-          </a:xfrm>
-          <a:prstGeom prst="rect">
-            <a:avLst/>
-          </a:prstGeom>
-        </p:spPr>
-      </p:pic>
-      <p:sp>
-        <p:nvSpPr>
-          <p:cNvPr id="2" name="Rectangle 1">
-            <a:extLst>
-              <a:ext uri="{FF2B5EF4-FFF2-40B4-BE49-F238E27FC236}">
-                <a16:creationId xmlns:a16="http://schemas.microsoft.com/office/drawing/2014/main" id="{1E37ED2C-782F-401D-8106-475A6867022D}"/>
-              </a:ext>
-            </a:extLst>
-          </p:cNvPr>
-          <p:cNvSpPr/>
-          <p:nvPr/>
-        </p:nvSpPr>
-        <p:spPr>
-          <a:xfrm>
-            <a:off x="3852402" y="2394408"/>
-            <a:ext cx="4301836" cy="1801074"/>
-          </a:xfrm>
-          <a:prstGeom prst="rect">
-            <a:avLst/>
-          </a:prstGeom>
-          <a:solidFill>
-            <a:schemeClr val="bg1"/>
-          </a:solidFill>
-        </p:spPr>
-        <p:style>
-          <a:lnRef idx="2">
-            <a:schemeClr val="accent1">
-              <a:shade val="50000"/>
-            </a:schemeClr>
-          </a:lnRef>
-          <a:fillRef idx="1">
-            <a:schemeClr val="accent1"/>
-          </a:fillRef>
-          <a:effectRef idx="0">
-            <a:schemeClr val="accent1"/>
-          </a:effectRef>
-          <a:fontRef idx="minor">
-            <a:schemeClr val="lt1"/>
-          </a:fontRef>
-        </p:style>
-        <p:txBody>
-          <a:bodyPr rtlCol="0" anchor="ctr"/>
-          <a:lstStyle/>
-          <a:p>
-            <a:pPr algn="ctr"/>
-            <a:endParaRPr lang="en-US" dirty="0"/>
-          </a:p>
-        </p:txBody>
-      </p:sp>
-      <p:cxnSp>
-        <p:nvCxnSpPr>
-          <p:cNvPr id="21" name="Straight Connector 20">
-            <a:extLst>
-              <a:ext uri="{FF2B5EF4-FFF2-40B4-BE49-F238E27FC236}">
-                <a16:creationId xmlns:a16="http://schemas.microsoft.com/office/drawing/2014/main" id="{16D8F171-F2BB-48D3-885B-10CF3F22BAE3}"/>
-              </a:ext>
-            </a:extLst>
-          </p:cNvPr>
-          <p:cNvCxnSpPr>
-            <a:cxnSpLocks/>
-          </p:cNvCxnSpPr>
-          <p:nvPr/>
-        </p:nvCxnSpPr>
-        <p:spPr>
-          <a:xfrm>
-            <a:off x="3852402" y="2868633"/>
-            <a:ext cx="4301836" cy="0"/>
-          </a:xfrm>
-          <a:prstGeom prst="line">
-            <a:avLst/>
-          </a:prstGeom>
-          <a:ln w="12700">
-            <a:solidFill>
-              <a:schemeClr val="bg2">
-                <a:lumMod val="75000"/>
-              </a:schemeClr>
-            </a:solidFill>
-          </a:ln>
-        </p:spPr>
-        <p:style>
-          <a:lnRef idx="1">
-            <a:schemeClr val="accent1"/>
-          </a:lnRef>
-          <a:fillRef idx="0">
-            <a:schemeClr val="accent1"/>
-          </a:fillRef>
-          <a:effectRef idx="0">
-            <a:schemeClr val="accent1"/>
-          </a:effectRef>
-          <a:fontRef idx="minor">
-            <a:schemeClr val="tx1"/>
-          </a:fontRef>
-        </p:style>
-      </p:cxnSp>
-      <p:cxnSp>
-        <p:nvCxnSpPr>
-          <p:cNvPr id="24" name="Straight Connector 23">
-            <a:extLst>
-              <a:ext uri="{FF2B5EF4-FFF2-40B4-BE49-F238E27FC236}">
-                <a16:creationId xmlns:a16="http://schemas.microsoft.com/office/drawing/2014/main" id="{C9454AE1-F8EC-4896-966E-F059A6C4262A}"/>
-              </a:ext>
-            </a:extLst>
-          </p:cNvPr>
-          <p:cNvCxnSpPr>
-            <a:cxnSpLocks/>
-          </p:cNvCxnSpPr>
-          <p:nvPr/>
-        </p:nvCxnSpPr>
-        <p:spPr>
-          <a:xfrm>
-            <a:off x="3852402" y="3303357"/>
-            <a:ext cx="4301836" cy="0"/>
-          </a:xfrm>
-          <a:prstGeom prst="line">
-            <a:avLst/>
-          </a:prstGeom>
-          <a:ln w="12700">
-            <a:solidFill>
-              <a:schemeClr val="bg2">
-                <a:lumMod val="75000"/>
-              </a:schemeClr>
-            </a:solidFill>
-          </a:ln>
-        </p:spPr>
-        <p:style>
-          <a:lnRef idx="1">
-            <a:schemeClr val="accent1"/>
-          </a:lnRef>
-          <a:fillRef idx="0">
-            <a:schemeClr val="accent1"/>
-          </a:fillRef>
-          <a:effectRef idx="0">
-            <a:schemeClr val="accent1"/>
-          </a:effectRef>
-          <a:fontRef idx="minor">
-            <a:schemeClr val="tx1"/>
-          </a:fontRef>
-        </p:style>
-      </p:cxnSp>
-      <p:cxnSp>
-        <p:nvCxnSpPr>
-          <p:cNvPr id="25" name="Straight Connector 24">
-            <a:extLst>
-              <a:ext uri="{FF2B5EF4-FFF2-40B4-BE49-F238E27FC236}">
-                <a16:creationId xmlns:a16="http://schemas.microsoft.com/office/drawing/2014/main" id="{256ADB4E-400F-4DCD-BD8F-D505554EE499}"/>
-              </a:ext>
-            </a:extLst>
-          </p:cNvPr>
-          <p:cNvCxnSpPr>
-            <a:cxnSpLocks/>
-          </p:cNvCxnSpPr>
-          <p:nvPr/>
-        </p:nvCxnSpPr>
-        <p:spPr>
-          <a:xfrm>
-            <a:off x="3852402" y="3788476"/>
-            <a:ext cx="4301836" cy="0"/>
-          </a:xfrm>
-          <a:prstGeom prst="line">
-            <a:avLst/>
-          </a:prstGeom>
-          <a:ln w="12700">
-            <a:solidFill>
-              <a:schemeClr val="bg2">
-                <a:lumMod val="75000"/>
-              </a:schemeClr>
-            </a:solidFill>
-          </a:ln>
-        </p:spPr>
-        <p:style>
-          <a:lnRef idx="1">
-            <a:schemeClr val="accent1"/>
-          </a:lnRef>
-          <a:fillRef idx="0">
-            <a:schemeClr val="accent1"/>
-          </a:fillRef>
-          <a:effectRef idx="0">
-            <a:schemeClr val="accent1"/>
-          </a:effectRef>
-          <a:fontRef idx="minor">
-            <a:schemeClr val="tx1"/>
-          </a:fontRef>
-        </p:style>
-      </p:cxnSp>
-      <p:sp>
-        <p:nvSpPr>
-          <p:cNvPr id="5" name="Rectangle: Rounded Corners 4">
-            <a:extLst>
-              <a:ext uri="{FF2B5EF4-FFF2-40B4-BE49-F238E27FC236}">
-                <a16:creationId xmlns:a16="http://schemas.microsoft.com/office/drawing/2014/main" id="{672B3D60-248C-4838-86D4-D637A98C52A0}"/>
-              </a:ext>
-            </a:extLst>
-          </p:cNvPr>
-          <p:cNvSpPr/>
-          <p:nvPr/>
-        </p:nvSpPr>
-        <p:spPr>
-          <a:xfrm>
-            <a:off x="3959258" y="2519493"/>
-            <a:ext cx="245097" cy="263557"/>
-          </a:xfrm>
-          <a:prstGeom prst="roundRect">
-            <a:avLst/>
-          </a:prstGeom>
-          <a:solidFill>
-            <a:schemeClr val="bg1">
-              <a:lumMod val="85000"/>
-            </a:schemeClr>
-          </a:solidFill>
-          <a:ln>
-            <a:solidFill>
-              <a:schemeClr val="bg1">
-                <a:lumMod val="85000"/>
-              </a:schemeClr>
-            </a:solidFill>
-          </a:ln>
-        </p:spPr>
-        <p:style>
-          <a:lnRef idx="2">
-            <a:schemeClr val="accent1">
-              <a:shade val="50000"/>
-            </a:schemeClr>
-          </a:lnRef>
-          <a:fillRef idx="1">
-            <a:schemeClr val="accent1"/>
-          </a:fillRef>
-          <a:effectRef idx="0">
-            <a:schemeClr val="accent1"/>
-          </a:effectRef>
-          <a:fontRef idx="minor">
-            <a:schemeClr val="lt1"/>
-          </a:fontRef>
-        </p:style>
-        <p:txBody>
-          <a:bodyPr rtlCol="0" anchor="ctr"/>
-          <a:lstStyle/>
-          <a:p>
-            <a:pPr algn="ctr"/>
-            <a:endParaRPr lang="en-US"/>
-          </a:p>
-        </p:txBody>
-      </p:sp>
-      <p:sp>
-        <p:nvSpPr>
-          <p:cNvPr id="27" name="Rectangle: Rounded Corners 26">
-            <a:extLst>
-              <a:ext uri="{FF2B5EF4-FFF2-40B4-BE49-F238E27FC236}">
-                <a16:creationId xmlns:a16="http://schemas.microsoft.com/office/drawing/2014/main" id="{BAAC9EDE-0240-4E4D-A2A2-42F9C1EE0603}"/>
-              </a:ext>
-            </a:extLst>
-          </p:cNvPr>
-          <p:cNvSpPr/>
-          <p:nvPr/>
-        </p:nvSpPr>
-        <p:spPr>
-          <a:xfrm>
-            <a:off x="3959258" y="2963268"/>
-            <a:ext cx="245097" cy="263557"/>
-          </a:xfrm>
-          <a:prstGeom prst="roundRect">
-            <a:avLst/>
-          </a:prstGeom>
-          <a:solidFill>
-            <a:schemeClr val="bg1">
-              <a:lumMod val="85000"/>
-            </a:schemeClr>
-          </a:solidFill>
-          <a:ln>
-            <a:solidFill>
-              <a:schemeClr val="bg1">
-                <a:lumMod val="85000"/>
-              </a:schemeClr>
-            </a:solidFill>
-          </a:ln>
-        </p:spPr>
-        <p:style>
-          <a:lnRef idx="2">
-            <a:schemeClr val="accent1">
-              <a:shade val="50000"/>
-            </a:schemeClr>
-          </a:lnRef>
-          <a:fillRef idx="1">
-            <a:schemeClr val="accent1"/>
-          </a:fillRef>
-          <a:effectRef idx="0">
-            <a:schemeClr val="accent1"/>
-          </a:effectRef>
-          <a:fontRef idx="minor">
-            <a:schemeClr val="lt1"/>
-          </a:fontRef>
-        </p:style>
-        <p:txBody>
-          <a:bodyPr rtlCol="0" anchor="ctr"/>
-          <a:lstStyle/>
-          <a:p>
-            <a:pPr algn="ctr"/>
-            <a:endParaRPr lang="en-US"/>
-          </a:p>
-        </p:txBody>
-      </p:sp>
-      <p:sp>
-        <p:nvSpPr>
-          <p:cNvPr id="28" name="Rectangle: Rounded Corners 27">
-            <a:extLst>
-              <a:ext uri="{FF2B5EF4-FFF2-40B4-BE49-F238E27FC236}">
-                <a16:creationId xmlns:a16="http://schemas.microsoft.com/office/drawing/2014/main" id="{D630042B-5DB3-43EF-A034-48128D5C71AF}"/>
-              </a:ext>
-            </a:extLst>
-          </p:cNvPr>
-          <p:cNvSpPr/>
-          <p:nvPr/>
-        </p:nvSpPr>
-        <p:spPr>
-          <a:xfrm>
-            <a:off x="3959258" y="3416281"/>
-            <a:ext cx="245097" cy="263557"/>
-          </a:xfrm>
-          <a:prstGeom prst="roundRect">
-            <a:avLst/>
-          </a:prstGeom>
-          <a:solidFill>
-            <a:schemeClr val="bg1">
-              <a:lumMod val="85000"/>
-            </a:schemeClr>
-          </a:solidFill>
-          <a:ln>
-            <a:solidFill>
-              <a:schemeClr val="bg1">
-                <a:lumMod val="85000"/>
-              </a:schemeClr>
-            </a:solidFill>
-          </a:ln>
-        </p:spPr>
-        <p:style>
-          <a:lnRef idx="2">
-            <a:schemeClr val="accent1">
-              <a:shade val="50000"/>
-            </a:schemeClr>
-          </a:lnRef>
-          <a:fillRef idx="1">
-            <a:schemeClr val="accent1"/>
-          </a:fillRef>
-          <a:effectRef idx="0">
-            <a:schemeClr val="accent1"/>
-          </a:effectRef>
-          <a:fontRef idx="minor">
-            <a:schemeClr val="lt1"/>
-          </a:fontRef>
-        </p:style>
-        <p:txBody>
-          <a:bodyPr rtlCol="0" anchor="ctr"/>
-          <a:lstStyle/>
-          <a:p>
-            <a:pPr algn="ctr"/>
-            <a:endParaRPr lang="en-US"/>
-          </a:p>
-        </p:txBody>
-      </p:sp>
-      <p:sp>
-        <p:nvSpPr>
-          <p:cNvPr id="29" name="Rectangle: Rounded Corners 28">
-            <a:extLst>
-              <a:ext uri="{FF2B5EF4-FFF2-40B4-BE49-F238E27FC236}">
-                <a16:creationId xmlns:a16="http://schemas.microsoft.com/office/drawing/2014/main" id="{EE41C190-15E2-4863-853F-A4CB6DB79C5C}"/>
-              </a:ext>
-            </a:extLst>
-          </p:cNvPr>
-          <p:cNvSpPr/>
-          <p:nvPr/>
-        </p:nvSpPr>
-        <p:spPr>
-          <a:xfrm>
-            <a:off x="3959257" y="3897115"/>
-            <a:ext cx="245097" cy="263557"/>
-          </a:xfrm>
-          <a:prstGeom prst="roundRect">
-            <a:avLst/>
-          </a:prstGeom>
-          <a:solidFill>
-            <a:schemeClr val="bg1">
-              <a:lumMod val="85000"/>
-            </a:schemeClr>
-          </a:solidFill>
-          <a:ln>
-            <a:solidFill>
-              <a:schemeClr val="bg1">
-                <a:lumMod val="85000"/>
-              </a:schemeClr>
-            </a:solidFill>
-          </a:ln>
-        </p:spPr>
-        <p:style>
-          <a:lnRef idx="2">
-            <a:schemeClr val="accent1">
-              <a:shade val="50000"/>
-            </a:schemeClr>
-          </a:lnRef>
-          <a:fillRef idx="1">
-            <a:schemeClr val="accent1"/>
-          </a:fillRef>
-          <a:effectRef idx="0">
-            <a:schemeClr val="accent1"/>
-          </a:effectRef>
-          <a:fontRef idx="minor">
-            <a:schemeClr val="lt1"/>
-          </a:fontRef>
-        </p:style>
-        <p:txBody>
-          <a:bodyPr rtlCol="0" anchor="ctr"/>
-          <a:lstStyle/>
-          <a:p>
-            <a:pPr algn="ctr"/>
-            <a:endParaRPr lang="en-US"/>
-          </a:p>
-        </p:txBody>
-      </p:sp>
-      <p:sp>
-        <p:nvSpPr>
-          <p:cNvPr id="8" name="TextBox 7">
-            <a:extLst>
-              <a:ext uri="{FF2B5EF4-FFF2-40B4-BE49-F238E27FC236}">
-                <a16:creationId xmlns:a16="http://schemas.microsoft.com/office/drawing/2014/main" id="{57128052-C721-4C77-B882-2862A5A7994E}"/>
-              </a:ext>
-            </a:extLst>
-          </p:cNvPr>
-          <p:cNvSpPr txBox="1"/>
-          <p:nvPr/>
-        </p:nvSpPr>
-        <p:spPr>
-          <a:xfrm>
-            <a:off x="4311211" y="2466605"/>
-            <a:ext cx="1891645" cy="369332"/>
-          </a:xfrm>
-          <a:prstGeom prst="rect">
-            <a:avLst/>
-          </a:prstGeom>
-          <a:noFill/>
-        </p:spPr>
-        <p:txBody>
-          <a:bodyPr wrap="square" rtlCol="0">
-            <a:spAutoFit/>
-          </a:bodyPr>
-          <a:lstStyle/>
-          <a:p>
-            <a:r>
-              <a:rPr lang="en-US" dirty="0">
-                <a:solidFill>
-                  <a:srgbClr val="68A797"/>
-                </a:solidFill>
-                <a:latin typeface="Baskerville Old Face" panose="02020602080505020303" pitchFamily="18" charset="0"/>
-              </a:rPr>
-              <a:t>Nome do </a:t>
-            </a:r>
-            <a:r>
-              <a:rPr lang="en-US" dirty="0" err="1">
-                <a:solidFill>
-                  <a:srgbClr val="68A797"/>
-                </a:solidFill>
-                <a:latin typeface="Baskerville Old Face" panose="02020602080505020303" pitchFamily="18" charset="0"/>
-              </a:rPr>
-              <a:t>plano</a:t>
-            </a:r>
-            <a:endParaRPr lang="en-US" dirty="0">
-              <a:solidFill>
-                <a:srgbClr val="68A797"/>
-              </a:solidFill>
-              <a:latin typeface="Baskerville Old Face" panose="02020602080505020303" pitchFamily="18" charset="0"/>
-            </a:endParaRPr>
-          </a:p>
-        </p:txBody>
-      </p:sp>
-      <p:sp>
-        <p:nvSpPr>
-          <p:cNvPr id="31" name="TextBox 30">
-            <a:extLst>
-              <a:ext uri="{FF2B5EF4-FFF2-40B4-BE49-F238E27FC236}">
-                <a16:creationId xmlns:a16="http://schemas.microsoft.com/office/drawing/2014/main" id="{7AD979B2-B774-47F3-8F75-6437E8CDD861}"/>
-              </a:ext>
-            </a:extLst>
-          </p:cNvPr>
-          <p:cNvSpPr txBox="1"/>
-          <p:nvPr/>
-        </p:nvSpPr>
-        <p:spPr>
-          <a:xfrm>
-            <a:off x="4287651" y="2910380"/>
-            <a:ext cx="1891645" cy="369332"/>
-          </a:xfrm>
-          <a:prstGeom prst="rect">
-            <a:avLst/>
-          </a:prstGeom>
-          <a:noFill/>
-        </p:spPr>
-        <p:txBody>
-          <a:bodyPr wrap="square" rtlCol="0">
-            <a:spAutoFit/>
-          </a:bodyPr>
-          <a:lstStyle/>
-          <a:p>
-            <a:r>
-              <a:rPr lang="en-US" dirty="0">
-                <a:solidFill>
-                  <a:srgbClr val="68A797"/>
-                </a:solidFill>
-                <a:latin typeface="Baskerville Old Face" panose="02020602080505020303" pitchFamily="18" charset="0"/>
-              </a:rPr>
-              <a:t>Nome do </a:t>
-            </a:r>
-            <a:r>
-              <a:rPr lang="en-US" dirty="0" err="1">
-                <a:solidFill>
-                  <a:srgbClr val="68A797"/>
-                </a:solidFill>
-                <a:latin typeface="Baskerville Old Face" panose="02020602080505020303" pitchFamily="18" charset="0"/>
-              </a:rPr>
-              <a:t>plano</a:t>
-            </a:r>
-            <a:endParaRPr lang="en-US" dirty="0">
-              <a:solidFill>
-                <a:srgbClr val="68A797"/>
-              </a:solidFill>
-              <a:latin typeface="Baskerville Old Face" panose="02020602080505020303" pitchFamily="18" charset="0"/>
-            </a:endParaRPr>
-          </a:p>
-        </p:txBody>
-      </p:sp>
-      <p:sp>
-        <p:nvSpPr>
-          <p:cNvPr id="33" name="TextBox 32">
-            <a:extLst>
-              <a:ext uri="{FF2B5EF4-FFF2-40B4-BE49-F238E27FC236}">
-                <a16:creationId xmlns:a16="http://schemas.microsoft.com/office/drawing/2014/main" id="{3CE816F2-A321-42C4-8123-6BD728B95B90}"/>
-              </a:ext>
-            </a:extLst>
-          </p:cNvPr>
-          <p:cNvSpPr txBox="1"/>
-          <p:nvPr/>
-        </p:nvSpPr>
-        <p:spPr>
-          <a:xfrm>
-            <a:off x="4287650" y="3363393"/>
-            <a:ext cx="1891645" cy="369332"/>
-          </a:xfrm>
-          <a:prstGeom prst="rect">
-            <a:avLst/>
-          </a:prstGeom>
-          <a:noFill/>
-        </p:spPr>
-        <p:txBody>
-          <a:bodyPr wrap="square" rtlCol="0">
-            <a:spAutoFit/>
-          </a:bodyPr>
-          <a:lstStyle/>
-          <a:p>
-            <a:r>
-              <a:rPr lang="en-US" dirty="0">
-                <a:solidFill>
-                  <a:srgbClr val="68A797"/>
-                </a:solidFill>
-                <a:latin typeface="Baskerville Old Face" panose="02020602080505020303" pitchFamily="18" charset="0"/>
-              </a:rPr>
-              <a:t>Nome do </a:t>
-            </a:r>
-            <a:r>
-              <a:rPr lang="en-US" dirty="0" err="1">
-                <a:solidFill>
-                  <a:srgbClr val="68A797"/>
-                </a:solidFill>
-                <a:latin typeface="Baskerville Old Face" panose="02020602080505020303" pitchFamily="18" charset="0"/>
-              </a:rPr>
-              <a:t>plano</a:t>
-            </a:r>
-            <a:endParaRPr lang="en-US" dirty="0">
-              <a:solidFill>
-                <a:srgbClr val="68A797"/>
-              </a:solidFill>
-              <a:latin typeface="Baskerville Old Face" panose="02020602080505020303" pitchFamily="18" charset="0"/>
-            </a:endParaRPr>
-          </a:p>
-        </p:txBody>
-      </p:sp>
-      <p:sp>
-        <p:nvSpPr>
-          <p:cNvPr id="34" name="TextBox 33">
-            <a:extLst>
-              <a:ext uri="{FF2B5EF4-FFF2-40B4-BE49-F238E27FC236}">
-                <a16:creationId xmlns:a16="http://schemas.microsoft.com/office/drawing/2014/main" id="{1C7259D0-FF18-4546-8706-32381B560591}"/>
-              </a:ext>
-            </a:extLst>
-          </p:cNvPr>
-          <p:cNvSpPr txBox="1"/>
-          <p:nvPr/>
-        </p:nvSpPr>
-        <p:spPr>
-          <a:xfrm>
-            <a:off x="4287649" y="3837973"/>
-            <a:ext cx="1891645" cy="369332"/>
-          </a:xfrm>
-          <a:prstGeom prst="rect">
-            <a:avLst/>
-          </a:prstGeom>
-          <a:noFill/>
-        </p:spPr>
-        <p:txBody>
-          <a:bodyPr wrap="square" rtlCol="0">
-            <a:spAutoFit/>
-          </a:bodyPr>
-          <a:lstStyle/>
-          <a:p>
-            <a:r>
-              <a:rPr lang="en-US" dirty="0">
-                <a:solidFill>
-                  <a:srgbClr val="68A797"/>
-                </a:solidFill>
-                <a:latin typeface="Baskerville Old Face" panose="02020602080505020303" pitchFamily="18" charset="0"/>
-              </a:rPr>
-              <a:t>Nome do </a:t>
-            </a:r>
-            <a:r>
-              <a:rPr lang="en-US" dirty="0" err="1">
-                <a:solidFill>
-                  <a:srgbClr val="68A797"/>
-                </a:solidFill>
-                <a:latin typeface="Baskerville Old Face" panose="02020602080505020303" pitchFamily="18" charset="0"/>
-              </a:rPr>
-              <a:t>plano</a:t>
-            </a:r>
-            <a:endParaRPr lang="en-US" dirty="0">
-              <a:solidFill>
-                <a:srgbClr val="68A797"/>
-              </a:solidFill>
-              <a:latin typeface="Baskerville Old Face" panose="02020602080505020303" pitchFamily="18" charset="0"/>
-            </a:endParaRPr>
-          </a:p>
-        </p:txBody>
-      </p:sp>
-      <p:sp>
-        <p:nvSpPr>
-          <p:cNvPr id="11" name="Rectangle: Rounded Corners 10">
-            <a:extLst>
-              <a:ext uri="{FF2B5EF4-FFF2-40B4-BE49-F238E27FC236}">
-                <a16:creationId xmlns:a16="http://schemas.microsoft.com/office/drawing/2014/main" id="{4E767947-5CF6-41A7-AE35-C22AD34D5075}"/>
-              </a:ext>
-            </a:extLst>
-          </p:cNvPr>
-          <p:cNvSpPr/>
-          <p:nvPr/>
-        </p:nvSpPr>
-        <p:spPr>
-          <a:xfrm>
-            <a:off x="4551680" y="4693920"/>
-            <a:ext cx="2966720" cy="883920"/>
-          </a:xfrm>
-          <a:prstGeom prst="roundRect">
-            <a:avLst/>
-          </a:prstGeom>
-          <a:solidFill>
-            <a:srgbClr val="FF0000"/>
-          </a:solidFill>
-        </p:spPr>
-        <p:style>
-          <a:lnRef idx="2">
-            <a:schemeClr val="accent1">
-              <a:shade val="50000"/>
-            </a:schemeClr>
-          </a:lnRef>
-          <a:fillRef idx="1">
-            <a:schemeClr val="accent1"/>
-          </a:fillRef>
-          <a:effectRef idx="0">
-            <a:schemeClr val="accent1"/>
-          </a:effectRef>
-          <a:fontRef idx="minor">
-            <a:schemeClr val="lt1"/>
-          </a:fontRef>
-        </p:style>
-        <p:txBody>
-          <a:bodyPr rtlCol="0" anchor="ctr"/>
-          <a:lstStyle/>
-          <a:p>
-            <a:pPr algn="ctr"/>
-            <a:r>
-              <a:rPr lang="en-US" dirty="0">
-                <a:latin typeface="Baskerville Old Face" panose="02020602080505020303" pitchFamily="18" charset="0"/>
-              </a:rPr>
-              <a:t>Remover </a:t>
-            </a:r>
-            <a:r>
-              <a:rPr lang="en-US" dirty="0" err="1">
-                <a:latin typeface="Baskerville Old Face" panose="02020602080505020303" pitchFamily="18" charset="0"/>
-              </a:rPr>
-              <a:t>planos</a:t>
-            </a:r>
-            <a:r>
-              <a:rPr lang="en-US" dirty="0">
-                <a:latin typeface="Baskerville Old Face" panose="02020602080505020303" pitchFamily="18" charset="0"/>
-              </a:rPr>
-              <a:t> </a:t>
-            </a:r>
-            <a:r>
-              <a:rPr lang="en-US" dirty="0" err="1">
-                <a:latin typeface="Baskerville Old Face" panose="02020602080505020303" pitchFamily="18" charset="0"/>
-              </a:rPr>
-              <a:t>selecionados</a:t>
-            </a:r>
-            <a:endParaRPr lang="en-US" dirty="0">
-              <a:latin typeface="Baskerville Old Face" panose="02020602080505020303" pitchFamily="18" charset="0"/>
-            </a:endParaRPr>
-          </a:p>
-        </p:txBody>
-      </p:sp>
-    </p:spTree>
-    <p:extLst>
-      <p:ext uri="{BB962C8B-B14F-4D97-AF65-F5344CB8AC3E}">
-        <p14:creationId xmlns:p14="http://schemas.microsoft.com/office/powerpoint/2010/main" val="496325983"/>
       </p:ext>
     </p:extLst>
   </p:cSld>
@@ -27193,7 +28993,7 @@
         </p:nvSpPr>
         <p:spPr>
           <a:xfrm>
-            <a:off x="3339352" y="430290"/>
+            <a:off x="3339352" y="439716"/>
             <a:ext cx="5513294" cy="6005462"/>
           </a:xfrm>
           <a:prstGeom prst="roundRect">
@@ -27265,20 +29065,14 @@
           <a:p>
             <a:pPr algn="ctr"/>
             <a:r>
-              <a:rPr lang="en-US" sz="5400" dirty="0" err="1">
+              <a:rPr lang="en-US" sz="5400" dirty="0">
                 <a:solidFill>
                   <a:schemeClr val="bg1"/>
                 </a:solidFill>
                 <a:latin typeface="Baskerville Old Face" panose="02020602080505020303" pitchFamily="18" charset="0"/>
               </a:rPr>
-              <a:t>Editar</a:t>
+              <a:t>Remover</a:t>
             </a:r>
-            <a:endParaRPr lang="en-US" sz="5400" dirty="0">
-              <a:solidFill>
-                <a:schemeClr val="bg1"/>
-              </a:solidFill>
-              <a:latin typeface="Baskerville Old Face" panose="02020602080505020303" pitchFamily="18" charset="0"/>
-            </a:endParaRPr>
           </a:p>
         </p:txBody>
       </p:sp>
@@ -27367,7 +29161,7 @@
         </p:blipFill>
         <p:spPr>
           <a:xfrm>
-            <a:off x="7352448" y="1496261"/>
+            <a:off x="7352449" y="1496261"/>
             <a:ext cx="608209" cy="531831"/>
           </a:xfrm>
           <a:prstGeom prst="rect">
@@ -27561,19 +29355,251 @@
       </p:cxnSp>
       <p:sp>
         <p:nvSpPr>
-          <p:cNvPr id="8" name="TextBox 7">
-            <a:extLst>
-              <a:ext uri="{FF2B5EF4-FFF2-40B4-BE49-F238E27FC236}">
-                <a16:creationId xmlns:a16="http://schemas.microsoft.com/office/drawing/2014/main" id="{57128052-C721-4C77-B882-2862A5A7994E}"/>
-              </a:ext>
-            </a:extLst>
-          </p:cNvPr>
-          <p:cNvSpPr txBox="1"/>
+          <p:cNvPr id="5" name="Rectangle: Rounded Corners 4">
+            <a:extLst>
+              <a:ext uri="{FF2B5EF4-FFF2-40B4-BE49-F238E27FC236}">
+                <a16:creationId xmlns:a16="http://schemas.microsoft.com/office/drawing/2014/main" id="{672B3D60-248C-4838-86D4-D637A98C52A0}"/>
+              </a:ext>
+            </a:extLst>
+          </p:cNvPr>
+          <p:cNvSpPr/>
           <p:nvPr/>
         </p:nvSpPr>
         <p:spPr>
           <a:xfrm>
-            <a:off x="3898210" y="2454915"/>
+            <a:off x="3959258" y="2519493"/>
+            <a:ext cx="245097" cy="263557"/>
+          </a:xfrm>
+          <a:prstGeom prst="roundRect">
+            <a:avLst/>
+          </a:prstGeom>
+          <a:solidFill>
+            <a:schemeClr val="bg1">
+              <a:lumMod val="85000"/>
+            </a:schemeClr>
+          </a:solidFill>
+          <a:ln>
+            <a:solidFill>
+              <a:schemeClr val="bg1">
+                <a:lumMod val="85000"/>
+              </a:schemeClr>
+            </a:solidFill>
+          </a:ln>
+        </p:spPr>
+        <p:style>
+          <a:lnRef idx="2">
+            <a:schemeClr val="accent1">
+              <a:shade val="50000"/>
+            </a:schemeClr>
+          </a:lnRef>
+          <a:fillRef idx="1">
+            <a:schemeClr val="accent1"/>
+          </a:fillRef>
+          <a:effectRef idx="0">
+            <a:schemeClr val="accent1"/>
+          </a:effectRef>
+          <a:fontRef idx="minor">
+            <a:schemeClr val="lt1"/>
+          </a:fontRef>
+        </p:style>
+        <p:txBody>
+          <a:bodyPr rtlCol="0" anchor="ctr"/>
+          <a:lstStyle/>
+          <a:p>
+            <a:pPr algn="ctr"/>
+            <a:endParaRPr lang="en-US"/>
+          </a:p>
+        </p:txBody>
+      </p:sp>
+      <p:sp>
+        <p:nvSpPr>
+          <p:cNvPr id="27" name="Rectangle: Rounded Corners 26">
+            <a:extLst>
+              <a:ext uri="{FF2B5EF4-FFF2-40B4-BE49-F238E27FC236}">
+                <a16:creationId xmlns:a16="http://schemas.microsoft.com/office/drawing/2014/main" id="{BAAC9EDE-0240-4E4D-A2A2-42F9C1EE0603}"/>
+              </a:ext>
+            </a:extLst>
+          </p:cNvPr>
+          <p:cNvSpPr/>
+          <p:nvPr/>
+        </p:nvSpPr>
+        <p:spPr>
+          <a:xfrm>
+            <a:off x="3959258" y="2963268"/>
+            <a:ext cx="245097" cy="263557"/>
+          </a:xfrm>
+          <a:prstGeom prst="roundRect">
+            <a:avLst/>
+          </a:prstGeom>
+          <a:solidFill>
+            <a:schemeClr val="bg1">
+              <a:lumMod val="85000"/>
+            </a:schemeClr>
+          </a:solidFill>
+          <a:ln>
+            <a:solidFill>
+              <a:schemeClr val="bg1">
+                <a:lumMod val="85000"/>
+              </a:schemeClr>
+            </a:solidFill>
+          </a:ln>
+        </p:spPr>
+        <p:style>
+          <a:lnRef idx="2">
+            <a:schemeClr val="accent1">
+              <a:shade val="50000"/>
+            </a:schemeClr>
+          </a:lnRef>
+          <a:fillRef idx="1">
+            <a:schemeClr val="accent1"/>
+          </a:fillRef>
+          <a:effectRef idx="0">
+            <a:schemeClr val="accent1"/>
+          </a:effectRef>
+          <a:fontRef idx="minor">
+            <a:schemeClr val="lt1"/>
+          </a:fontRef>
+        </p:style>
+        <p:txBody>
+          <a:bodyPr rtlCol="0" anchor="ctr"/>
+          <a:lstStyle/>
+          <a:p>
+            <a:pPr algn="ctr"/>
+            <a:endParaRPr lang="en-US"/>
+          </a:p>
+        </p:txBody>
+      </p:sp>
+      <p:sp>
+        <p:nvSpPr>
+          <p:cNvPr id="28" name="Rectangle: Rounded Corners 27">
+            <a:extLst>
+              <a:ext uri="{FF2B5EF4-FFF2-40B4-BE49-F238E27FC236}">
+                <a16:creationId xmlns:a16="http://schemas.microsoft.com/office/drawing/2014/main" id="{D630042B-5DB3-43EF-A034-48128D5C71AF}"/>
+              </a:ext>
+            </a:extLst>
+          </p:cNvPr>
+          <p:cNvSpPr/>
+          <p:nvPr/>
+        </p:nvSpPr>
+        <p:spPr>
+          <a:xfrm>
+            <a:off x="3959258" y="3416281"/>
+            <a:ext cx="245097" cy="263557"/>
+          </a:xfrm>
+          <a:prstGeom prst="roundRect">
+            <a:avLst/>
+          </a:prstGeom>
+          <a:solidFill>
+            <a:schemeClr val="bg1">
+              <a:lumMod val="85000"/>
+            </a:schemeClr>
+          </a:solidFill>
+          <a:ln>
+            <a:solidFill>
+              <a:schemeClr val="bg1">
+                <a:lumMod val="85000"/>
+              </a:schemeClr>
+            </a:solidFill>
+          </a:ln>
+        </p:spPr>
+        <p:style>
+          <a:lnRef idx="2">
+            <a:schemeClr val="accent1">
+              <a:shade val="50000"/>
+            </a:schemeClr>
+          </a:lnRef>
+          <a:fillRef idx="1">
+            <a:schemeClr val="accent1"/>
+          </a:fillRef>
+          <a:effectRef idx="0">
+            <a:schemeClr val="accent1"/>
+          </a:effectRef>
+          <a:fontRef idx="minor">
+            <a:schemeClr val="lt1"/>
+          </a:fontRef>
+        </p:style>
+        <p:txBody>
+          <a:bodyPr rtlCol="0" anchor="ctr"/>
+          <a:lstStyle/>
+          <a:p>
+            <a:pPr algn="ctr"/>
+            <a:endParaRPr lang="en-US"/>
+          </a:p>
+        </p:txBody>
+      </p:sp>
+      <p:sp>
+        <p:nvSpPr>
+          <p:cNvPr id="29" name="Rectangle: Rounded Corners 28">
+            <a:extLst>
+              <a:ext uri="{FF2B5EF4-FFF2-40B4-BE49-F238E27FC236}">
+                <a16:creationId xmlns:a16="http://schemas.microsoft.com/office/drawing/2014/main" id="{EE41C190-15E2-4863-853F-A4CB6DB79C5C}"/>
+              </a:ext>
+            </a:extLst>
+          </p:cNvPr>
+          <p:cNvSpPr/>
+          <p:nvPr/>
+        </p:nvSpPr>
+        <p:spPr>
+          <a:xfrm>
+            <a:off x="3959257" y="3897115"/>
+            <a:ext cx="245097" cy="263557"/>
+          </a:xfrm>
+          <a:prstGeom prst="roundRect">
+            <a:avLst/>
+          </a:prstGeom>
+          <a:solidFill>
+            <a:schemeClr val="bg1">
+              <a:lumMod val="85000"/>
+            </a:schemeClr>
+          </a:solidFill>
+          <a:ln>
+            <a:solidFill>
+              <a:schemeClr val="bg1">
+                <a:lumMod val="85000"/>
+              </a:schemeClr>
+            </a:solidFill>
+          </a:ln>
+        </p:spPr>
+        <p:style>
+          <a:lnRef idx="2">
+            <a:schemeClr val="accent1">
+              <a:shade val="50000"/>
+            </a:schemeClr>
+          </a:lnRef>
+          <a:fillRef idx="1">
+            <a:schemeClr val="accent1"/>
+          </a:fillRef>
+          <a:effectRef idx="0">
+            <a:schemeClr val="accent1"/>
+          </a:effectRef>
+          <a:fontRef idx="minor">
+            <a:schemeClr val="lt1"/>
+          </a:fontRef>
+        </p:style>
+        <p:txBody>
+          <a:bodyPr rtlCol="0" anchor="ctr"/>
+          <a:lstStyle/>
+          <a:p>
+            <a:pPr algn="ctr"/>
+            <a:endParaRPr lang="en-US"/>
+          </a:p>
+        </p:txBody>
+      </p:sp>
+      <p:sp>
+        <p:nvSpPr>
+          <p:cNvPr id="8" name="TextBox 7">
+            <a:extLst>
+              <a:ext uri="{FF2B5EF4-FFF2-40B4-BE49-F238E27FC236}">
+                <a16:creationId xmlns:a16="http://schemas.microsoft.com/office/drawing/2014/main" id="{57128052-C721-4C77-B882-2862A5A7994E}"/>
+              </a:ext>
+            </a:extLst>
+          </p:cNvPr>
+          <p:cNvSpPr txBox="1"/>
+          <p:nvPr/>
+        </p:nvSpPr>
+        <p:spPr>
+          <a:xfrm>
+            <a:off x="4311211" y="2466605"/>
             <a:ext cx="1891645" cy="369332"/>
           </a:xfrm>
           <a:prstGeom prst="rect">
@@ -27628,7 +29654,7 @@
         </p:nvSpPr>
         <p:spPr>
           <a:xfrm>
-            <a:off x="3898212" y="2899973"/>
+            <a:off x="4287651" y="2910380"/>
             <a:ext cx="1891645" cy="369332"/>
           </a:xfrm>
           <a:prstGeom prst="rect">
@@ -27683,7 +29709,7 @@
         </p:nvSpPr>
         <p:spPr>
           <a:xfrm>
-            <a:off x="3898211" y="3352986"/>
+            <a:off x="4287650" y="3363393"/>
             <a:ext cx="1891645" cy="369332"/>
           </a:xfrm>
           <a:prstGeom prst="rect">
@@ -27738,6 +29764,719 @@
         </p:nvSpPr>
         <p:spPr>
           <a:xfrm>
+            <a:off x="4287649" y="3837973"/>
+            <a:ext cx="1891645" cy="369332"/>
+          </a:xfrm>
+          <a:prstGeom prst="rect">
+            <a:avLst/>
+          </a:prstGeom>
+          <a:noFill/>
+        </p:spPr>
+        <p:txBody>
+          <a:bodyPr wrap="square" rtlCol="0">
+            <a:spAutoFit/>
+          </a:bodyPr>
+          <a:lstStyle/>
+          <a:p>
+            <a:r>
+              <a:rPr lang="en-US" dirty="0">
+                <a:solidFill>
+                  <a:srgbClr val="68A797"/>
+                </a:solidFill>
+                <a:latin typeface="Baskerville Old Face" panose="02020602080505020303" pitchFamily="18" charset="0"/>
+              </a:rPr>
+              <a:t>Nome do </a:t>
+            </a:r>
+            <a:r>
+              <a:rPr lang="en-US" dirty="0" err="1">
+                <a:solidFill>
+                  <a:srgbClr val="68A797"/>
+                </a:solidFill>
+                <a:latin typeface="Baskerville Old Face" panose="02020602080505020303" pitchFamily="18" charset="0"/>
+              </a:rPr>
+              <a:t>plano</a:t>
+            </a:r>
+            <a:endParaRPr lang="en-US" dirty="0">
+              <a:solidFill>
+                <a:srgbClr val="68A797"/>
+              </a:solidFill>
+              <a:latin typeface="Baskerville Old Face" panose="02020602080505020303" pitchFamily="18" charset="0"/>
+            </a:endParaRPr>
+          </a:p>
+        </p:txBody>
+      </p:sp>
+      <p:sp>
+        <p:nvSpPr>
+          <p:cNvPr id="11" name="Rectangle: Rounded Corners 10">
+            <a:extLst>
+              <a:ext uri="{FF2B5EF4-FFF2-40B4-BE49-F238E27FC236}">
+                <a16:creationId xmlns:a16="http://schemas.microsoft.com/office/drawing/2014/main" id="{4E767947-5CF6-41A7-AE35-C22AD34D5075}"/>
+              </a:ext>
+            </a:extLst>
+          </p:cNvPr>
+          <p:cNvSpPr/>
+          <p:nvPr/>
+        </p:nvSpPr>
+        <p:spPr>
+          <a:xfrm>
+            <a:off x="4551680" y="4693920"/>
+            <a:ext cx="2966720" cy="883920"/>
+          </a:xfrm>
+          <a:prstGeom prst="roundRect">
+            <a:avLst/>
+          </a:prstGeom>
+          <a:solidFill>
+            <a:srgbClr val="FF0000"/>
+          </a:solidFill>
+        </p:spPr>
+        <p:style>
+          <a:lnRef idx="2">
+            <a:schemeClr val="accent1">
+              <a:shade val="50000"/>
+            </a:schemeClr>
+          </a:lnRef>
+          <a:fillRef idx="1">
+            <a:schemeClr val="accent1"/>
+          </a:fillRef>
+          <a:effectRef idx="0">
+            <a:schemeClr val="accent1"/>
+          </a:effectRef>
+          <a:fontRef idx="minor">
+            <a:schemeClr val="lt1"/>
+          </a:fontRef>
+        </p:style>
+        <p:txBody>
+          <a:bodyPr rtlCol="0" anchor="ctr"/>
+          <a:lstStyle/>
+          <a:p>
+            <a:pPr algn="ctr"/>
+            <a:r>
+              <a:rPr lang="en-US" dirty="0">
+                <a:latin typeface="Baskerville Old Face" panose="02020602080505020303" pitchFamily="18" charset="0"/>
+              </a:rPr>
+              <a:t>Remover </a:t>
+            </a:r>
+            <a:r>
+              <a:rPr lang="en-US" dirty="0" err="1">
+                <a:latin typeface="Baskerville Old Face" panose="02020602080505020303" pitchFamily="18" charset="0"/>
+              </a:rPr>
+              <a:t>planos</a:t>
+            </a:r>
+            <a:r>
+              <a:rPr lang="en-US" dirty="0">
+                <a:latin typeface="Baskerville Old Face" panose="02020602080505020303" pitchFamily="18" charset="0"/>
+              </a:rPr>
+              <a:t> </a:t>
+            </a:r>
+            <a:r>
+              <a:rPr lang="en-US" dirty="0" err="1">
+                <a:latin typeface="Baskerville Old Face" panose="02020602080505020303" pitchFamily="18" charset="0"/>
+              </a:rPr>
+              <a:t>selecionados</a:t>
+            </a:r>
+            <a:endParaRPr lang="en-US" dirty="0">
+              <a:latin typeface="Baskerville Old Face" panose="02020602080505020303" pitchFamily="18" charset="0"/>
+            </a:endParaRPr>
+          </a:p>
+        </p:txBody>
+      </p:sp>
+    </p:spTree>
+    <p:extLst>
+      <p:ext uri="{BB962C8B-B14F-4D97-AF65-F5344CB8AC3E}">
+        <p14:creationId xmlns:p14="http://schemas.microsoft.com/office/powerpoint/2010/main" val="496325983"/>
+      </p:ext>
+    </p:extLst>
+  </p:cSld>
+  <p:clrMapOvr>
+    <a:masterClrMapping/>
+  </p:clrMapOvr>
+</p:sld>
+</file>
+
+<file path=ppt/slides/slide21.xml><?xml version="1.0" encoding="utf-8"?>
+<p:sld xmlns:a="http://schemas.openxmlformats.org/drawingml/2006/main" xmlns:r="http://schemas.openxmlformats.org/officeDocument/2006/relationships" xmlns:p="http://schemas.openxmlformats.org/presentationml/2006/main">
+  <p:cSld>
+    <p:bg>
+      <p:bgPr>
+        <a:solidFill>
+          <a:srgbClr val="ECF3F1"/>
+        </a:solidFill>
+        <a:effectLst/>
+      </p:bgPr>
+    </p:bg>
+    <p:spTree>
+      <p:nvGrpSpPr>
+        <p:cNvPr id="1" name=""/>
+        <p:cNvGrpSpPr/>
+        <p:nvPr/>
+      </p:nvGrpSpPr>
+      <p:grpSpPr>
+        <a:xfrm>
+          <a:off x="0" y="0"/>
+          <a:ext cx="0" cy="0"/>
+          <a:chOff x="0" y="0"/>
+          <a:chExt cx="0" cy="0"/>
+        </a:xfrm>
+      </p:grpSpPr>
+      <p:sp>
+        <p:nvSpPr>
+          <p:cNvPr id="68" name="Rectangle: Rounded Corners 67">
+            <a:extLst>
+              <a:ext uri="{FF2B5EF4-FFF2-40B4-BE49-F238E27FC236}">
+                <a16:creationId xmlns:a16="http://schemas.microsoft.com/office/drawing/2014/main" id="{AA915204-18FA-4B8F-AEB4-96D0373A80C8}"/>
+              </a:ext>
+            </a:extLst>
+          </p:cNvPr>
+          <p:cNvSpPr/>
+          <p:nvPr/>
+        </p:nvSpPr>
+        <p:spPr>
+          <a:xfrm>
+            <a:off x="3339352" y="430290"/>
+            <a:ext cx="5513294" cy="6005462"/>
+          </a:xfrm>
+          <a:prstGeom prst="roundRect">
+            <a:avLst>
+              <a:gd name="adj" fmla="val 4033"/>
+            </a:avLst>
+          </a:prstGeom>
+          <a:solidFill>
+            <a:srgbClr val="505F75"/>
+          </a:solidFill>
+          <a:ln>
+            <a:solidFill>
+              <a:srgbClr val="68A797"/>
+            </a:solidFill>
+          </a:ln>
+        </p:spPr>
+        <p:style>
+          <a:lnRef idx="2">
+            <a:schemeClr val="accent1">
+              <a:shade val="50000"/>
+            </a:schemeClr>
+          </a:lnRef>
+          <a:fillRef idx="1">
+            <a:schemeClr val="accent1"/>
+          </a:fillRef>
+          <a:effectRef idx="0">
+            <a:schemeClr val="accent1"/>
+          </a:effectRef>
+          <a:fontRef idx="minor">
+            <a:schemeClr val="lt1"/>
+          </a:fontRef>
+        </p:style>
+        <p:txBody>
+          <a:bodyPr rtlCol="0" anchor="ctr"/>
+          <a:lstStyle/>
+          <a:p>
+            <a:pPr algn="ctr"/>
+            <a:endParaRPr lang="en-US"/>
+          </a:p>
+        </p:txBody>
+      </p:sp>
+      <p:sp>
+        <p:nvSpPr>
+          <p:cNvPr id="69" name="TextBox 68">
+            <a:extLst>
+              <a:ext uri="{FF2B5EF4-FFF2-40B4-BE49-F238E27FC236}">
+                <a16:creationId xmlns:a16="http://schemas.microsoft.com/office/drawing/2014/main" id="{609CDA2A-D47E-4DBC-93A5-BEEBBE34C5D1}"/>
+              </a:ext>
+            </a:extLst>
+          </p:cNvPr>
+          <p:cNvSpPr txBox="1"/>
+          <p:nvPr/>
+        </p:nvSpPr>
+        <p:spPr>
+          <a:xfrm>
+            <a:off x="3684563" y="439716"/>
+            <a:ext cx="4822873" cy="923330"/>
+          </a:xfrm>
+          <a:prstGeom prst="rect">
+            <a:avLst/>
+          </a:prstGeom>
+          <a:noFill/>
+        </p:spPr>
+        <p:txBody>
+          <a:bodyPr wrap="square" rtlCol="0">
+            <a:spAutoFit/>
+          </a:bodyPr>
+          <a:lstStyle/>
+          <a:p>
+            <a:pPr algn="ctr"/>
+            <a:r>
+              <a:rPr lang="en-US" sz="5400" dirty="0" err="1">
+                <a:solidFill>
+                  <a:schemeClr val="bg1"/>
+                </a:solidFill>
+                <a:latin typeface="Baskerville Old Face" panose="02020602080505020303" pitchFamily="18" charset="0"/>
+              </a:rPr>
+              <a:t>Editar</a:t>
+            </a:r>
+            <a:endParaRPr lang="en-US" sz="5400" dirty="0">
+              <a:solidFill>
+                <a:schemeClr val="bg1"/>
+              </a:solidFill>
+              <a:latin typeface="Baskerville Old Face" panose="02020602080505020303" pitchFamily="18" charset="0"/>
+            </a:endParaRPr>
+          </a:p>
+        </p:txBody>
+      </p:sp>
+      <p:sp>
+        <p:nvSpPr>
+          <p:cNvPr id="18" name="Rectangle: Rounded Corners 17">
+            <a:extLst>
+              <a:ext uri="{FF2B5EF4-FFF2-40B4-BE49-F238E27FC236}">
+                <a16:creationId xmlns:a16="http://schemas.microsoft.com/office/drawing/2014/main" id="{05EA8F7A-9D49-4BA5-AD4E-0717BB4737FE}"/>
+              </a:ext>
+            </a:extLst>
+          </p:cNvPr>
+          <p:cNvSpPr/>
+          <p:nvPr/>
+        </p:nvSpPr>
+        <p:spPr>
+          <a:xfrm>
+            <a:off x="3852402" y="1363046"/>
+            <a:ext cx="4301836" cy="798263"/>
+          </a:xfrm>
+          <a:prstGeom prst="roundRect">
+            <a:avLst/>
+          </a:prstGeom>
+          <a:solidFill>
+            <a:srgbClr val="76BFAC"/>
+          </a:solidFill>
+          <a:ln>
+            <a:solidFill>
+              <a:srgbClr val="505F75"/>
+            </a:solidFill>
+          </a:ln>
+        </p:spPr>
+        <p:style>
+          <a:lnRef idx="2">
+            <a:schemeClr val="accent1">
+              <a:shade val="50000"/>
+            </a:schemeClr>
+          </a:lnRef>
+          <a:fillRef idx="1">
+            <a:schemeClr val="accent1"/>
+          </a:fillRef>
+          <a:effectRef idx="0">
+            <a:schemeClr val="accent1"/>
+          </a:effectRef>
+          <a:fontRef idx="minor">
+            <a:schemeClr val="lt1"/>
+          </a:fontRef>
+        </p:style>
+        <p:txBody>
+          <a:bodyPr rtlCol="0" anchor="ctr"/>
+          <a:lstStyle/>
+          <a:p>
+            <a:pPr algn="ctr"/>
+            <a:endParaRPr lang="en-US"/>
+          </a:p>
+        </p:txBody>
+      </p:sp>
+      <p:pic>
+        <p:nvPicPr>
+          <p:cNvPr id="19" name="Graphic 18" descr="Magnifying glass">
+            <a:extLst>
+              <a:ext uri="{FF2B5EF4-FFF2-40B4-BE49-F238E27FC236}">
+                <a16:creationId xmlns:a16="http://schemas.microsoft.com/office/drawing/2014/main" id="{AE97502F-C8F7-4968-AA7C-5CC7C43CD0C0}"/>
+              </a:ext>
+            </a:extLst>
+          </p:cNvPr>
+          <p:cNvPicPr>
+            <a:picLocks noChangeAspect="1"/>
+          </p:cNvPicPr>
+          <p:nvPr/>
+        </p:nvPicPr>
+        <p:blipFill>
+          <a:blip r:embed="rId2">
+            <a:extLst>
+              <a:ext uri="{28A0092B-C50C-407E-A947-70E740481C1C}">
+                <a14:useLocalDpi xmlns:a14="http://schemas.microsoft.com/office/drawing/2010/main" val="0"/>
+              </a:ext>
+              <a:ext uri="{96DAC541-7B7A-43D3-8B79-37D633B846F1}">
+                <asvg:svgBlip xmlns:asvg="http://schemas.microsoft.com/office/drawing/2016/SVG/main" r:embed="rId3"/>
+              </a:ext>
+            </a:extLst>
+          </a:blip>
+          <a:stretch>
+            <a:fillRect/>
+          </a:stretch>
+        </p:blipFill>
+        <p:spPr>
+          <a:xfrm>
+            <a:off x="7352448" y="1496261"/>
+            <a:ext cx="608209" cy="531831"/>
+          </a:xfrm>
+          <a:prstGeom prst="rect">
+            <a:avLst/>
+          </a:prstGeom>
+        </p:spPr>
+      </p:pic>
+      <p:sp>
+        <p:nvSpPr>
+          <p:cNvPr id="2" name="Rectangle 1">
+            <a:extLst>
+              <a:ext uri="{FF2B5EF4-FFF2-40B4-BE49-F238E27FC236}">
+                <a16:creationId xmlns:a16="http://schemas.microsoft.com/office/drawing/2014/main" id="{1E37ED2C-782F-401D-8106-475A6867022D}"/>
+              </a:ext>
+            </a:extLst>
+          </p:cNvPr>
+          <p:cNvSpPr/>
+          <p:nvPr/>
+        </p:nvSpPr>
+        <p:spPr>
+          <a:xfrm>
+            <a:off x="3852402" y="2394408"/>
+            <a:ext cx="4301836" cy="1801074"/>
+          </a:xfrm>
+          <a:prstGeom prst="rect">
+            <a:avLst/>
+          </a:prstGeom>
+          <a:solidFill>
+            <a:schemeClr val="bg1"/>
+          </a:solidFill>
+        </p:spPr>
+        <p:style>
+          <a:lnRef idx="2">
+            <a:schemeClr val="accent1">
+              <a:shade val="50000"/>
+            </a:schemeClr>
+          </a:lnRef>
+          <a:fillRef idx="1">
+            <a:schemeClr val="accent1"/>
+          </a:fillRef>
+          <a:effectRef idx="0">
+            <a:schemeClr val="accent1"/>
+          </a:effectRef>
+          <a:fontRef idx="minor">
+            <a:schemeClr val="lt1"/>
+          </a:fontRef>
+        </p:style>
+        <p:txBody>
+          <a:bodyPr rtlCol="0" anchor="ctr"/>
+          <a:lstStyle/>
+          <a:p>
+            <a:pPr algn="ctr"/>
+            <a:endParaRPr lang="en-US" dirty="0"/>
+          </a:p>
+        </p:txBody>
+      </p:sp>
+      <p:cxnSp>
+        <p:nvCxnSpPr>
+          <p:cNvPr id="21" name="Straight Connector 20">
+            <a:extLst>
+              <a:ext uri="{FF2B5EF4-FFF2-40B4-BE49-F238E27FC236}">
+                <a16:creationId xmlns:a16="http://schemas.microsoft.com/office/drawing/2014/main" id="{16D8F171-F2BB-48D3-885B-10CF3F22BAE3}"/>
+              </a:ext>
+            </a:extLst>
+          </p:cNvPr>
+          <p:cNvCxnSpPr>
+            <a:cxnSpLocks/>
+          </p:cNvCxnSpPr>
+          <p:nvPr/>
+        </p:nvCxnSpPr>
+        <p:spPr>
+          <a:xfrm>
+            <a:off x="3852402" y="2868633"/>
+            <a:ext cx="4301836" cy="0"/>
+          </a:xfrm>
+          <a:prstGeom prst="line">
+            <a:avLst/>
+          </a:prstGeom>
+          <a:ln w="12700">
+            <a:solidFill>
+              <a:schemeClr val="bg2">
+                <a:lumMod val="75000"/>
+              </a:schemeClr>
+            </a:solidFill>
+          </a:ln>
+        </p:spPr>
+        <p:style>
+          <a:lnRef idx="1">
+            <a:schemeClr val="accent1"/>
+          </a:lnRef>
+          <a:fillRef idx="0">
+            <a:schemeClr val="accent1"/>
+          </a:fillRef>
+          <a:effectRef idx="0">
+            <a:schemeClr val="accent1"/>
+          </a:effectRef>
+          <a:fontRef idx="minor">
+            <a:schemeClr val="tx1"/>
+          </a:fontRef>
+        </p:style>
+      </p:cxnSp>
+      <p:cxnSp>
+        <p:nvCxnSpPr>
+          <p:cNvPr id="24" name="Straight Connector 23">
+            <a:extLst>
+              <a:ext uri="{FF2B5EF4-FFF2-40B4-BE49-F238E27FC236}">
+                <a16:creationId xmlns:a16="http://schemas.microsoft.com/office/drawing/2014/main" id="{C9454AE1-F8EC-4896-966E-F059A6C4262A}"/>
+              </a:ext>
+            </a:extLst>
+          </p:cNvPr>
+          <p:cNvCxnSpPr>
+            <a:cxnSpLocks/>
+          </p:cNvCxnSpPr>
+          <p:nvPr/>
+        </p:nvCxnSpPr>
+        <p:spPr>
+          <a:xfrm>
+            <a:off x="3852402" y="3303357"/>
+            <a:ext cx="4301836" cy="0"/>
+          </a:xfrm>
+          <a:prstGeom prst="line">
+            <a:avLst/>
+          </a:prstGeom>
+          <a:ln w="12700">
+            <a:solidFill>
+              <a:schemeClr val="bg2">
+                <a:lumMod val="75000"/>
+              </a:schemeClr>
+            </a:solidFill>
+          </a:ln>
+        </p:spPr>
+        <p:style>
+          <a:lnRef idx="1">
+            <a:schemeClr val="accent1"/>
+          </a:lnRef>
+          <a:fillRef idx="0">
+            <a:schemeClr val="accent1"/>
+          </a:fillRef>
+          <a:effectRef idx="0">
+            <a:schemeClr val="accent1"/>
+          </a:effectRef>
+          <a:fontRef idx="minor">
+            <a:schemeClr val="tx1"/>
+          </a:fontRef>
+        </p:style>
+      </p:cxnSp>
+      <p:cxnSp>
+        <p:nvCxnSpPr>
+          <p:cNvPr id="25" name="Straight Connector 24">
+            <a:extLst>
+              <a:ext uri="{FF2B5EF4-FFF2-40B4-BE49-F238E27FC236}">
+                <a16:creationId xmlns:a16="http://schemas.microsoft.com/office/drawing/2014/main" id="{256ADB4E-400F-4DCD-BD8F-D505554EE499}"/>
+              </a:ext>
+            </a:extLst>
+          </p:cNvPr>
+          <p:cNvCxnSpPr>
+            <a:cxnSpLocks/>
+          </p:cNvCxnSpPr>
+          <p:nvPr/>
+        </p:nvCxnSpPr>
+        <p:spPr>
+          <a:xfrm>
+            <a:off x="3852402" y="3788476"/>
+            <a:ext cx="4301836" cy="0"/>
+          </a:xfrm>
+          <a:prstGeom prst="line">
+            <a:avLst/>
+          </a:prstGeom>
+          <a:ln w="12700">
+            <a:solidFill>
+              <a:schemeClr val="bg2">
+                <a:lumMod val="75000"/>
+              </a:schemeClr>
+            </a:solidFill>
+          </a:ln>
+        </p:spPr>
+        <p:style>
+          <a:lnRef idx="1">
+            <a:schemeClr val="accent1"/>
+          </a:lnRef>
+          <a:fillRef idx="0">
+            <a:schemeClr val="accent1"/>
+          </a:fillRef>
+          <a:effectRef idx="0">
+            <a:schemeClr val="accent1"/>
+          </a:effectRef>
+          <a:fontRef idx="minor">
+            <a:schemeClr val="tx1"/>
+          </a:fontRef>
+        </p:style>
+      </p:cxnSp>
+      <p:sp>
+        <p:nvSpPr>
+          <p:cNvPr id="8" name="TextBox 7">
+            <a:extLst>
+              <a:ext uri="{FF2B5EF4-FFF2-40B4-BE49-F238E27FC236}">
+                <a16:creationId xmlns:a16="http://schemas.microsoft.com/office/drawing/2014/main" id="{57128052-C721-4C77-B882-2862A5A7994E}"/>
+              </a:ext>
+            </a:extLst>
+          </p:cNvPr>
+          <p:cNvSpPr txBox="1"/>
+          <p:nvPr/>
+        </p:nvSpPr>
+        <p:spPr>
+          <a:xfrm>
+            <a:off x="3898210" y="2454915"/>
+            <a:ext cx="1891645" cy="369332"/>
+          </a:xfrm>
+          <a:prstGeom prst="rect">
+            <a:avLst/>
+          </a:prstGeom>
+          <a:noFill/>
+        </p:spPr>
+        <p:txBody>
+          <a:bodyPr wrap="square" rtlCol="0">
+            <a:spAutoFit/>
+          </a:bodyPr>
+          <a:lstStyle/>
+          <a:p>
+            <a:r>
+              <a:rPr lang="en-US" dirty="0">
+                <a:solidFill>
+                  <a:srgbClr val="68A797"/>
+                </a:solidFill>
+                <a:latin typeface="Baskerville Old Face" panose="02020602080505020303" pitchFamily="18" charset="0"/>
+              </a:rPr>
+              <a:t>Nome do </a:t>
+            </a:r>
+            <a:r>
+              <a:rPr lang="en-US" dirty="0" err="1">
+                <a:solidFill>
+                  <a:srgbClr val="68A797"/>
+                </a:solidFill>
+                <a:latin typeface="Baskerville Old Face" panose="02020602080505020303" pitchFamily="18" charset="0"/>
+              </a:rPr>
+              <a:t>plano</a:t>
+            </a:r>
+            <a:endParaRPr lang="en-US" dirty="0">
+              <a:solidFill>
+                <a:srgbClr val="68A797"/>
+              </a:solidFill>
+              <a:latin typeface="Baskerville Old Face" panose="02020602080505020303" pitchFamily="18" charset="0"/>
+            </a:endParaRPr>
+          </a:p>
+        </p:txBody>
+      </p:sp>
+      <p:sp>
+        <p:nvSpPr>
+          <p:cNvPr id="31" name="TextBox 30">
+            <a:extLst>
+              <a:ext uri="{FF2B5EF4-FFF2-40B4-BE49-F238E27FC236}">
+                <a16:creationId xmlns:a16="http://schemas.microsoft.com/office/drawing/2014/main" id="{7AD979B2-B774-47F3-8F75-6437E8CDD861}"/>
+              </a:ext>
+            </a:extLst>
+          </p:cNvPr>
+          <p:cNvSpPr txBox="1"/>
+          <p:nvPr/>
+        </p:nvSpPr>
+        <p:spPr>
+          <a:xfrm>
+            <a:off x="3898212" y="2899973"/>
+            <a:ext cx="1891645" cy="369332"/>
+          </a:xfrm>
+          <a:prstGeom prst="rect">
+            <a:avLst/>
+          </a:prstGeom>
+          <a:noFill/>
+        </p:spPr>
+        <p:txBody>
+          <a:bodyPr wrap="square" rtlCol="0">
+            <a:spAutoFit/>
+          </a:bodyPr>
+          <a:lstStyle/>
+          <a:p>
+            <a:r>
+              <a:rPr lang="en-US" dirty="0">
+                <a:solidFill>
+                  <a:srgbClr val="68A797"/>
+                </a:solidFill>
+                <a:latin typeface="Baskerville Old Face" panose="02020602080505020303" pitchFamily="18" charset="0"/>
+              </a:rPr>
+              <a:t>Nome do </a:t>
+            </a:r>
+            <a:r>
+              <a:rPr lang="en-US" dirty="0" err="1">
+                <a:solidFill>
+                  <a:srgbClr val="68A797"/>
+                </a:solidFill>
+                <a:latin typeface="Baskerville Old Face" panose="02020602080505020303" pitchFamily="18" charset="0"/>
+              </a:rPr>
+              <a:t>plano</a:t>
+            </a:r>
+            <a:endParaRPr lang="en-US" dirty="0">
+              <a:solidFill>
+                <a:srgbClr val="68A797"/>
+              </a:solidFill>
+              <a:latin typeface="Baskerville Old Face" panose="02020602080505020303" pitchFamily="18" charset="0"/>
+            </a:endParaRPr>
+          </a:p>
+        </p:txBody>
+      </p:sp>
+      <p:sp>
+        <p:nvSpPr>
+          <p:cNvPr id="33" name="TextBox 32">
+            <a:extLst>
+              <a:ext uri="{FF2B5EF4-FFF2-40B4-BE49-F238E27FC236}">
+                <a16:creationId xmlns:a16="http://schemas.microsoft.com/office/drawing/2014/main" id="{3CE816F2-A321-42C4-8123-6BD728B95B90}"/>
+              </a:ext>
+            </a:extLst>
+          </p:cNvPr>
+          <p:cNvSpPr txBox="1"/>
+          <p:nvPr/>
+        </p:nvSpPr>
+        <p:spPr>
+          <a:xfrm>
+            <a:off x="3898211" y="3352986"/>
+            <a:ext cx="1891645" cy="369332"/>
+          </a:xfrm>
+          <a:prstGeom prst="rect">
+            <a:avLst/>
+          </a:prstGeom>
+          <a:noFill/>
+        </p:spPr>
+        <p:txBody>
+          <a:bodyPr wrap="square" rtlCol="0">
+            <a:spAutoFit/>
+          </a:bodyPr>
+          <a:lstStyle/>
+          <a:p>
+            <a:r>
+              <a:rPr lang="en-US" dirty="0">
+                <a:solidFill>
+                  <a:srgbClr val="68A797"/>
+                </a:solidFill>
+                <a:latin typeface="Baskerville Old Face" panose="02020602080505020303" pitchFamily="18" charset="0"/>
+              </a:rPr>
+              <a:t>Nome do </a:t>
+            </a:r>
+            <a:r>
+              <a:rPr lang="en-US" dirty="0" err="1">
+                <a:solidFill>
+                  <a:srgbClr val="68A797"/>
+                </a:solidFill>
+                <a:latin typeface="Baskerville Old Face" panose="02020602080505020303" pitchFamily="18" charset="0"/>
+              </a:rPr>
+              <a:t>plano</a:t>
+            </a:r>
+            <a:endParaRPr lang="en-US" dirty="0">
+              <a:solidFill>
+                <a:srgbClr val="68A797"/>
+              </a:solidFill>
+              <a:latin typeface="Baskerville Old Face" panose="02020602080505020303" pitchFamily="18" charset="0"/>
+            </a:endParaRPr>
+          </a:p>
+        </p:txBody>
+      </p:sp>
+      <p:sp>
+        <p:nvSpPr>
+          <p:cNvPr id="34" name="TextBox 33">
+            <a:extLst>
+              <a:ext uri="{FF2B5EF4-FFF2-40B4-BE49-F238E27FC236}">
+                <a16:creationId xmlns:a16="http://schemas.microsoft.com/office/drawing/2014/main" id="{1C7259D0-FF18-4546-8706-32381B560591}"/>
+              </a:ext>
+            </a:extLst>
+          </p:cNvPr>
+          <p:cNvSpPr txBox="1"/>
+          <p:nvPr/>
+        </p:nvSpPr>
+        <p:spPr>
+          <a:xfrm>
             <a:off x="3898210" y="3827566"/>
             <a:ext cx="1891645" cy="369332"/>
           </a:xfrm>
@@ -28601,2745 +31340,6 @@
     <p:extLst>
       <p:ext uri="{BB962C8B-B14F-4D97-AF65-F5344CB8AC3E}">
         <p14:creationId xmlns:p14="http://schemas.microsoft.com/office/powerpoint/2010/main" val="4275814597"/>
-      </p:ext>
-    </p:extLst>
-  </p:cSld>
-  <p:clrMapOvr>
-    <a:masterClrMapping/>
-  </p:clrMapOvr>
-</p:sld>
-</file>
-
-<file path=ppt/slides/slide21.xml><?xml version="1.0" encoding="utf-8"?>
-<p:sld xmlns:a="http://schemas.openxmlformats.org/drawingml/2006/main" xmlns:r="http://schemas.openxmlformats.org/officeDocument/2006/relationships" xmlns:p="http://schemas.openxmlformats.org/presentationml/2006/main">
-  <p:cSld>
-    <p:bg>
-      <p:bgPr>
-        <a:solidFill>
-          <a:srgbClr val="ECF3F1"/>
-        </a:solidFill>
-        <a:effectLst/>
-      </p:bgPr>
-    </p:bg>
-    <p:spTree>
-      <p:nvGrpSpPr>
-        <p:cNvPr id="1" name=""/>
-        <p:cNvGrpSpPr/>
-        <p:nvPr/>
-      </p:nvGrpSpPr>
-      <p:grpSpPr>
-        <a:xfrm>
-          <a:off x="0" y="0"/>
-          <a:ext cx="0" cy="0"/>
-          <a:chOff x="0" y="0"/>
-          <a:chExt cx="0" cy="0"/>
-        </a:xfrm>
-      </p:grpSpPr>
-      <p:sp>
-        <p:nvSpPr>
-          <p:cNvPr id="75" name="Rectangle: Rounded Corners 74">
-            <a:extLst>
-              <a:ext uri="{FF2B5EF4-FFF2-40B4-BE49-F238E27FC236}">
-                <a16:creationId xmlns:a16="http://schemas.microsoft.com/office/drawing/2014/main" id="{1C01721B-A59A-4305-8FBC-0A4ABCD73975}"/>
-              </a:ext>
-            </a:extLst>
-          </p:cNvPr>
-          <p:cNvSpPr/>
-          <p:nvPr/>
-        </p:nvSpPr>
-        <p:spPr>
-          <a:xfrm>
-            <a:off x="6798295" y="1437933"/>
-            <a:ext cx="3643239" cy="5321085"/>
-          </a:xfrm>
-          <a:prstGeom prst="roundRect">
-            <a:avLst>
-              <a:gd name="adj" fmla="val 8128"/>
-            </a:avLst>
-          </a:prstGeom>
-          <a:solidFill>
-            <a:srgbClr val="76BFAC"/>
-          </a:solidFill>
-          <a:ln>
-            <a:solidFill>
-              <a:srgbClr val="76BFAC"/>
-            </a:solidFill>
-          </a:ln>
-        </p:spPr>
-        <p:style>
-          <a:lnRef idx="2">
-            <a:schemeClr val="accent1">
-              <a:shade val="50000"/>
-            </a:schemeClr>
-          </a:lnRef>
-          <a:fillRef idx="1">
-            <a:schemeClr val="accent1"/>
-          </a:fillRef>
-          <a:effectRef idx="0">
-            <a:schemeClr val="accent1"/>
-          </a:effectRef>
-          <a:fontRef idx="minor">
-            <a:schemeClr val="lt1"/>
-          </a:fontRef>
-        </p:style>
-        <p:txBody>
-          <a:bodyPr rtlCol="0" anchor="ctr"/>
-          <a:lstStyle/>
-          <a:p>
-            <a:pPr algn="ctr"/>
-            <a:endParaRPr lang="en-US"/>
-          </a:p>
-        </p:txBody>
-      </p:sp>
-      <p:sp>
-        <p:nvSpPr>
-          <p:cNvPr id="11" name="Rectangle: Rounded Corners 10">
-            <a:extLst>
-              <a:ext uri="{FF2B5EF4-FFF2-40B4-BE49-F238E27FC236}">
-                <a16:creationId xmlns:a16="http://schemas.microsoft.com/office/drawing/2014/main" id="{D210B49F-F620-4A84-96AC-0E22664FB91F}"/>
-              </a:ext>
-            </a:extLst>
-          </p:cNvPr>
-          <p:cNvSpPr/>
-          <p:nvPr/>
-        </p:nvSpPr>
-        <p:spPr>
-          <a:xfrm>
-            <a:off x="2948917" y="1437934"/>
-            <a:ext cx="3643239" cy="5321085"/>
-          </a:xfrm>
-          <a:prstGeom prst="roundRect">
-            <a:avLst>
-              <a:gd name="adj" fmla="val 8128"/>
-            </a:avLst>
-          </a:prstGeom>
-          <a:solidFill>
-            <a:srgbClr val="76BFAC"/>
-          </a:solidFill>
-          <a:ln>
-            <a:solidFill>
-              <a:srgbClr val="76BFAC"/>
-            </a:solidFill>
-          </a:ln>
-        </p:spPr>
-        <p:style>
-          <a:lnRef idx="2">
-            <a:schemeClr val="accent1">
-              <a:shade val="50000"/>
-            </a:schemeClr>
-          </a:lnRef>
-          <a:fillRef idx="1">
-            <a:schemeClr val="accent1"/>
-          </a:fillRef>
-          <a:effectRef idx="0">
-            <a:schemeClr val="accent1"/>
-          </a:effectRef>
-          <a:fontRef idx="minor">
-            <a:schemeClr val="lt1"/>
-          </a:fontRef>
-        </p:style>
-        <p:txBody>
-          <a:bodyPr rtlCol="0" anchor="ctr"/>
-          <a:lstStyle/>
-          <a:p>
-            <a:pPr algn="ctr"/>
-            <a:endParaRPr lang="en-US"/>
-          </a:p>
-        </p:txBody>
-      </p:sp>
-      <p:sp>
-        <p:nvSpPr>
-          <p:cNvPr id="2" name="Rectangle 1">
-            <a:extLst>
-              <a:ext uri="{FF2B5EF4-FFF2-40B4-BE49-F238E27FC236}">
-                <a16:creationId xmlns:a16="http://schemas.microsoft.com/office/drawing/2014/main" id="{64177BDF-BF60-4800-A5C9-0E685ECEF12A}"/>
-              </a:ext>
-            </a:extLst>
-          </p:cNvPr>
-          <p:cNvSpPr/>
-          <p:nvPr/>
-        </p:nvSpPr>
-        <p:spPr>
-          <a:xfrm>
-            <a:off x="0" y="0"/>
-            <a:ext cx="12192000" cy="659876"/>
-          </a:xfrm>
-          <a:prstGeom prst="rect">
-            <a:avLst/>
-          </a:prstGeom>
-          <a:solidFill>
-            <a:srgbClr val="76BFAC"/>
-          </a:solidFill>
-          <a:ln>
-            <a:solidFill>
-              <a:srgbClr val="76BFAC"/>
-            </a:solidFill>
-          </a:ln>
-        </p:spPr>
-        <p:style>
-          <a:lnRef idx="2">
-            <a:schemeClr val="accent1">
-              <a:shade val="50000"/>
-            </a:schemeClr>
-          </a:lnRef>
-          <a:fillRef idx="1">
-            <a:schemeClr val="accent1"/>
-          </a:fillRef>
-          <a:effectRef idx="0">
-            <a:schemeClr val="accent1"/>
-          </a:effectRef>
-          <a:fontRef idx="minor">
-            <a:schemeClr val="lt1"/>
-          </a:fontRef>
-        </p:style>
-        <p:txBody>
-          <a:bodyPr rtlCol="0" anchor="ctr"/>
-          <a:lstStyle/>
-          <a:p>
-            <a:pPr algn="ctr"/>
-            <a:endParaRPr lang="en-US"/>
-          </a:p>
-        </p:txBody>
-      </p:sp>
-      <p:grpSp>
-        <p:nvGrpSpPr>
-          <p:cNvPr id="14" name="Group 13">
-            <a:extLst>
-              <a:ext uri="{FF2B5EF4-FFF2-40B4-BE49-F238E27FC236}">
-                <a16:creationId xmlns:a16="http://schemas.microsoft.com/office/drawing/2014/main" id="{370F5A5E-DD61-4F1B-B31F-D48E97527DAF}"/>
-              </a:ext>
-            </a:extLst>
-          </p:cNvPr>
-          <p:cNvGrpSpPr/>
-          <p:nvPr/>
-        </p:nvGrpSpPr>
-        <p:grpSpPr>
-          <a:xfrm>
-            <a:off x="11517818" y="82164"/>
-            <a:ext cx="509048" cy="495548"/>
-            <a:chOff x="10916239" y="1366887"/>
-            <a:chExt cx="509048" cy="495548"/>
-          </a:xfrm>
-        </p:grpSpPr>
-        <p:sp>
-          <p:nvSpPr>
-            <p:cNvPr id="13" name="Oval 12">
-              <a:extLst>
-                <a:ext uri="{FF2B5EF4-FFF2-40B4-BE49-F238E27FC236}">
-                  <a16:creationId xmlns:a16="http://schemas.microsoft.com/office/drawing/2014/main" id="{0A1A32BA-8986-4790-A542-C30EFBDEA3FF}"/>
-                </a:ext>
-              </a:extLst>
-            </p:cNvPr>
-            <p:cNvSpPr/>
-            <p:nvPr/>
-          </p:nvSpPr>
-          <p:spPr>
-            <a:xfrm>
-              <a:off x="10916239" y="1366887"/>
-              <a:ext cx="509048" cy="495548"/>
-            </a:xfrm>
-            <a:prstGeom prst="ellipse">
-              <a:avLst/>
-            </a:prstGeom>
-            <a:solidFill>
-              <a:schemeClr val="bg1">
-                <a:lumMod val="85000"/>
-              </a:schemeClr>
-            </a:solidFill>
-            <a:ln>
-              <a:solidFill>
-                <a:schemeClr val="bg1">
-                  <a:lumMod val="85000"/>
-                </a:schemeClr>
-              </a:solidFill>
-            </a:ln>
-          </p:spPr>
-          <p:style>
-            <a:lnRef idx="2">
-              <a:schemeClr val="accent1">
-                <a:shade val="50000"/>
-              </a:schemeClr>
-            </a:lnRef>
-            <a:fillRef idx="1">
-              <a:schemeClr val="accent1"/>
-            </a:fillRef>
-            <a:effectRef idx="0">
-              <a:schemeClr val="accent1"/>
-            </a:effectRef>
-            <a:fontRef idx="minor">
-              <a:schemeClr val="lt1"/>
-            </a:fontRef>
-          </p:style>
-          <p:txBody>
-            <a:bodyPr rtlCol="0" anchor="ctr"/>
-            <a:lstStyle/>
-            <a:p>
-              <a:pPr algn="ctr"/>
-              <a:endParaRPr lang="en-US"/>
-            </a:p>
-          </p:txBody>
-        </p:sp>
-        <p:pic>
-          <p:nvPicPr>
-            <p:cNvPr id="12" name="Graphic 11" descr="User">
-              <a:extLst>
-                <a:ext uri="{FF2B5EF4-FFF2-40B4-BE49-F238E27FC236}">
-                  <a16:creationId xmlns:a16="http://schemas.microsoft.com/office/drawing/2014/main" id="{A5559A09-7C4E-4063-A0DE-D9F1270D65CC}"/>
-                </a:ext>
-              </a:extLst>
-            </p:cNvPr>
-            <p:cNvPicPr>
-              <a:picLocks noChangeAspect="1"/>
-            </p:cNvPicPr>
-            <p:nvPr/>
-          </p:nvPicPr>
-          <p:blipFill>
-            <a:blip r:embed="rId2">
-              <a:extLst>
-                <a:ext uri="{28A0092B-C50C-407E-A947-70E740481C1C}">
-                  <a14:useLocalDpi xmlns:a14="http://schemas.microsoft.com/office/drawing/2010/main" val="0"/>
-                </a:ext>
-                <a:ext uri="{96DAC541-7B7A-43D3-8B79-37D633B846F1}">
-                  <asvg:svgBlip xmlns:asvg="http://schemas.microsoft.com/office/drawing/2016/SVG/main" r:embed="rId3"/>
-                </a:ext>
-              </a:extLst>
-            </a:blip>
-            <a:stretch>
-              <a:fillRect/>
-            </a:stretch>
-          </p:blipFill>
-          <p:spPr>
-            <a:xfrm>
-              <a:off x="10935383" y="1366887"/>
-              <a:ext cx="482337" cy="482337"/>
-            </a:xfrm>
-            <a:prstGeom prst="rect">
-              <a:avLst/>
-            </a:prstGeom>
-          </p:spPr>
-        </p:pic>
-      </p:grpSp>
-      <p:sp>
-        <p:nvSpPr>
-          <p:cNvPr id="15" name="TextBox 14">
-            <a:extLst>
-              <a:ext uri="{FF2B5EF4-FFF2-40B4-BE49-F238E27FC236}">
-                <a16:creationId xmlns:a16="http://schemas.microsoft.com/office/drawing/2014/main" id="{BDE5FB8B-8411-4D74-9DEF-0D4A29CA3E6E}"/>
-              </a:ext>
-            </a:extLst>
-          </p:cNvPr>
-          <p:cNvSpPr txBox="1"/>
-          <p:nvPr/>
-        </p:nvSpPr>
-        <p:spPr>
-          <a:xfrm>
-            <a:off x="10681828" y="0"/>
-            <a:ext cx="826418" cy="646331"/>
-          </a:xfrm>
-          <a:prstGeom prst="rect">
-            <a:avLst/>
-          </a:prstGeom>
-          <a:noFill/>
-        </p:spPr>
-        <p:txBody>
-          <a:bodyPr wrap="square" rtlCol="0">
-            <a:spAutoFit/>
-          </a:bodyPr>
-          <a:lstStyle/>
-          <a:p>
-            <a:r>
-              <a:rPr lang="en-US" dirty="0">
-                <a:solidFill>
-                  <a:schemeClr val="bg1"/>
-                </a:solidFill>
-                <a:latin typeface="Bahnschrift SemiBold Condensed" panose="020B0502040204020203" pitchFamily="34" charset="0"/>
-              </a:rPr>
-              <a:t>Ola, </a:t>
-            </a:r>
-            <a:r>
-              <a:rPr lang="en-US" dirty="0" err="1">
-                <a:solidFill>
-                  <a:schemeClr val="bg1"/>
-                </a:solidFill>
-                <a:latin typeface="Bahnschrift SemiBold Condensed" panose="020B0502040204020203" pitchFamily="34" charset="0"/>
-              </a:rPr>
-              <a:t>Usuario</a:t>
-            </a:r>
-            <a:endParaRPr lang="en-US" dirty="0">
-              <a:solidFill>
-                <a:schemeClr val="bg1"/>
-              </a:solidFill>
-              <a:latin typeface="Bahnschrift SemiBold Condensed" panose="020B0502040204020203" pitchFamily="34" charset="0"/>
-            </a:endParaRPr>
-          </a:p>
-        </p:txBody>
-      </p:sp>
-      <p:grpSp>
-        <p:nvGrpSpPr>
-          <p:cNvPr id="18" name="Group 17">
-            <a:extLst>
-              <a:ext uri="{FF2B5EF4-FFF2-40B4-BE49-F238E27FC236}">
-                <a16:creationId xmlns:a16="http://schemas.microsoft.com/office/drawing/2014/main" id="{1210462B-BB4F-4841-9855-3D630CA863B1}"/>
-              </a:ext>
-            </a:extLst>
-          </p:cNvPr>
-          <p:cNvGrpSpPr/>
-          <p:nvPr/>
-        </p:nvGrpSpPr>
-        <p:grpSpPr>
-          <a:xfrm>
-            <a:off x="11969449" y="474614"/>
-            <a:ext cx="133977" cy="144180"/>
-            <a:chOff x="9049145" y="705720"/>
-            <a:chExt cx="197298" cy="182121"/>
-          </a:xfrm>
-        </p:grpSpPr>
-        <p:sp>
-          <p:nvSpPr>
-            <p:cNvPr id="17" name="Rectangle 16">
-              <a:extLst>
-                <a:ext uri="{FF2B5EF4-FFF2-40B4-BE49-F238E27FC236}">
-                  <a16:creationId xmlns:a16="http://schemas.microsoft.com/office/drawing/2014/main" id="{22FC9661-3ED5-4E0A-9C2E-4FEF0E6A1F67}"/>
-                </a:ext>
-              </a:extLst>
-            </p:cNvPr>
-            <p:cNvSpPr/>
-            <p:nvPr/>
-          </p:nvSpPr>
-          <p:spPr>
-            <a:xfrm>
-              <a:off x="9049145" y="705720"/>
-              <a:ext cx="197298" cy="182121"/>
-            </a:xfrm>
-            <a:prstGeom prst="rect">
-              <a:avLst/>
-            </a:prstGeom>
-            <a:solidFill>
-              <a:schemeClr val="bg1">
-                <a:lumMod val="85000"/>
-              </a:schemeClr>
-            </a:solidFill>
-            <a:ln>
-              <a:solidFill>
-                <a:schemeClr val="bg1">
-                  <a:lumMod val="85000"/>
-                </a:schemeClr>
-              </a:solidFill>
-            </a:ln>
-          </p:spPr>
-          <p:style>
-            <a:lnRef idx="2">
-              <a:schemeClr val="accent1">
-                <a:shade val="50000"/>
-              </a:schemeClr>
-            </a:lnRef>
-            <a:fillRef idx="1">
-              <a:schemeClr val="accent1"/>
-            </a:fillRef>
-            <a:effectRef idx="0">
-              <a:schemeClr val="accent1"/>
-            </a:effectRef>
-            <a:fontRef idx="minor">
-              <a:schemeClr val="lt1"/>
-            </a:fontRef>
-          </p:style>
-          <p:txBody>
-            <a:bodyPr rtlCol="0" anchor="ctr"/>
-            <a:lstStyle/>
-            <a:p>
-              <a:pPr algn="ctr"/>
-              <a:endParaRPr lang="en-US"/>
-            </a:p>
-          </p:txBody>
-        </p:sp>
-        <p:sp>
-          <p:nvSpPr>
-            <p:cNvPr id="16" name="Isosceles Triangle 15">
-              <a:extLst>
-                <a:ext uri="{FF2B5EF4-FFF2-40B4-BE49-F238E27FC236}">
-                  <a16:creationId xmlns:a16="http://schemas.microsoft.com/office/drawing/2014/main" id="{B4C8D83F-0A99-408E-9604-58B7AF29B706}"/>
-                </a:ext>
-              </a:extLst>
-            </p:cNvPr>
-            <p:cNvSpPr/>
-            <p:nvPr/>
-          </p:nvSpPr>
-          <p:spPr>
-            <a:xfrm rot="10800000">
-              <a:off x="9102264" y="739867"/>
-              <a:ext cx="106237" cy="117620"/>
-            </a:xfrm>
-            <a:prstGeom prst="triangle">
-              <a:avLst/>
-            </a:prstGeom>
-            <a:solidFill>
-              <a:schemeClr val="tx1"/>
-            </a:solidFill>
-            <a:ln>
-              <a:solidFill>
-                <a:schemeClr val="tx1"/>
-              </a:solidFill>
-            </a:ln>
-          </p:spPr>
-          <p:style>
-            <a:lnRef idx="2">
-              <a:schemeClr val="accent1">
-                <a:shade val="50000"/>
-              </a:schemeClr>
-            </a:lnRef>
-            <a:fillRef idx="1">
-              <a:schemeClr val="accent1"/>
-            </a:fillRef>
-            <a:effectRef idx="0">
-              <a:schemeClr val="accent1"/>
-            </a:effectRef>
-            <a:fontRef idx="minor">
-              <a:schemeClr val="lt1"/>
-            </a:fontRef>
-          </p:style>
-          <p:txBody>
-            <a:bodyPr rtlCol="0" anchor="ctr"/>
-            <a:lstStyle/>
-            <a:p>
-              <a:pPr algn="ctr"/>
-              <a:endParaRPr lang="en-US"/>
-            </a:p>
-          </p:txBody>
-        </p:sp>
-      </p:grpSp>
-      <p:sp>
-        <p:nvSpPr>
-          <p:cNvPr id="5" name="TextBox 4">
-            <a:extLst>
-              <a:ext uri="{FF2B5EF4-FFF2-40B4-BE49-F238E27FC236}">
-                <a16:creationId xmlns:a16="http://schemas.microsoft.com/office/drawing/2014/main" id="{C6B78D9D-3225-4E47-B3D4-7F1C1B61E1CB}"/>
-              </a:ext>
-            </a:extLst>
-          </p:cNvPr>
-          <p:cNvSpPr txBox="1"/>
-          <p:nvPr/>
-        </p:nvSpPr>
-        <p:spPr>
-          <a:xfrm>
-            <a:off x="114339" y="-131727"/>
-            <a:ext cx="2697636" cy="923330"/>
-          </a:xfrm>
-          <a:prstGeom prst="rect">
-            <a:avLst/>
-          </a:prstGeom>
-          <a:noFill/>
-        </p:spPr>
-        <p:txBody>
-          <a:bodyPr wrap="square" rtlCol="0">
-            <a:spAutoFit/>
-          </a:bodyPr>
-          <a:lstStyle/>
-          <a:p>
-            <a:pPr algn="ctr"/>
-            <a:r>
-              <a:rPr lang="en-US" sz="5400" dirty="0">
-                <a:solidFill>
-                  <a:srgbClr val="505F75"/>
-                </a:solidFill>
-                <a:latin typeface="Baskerville Old Face" panose="02020602080505020303" pitchFamily="18" charset="0"/>
-              </a:rPr>
-              <a:t>Bella Pet</a:t>
-            </a:r>
-          </a:p>
-        </p:txBody>
-      </p:sp>
-      <p:sp>
-        <p:nvSpPr>
-          <p:cNvPr id="19" name="Rectangle 18">
-            <a:extLst>
-              <a:ext uri="{FF2B5EF4-FFF2-40B4-BE49-F238E27FC236}">
-                <a16:creationId xmlns:a16="http://schemas.microsoft.com/office/drawing/2014/main" id="{27593590-9426-4A55-8222-D868AC7E3765}"/>
-              </a:ext>
-            </a:extLst>
-          </p:cNvPr>
-          <p:cNvSpPr/>
-          <p:nvPr/>
-        </p:nvSpPr>
-        <p:spPr>
-          <a:xfrm>
-            <a:off x="-1" y="659876"/>
-            <a:ext cx="2410691" cy="6198124"/>
-          </a:xfrm>
-          <a:prstGeom prst="rect">
-            <a:avLst/>
-          </a:prstGeom>
-          <a:solidFill>
-            <a:srgbClr val="505F75"/>
-          </a:solidFill>
-          <a:ln>
-            <a:solidFill>
-              <a:srgbClr val="505F75"/>
-            </a:solidFill>
-          </a:ln>
-        </p:spPr>
-        <p:style>
-          <a:lnRef idx="2">
-            <a:schemeClr val="accent1">
-              <a:shade val="50000"/>
-            </a:schemeClr>
-          </a:lnRef>
-          <a:fillRef idx="1">
-            <a:schemeClr val="accent1"/>
-          </a:fillRef>
-          <a:effectRef idx="0">
-            <a:schemeClr val="accent1"/>
-          </a:effectRef>
-          <a:fontRef idx="minor">
-            <a:schemeClr val="lt1"/>
-          </a:fontRef>
-        </p:style>
-        <p:txBody>
-          <a:bodyPr rtlCol="0" anchor="ctr"/>
-          <a:lstStyle/>
-          <a:p>
-            <a:pPr algn="ctr"/>
-            <a:endParaRPr lang="en-US"/>
-          </a:p>
-        </p:txBody>
-      </p:sp>
-      <p:grpSp>
-        <p:nvGrpSpPr>
-          <p:cNvPr id="29" name="Group 28">
-            <a:extLst>
-              <a:ext uri="{FF2B5EF4-FFF2-40B4-BE49-F238E27FC236}">
-                <a16:creationId xmlns:a16="http://schemas.microsoft.com/office/drawing/2014/main" id="{7DFD4ECE-7174-4F21-87F4-81D21FDEC443}"/>
-              </a:ext>
-            </a:extLst>
-          </p:cNvPr>
-          <p:cNvGrpSpPr/>
-          <p:nvPr/>
-        </p:nvGrpSpPr>
-        <p:grpSpPr>
-          <a:xfrm>
-            <a:off x="114339" y="1648357"/>
-            <a:ext cx="2090213" cy="463327"/>
-            <a:chOff x="4394498" y="1248968"/>
-            <a:chExt cx="2090213" cy="463327"/>
-          </a:xfrm>
-        </p:grpSpPr>
-        <p:sp>
-          <p:nvSpPr>
-            <p:cNvPr id="21" name="Rectangle 20">
-              <a:extLst>
-                <a:ext uri="{FF2B5EF4-FFF2-40B4-BE49-F238E27FC236}">
-                  <a16:creationId xmlns:a16="http://schemas.microsoft.com/office/drawing/2014/main" id="{7CB65F31-B929-4AD0-B8B8-4AD21A4B5561}"/>
-                </a:ext>
-              </a:extLst>
-            </p:cNvPr>
-            <p:cNvSpPr/>
-            <p:nvPr/>
-          </p:nvSpPr>
-          <p:spPr>
-            <a:xfrm>
-              <a:off x="4394498" y="1253268"/>
-              <a:ext cx="2090213" cy="459027"/>
-            </a:xfrm>
-            <a:prstGeom prst="rect">
-              <a:avLst/>
-            </a:prstGeom>
-            <a:solidFill>
-              <a:srgbClr val="76BFAC"/>
-            </a:solidFill>
-            <a:ln>
-              <a:solidFill>
-                <a:srgbClr val="76BFAC"/>
-              </a:solidFill>
-            </a:ln>
-          </p:spPr>
-          <p:style>
-            <a:lnRef idx="2">
-              <a:schemeClr val="accent1">
-                <a:shade val="50000"/>
-              </a:schemeClr>
-            </a:lnRef>
-            <a:fillRef idx="1">
-              <a:schemeClr val="accent1"/>
-            </a:fillRef>
-            <a:effectRef idx="0">
-              <a:schemeClr val="accent1"/>
-            </a:effectRef>
-            <a:fontRef idx="minor">
-              <a:schemeClr val="lt1"/>
-            </a:fontRef>
-          </p:style>
-          <p:txBody>
-            <a:bodyPr rtlCol="0" anchor="ctr"/>
-            <a:lstStyle/>
-            <a:p>
-              <a:pPr algn="r"/>
-              <a:r>
-                <a:rPr lang="en-US" dirty="0" err="1">
-                  <a:latin typeface="Bahnschrift SemiBold Condensed" panose="020B0502040204020203" pitchFamily="34" charset="0"/>
-                </a:rPr>
-                <a:t>Controle</a:t>
-              </a:r>
-              <a:r>
-                <a:rPr lang="en-US" dirty="0">
-                  <a:latin typeface="Bahnschrift SemiBold Condensed" panose="020B0502040204020203" pitchFamily="34" charset="0"/>
-                </a:rPr>
-                <a:t> de </a:t>
-              </a:r>
-              <a:r>
-                <a:rPr lang="en-US" dirty="0" err="1">
-                  <a:latin typeface="Bahnschrift SemiBold Condensed" panose="020B0502040204020203" pitchFamily="34" charset="0"/>
-                </a:rPr>
-                <a:t>Estoque</a:t>
-              </a:r>
-              <a:endParaRPr lang="en-US" dirty="0">
-                <a:latin typeface="Bahnschrift SemiBold Condensed" panose="020B0502040204020203" pitchFamily="34" charset="0"/>
-              </a:endParaRPr>
-            </a:p>
-          </p:txBody>
-        </p:sp>
-        <p:pic>
-          <p:nvPicPr>
-            <p:cNvPr id="28" name="Graphic 27" descr="Books on shelf">
-              <a:extLst>
-                <a:ext uri="{FF2B5EF4-FFF2-40B4-BE49-F238E27FC236}">
-                  <a16:creationId xmlns:a16="http://schemas.microsoft.com/office/drawing/2014/main" id="{A41F5832-3FE9-4744-ADC8-2A8C61450020}"/>
-                </a:ext>
-              </a:extLst>
-            </p:cNvPr>
-            <p:cNvPicPr>
-              <a:picLocks noChangeAspect="1"/>
-            </p:cNvPicPr>
-            <p:nvPr/>
-          </p:nvPicPr>
-          <p:blipFill>
-            <a:blip r:embed="rId4">
-              <a:extLst>
-                <a:ext uri="{28A0092B-C50C-407E-A947-70E740481C1C}">
-                  <a14:useLocalDpi xmlns:a14="http://schemas.microsoft.com/office/drawing/2010/main" val="0"/>
-                </a:ext>
-                <a:ext uri="{96DAC541-7B7A-43D3-8B79-37D633B846F1}">
-                  <asvg:svgBlip xmlns:asvg="http://schemas.microsoft.com/office/drawing/2016/SVG/main" r:embed="rId5"/>
-                </a:ext>
-              </a:extLst>
-            </a:blip>
-            <a:stretch>
-              <a:fillRect/>
-            </a:stretch>
-          </p:blipFill>
-          <p:spPr>
-            <a:xfrm>
-              <a:off x="4394499" y="1248968"/>
-              <a:ext cx="459028" cy="459028"/>
-            </a:xfrm>
-            <a:prstGeom prst="rect">
-              <a:avLst/>
-            </a:prstGeom>
-          </p:spPr>
-        </p:pic>
-      </p:grpSp>
-      <p:grpSp>
-        <p:nvGrpSpPr>
-          <p:cNvPr id="40" name="Group 39">
-            <a:extLst>
-              <a:ext uri="{FF2B5EF4-FFF2-40B4-BE49-F238E27FC236}">
-                <a16:creationId xmlns:a16="http://schemas.microsoft.com/office/drawing/2014/main" id="{3EB464E0-BFD7-4B8D-9ECB-5EAB85A846C0}"/>
-              </a:ext>
-            </a:extLst>
-          </p:cNvPr>
-          <p:cNvGrpSpPr/>
-          <p:nvPr/>
-        </p:nvGrpSpPr>
-        <p:grpSpPr>
-          <a:xfrm>
-            <a:off x="114339" y="2267285"/>
-            <a:ext cx="2090214" cy="507403"/>
-            <a:chOff x="4394498" y="1867896"/>
-            <a:chExt cx="2090214" cy="507403"/>
-          </a:xfrm>
-        </p:grpSpPr>
-        <p:sp>
-          <p:nvSpPr>
-            <p:cNvPr id="22" name="Rectangle 21">
-              <a:extLst>
-                <a:ext uri="{FF2B5EF4-FFF2-40B4-BE49-F238E27FC236}">
-                  <a16:creationId xmlns:a16="http://schemas.microsoft.com/office/drawing/2014/main" id="{BF71EF1E-FE61-40DB-9C76-2B4DB96BEB0E}"/>
-                </a:ext>
-              </a:extLst>
-            </p:cNvPr>
-            <p:cNvSpPr/>
-            <p:nvPr/>
-          </p:nvSpPr>
-          <p:spPr>
-            <a:xfrm>
-              <a:off x="4394498" y="1892085"/>
-              <a:ext cx="2090214" cy="459027"/>
-            </a:xfrm>
-            <a:prstGeom prst="rect">
-              <a:avLst/>
-            </a:prstGeom>
-            <a:solidFill>
-              <a:srgbClr val="76BFAC"/>
-            </a:solidFill>
-            <a:ln>
-              <a:solidFill>
-                <a:srgbClr val="76BFAC"/>
-              </a:solidFill>
-            </a:ln>
-          </p:spPr>
-          <p:style>
-            <a:lnRef idx="2">
-              <a:schemeClr val="accent1">
-                <a:shade val="50000"/>
-              </a:schemeClr>
-            </a:lnRef>
-            <a:fillRef idx="1">
-              <a:schemeClr val="accent1"/>
-            </a:fillRef>
-            <a:effectRef idx="0">
-              <a:schemeClr val="accent1"/>
-            </a:effectRef>
-            <a:fontRef idx="minor">
-              <a:schemeClr val="lt1"/>
-            </a:fontRef>
-          </p:style>
-          <p:txBody>
-            <a:bodyPr rtlCol="0" anchor="ctr"/>
-            <a:lstStyle/>
-            <a:p>
-              <a:pPr algn="r"/>
-              <a:r>
-                <a:rPr lang="en-US" dirty="0" err="1">
-                  <a:latin typeface="Bahnschrift SemiBold Condensed" panose="020B0502040204020203" pitchFamily="34" charset="0"/>
-                </a:rPr>
-                <a:t>Calendario</a:t>
-              </a:r>
-              <a:endParaRPr lang="en-US" dirty="0">
-                <a:latin typeface="Bahnschrift SemiBold Condensed" panose="020B0502040204020203" pitchFamily="34" charset="0"/>
-              </a:endParaRPr>
-            </a:p>
-          </p:txBody>
-        </p:sp>
-        <p:pic>
-          <p:nvPicPr>
-            <p:cNvPr id="31" name="Graphic 30" descr="Monthly calendar">
-              <a:extLst>
-                <a:ext uri="{FF2B5EF4-FFF2-40B4-BE49-F238E27FC236}">
-                  <a16:creationId xmlns:a16="http://schemas.microsoft.com/office/drawing/2014/main" id="{F5A3D32E-1F53-4E0A-A066-9C9C1F151723}"/>
-                </a:ext>
-              </a:extLst>
-            </p:cNvPr>
-            <p:cNvPicPr>
-              <a:picLocks noChangeAspect="1"/>
-            </p:cNvPicPr>
-            <p:nvPr/>
-          </p:nvPicPr>
-          <p:blipFill>
-            <a:blip r:embed="rId6">
-              <a:extLst>
-                <a:ext uri="{28A0092B-C50C-407E-A947-70E740481C1C}">
-                  <a14:useLocalDpi xmlns:a14="http://schemas.microsoft.com/office/drawing/2010/main" val="0"/>
-                </a:ext>
-                <a:ext uri="{96DAC541-7B7A-43D3-8B79-37D633B846F1}">
-                  <asvg:svgBlip xmlns:asvg="http://schemas.microsoft.com/office/drawing/2016/SVG/main" r:embed="rId7"/>
-                </a:ext>
-              </a:extLst>
-            </a:blip>
-            <a:stretch>
-              <a:fillRect/>
-            </a:stretch>
-          </p:blipFill>
-          <p:spPr>
-            <a:xfrm>
-              <a:off x="4394498" y="1867896"/>
-              <a:ext cx="507403" cy="507403"/>
-            </a:xfrm>
-            <a:prstGeom prst="rect">
-              <a:avLst/>
-            </a:prstGeom>
-          </p:spPr>
-        </p:pic>
-      </p:grpSp>
-      <p:grpSp>
-        <p:nvGrpSpPr>
-          <p:cNvPr id="41" name="Group 40">
-            <a:extLst>
-              <a:ext uri="{FF2B5EF4-FFF2-40B4-BE49-F238E27FC236}">
-                <a16:creationId xmlns:a16="http://schemas.microsoft.com/office/drawing/2014/main" id="{91D02E13-DD28-4CA8-AB4A-47481B346711}"/>
-              </a:ext>
-            </a:extLst>
-          </p:cNvPr>
-          <p:cNvGrpSpPr/>
-          <p:nvPr/>
-        </p:nvGrpSpPr>
-        <p:grpSpPr>
-          <a:xfrm>
-            <a:off x="114339" y="2930291"/>
-            <a:ext cx="2090214" cy="459027"/>
-            <a:chOff x="4394498" y="2530902"/>
-            <a:chExt cx="2090214" cy="459027"/>
-          </a:xfrm>
-        </p:grpSpPr>
-        <p:sp>
-          <p:nvSpPr>
-            <p:cNvPr id="23" name="Rectangle 22">
-              <a:extLst>
-                <a:ext uri="{FF2B5EF4-FFF2-40B4-BE49-F238E27FC236}">
-                  <a16:creationId xmlns:a16="http://schemas.microsoft.com/office/drawing/2014/main" id="{47F2F85C-216E-4A53-B093-A18F09A96BEE}"/>
-                </a:ext>
-              </a:extLst>
-            </p:cNvPr>
-            <p:cNvSpPr/>
-            <p:nvPr/>
-          </p:nvSpPr>
-          <p:spPr>
-            <a:xfrm>
-              <a:off x="4394498" y="2530902"/>
-              <a:ext cx="2090214" cy="459027"/>
-            </a:xfrm>
-            <a:prstGeom prst="rect">
-              <a:avLst/>
-            </a:prstGeom>
-            <a:solidFill>
-              <a:srgbClr val="76BFAC"/>
-            </a:solidFill>
-            <a:ln>
-              <a:solidFill>
-                <a:srgbClr val="76BFAC"/>
-              </a:solidFill>
-            </a:ln>
-          </p:spPr>
-          <p:style>
-            <a:lnRef idx="2">
-              <a:schemeClr val="accent1">
-                <a:shade val="50000"/>
-              </a:schemeClr>
-            </a:lnRef>
-            <a:fillRef idx="1">
-              <a:schemeClr val="accent1"/>
-            </a:fillRef>
-            <a:effectRef idx="0">
-              <a:schemeClr val="accent1"/>
-            </a:effectRef>
-            <a:fontRef idx="minor">
-              <a:schemeClr val="lt1"/>
-            </a:fontRef>
-          </p:style>
-          <p:txBody>
-            <a:bodyPr rtlCol="0" anchor="ctr"/>
-            <a:lstStyle/>
-            <a:p>
-              <a:pPr algn="r"/>
-              <a:r>
-                <a:rPr lang="en-US" dirty="0" err="1">
-                  <a:latin typeface="Bahnschrift SemiBold Condensed" panose="020B0502040204020203" pitchFamily="34" charset="0"/>
-                </a:rPr>
-                <a:t>Livro</a:t>
-              </a:r>
-              <a:r>
-                <a:rPr lang="en-US" dirty="0">
-                  <a:latin typeface="Bahnschrift SemiBold Condensed" panose="020B0502040204020203" pitchFamily="34" charset="0"/>
-                </a:rPr>
-                <a:t>-Caixa</a:t>
-              </a:r>
-            </a:p>
-          </p:txBody>
-        </p:sp>
-        <p:pic>
-          <p:nvPicPr>
-            <p:cNvPr id="33" name="Graphic 32" descr="Register">
-              <a:extLst>
-                <a:ext uri="{FF2B5EF4-FFF2-40B4-BE49-F238E27FC236}">
-                  <a16:creationId xmlns:a16="http://schemas.microsoft.com/office/drawing/2014/main" id="{A35ED390-963B-4B15-BE7A-00D7F40189E9}"/>
-                </a:ext>
-              </a:extLst>
-            </p:cNvPr>
-            <p:cNvPicPr>
-              <a:picLocks noChangeAspect="1"/>
-            </p:cNvPicPr>
-            <p:nvPr/>
-          </p:nvPicPr>
-          <p:blipFill>
-            <a:blip r:embed="rId8">
-              <a:extLst>
-                <a:ext uri="{28A0092B-C50C-407E-A947-70E740481C1C}">
-                  <a14:useLocalDpi xmlns:a14="http://schemas.microsoft.com/office/drawing/2010/main" val="0"/>
-                </a:ext>
-                <a:ext uri="{96DAC541-7B7A-43D3-8B79-37D633B846F1}">
-                  <asvg:svgBlip xmlns:asvg="http://schemas.microsoft.com/office/drawing/2016/SVG/main" r:embed="rId9"/>
-                </a:ext>
-              </a:extLst>
-            </a:blip>
-            <a:stretch>
-              <a:fillRect/>
-            </a:stretch>
-          </p:blipFill>
-          <p:spPr>
-            <a:xfrm>
-              <a:off x="4446531" y="2556917"/>
-              <a:ext cx="406996" cy="406996"/>
-            </a:xfrm>
-            <a:prstGeom prst="rect">
-              <a:avLst/>
-            </a:prstGeom>
-          </p:spPr>
-        </p:pic>
-      </p:grpSp>
-      <p:grpSp>
-        <p:nvGrpSpPr>
-          <p:cNvPr id="42" name="Group 41">
-            <a:extLst>
-              <a:ext uri="{FF2B5EF4-FFF2-40B4-BE49-F238E27FC236}">
-                <a16:creationId xmlns:a16="http://schemas.microsoft.com/office/drawing/2014/main" id="{4834D949-97E3-4A4B-9C0E-2C5A9D2A45E1}"/>
-              </a:ext>
-            </a:extLst>
-          </p:cNvPr>
-          <p:cNvGrpSpPr/>
-          <p:nvPr/>
-        </p:nvGrpSpPr>
-        <p:grpSpPr>
-          <a:xfrm>
-            <a:off x="114339" y="3569108"/>
-            <a:ext cx="2090214" cy="459027"/>
-            <a:chOff x="4394498" y="3169719"/>
-            <a:chExt cx="2090214" cy="459027"/>
-          </a:xfrm>
-        </p:grpSpPr>
-        <p:sp>
-          <p:nvSpPr>
-            <p:cNvPr id="24" name="Rectangle 23">
-              <a:extLst>
-                <a:ext uri="{FF2B5EF4-FFF2-40B4-BE49-F238E27FC236}">
-                  <a16:creationId xmlns:a16="http://schemas.microsoft.com/office/drawing/2014/main" id="{7BB2378D-193D-4348-AC37-783445213FF3}"/>
-                </a:ext>
-              </a:extLst>
-            </p:cNvPr>
-            <p:cNvSpPr/>
-            <p:nvPr/>
-          </p:nvSpPr>
-          <p:spPr>
-            <a:xfrm>
-              <a:off x="4394498" y="3169719"/>
-              <a:ext cx="2090214" cy="459027"/>
-            </a:xfrm>
-            <a:prstGeom prst="rect">
-              <a:avLst/>
-            </a:prstGeom>
-            <a:solidFill>
-              <a:srgbClr val="68A797"/>
-            </a:solidFill>
-            <a:ln>
-              <a:solidFill>
-                <a:srgbClr val="76BFAC"/>
-              </a:solidFill>
-            </a:ln>
-          </p:spPr>
-          <p:style>
-            <a:lnRef idx="2">
-              <a:schemeClr val="accent1">
-                <a:shade val="50000"/>
-              </a:schemeClr>
-            </a:lnRef>
-            <a:fillRef idx="1">
-              <a:schemeClr val="accent1"/>
-            </a:fillRef>
-            <a:effectRef idx="0">
-              <a:schemeClr val="accent1"/>
-            </a:effectRef>
-            <a:fontRef idx="minor">
-              <a:schemeClr val="lt1"/>
-            </a:fontRef>
-          </p:style>
-          <p:txBody>
-            <a:bodyPr rtlCol="0" anchor="ctr"/>
-            <a:lstStyle/>
-            <a:p>
-              <a:pPr algn="r"/>
-              <a:r>
-                <a:rPr lang="en-US" dirty="0" err="1">
-                  <a:latin typeface="Bahnschrift SemiBold Condensed" panose="020B0502040204020203" pitchFamily="34" charset="0"/>
-                </a:rPr>
-                <a:t>Simulador</a:t>
-              </a:r>
-              <a:endParaRPr lang="en-US" dirty="0">
-                <a:latin typeface="Bahnschrift SemiBold Condensed" panose="020B0502040204020203" pitchFamily="34" charset="0"/>
-              </a:endParaRPr>
-            </a:p>
-          </p:txBody>
-        </p:sp>
-        <p:pic>
-          <p:nvPicPr>
-            <p:cNvPr id="35" name="Graphic 34" descr="Lightbulb">
-              <a:extLst>
-                <a:ext uri="{FF2B5EF4-FFF2-40B4-BE49-F238E27FC236}">
-                  <a16:creationId xmlns:a16="http://schemas.microsoft.com/office/drawing/2014/main" id="{E652F4B9-53E6-41CB-9D73-A6C1AB95607E}"/>
-                </a:ext>
-              </a:extLst>
-            </p:cNvPr>
-            <p:cNvPicPr>
-              <a:picLocks noChangeAspect="1"/>
-            </p:cNvPicPr>
-            <p:nvPr/>
-          </p:nvPicPr>
-          <p:blipFill>
-            <a:blip r:embed="rId10">
-              <a:extLst>
-                <a:ext uri="{28A0092B-C50C-407E-A947-70E740481C1C}">
-                  <a14:useLocalDpi xmlns:a14="http://schemas.microsoft.com/office/drawing/2010/main" val="0"/>
-                </a:ext>
-                <a:ext uri="{96DAC541-7B7A-43D3-8B79-37D633B846F1}">
-                  <asvg:svgBlip xmlns:asvg="http://schemas.microsoft.com/office/drawing/2016/SVG/main" r:embed="rId11"/>
-                </a:ext>
-              </a:extLst>
-            </a:blip>
-            <a:stretch>
-              <a:fillRect/>
-            </a:stretch>
-          </p:blipFill>
-          <p:spPr>
-            <a:xfrm>
-              <a:off x="4446531" y="3202304"/>
-              <a:ext cx="381017" cy="381017"/>
-            </a:xfrm>
-            <a:prstGeom prst="rect">
-              <a:avLst/>
-            </a:prstGeom>
-          </p:spPr>
-        </p:pic>
-      </p:grpSp>
-      <p:grpSp>
-        <p:nvGrpSpPr>
-          <p:cNvPr id="43" name="Group 42">
-            <a:extLst>
-              <a:ext uri="{FF2B5EF4-FFF2-40B4-BE49-F238E27FC236}">
-                <a16:creationId xmlns:a16="http://schemas.microsoft.com/office/drawing/2014/main" id="{6BA19F4E-EA4A-414B-B446-B5E4B0AB5457}"/>
-              </a:ext>
-            </a:extLst>
-          </p:cNvPr>
-          <p:cNvGrpSpPr/>
-          <p:nvPr/>
-        </p:nvGrpSpPr>
-        <p:grpSpPr>
-          <a:xfrm>
-            <a:off x="114339" y="4176548"/>
-            <a:ext cx="2090214" cy="490404"/>
-            <a:chOff x="4394498" y="3777159"/>
-            <a:chExt cx="2090214" cy="490404"/>
-          </a:xfrm>
-        </p:grpSpPr>
-        <p:sp>
-          <p:nvSpPr>
-            <p:cNvPr id="25" name="Rectangle 24">
-              <a:extLst>
-                <a:ext uri="{FF2B5EF4-FFF2-40B4-BE49-F238E27FC236}">
-                  <a16:creationId xmlns:a16="http://schemas.microsoft.com/office/drawing/2014/main" id="{F41DB2EC-9CEB-474E-9EA8-1F5A1C12C7AD}"/>
-                </a:ext>
-              </a:extLst>
-            </p:cNvPr>
-            <p:cNvSpPr/>
-            <p:nvPr/>
-          </p:nvSpPr>
-          <p:spPr>
-            <a:xfrm>
-              <a:off x="4394498" y="3808536"/>
-              <a:ext cx="2090214" cy="459027"/>
-            </a:xfrm>
-            <a:prstGeom prst="rect">
-              <a:avLst/>
-            </a:prstGeom>
-            <a:solidFill>
-              <a:srgbClr val="76BFAC"/>
-            </a:solidFill>
-            <a:ln>
-              <a:solidFill>
-                <a:srgbClr val="76BFAC"/>
-              </a:solidFill>
-            </a:ln>
-          </p:spPr>
-          <p:style>
-            <a:lnRef idx="2">
-              <a:schemeClr val="accent1">
-                <a:shade val="50000"/>
-              </a:schemeClr>
-            </a:lnRef>
-            <a:fillRef idx="1">
-              <a:schemeClr val="accent1"/>
-            </a:fillRef>
-            <a:effectRef idx="0">
-              <a:schemeClr val="accent1"/>
-            </a:effectRef>
-            <a:fontRef idx="minor">
-              <a:schemeClr val="lt1"/>
-            </a:fontRef>
-          </p:style>
-          <p:txBody>
-            <a:bodyPr rtlCol="0" anchor="ctr"/>
-            <a:lstStyle/>
-            <a:p>
-              <a:pPr algn="r"/>
-              <a:r>
-                <a:rPr lang="en-US" dirty="0" err="1">
-                  <a:latin typeface="Bahnschrift SemiBold Condensed" panose="020B0502040204020203" pitchFamily="34" charset="0"/>
-                </a:rPr>
-                <a:t>Clientes</a:t>
-              </a:r>
-              <a:r>
-                <a:rPr lang="en-US" dirty="0">
-                  <a:latin typeface="Bahnschrift SemiBold Condensed" panose="020B0502040204020203" pitchFamily="34" charset="0"/>
-                </a:rPr>
-                <a:t> &amp; </a:t>
-              </a:r>
-              <a:r>
-                <a:rPr lang="en-US" dirty="0" err="1">
-                  <a:latin typeface="Bahnschrift SemiBold Condensed" panose="020B0502040204020203" pitchFamily="34" charset="0"/>
-                </a:rPr>
-                <a:t>Planos</a:t>
-              </a:r>
-              <a:endParaRPr lang="en-US" dirty="0">
-                <a:latin typeface="Bahnschrift SemiBold Condensed" panose="020B0502040204020203" pitchFamily="34" charset="0"/>
-              </a:endParaRPr>
-            </a:p>
-          </p:txBody>
-        </p:sp>
-        <p:pic>
-          <p:nvPicPr>
-            <p:cNvPr id="37" name="Graphic 36" descr="Open folder">
-              <a:extLst>
-                <a:ext uri="{FF2B5EF4-FFF2-40B4-BE49-F238E27FC236}">
-                  <a16:creationId xmlns:a16="http://schemas.microsoft.com/office/drawing/2014/main" id="{85B1C722-44E4-4735-88FD-39E8D9486004}"/>
-                </a:ext>
-              </a:extLst>
-            </p:cNvPr>
-            <p:cNvPicPr>
-              <a:picLocks noChangeAspect="1"/>
-            </p:cNvPicPr>
-            <p:nvPr/>
-          </p:nvPicPr>
-          <p:blipFill>
-            <a:blip r:embed="rId12">
-              <a:extLst>
-                <a:ext uri="{28A0092B-C50C-407E-A947-70E740481C1C}">
-                  <a14:useLocalDpi xmlns:a14="http://schemas.microsoft.com/office/drawing/2010/main" val="0"/>
-                </a:ext>
-                <a:ext uri="{96DAC541-7B7A-43D3-8B79-37D633B846F1}">
-                  <asvg:svgBlip xmlns:asvg="http://schemas.microsoft.com/office/drawing/2016/SVG/main" r:embed="rId13"/>
-                </a:ext>
-              </a:extLst>
-            </a:blip>
-            <a:stretch>
-              <a:fillRect/>
-            </a:stretch>
-          </p:blipFill>
-          <p:spPr>
-            <a:xfrm>
-              <a:off x="4446531" y="3777159"/>
-              <a:ext cx="490404" cy="490404"/>
-            </a:xfrm>
-            <a:prstGeom prst="rect">
-              <a:avLst/>
-            </a:prstGeom>
-          </p:spPr>
-        </p:pic>
-      </p:grpSp>
-      <p:sp>
-        <p:nvSpPr>
-          <p:cNvPr id="26" name="Rectangle 25">
-            <a:extLst>
-              <a:ext uri="{FF2B5EF4-FFF2-40B4-BE49-F238E27FC236}">
-                <a16:creationId xmlns:a16="http://schemas.microsoft.com/office/drawing/2014/main" id="{0B466217-AAAE-4164-8732-8177ED742C51}"/>
-              </a:ext>
-            </a:extLst>
-          </p:cNvPr>
-          <p:cNvSpPr/>
-          <p:nvPr/>
-        </p:nvSpPr>
-        <p:spPr>
-          <a:xfrm>
-            <a:off x="114339" y="4846742"/>
-            <a:ext cx="2090214" cy="459027"/>
-          </a:xfrm>
-          <a:prstGeom prst="rect">
-            <a:avLst/>
-          </a:prstGeom>
-          <a:solidFill>
-            <a:srgbClr val="76BFAC"/>
-          </a:solidFill>
-          <a:ln>
-            <a:solidFill>
-              <a:srgbClr val="76BFAC"/>
-            </a:solidFill>
-          </a:ln>
-        </p:spPr>
-        <p:style>
-          <a:lnRef idx="2">
-            <a:schemeClr val="accent1">
-              <a:shade val="50000"/>
-            </a:schemeClr>
-          </a:lnRef>
-          <a:fillRef idx="1">
-            <a:schemeClr val="accent1"/>
-          </a:fillRef>
-          <a:effectRef idx="0">
-            <a:schemeClr val="accent1"/>
-          </a:effectRef>
-          <a:fontRef idx="minor">
-            <a:schemeClr val="lt1"/>
-          </a:fontRef>
-        </p:style>
-        <p:txBody>
-          <a:bodyPr rtlCol="0" anchor="ctr"/>
-          <a:lstStyle/>
-          <a:p>
-            <a:pPr algn="r"/>
-            <a:r>
-              <a:rPr lang="en-US" dirty="0">
-                <a:latin typeface="Bahnschrift SemiBold Condensed" panose="020B0502040204020203" pitchFamily="34" charset="0"/>
-              </a:rPr>
-              <a:t>Nota Fiscal</a:t>
-            </a:r>
-          </a:p>
-        </p:txBody>
-      </p:sp>
-      <p:sp>
-        <p:nvSpPr>
-          <p:cNvPr id="45" name="TextBox 44">
-            <a:extLst>
-              <a:ext uri="{FF2B5EF4-FFF2-40B4-BE49-F238E27FC236}">
-                <a16:creationId xmlns:a16="http://schemas.microsoft.com/office/drawing/2014/main" id="{5B803AE1-0ED2-4427-815B-1395C165E39C}"/>
-              </a:ext>
-            </a:extLst>
-          </p:cNvPr>
-          <p:cNvSpPr txBox="1"/>
-          <p:nvPr/>
-        </p:nvSpPr>
-        <p:spPr>
-          <a:xfrm>
-            <a:off x="4702831" y="791603"/>
-            <a:ext cx="4383464" cy="646331"/>
-          </a:xfrm>
-          <a:prstGeom prst="rect">
-            <a:avLst/>
-          </a:prstGeom>
-          <a:noFill/>
-        </p:spPr>
-        <p:txBody>
-          <a:bodyPr wrap="square" rtlCol="0">
-            <a:spAutoFit/>
-          </a:bodyPr>
-          <a:lstStyle/>
-          <a:p>
-            <a:pPr algn="ctr"/>
-            <a:r>
-              <a:rPr lang="en-US" sz="3600" dirty="0" err="1">
-                <a:solidFill>
-                  <a:srgbClr val="505F75"/>
-                </a:solidFill>
-                <a:latin typeface="Baskerville Old Face" panose="02020602080505020303" pitchFamily="18" charset="0"/>
-              </a:rPr>
-              <a:t>Simulador</a:t>
-            </a:r>
-            <a:endParaRPr lang="en-US" sz="3600" dirty="0">
-              <a:solidFill>
-                <a:srgbClr val="505F75"/>
-              </a:solidFill>
-              <a:latin typeface="Baskerville Old Face" panose="02020602080505020303" pitchFamily="18" charset="0"/>
-            </a:endParaRPr>
-          </a:p>
-        </p:txBody>
-      </p:sp>
-      <p:sp>
-        <p:nvSpPr>
-          <p:cNvPr id="91" name="Rectangle 90">
-            <a:extLst>
-              <a:ext uri="{FF2B5EF4-FFF2-40B4-BE49-F238E27FC236}">
-                <a16:creationId xmlns:a16="http://schemas.microsoft.com/office/drawing/2014/main" id="{A7D1E547-71D1-4F7F-885C-A60A4799E3F9}"/>
-              </a:ext>
-            </a:extLst>
-          </p:cNvPr>
-          <p:cNvSpPr/>
-          <p:nvPr/>
-        </p:nvSpPr>
-        <p:spPr>
-          <a:xfrm>
-            <a:off x="114338" y="1016647"/>
-            <a:ext cx="2090213" cy="459027"/>
-          </a:xfrm>
-          <a:prstGeom prst="rect">
-            <a:avLst/>
-          </a:prstGeom>
-          <a:solidFill>
-            <a:srgbClr val="76BFAC"/>
-          </a:solidFill>
-          <a:ln>
-            <a:solidFill>
-              <a:srgbClr val="76BFAC"/>
-            </a:solidFill>
-          </a:ln>
-        </p:spPr>
-        <p:style>
-          <a:lnRef idx="2">
-            <a:schemeClr val="accent1">
-              <a:shade val="50000"/>
-            </a:schemeClr>
-          </a:lnRef>
-          <a:fillRef idx="1">
-            <a:schemeClr val="accent1"/>
-          </a:fillRef>
-          <a:effectRef idx="0">
-            <a:schemeClr val="accent1"/>
-          </a:effectRef>
-          <a:fontRef idx="minor">
-            <a:schemeClr val="lt1"/>
-          </a:fontRef>
-        </p:style>
-        <p:txBody>
-          <a:bodyPr rtlCol="0" anchor="ctr"/>
-          <a:lstStyle/>
-          <a:p>
-            <a:pPr algn="r"/>
-            <a:r>
-              <a:rPr lang="en-US" dirty="0">
-                <a:latin typeface="Bahnschrift SemiBold Condensed" panose="020B0502040204020203" pitchFamily="34" charset="0"/>
-              </a:rPr>
-              <a:t>Venda</a:t>
-            </a:r>
-          </a:p>
-        </p:txBody>
-      </p:sp>
-      <p:pic>
-        <p:nvPicPr>
-          <p:cNvPr id="94" name="Graphic 93" descr="Dollar">
-            <a:extLst>
-              <a:ext uri="{FF2B5EF4-FFF2-40B4-BE49-F238E27FC236}">
-                <a16:creationId xmlns:a16="http://schemas.microsoft.com/office/drawing/2014/main" id="{9D520006-7490-4839-8994-14663C700BF1}"/>
-              </a:ext>
-            </a:extLst>
-          </p:cNvPr>
-          <p:cNvPicPr>
-            <a:picLocks noChangeAspect="1"/>
-          </p:cNvPicPr>
-          <p:nvPr/>
-        </p:nvPicPr>
-        <p:blipFill>
-          <a:blip r:embed="rId14">
-            <a:extLst>
-              <a:ext uri="{28A0092B-C50C-407E-A947-70E740481C1C}">
-                <a14:useLocalDpi xmlns:a14="http://schemas.microsoft.com/office/drawing/2010/main" val="0"/>
-              </a:ext>
-              <a:ext uri="{96DAC541-7B7A-43D3-8B79-37D633B846F1}">
-                <asvg:svgBlip xmlns:asvg="http://schemas.microsoft.com/office/drawing/2016/SVG/main" r:embed="rId15"/>
-              </a:ext>
-            </a:extLst>
-          </a:blip>
-          <a:stretch>
-            <a:fillRect/>
-          </a:stretch>
-        </p:blipFill>
-        <p:spPr>
-          <a:xfrm>
-            <a:off x="136822" y="1026153"/>
-            <a:ext cx="414064" cy="414064"/>
-          </a:xfrm>
-          <a:prstGeom prst="rect">
-            <a:avLst/>
-          </a:prstGeom>
-        </p:spPr>
-      </p:pic>
-      <p:pic>
-        <p:nvPicPr>
-          <p:cNvPr id="96" name="Graphic 95" descr="Document">
-            <a:extLst>
-              <a:ext uri="{FF2B5EF4-FFF2-40B4-BE49-F238E27FC236}">
-                <a16:creationId xmlns:a16="http://schemas.microsoft.com/office/drawing/2014/main" id="{3E48C238-1951-409E-90E5-9D6364AF1673}"/>
-              </a:ext>
-            </a:extLst>
-          </p:cNvPr>
-          <p:cNvPicPr>
-            <a:picLocks noChangeAspect="1"/>
-          </p:cNvPicPr>
-          <p:nvPr/>
-        </p:nvPicPr>
-        <p:blipFill>
-          <a:blip r:embed="rId16">
-            <a:extLst>
-              <a:ext uri="{28A0092B-C50C-407E-A947-70E740481C1C}">
-                <a14:useLocalDpi xmlns:a14="http://schemas.microsoft.com/office/drawing/2010/main" val="0"/>
-              </a:ext>
-              <a:ext uri="{96DAC541-7B7A-43D3-8B79-37D633B846F1}">
-                <asvg:svgBlip xmlns:asvg="http://schemas.microsoft.com/office/drawing/2016/SVG/main" r:embed="rId17"/>
-              </a:ext>
-            </a:extLst>
-          </a:blip>
-          <a:stretch>
-            <a:fillRect/>
-          </a:stretch>
-        </p:blipFill>
-        <p:spPr>
-          <a:xfrm>
-            <a:off x="182974" y="4846087"/>
-            <a:ext cx="457200" cy="457200"/>
-          </a:xfrm>
-          <a:prstGeom prst="rect">
-            <a:avLst/>
-          </a:prstGeom>
-        </p:spPr>
-      </p:pic>
-      <p:sp>
-        <p:nvSpPr>
-          <p:cNvPr id="3" name="TextBox 2">
-            <a:extLst>
-              <a:ext uri="{FF2B5EF4-FFF2-40B4-BE49-F238E27FC236}">
-                <a16:creationId xmlns:a16="http://schemas.microsoft.com/office/drawing/2014/main" id="{D51134AE-5B2D-47A7-B916-5B5E3EC05C63}"/>
-              </a:ext>
-            </a:extLst>
-          </p:cNvPr>
-          <p:cNvSpPr txBox="1"/>
-          <p:nvPr/>
-        </p:nvSpPr>
-        <p:spPr>
-          <a:xfrm>
-            <a:off x="3195686" y="2928799"/>
-            <a:ext cx="1715679" cy="369332"/>
-          </a:xfrm>
-          <a:prstGeom prst="rect">
-            <a:avLst/>
-          </a:prstGeom>
-          <a:noFill/>
-        </p:spPr>
-        <p:txBody>
-          <a:bodyPr wrap="square" rtlCol="0">
-            <a:spAutoFit/>
-          </a:bodyPr>
-          <a:lstStyle/>
-          <a:p>
-            <a:r>
-              <a:rPr lang="en-US" dirty="0" err="1">
-                <a:solidFill>
-                  <a:srgbClr val="505F75"/>
-                </a:solidFill>
-                <a:latin typeface="Bahnschrift SemiBold" panose="020B0502040204020203" pitchFamily="34" charset="0"/>
-              </a:rPr>
-              <a:t>Produto</a:t>
-            </a:r>
-            <a:r>
-              <a:rPr lang="en-US" dirty="0">
-                <a:solidFill>
-                  <a:srgbClr val="505F75"/>
-                </a:solidFill>
-                <a:latin typeface="Bahnschrift SemiBold" panose="020B0502040204020203" pitchFamily="34" charset="0"/>
-              </a:rPr>
-              <a:t> 1</a:t>
-            </a:r>
-          </a:p>
-        </p:txBody>
-      </p:sp>
-      <p:sp>
-        <p:nvSpPr>
-          <p:cNvPr id="55" name="TextBox 54">
-            <a:extLst>
-              <a:ext uri="{FF2B5EF4-FFF2-40B4-BE49-F238E27FC236}">
-                <a16:creationId xmlns:a16="http://schemas.microsoft.com/office/drawing/2014/main" id="{BB8DB589-D781-4B47-AC3B-53979A55E0CC}"/>
-              </a:ext>
-            </a:extLst>
-          </p:cNvPr>
-          <p:cNvSpPr txBox="1"/>
-          <p:nvPr/>
-        </p:nvSpPr>
-        <p:spPr>
-          <a:xfrm>
-            <a:off x="3195685" y="3298131"/>
-            <a:ext cx="1715679" cy="276999"/>
-          </a:xfrm>
-          <a:prstGeom prst="rect">
-            <a:avLst/>
-          </a:prstGeom>
-          <a:noFill/>
-        </p:spPr>
-        <p:txBody>
-          <a:bodyPr wrap="square" rtlCol="0">
-            <a:spAutoFit/>
-          </a:bodyPr>
-          <a:lstStyle/>
-          <a:p>
-            <a:r>
-              <a:rPr lang="en-US" sz="1200" dirty="0" err="1">
-                <a:solidFill>
-                  <a:srgbClr val="505F75"/>
-                </a:solidFill>
-                <a:latin typeface="Bahnschrift SemiBold" panose="020B0502040204020203" pitchFamily="34" charset="0"/>
-              </a:rPr>
-              <a:t>Preco</a:t>
-            </a:r>
-            <a:r>
-              <a:rPr lang="en-US" sz="1200" dirty="0">
-                <a:solidFill>
-                  <a:srgbClr val="505F75"/>
-                </a:solidFill>
-                <a:latin typeface="Bahnschrift SemiBold" panose="020B0502040204020203" pitchFamily="34" charset="0"/>
-              </a:rPr>
-              <a:t> por </a:t>
-            </a:r>
-            <a:r>
-              <a:rPr lang="en-US" sz="1200" dirty="0" err="1">
-                <a:solidFill>
-                  <a:srgbClr val="505F75"/>
-                </a:solidFill>
-                <a:latin typeface="Bahnschrift SemiBold" panose="020B0502040204020203" pitchFamily="34" charset="0"/>
-              </a:rPr>
-              <a:t>quantidade</a:t>
-            </a:r>
-            <a:r>
-              <a:rPr lang="en-US" sz="1200" dirty="0">
-                <a:solidFill>
-                  <a:srgbClr val="505F75"/>
-                </a:solidFill>
-                <a:latin typeface="Bahnschrift SemiBold" panose="020B0502040204020203" pitchFamily="34" charset="0"/>
-              </a:rPr>
-              <a:t>:</a:t>
-            </a:r>
-          </a:p>
-        </p:txBody>
-      </p:sp>
-      <p:sp>
-        <p:nvSpPr>
-          <p:cNvPr id="56" name="TextBox 55">
-            <a:extLst>
-              <a:ext uri="{FF2B5EF4-FFF2-40B4-BE49-F238E27FC236}">
-                <a16:creationId xmlns:a16="http://schemas.microsoft.com/office/drawing/2014/main" id="{14EACA82-ED54-4ED9-9104-888DA64D2775}"/>
-              </a:ext>
-            </a:extLst>
-          </p:cNvPr>
-          <p:cNvSpPr txBox="1"/>
-          <p:nvPr/>
-        </p:nvSpPr>
-        <p:spPr>
-          <a:xfrm>
-            <a:off x="3195684" y="3568357"/>
-            <a:ext cx="1715679" cy="276999"/>
-          </a:xfrm>
-          <a:prstGeom prst="rect">
-            <a:avLst/>
-          </a:prstGeom>
-          <a:noFill/>
-        </p:spPr>
-        <p:txBody>
-          <a:bodyPr wrap="square" rtlCol="0">
-            <a:spAutoFit/>
-          </a:bodyPr>
-          <a:lstStyle/>
-          <a:p>
-            <a:r>
-              <a:rPr lang="en-US" sz="1200" dirty="0" err="1">
-                <a:solidFill>
-                  <a:srgbClr val="505F75"/>
-                </a:solidFill>
-                <a:latin typeface="Bahnschrift SemiBold" panose="020B0502040204020203" pitchFamily="34" charset="0"/>
-              </a:rPr>
-              <a:t>Quantidade</a:t>
-            </a:r>
-            <a:r>
-              <a:rPr lang="en-US" sz="1200" dirty="0">
-                <a:solidFill>
-                  <a:srgbClr val="505F75"/>
-                </a:solidFill>
-                <a:latin typeface="Bahnschrift SemiBold" panose="020B0502040204020203" pitchFamily="34" charset="0"/>
-              </a:rPr>
-              <a:t>:</a:t>
-            </a:r>
-          </a:p>
-        </p:txBody>
-      </p:sp>
-      <p:sp>
-        <p:nvSpPr>
-          <p:cNvPr id="8" name="Rectangle 7">
-            <a:extLst>
-              <a:ext uri="{FF2B5EF4-FFF2-40B4-BE49-F238E27FC236}">
-                <a16:creationId xmlns:a16="http://schemas.microsoft.com/office/drawing/2014/main" id="{06A9F95A-2F05-4BEF-B194-1963D895D0C7}"/>
-              </a:ext>
-            </a:extLst>
-          </p:cNvPr>
-          <p:cNvSpPr/>
-          <p:nvPr/>
-        </p:nvSpPr>
-        <p:spPr>
-          <a:xfrm>
-            <a:off x="4911363" y="3245370"/>
-            <a:ext cx="1168923" cy="276999"/>
-          </a:xfrm>
-          <a:prstGeom prst="rect">
-            <a:avLst/>
-          </a:prstGeom>
-          <a:solidFill>
-            <a:schemeClr val="bg1"/>
-          </a:solidFill>
-          <a:ln>
-            <a:solidFill>
-              <a:srgbClr val="505F75"/>
-            </a:solidFill>
-          </a:ln>
-        </p:spPr>
-        <p:style>
-          <a:lnRef idx="2">
-            <a:schemeClr val="accent1">
-              <a:shade val="50000"/>
-            </a:schemeClr>
-          </a:lnRef>
-          <a:fillRef idx="1">
-            <a:schemeClr val="accent1"/>
-          </a:fillRef>
-          <a:effectRef idx="0">
-            <a:schemeClr val="accent1"/>
-          </a:effectRef>
-          <a:fontRef idx="minor">
-            <a:schemeClr val="lt1"/>
-          </a:fontRef>
-        </p:style>
-        <p:txBody>
-          <a:bodyPr rtlCol="0" anchor="ctr"/>
-          <a:lstStyle/>
-          <a:p>
-            <a:pPr algn="ctr"/>
-            <a:endParaRPr lang="en-US"/>
-          </a:p>
-        </p:txBody>
-      </p:sp>
-      <p:sp>
-        <p:nvSpPr>
-          <p:cNvPr id="57" name="Rectangle 56">
-            <a:extLst>
-              <a:ext uri="{FF2B5EF4-FFF2-40B4-BE49-F238E27FC236}">
-                <a16:creationId xmlns:a16="http://schemas.microsoft.com/office/drawing/2014/main" id="{1F0EECC1-7F05-4B3D-98D6-9CFE091DAA08}"/>
-              </a:ext>
-            </a:extLst>
-          </p:cNvPr>
-          <p:cNvSpPr/>
-          <p:nvPr/>
-        </p:nvSpPr>
-        <p:spPr>
-          <a:xfrm>
-            <a:off x="4911363" y="3605967"/>
-            <a:ext cx="1168923" cy="276999"/>
-          </a:xfrm>
-          <a:prstGeom prst="rect">
-            <a:avLst/>
-          </a:prstGeom>
-          <a:solidFill>
-            <a:schemeClr val="bg1"/>
-          </a:solidFill>
-          <a:ln>
-            <a:solidFill>
-              <a:srgbClr val="505F75"/>
-            </a:solidFill>
-          </a:ln>
-        </p:spPr>
-        <p:style>
-          <a:lnRef idx="2">
-            <a:schemeClr val="accent1">
-              <a:shade val="50000"/>
-            </a:schemeClr>
-          </a:lnRef>
-          <a:fillRef idx="1">
-            <a:schemeClr val="accent1"/>
-          </a:fillRef>
-          <a:effectRef idx="0">
-            <a:schemeClr val="accent1"/>
-          </a:effectRef>
-          <a:fontRef idx="minor">
-            <a:schemeClr val="lt1"/>
-          </a:fontRef>
-        </p:style>
-        <p:txBody>
-          <a:bodyPr rtlCol="0" anchor="ctr"/>
-          <a:lstStyle/>
-          <a:p>
-            <a:pPr algn="ctr"/>
-            <a:endParaRPr lang="en-US"/>
-          </a:p>
-        </p:txBody>
-      </p:sp>
-      <p:sp>
-        <p:nvSpPr>
-          <p:cNvPr id="58" name="TextBox 57">
-            <a:extLst>
-              <a:ext uri="{FF2B5EF4-FFF2-40B4-BE49-F238E27FC236}">
-                <a16:creationId xmlns:a16="http://schemas.microsoft.com/office/drawing/2014/main" id="{7BDDBBD0-E538-4BAD-9089-B3B74CDF4F67}"/>
-              </a:ext>
-            </a:extLst>
-          </p:cNvPr>
-          <p:cNvSpPr txBox="1"/>
-          <p:nvPr/>
-        </p:nvSpPr>
-        <p:spPr>
-          <a:xfrm>
-            <a:off x="3195684" y="1598651"/>
-            <a:ext cx="1715679" cy="369332"/>
-          </a:xfrm>
-          <a:prstGeom prst="rect">
-            <a:avLst/>
-          </a:prstGeom>
-          <a:noFill/>
-        </p:spPr>
-        <p:txBody>
-          <a:bodyPr wrap="square" rtlCol="0">
-            <a:spAutoFit/>
-          </a:bodyPr>
-          <a:lstStyle/>
-          <a:p>
-            <a:r>
-              <a:rPr lang="en-US" dirty="0" err="1">
-                <a:solidFill>
-                  <a:srgbClr val="505F75"/>
-                </a:solidFill>
-                <a:latin typeface="Bahnschrift SemiBold" panose="020B0502040204020203" pitchFamily="34" charset="0"/>
-              </a:rPr>
-              <a:t>Servico</a:t>
-            </a:r>
-            <a:endParaRPr lang="en-US" dirty="0">
-              <a:solidFill>
-                <a:srgbClr val="505F75"/>
-              </a:solidFill>
-              <a:latin typeface="Bahnschrift SemiBold" panose="020B0502040204020203" pitchFamily="34" charset="0"/>
-            </a:endParaRPr>
-          </a:p>
-        </p:txBody>
-      </p:sp>
-      <p:sp>
-        <p:nvSpPr>
-          <p:cNvPr id="59" name="TextBox 58">
-            <a:extLst>
-              <a:ext uri="{FF2B5EF4-FFF2-40B4-BE49-F238E27FC236}">
-                <a16:creationId xmlns:a16="http://schemas.microsoft.com/office/drawing/2014/main" id="{CF93E494-44AA-46A2-B957-3E8E43C77E7B}"/>
-              </a:ext>
-            </a:extLst>
-          </p:cNvPr>
-          <p:cNvSpPr txBox="1"/>
-          <p:nvPr/>
-        </p:nvSpPr>
-        <p:spPr>
-          <a:xfrm>
-            <a:off x="3195685" y="1936729"/>
-            <a:ext cx="1715679" cy="276999"/>
-          </a:xfrm>
-          <a:prstGeom prst="rect">
-            <a:avLst/>
-          </a:prstGeom>
-          <a:noFill/>
-        </p:spPr>
-        <p:txBody>
-          <a:bodyPr wrap="square" rtlCol="0">
-            <a:spAutoFit/>
-          </a:bodyPr>
-          <a:lstStyle/>
-          <a:p>
-            <a:r>
-              <a:rPr lang="en-US" sz="1200" dirty="0">
-                <a:solidFill>
-                  <a:srgbClr val="505F75"/>
-                </a:solidFill>
-                <a:latin typeface="Bahnschrift SemiBold" panose="020B0502040204020203" pitchFamily="34" charset="0"/>
-              </a:rPr>
-              <a:t>Mao-de-</a:t>
-            </a:r>
-            <a:r>
-              <a:rPr lang="en-US" sz="1200" dirty="0" err="1">
-                <a:solidFill>
-                  <a:srgbClr val="505F75"/>
-                </a:solidFill>
-                <a:latin typeface="Bahnschrift SemiBold" panose="020B0502040204020203" pitchFamily="34" charset="0"/>
-              </a:rPr>
-              <a:t>obra</a:t>
-            </a:r>
-            <a:r>
-              <a:rPr lang="en-US" sz="1200" dirty="0">
-                <a:solidFill>
-                  <a:srgbClr val="505F75"/>
-                </a:solidFill>
-                <a:latin typeface="Bahnschrift SemiBold" panose="020B0502040204020203" pitchFamily="34" charset="0"/>
-              </a:rPr>
-              <a:t>:</a:t>
-            </a:r>
-          </a:p>
-        </p:txBody>
-      </p:sp>
-      <p:sp>
-        <p:nvSpPr>
-          <p:cNvPr id="60" name="TextBox 59">
-            <a:extLst>
-              <a:ext uri="{FF2B5EF4-FFF2-40B4-BE49-F238E27FC236}">
-                <a16:creationId xmlns:a16="http://schemas.microsoft.com/office/drawing/2014/main" id="{B8CDCE09-9E5C-45ED-89C8-4A75F6148330}"/>
-              </a:ext>
-            </a:extLst>
-          </p:cNvPr>
-          <p:cNvSpPr txBox="1"/>
-          <p:nvPr/>
-        </p:nvSpPr>
-        <p:spPr>
-          <a:xfrm>
-            <a:off x="3195684" y="2206955"/>
-            <a:ext cx="1715679" cy="276999"/>
-          </a:xfrm>
-          <a:prstGeom prst="rect">
-            <a:avLst/>
-          </a:prstGeom>
-          <a:noFill/>
-        </p:spPr>
-        <p:txBody>
-          <a:bodyPr wrap="square" rtlCol="0">
-            <a:spAutoFit/>
-          </a:bodyPr>
-          <a:lstStyle/>
-          <a:p>
-            <a:r>
-              <a:rPr lang="en-US" sz="1200" dirty="0" err="1">
-                <a:solidFill>
-                  <a:srgbClr val="505F75"/>
-                </a:solidFill>
-                <a:latin typeface="Bahnschrift SemiBold" panose="020B0502040204020203" pitchFamily="34" charset="0"/>
-              </a:rPr>
-              <a:t>Imposto</a:t>
-            </a:r>
-            <a:r>
-              <a:rPr lang="en-US" sz="1200" dirty="0">
-                <a:solidFill>
-                  <a:srgbClr val="505F75"/>
-                </a:solidFill>
-                <a:latin typeface="Bahnschrift SemiBold" panose="020B0502040204020203" pitchFamily="34" charset="0"/>
-              </a:rPr>
-              <a:t> (%):</a:t>
-            </a:r>
-          </a:p>
-        </p:txBody>
-      </p:sp>
-      <p:sp>
-        <p:nvSpPr>
-          <p:cNvPr id="61" name="Rectangle 60">
-            <a:extLst>
-              <a:ext uri="{FF2B5EF4-FFF2-40B4-BE49-F238E27FC236}">
-                <a16:creationId xmlns:a16="http://schemas.microsoft.com/office/drawing/2014/main" id="{C4D5FEEA-734D-4AC7-B307-215C97215786}"/>
-              </a:ext>
-            </a:extLst>
-          </p:cNvPr>
-          <p:cNvSpPr/>
-          <p:nvPr/>
-        </p:nvSpPr>
-        <p:spPr>
-          <a:xfrm>
-            <a:off x="4911363" y="1883968"/>
-            <a:ext cx="1168923" cy="276999"/>
-          </a:xfrm>
-          <a:prstGeom prst="rect">
-            <a:avLst/>
-          </a:prstGeom>
-          <a:solidFill>
-            <a:schemeClr val="bg1"/>
-          </a:solidFill>
-          <a:ln>
-            <a:solidFill>
-              <a:srgbClr val="505F75"/>
-            </a:solidFill>
-          </a:ln>
-        </p:spPr>
-        <p:style>
-          <a:lnRef idx="2">
-            <a:schemeClr val="accent1">
-              <a:shade val="50000"/>
-            </a:schemeClr>
-          </a:lnRef>
-          <a:fillRef idx="1">
-            <a:schemeClr val="accent1"/>
-          </a:fillRef>
-          <a:effectRef idx="0">
-            <a:schemeClr val="accent1"/>
-          </a:effectRef>
-          <a:fontRef idx="minor">
-            <a:schemeClr val="lt1"/>
-          </a:fontRef>
-        </p:style>
-        <p:txBody>
-          <a:bodyPr rtlCol="0" anchor="ctr"/>
-          <a:lstStyle/>
-          <a:p>
-            <a:pPr algn="ctr"/>
-            <a:endParaRPr lang="en-US"/>
-          </a:p>
-        </p:txBody>
-      </p:sp>
-      <p:sp>
-        <p:nvSpPr>
-          <p:cNvPr id="62" name="Rectangle 61">
-            <a:extLst>
-              <a:ext uri="{FF2B5EF4-FFF2-40B4-BE49-F238E27FC236}">
-                <a16:creationId xmlns:a16="http://schemas.microsoft.com/office/drawing/2014/main" id="{85F15B78-3BCF-450F-9E3A-700D1EC5F526}"/>
-              </a:ext>
-            </a:extLst>
-          </p:cNvPr>
-          <p:cNvSpPr/>
-          <p:nvPr/>
-        </p:nvSpPr>
-        <p:spPr>
-          <a:xfrm>
-            <a:off x="4911363" y="2244565"/>
-            <a:ext cx="1168923" cy="276999"/>
-          </a:xfrm>
-          <a:prstGeom prst="rect">
-            <a:avLst/>
-          </a:prstGeom>
-          <a:solidFill>
-            <a:schemeClr val="bg1"/>
-          </a:solidFill>
-          <a:ln>
-            <a:solidFill>
-              <a:srgbClr val="505F75"/>
-            </a:solidFill>
-          </a:ln>
-        </p:spPr>
-        <p:style>
-          <a:lnRef idx="2">
-            <a:schemeClr val="accent1">
-              <a:shade val="50000"/>
-            </a:schemeClr>
-          </a:lnRef>
-          <a:fillRef idx="1">
-            <a:schemeClr val="accent1"/>
-          </a:fillRef>
-          <a:effectRef idx="0">
-            <a:schemeClr val="accent1"/>
-          </a:effectRef>
-          <a:fontRef idx="minor">
-            <a:schemeClr val="lt1"/>
-          </a:fontRef>
-        </p:style>
-        <p:txBody>
-          <a:bodyPr rtlCol="0" anchor="ctr"/>
-          <a:lstStyle/>
-          <a:p>
-            <a:pPr algn="ctr"/>
-            <a:endParaRPr lang="en-US"/>
-          </a:p>
-        </p:txBody>
-      </p:sp>
-      <p:sp>
-        <p:nvSpPr>
-          <p:cNvPr id="63" name="TextBox 62">
-            <a:extLst>
-              <a:ext uri="{FF2B5EF4-FFF2-40B4-BE49-F238E27FC236}">
-                <a16:creationId xmlns:a16="http://schemas.microsoft.com/office/drawing/2014/main" id="{C13C77AB-4025-4020-87C1-D3109A9C61ED}"/>
-              </a:ext>
-            </a:extLst>
-          </p:cNvPr>
-          <p:cNvSpPr txBox="1"/>
-          <p:nvPr/>
-        </p:nvSpPr>
-        <p:spPr>
-          <a:xfrm>
-            <a:off x="3195684" y="2567552"/>
-            <a:ext cx="1715679" cy="276999"/>
-          </a:xfrm>
-          <a:prstGeom prst="rect">
-            <a:avLst/>
-          </a:prstGeom>
-          <a:noFill/>
-        </p:spPr>
-        <p:txBody>
-          <a:bodyPr wrap="square" rtlCol="0">
-            <a:spAutoFit/>
-          </a:bodyPr>
-          <a:lstStyle/>
-          <a:p>
-            <a:r>
-              <a:rPr lang="en-US" sz="1200" dirty="0" err="1">
-                <a:solidFill>
-                  <a:srgbClr val="505F75"/>
-                </a:solidFill>
-                <a:latin typeface="Bahnschrift SemiBold" panose="020B0502040204020203" pitchFamily="34" charset="0"/>
-              </a:rPr>
-              <a:t>Lucro</a:t>
-            </a:r>
-            <a:r>
-              <a:rPr lang="en-US" sz="1200" dirty="0">
-                <a:solidFill>
-                  <a:srgbClr val="505F75"/>
-                </a:solidFill>
-                <a:latin typeface="Bahnschrift SemiBold" panose="020B0502040204020203" pitchFamily="34" charset="0"/>
-              </a:rPr>
-              <a:t> </a:t>
-            </a:r>
-            <a:r>
-              <a:rPr lang="en-US" sz="1200" dirty="0" err="1">
-                <a:solidFill>
-                  <a:srgbClr val="505F75"/>
-                </a:solidFill>
-                <a:latin typeface="Bahnschrift SemiBold" panose="020B0502040204020203" pitchFamily="34" charset="0"/>
-              </a:rPr>
-              <a:t>desejado</a:t>
-            </a:r>
-            <a:r>
-              <a:rPr lang="en-US" sz="1200" dirty="0">
-                <a:solidFill>
-                  <a:srgbClr val="505F75"/>
-                </a:solidFill>
-                <a:latin typeface="Bahnschrift SemiBold" panose="020B0502040204020203" pitchFamily="34" charset="0"/>
-              </a:rPr>
-              <a:t> (%):</a:t>
-            </a:r>
-          </a:p>
-        </p:txBody>
-      </p:sp>
-      <p:sp>
-        <p:nvSpPr>
-          <p:cNvPr id="64" name="Rectangle 63">
-            <a:extLst>
-              <a:ext uri="{FF2B5EF4-FFF2-40B4-BE49-F238E27FC236}">
-                <a16:creationId xmlns:a16="http://schemas.microsoft.com/office/drawing/2014/main" id="{878FB88E-AAAA-4D9F-85A5-8A99AAA89F2C}"/>
-              </a:ext>
-            </a:extLst>
-          </p:cNvPr>
-          <p:cNvSpPr/>
-          <p:nvPr/>
-        </p:nvSpPr>
-        <p:spPr>
-          <a:xfrm>
-            <a:off x="4911363" y="2605162"/>
-            <a:ext cx="1168923" cy="276999"/>
-          </a:xfrm>
-          <a:prstGeom prst="rect">
-            <a:avLst/>
-          </a:prstGeom>
-          <a:solidFill>
-            <a:schemeClr val="bg1"/>
-          </a:solidFill>
-          <a:ln>
-            <a:solidFill>
-              <a:srgbClr val="505F75"/>
-            </a:solidFill>
-          </a:ln>
-        </p:spPr>
-        <p:style>
-          <a:lnRef idx="2">
-            <a:schemeClr val="accent1">
-              <a:shade val="50000"/>
-            </a:schemeClr>
-          </a:lnRef>
-          <a:fillRef idx="1">
-            <a:schemeClr val="accent1"/>
-          </a:fillRef>
-          <a:effectRef idx="0">
-            <a:schemeClr val="accent1"/>
-          </a:effectRef>
-          <a:fontRef idx="minor">
-            <a:schemeClr val="lt1"/>
-          </a:fontRef>
-        </p:style>
-        <p:txBody>
-          <a:bodyPr rtlCol="0" anchor="ctr"/>
-          <a:lstStyle/>
-          <a:p>
-            <a:pPr algn="ctr"/>
-            <a:endParaRPr lang="en-US"/>
-          </a:p>
-        </p:txBody>
-      </p:sp>
-      <p:sp>
-        <p:nvSpPr>
-          <p:cNvPr id="9" name="Rectangle: Rounded Corners 8">
-            <a:extLst>
-              <a:ext uri="{FF2B5EF4-FFF2-40B4-BE49-F238E27FC236}">
-                <a16:creationId xmlns:a16="http://schemas.microsoft.com/office/drawing/2014/main" id="{D23A5BDD-AECE-4B23-B8D6-2F0DF40DCC38}"/>
-              </a:ext>
-            </a:extLst>
-          </p:cNvPr>
-          <p:cNvSpPr/>
-          <p:nvPr/>
-        </p:nvSpPr>
-        <p:spPr>
-          <a:xfrm>
-            <a:off x="3195684" y="4021937"/>
-            <a:ext cx="1470582" cy="517971"/>
-          </a:xfrm>
-          <a:prstGeom prst="roundRect">
-            <a:avLst/>
-          </a:prstGeom>
-        </p:spPr>
-        <p:style>
-          <a:lnRef idx="2">
-            <a:schemeClr val="accent6">
-              <a:shade val="50000"/>
-            </a:schemeClr>
-          </a:lnRef>
-          <a:fillRef idx="1">
-            <a:schemeClr val="accent6"/>
-          </a:fillRef>
-          <a:effectRef idx="0">
-            <a:schemeClr val="accent6"/>
-          </a:effectRef>
-          <a:fontRef idx="minor">
-            <a:schemeClr val="lt1"/>
-          </a:fontRef>
-        </p:style>
-        <p:txBody>
-          <a:bodyPr rtlCol="0" anchor="ctr"/>
-          <a:lstStyle/>
-          <a:p>
-            <a:pPr algn="ctr"/>
-            <a:r>
-              <a:rPr lang="en-US" sz="1400" dirty="0" err="1">
-                <a:latin typeface="Bahnschrift SemiBold" panose="020B0502040204020203" pitchFamily="34" charset="0"/>
-              </a:rPr>
-              <a:t>Adicionar</a:t>
-            </a:r>
-            <a:r>
-              <a:rPr lang="en-US" sz="1400" dirty="0">
-                <a:latin typeface="Bahnschrift SemiBold" panose="020B0502040204020203" pitchFamily="34" charset="0"/>
-              </a:rPr>
-              <a:t> </a:t>
-            </a:r>
-            <a:r>
-              <a:rPr lang="en-US" sz="1400" dirty="0" err="1">
-                <a:latin typeface="Bahnschrift SemiBold" panose="020B0502040204020203" pitchFamily="34" charset="0"/>
-              </a:rPr>
-              <a:t>Produto</a:t>
-            </a:r>
-            <a:endParaRPr lang="en-US" sz="1400" dirty="0">
-              <a:latin typeface="Bahnschrift SemiBold" panose="020B0502040204020203" pitchFamily="34" charset="0"/>
-            </a:endParaRPr>
-          </a:p>
-        </p:txBody>
-      </p:sp>
-      <p:sp>
-        <p:nvSpPr>
-          <p:cNvPr id="65" name="Rectangle: Rounded Corners 64">
-            <a:extLst>
-              <a:ext uri="{FF2B5EF4-FFF2-40B4-BE49-F238E27FC236}">
-                <a16:creationId xmlns:a16="http://schemas.microsoft.com/office/drawing/2014/main" id="{0B2AF544-EC37-4304-A16C-C554EF80C0C7}"/>
-              </a:ext>
-            </a:extLst>
-          </p:cNvPr>
-          <p:cNvSpPr/>
-          <p:nvPr/>
-        </p:nvSpPr>
-        <p:spPr>
-          <a:xfrm>
-            <a:off x="4885654" y="4021937"/>
-            <a:ext cx="1470582" cy="517971"/>
-          </a:xfrm>
-          <a:prstGeom prst="roundRect">
-            <a:avLst/>
-          </a:prstGeom>
-          <a:solidFill>
-            <a:srgbClr val="FF0000"/>
-          </a:solidFill>
-        </p:spPr>
-        <p:style>
-          <a:lnRef idx="2">
-            <a:schemeClr val="accent1">
-              <a:shade val="50000"/>
-            </a:schemeClr>
-          </a:lnRef>
-          <a:fillRef idx="1">
-            <a:schemeClr val="accent1"/>
-          </a:fillRef>
-          <a:effectRef idx="0">
-            <a:schemeClr val="accent1"/>
-          </a:effectRef>
-          <a:fontRef idx="minor">
-            <a:schemeClr val="lt1"/>
-          </a:fontRef>
-        </p:style>
-        <p:txBody>
-          <a:bodyPr rtlCol="0" anchor="ctr"/>
-          <a:lstStyle/>
-          <a:p>
-            <a:pPr algn="ctr"/>
-            <a:r>
-              <a:rPr lang="en-US" sz="1400" dirty="0">
-                <a:latin typeface="Bahnschrift SemiBold" panose="020B0502040204020203" pitchFamily="34" charset="0"/>
-              </a:rPr>
-              <a:t>Remover </a:t>
-            </a:r>
-            <a:r>
-              <a:rPr lang="en-US" sz="1400" dirty="0" err="1">
-                <a:latin typeface="Bahnschrift SemiBold" panose="020B0502040204020203" pitchFamily="34" charset="0"/>
-              </a:rPr>
-              <a:t>Produto</a:t>
-            </a:r>
-            <a:endParaRPr lang="en-US" sz="1400" dirty="0">
-              <a:latin typeface="Bahnschrift SemiBold" panose="020B0502040204020203" pitchFamily="34" charset="0"/>
-            </a:endParaRPr>
-          </a:p>
-        </p:txBody>
-      </p:sp>
-      <p:sp>
-        <p:nvSpPr>
-          <p:cNvPr id="66" name="TextBox 65">
-            <a:extLst>
-              <a:ext uri="{FF2B5EF4-FFF2-40B4-BE49-F238E27FC236}">
-                <a16:creationId xmlns:a16="http://schemas.microsoft.com/office/drawing/2014/main" id="{3D5F9DEC-7130-4E90-BD11-872D31CED3D4}"/>
-              </a:ext>
-            </a:extLst>
-          </p:cNvPr>
-          <p:cNvSpPr txBox="1"/>
-          <p:nvPr/>
-        </p:nvSpPr>
-        <p:spPr>
-          <a:xfrm>
-            <a:off x="3195684" y="4681810"/>
-            <a:ext cx="2714922" cy="369332"/>
-          </a:xfrm>
-          <a:prstGeom prst="rect">
-            <a:avLst/>
-          </a:prstGeom>
-          <a:noFill/>
-        </p:spPr>
-        <p:txBody>
-          <a:bodyPr wrap="square" rtlCol="0">
-            <a:spAutoFit/>
-          </a:bodyPr>
-          <a:lstStyle/>
-          <a:p>
-            <a:r>
-              <a:rPr lang="en-US" dirty="0">
-                <a:solidFill>
-                  <a:schemeClr val="bg1"/>
-                </a:solidFill>
-                <a:latin typeface="Bahnschrift SemiBold" panose="020B0502040204020203" pitchFamily="34" charset="0"/>
-              </a:rPr>
-              <a:t>Valor de </a:t>
-            </a:r>
-            <a:r>
-              <a:rPr lang="en-US" dirty="0" err="1">
-                <a:solidFill>
-                  <a:schemeClr val="bg1"/>
-                </a:solidFill>
-                <a:latin typeface="Bahnschrift SemiBold" panose="020B0502040204020203" pitchFamily="34" charset="0"/>
-              </a:rPr>
-              <a:t>venda</a:t>
-            </a:r>
-            <a:r>
-              <a:rPr lang="en-US" dirty="0">
-                <a:solidFill>
-                  <a:schemeClr val="bg1"/>
-                </a:solidFill>
-                <a:latin typeface="Bahnschrift SemiBold" panose="020B0502040204020203" pitchFamily="34" charset="0"/>
-              </a:rPr>
-              <a:t>: XXXX</a:t>
-            </a:r>
-          </a:p>
-        </p:txBody>
-      </p:sp>
-      <p:sp>
-        <p:nvSpPr>
-          <p:cNvPr id="67" name="TextBox 66">
-            <a:extLst>
-              <a:ext uri="{FF2B5EF4-FFF2-40B4-BE49-F238E27FC236}">
-                <a16:creationId xmlns:a16="http://schemas.microsoft.com/office/drawing/2014/main" id="{77058248-BC05-421A-83E9-CB790AA37587}"/>
-              </a:ext>
-            </a:extLst>
-          </p:cNvPr>
-          <p:cNvSpPr txBox="1"/>
-          <p:nvPr/>
-        </p:nvSpPr>
-        <p:spPr>
-          <a:xfrm>
-            <a:off x="6897479" y="1565991"/>
-            <a:ext cx="2713349" cy="307777"/>
-          </a:xfrm>
-          <a:prstGeom prst="rect">
-            <a:avLst/>
-          </a:prstGeom>
-          <a:noFill/>
-        </p:spPr>
-        <p:txBody>
-          <a:bodyPr wrap="square" rtlCol="0">
-            <a:spAutoFit/>
-          </a:bodyPr>
-          <a:lstStyle/>
-          <a:p>
-            <a:r>
-              <a:rPr lang="en-US" sz="1400" dirty="0">
-                <a:solidFill>
-                  <a:srgbClr val="505F75"/>
-                </a:solidFill>
-                <a:latin typeface="Bahnschrift SemiBold" panose="020B0502040204020203" pitchFamily="34" charset="0"/>
-              </a:rPr>
-              <a:t>Novo </a:t>
-            </a:r>
-            <a:r>
-              <a:rPr lang="en-US" sz="1400" dirty="0" err="1">
-                <a:solidFill>
-                  <a:srgbClr val="505F75"/>
-                </a:solidFill>
-                <a:latin typeface="Bahnschrift SemiBold" panose="020B0502040204020203" pitchFamily="34" charset="0"/>
-              </a:rPr>
-              <a:t>custo</a:t>
-            </a:r>
-            <a:r>
-              <a:rPr lang="en-US" sz="1400" dirty="0">
-                <a:solidFill>
-                  <a:srgbClr val="505F75"/>
-                </a:solidFill>
-                <a:latin typeface="Bahnschrift SemiBold" panose="020B0502040204020203" pitchFamily="34" charset="0"/>
-              </a:rPr>
-              <a:t> do </a:t>
-            </a:r>
-            <a:r>
-              <a:rPr lang="en-US" sz="1400" dirty="0" err="1">
-                <a:solidFill>
-                  <a:srgbClr val="505F75"/>
-                </a:solidFill>
-                <a:latin typeface="Bahnschrift SemiBold" panose="020B0502040204020203" pitchFamily="34" charset="0"/>
-              </a:rPr>
-              <a:t>produto</a:t>
-            </a:r>
-            <a:r>
-              <a:rPr lang="en-US" sz="1400" dirty="0">
-                <a:solidFill>
-                  <a:srgbClr val="505F75"/>
-                </a:solidFill>
-                <a:latin typeface="Bahnschrift SemiBold" panose="020B0502040204020203" pitchFamily="34" charset="0"/>
-              </a:rPr>
-              <a:t>:</a:t>
-            </a:r>
-          </a:p>
-        </p:txBody>
-      </p:sp>
-      <p:sp>
-        <p:nvSpPr>
-          <p:cNvPr id="68" name="TextBox 67">
-            <a:extLst>
-              <a:ext uri="{FF2B5EF4-FFF2-40B4-BE49-F238E27FC236}">
-                <a16:creationId xmlns:a16="http://schemas.microsoft.com/office/drawing/2014/main" id="{F88F64D1-D2AC-4896-813B-9982406EA2B4}"/>
-              </a:ext>
-            </a:extLst>
-          </p:cNvPr>
-          <p:cNvSpPr txBox="1"/>
-          <p:nvPr/>
-        </p:nvSpPr>
-        <p:spPr>
-          <a:xfrm>
-            <a:off x="6897478" y="1933059"/>
-            <a:ext cx="2713349" cy="307777"/>
-          </a:xfrm>
-          <a:prstGeom prst="rect">
-            <a:avLst/>
-          </a:prstGeom>
-          <a:noFill/>
-        </p:spPr>
-        <p:txBody>
-          <a:bodyPr wrap="square" rtlCol="0">
-            <a:spAutoFit/>
-          </a:bodyPr>
-          <a:lstStyle/>
-          <a:p>
-            <a:r>
-              <a:rPr lang="en-US" sz="1400" dirty="0" err="1">
-                <a:solidFill>
-                  <a:srgbClr val="505F75"/>
-                </a:solidFill>
-                <a:latin typeface="Bahnschrift SemiBold" panose="020B0502040204020203" pitchFamily="34" charset="0"/>
-              </a:rPr>
-              <a:t>Imposto</a:t>
-            </a:r>
-            <a:r>
-              <a:rPr lang="en-US" sz="1400" dirty="0">
-                <a:solidFill>
-                  <a:srgbClr val="505F75"/>
-                </a:solidFill>
-                <a:latin typeface="Bahnschrift SemiBold" panose="020B0502040204020203" pitchFamily="34" charset="0"/>
-              </a:rPr>
-              <a:t> (%):</a:t>
-            </a:r>
-          </a:p>
-        </p:txBody>
-      </p:sp>
-      <p:sp>
-        <p:nvSpPr>
-          <p:cNvPr id="69" name="TextBox 68">
-            <a:extLst>
-              <a:ext uri="{FF2B5EF4-FFF2-40B4-BE49-F238E27FC236}">
-                <a16:creationId xmlns:a16="http://schemas.microsoft.com/office/drawing/2014/main" id="{71E69C6C-D5D2-44C8-ACE2-DEE979080A38}"/>
-              </a:ext>
-            </a:extLst>
-          </p:cNvPr>
-          <p:cNvSpPr txBox="1"/>
-          <p:nvPr/>
-        </p:nvSpPr>
-        <p:spPr>
-          <a:xfrm>
-            <a:off x="6897478" y="2338319"/>
-            <a:ext cx="2713349" cy="307777"/>
-          </a:xfrm>
-          <a:prstGeom prst="rect">
-            <a:avLst/>
-          </a:prstGeom>
-          <a:noFill/>
-        </p:spPr>
-        <p:txBody>
-          <a:bodyPr wrap="square" rtlCol="0">
-            <a:spAutoFit/>
-          </a:bodyPr>
-          <a:lstStyle/>
-          <a:p>
-            <a:r>
-              <a:rPr lang="en-US" sz="1400" dirty="0" err="1">
-                <a:solidFill>
-                  <a:srgbClr val="505F75"/>
-                </a:solidFill>
-                <a:latin typeface="Bahnschrift SemiBold" panose="020B0502040204020203" pitchFamily="34" charset="0"/>
-              </a:rPr>
-              <a:t>Lucro</a:t>
-            </a:r>
-            <a:r>
-              <a:rPr lang="en-US" sz="1400" dirty="0">
-                <a:solidFill>
-                  <a:srgbClr val="505F75"/>
-                </a:solidFill>
-                <a:latin typeface="Bahnschrift SemiBold" panose="020B0502040204020203" pitchFamily="34" charset="0"/>
-              </a:rPr>
-              <a:t> </a:t>
-            </a:r>
-            <a:r>
-              <a:rPr lang="en-US" sz="1400" dirty="0" err="1">
-                <a:solidFill>
-                  <a:srgbClr val="505F75"/>
-                </a:solidFill>
-                <a:latin typeface="Bahnschrift SemiBold" panose="020B0502040204020203" pitchFamily="34" charset="0"/>
-              </a:rPr>
-              <a:t>desejado</a:t>
-            </a:r>
-            <a:r>
-              <a:rPr lang="en-US" sz="1400" dirty="0">
-                <a:solidFill>
-                  <a:srgbClr val="505F75"/>
-                </a:solidFill>
-                <a:latin typeface="Bahnschrift SemiBold" panose="020B0502040204020203" pitchFamily="34" charset="0"/>
-              </a:rPr>
-              <a:t> (%): </a:t>
-            </a:r>
-          </a:p>
-        </p:txBody>
-      </p:sp>
-      <p:sp>
-        <p:nvSpPr>
-          <p:cNvPr id="70" name="Rectangle 69">
-            <a:extLst>
-              <a:ext uri="{FF2B5EF4-FFF2-40B4-BE49-F238E27FC236}">
-                <a16:creationId xmlns:a16="http://schemas.microsoft.com/office/drawing/2014/main" id="{6EB3032C-9973-451F-84F0-D4FF04C0F166}"/>
-              </a:ext>
-            </a:extLst>
-          </p:cNvPr>
-          <p:cNvSpPr/>
-          <p:nvPr/>
-        </p:nvSpPr>
-        <p:spPr>
-          <a:xfrm>
-            <a:off x="8988657" y="1564204"/>
-            <a:ext cx="1244340" cy="300960"/>
-          </a:xfrm>
-          <a:prstGeom prst="rect">
-            <a:avLst/>
-          </a:prstGeom>
-          <a:solidFill>
-            <a:schemeClr val="bg1"/>
-          </a:solidFill>
-          <a:ln>
-            <a:solidFill>
-              <a:srgbClr val="505F75"/>
-            </a:solidFill>
-          </a:ln>
-        </p:spPr>
-        <p:style>
-          <a:lnRef idx="2">
-            <a:schemeClr val="accent1">
-              <a:shade val="50000"/>
-            </a:schemeClr>
-          </a:lnRef>
-          <a:fillRef idx="1">
-            <a:schemeClr val="accent1"/>
-          </a:fillRef>
-          <a:effectRef idx="0">
-            <a:schemeClr val="accent1"/>
-          </a:effectRef>
-          <a:fontRef idx="minor">
-            <a:schemeClr val="lt1"/>
-          </a:fontRef>
-        </p:style>
-        <p:txBody>
-          <a:bodyPr rtlCol="0" anchor="ctr"/>
-          <a:lstStyle/>
-          <a:p>
-            <a:pPr algn="ctr"/>
-            <a:endParaRPr lang="en-US"/>
-          </a:p>
-        </p:txBody>
-      </p:sp>
-      <p:sp>
-        <p:nvSpPr>
-          <p:cNvPr id="71" name="Rectangle 70">
-            <a:extLst>
-              <a:ext uri="{FF2B5EF4-FFF2-40B4-BE49-F238E27FC236}">
-                <a16:creationId xmlns:a16="http://schemas.microsoft.com/office/drawing/2014/main" id="{ACFC7834-2171-4EBF-9768-D78E30A49891}"/>
-              </a:ext>
-            </a:extLst>
-          </p:cNvPr>
-          <p:cNvSpPr/>
-          <p:nvPr/>
-        </p:nvSpPr>
-        <p:spPr>
-          <a:xfrm>
-            <a:off x="8988657" y="1950995"/>
-            <a:ext cx="1244340" cy="300960"/>
-          </a:xfrm>
-          <a:prstGeom prst="rect">
-            <a:avLst/>
-          </a:prstGeom>
-          <a:solidFill>
-            <a:schemeClr val="bg1"/>
-          </a:solidFill>
-          <a:ln>
-            <a:solidFill>
-              <a:srgbClr val="505F75"/>
-            </a:solidFill>
-          </a:ln>
-        </p:spPr>
-        <p:style>
-          <a:lnRef idx="2">
-            <a:schemeClr val="accent1">
-              <a:shade val="50000"/>
-            </a:schemeClr>
-          </a:lnRef>
-          <a:fillRef idx="1">
-            <a:schemeClr val="accent1"/>
-          </a:fillRef>
-          <a:effectRef idx="0">
-            <a:schemeClr val="accent1"/>
-          </a:effectRef>
-          <a:fontRef idx="minor">
-            <a:schemeClr val="lt1"/>
-          </a:fontRef>
-        </p:style>
-        <p:txBody>
-          <a:bodyPr rtlCol="0" anchor="ctr"/>
-          <a:lstStyle/>
-          <a:p>
-            <a:pPr algn="ctr"/>
-            <a:endParaRPr lang="en-US"/>
-          </a:p>
-        </p:txBody>
-      </p:sp>
-      <p:sp>
-        <p:nvSpPr>
-          <p:cNvPr id="72" name="Rectangle 71">
-            <a:extLst>
-              <a:ext uri="{FF2B5EF4-FFF2-40B4-BE49-F238E27FC236}">
-                <a16:creationId xmlns:a16="http://schemas.microsoft.com/office/drawing/2014/main" id="{EBD2B9F3-9784-40CE-8164-DC2150C9D925}"/>
-              </a:ext>
-            </a:extLst>
-          </p:cNvPr>
-          <p:cNvSpPr/>
-          <p:nvPr/>
-        </p:nvSpPr>
-        <p:spPr>
-          <a:xfrm>
-            <a:off x="8988657" y="2348616"/>
-            <a:ext cx="1244340" cy="300960"/>
-          </a:xfrm>
-          <a:prstGeom prst="rect">
-            <a:avLst/>
-          </a:prstGeom>
-          <a:solidFill>
-            <a:schemeClr val="bg1"/>
-          </a:solidFill>
-          <a:ln>
-            <a:solidFill>
-              <a:srgbClr val="505F75"/>
-            </a:solidFill>
-          </a:ln>
-        </p:spPr>
-        <p:style>
-          <a:lnRef idx="2">
-            <a:schemeClr val="accent1">
-              <a:shade val="50000"/>
-            </a:schemeClr>
-          </a:lnRef>
-          <a:fillRef idx="1">
-            <a:schemeClr val="accent1"/>
-          </a:fillRef>
-          <a:effectRef idx="0">
-            <a:schemeClr val="accent1"/>
-          </a:effectRef>
-          <a:fontRef idx="minor">
-            <a:schemeClr val="lt1"/>
-          </a:fontRef>
-        </p:style>
-        <p:txBody>
-          <a:bodyPr rtlCol="0" anchor="ctr"/>
-          <a:lstStyle/>
-          <a:p>
-            <a:pPr algn="ctr"/>
-            <a:endParaRPr lang="en-US"/>
-          </a:p>
-        </p:txBody>
-      </p:sp>
-      <p:sp>
-        <p:nvSpPr>
-          <p:cNvPr id="73" name="TextBox 72">
-            <a:extLst>
-              <a:ext uri="{FF2B5EF4-FFF2-40B4-BE49-F238E27FC236}">
-                <a16:creationId xmlns:a16="http://schemas.microsoft.com/office/drawing/2014/main" id="{8051EF10-AF1B-4B30-B9FE-2650917B9E3D}"/>
-              </a:ext>
-            </a:extLst>
-          </p:cNvPr>
-          <p:cNvSpPr txBox="1"/>
-          <p:nvPr/>
-        </p:nvSpPr>
-        <p:spPr>
-          <a:xfrm>
-            <a:off x="6897478" y="2800061"/>
-            <a:ext cx="2714922" cy="369332"/>
-          </a:xfrm>
-          <a:prstGeom prst="rect">
-            <a:avLst/>
-          </a:prstGeom>
-          <a:noFill/>
-        </p:spPr>
-        <p:txBody>
-          <a:bodyPr wrap="square" rtlCol="0">
-            <a:spAutoFit/>
-          </a:bodyPr>
-          <a:lstStyle/>
-          <a:p>
-            <a:r>
-              <a:rPr lang="en-US" dirty="0">
-                <a:solidFill>
-                  <a:schemeClr val="bg1"/>
-                </a:solidFill>
-                <a:latin typeface="Bahnschrift SemiBold" panose="020B0502040204020203" pitchFamily="34" charset="0"/>
-              </a:rPr>
-              <a:t>Valor de </a:t>
-            </a:r>
-            <a:r>
-              <a:rPr lang="en-US" dirty="0" err="1">
-                <a:solidFill>
-                  <a:schemeClr val="bg1"/>
-                </a:solidFill>
-                <a:latin typeface="Bahnschrift SemiBold" panose="020B0502040204020203" pitchFamily="34" charset="0"/>
-              </a:rPr>
-              <a:t>venda</a:t>
-            </a:r>
-            <a:r>
-              <a:rPr lang="en-US" dirty="0">
-                <a:solidFill>
-                  <a:schemeClr val="bg1"/>
-                </a:solidFill>
-                <a:latin typeface="Bahnschrift SemiBold" panose="020B0502040204020203" pitchFamily="34" charset="0"/>
-              </a:rPr>
-              <a:t>: XXXX</a:t>
-            </a:r>
-          </a:p>
-        </p:txBody>
-      </p:sp>
-    </p:spTree>
-    <p:extLst>
-      <p:ext uri="{BB962C8B-B14F-4D97-AF65-F5344CB8AC3E}">
-        <p14:creationId xmlns:p14="http://schemas.microsoft.com/office/powerpoint/2010/main" val="1828827317"/>
       </p:ext>
     </p:extLst>
   </p:cSld>

--- a/Design.pptx
+++ b/Design.pptx
@@ -2061,7 +2061,7 @@
           <a:p>
             <a:fld id="{8584B886-2642-4FA4-9BEF-D5EB2CF943E7}" type="datetimeFigureOut">
               <a:rPr lang="en-US" smtClean="0"/>
-              <a:t>1/25/2024</a:t>
+              <a:t>2/1/2024</a:t>
             </a:fld>
             <a:endParaRPr lang="en-US"/>
           </a:p>
@@ -2259,7 +2259,7 @@
           <a:p>
             <a:fld id="{8584B886-2642-4FA4-9BEF-D5EB2CF943E7}" type="datetimeFigureOut">
               <a:rPr lang="en-US" smtClean="0"/>
-              <a:t>1/25/2024</a:t>
+              <a:t>2/1/2024</a:t>
             </a:fld>
             <a:endParaRPr lang="en-US"/>
           </a:p>
@@ -2467,7 +2467,7 @@
           <a:p>
             <a:fld id="{8584B886-2642-4FA4-9BEF-D5EB2CF943E7}" type="datetimeFigureOut">
               <a:rPr lang="en-US" smtClean="0"/>
-              <a:t>1/25/2024</a:t>
+              <a:t>2/1/2024</a:t>
             </a:fld>
             <a:endParaRPr lang="en-US"/>
           </a:p>
@@ -2665,7 +2665,7 @@
           <a:p>
             <a:fld id="{8584B886-2642-4FA4-9BEF-D5EB2CF943E7}" type="datetimeFigureOut">
               <a:rPr lang="en-US" smtClean="0"/>
-              <a:t>1/25/2024</a:t>
+              <a:t>2/1/2024</a:t>
             </a:fld>
             <a:endParaRPr lang="en-US"/>
           </a:p>
@@ -2940,7 +2940,7 @@
           <a:p>
             <a:fld id="{8584B886-2642-4FA4-9BEF-D5EB2CF943E7}" type="datetimeFigureOut">
               <a:rPr lang="en-US" smtClean="0"/>
-              <a:t>1/25/2024</a:t>
+              <a:t>2/1/2024</a:t>
             </a:fld>
             <a:endParaRPr lang="en-US"/>
           </a:p>
@@ -3205,7 +3205,7 @@
           <a:p>
             <a:fld id="{8584B886-2642-4FA4-9BEF-D5EB2CF943E7}" type="datetimeFigureOut">
               <a:rPr lang="en-US" smtClean="0"/>
-              <a:t>1/25/2024</a:t>
+              <a:t>2/1/2024</a:t>
             </a:fld>
             <a:endParaRPr lang="en-US"/>
           </a:p>
@@ -3617,7 +3617,7 @@
           <a:p>
             <a:fld id="{8584B886-2642-4FA4-9BEF-D5EB2CF943E7}" type="datetimeFigureOut">
               <a:rPr lang="en-US" smtClean="0"/>
-              <a:t>1/25/2024</a:t>
+              <a:t>2/1/2024</a:t>
             </a:fld>
             <a:endParaRPr lang="en-US"/>
           </a:p>
@@ -3758,7 +3758,7 @@
           <a:p>
             <a:fld id="{8584B886-2642-4FA4-9BEF-D5EB2CF943E7}" type="datetimeFigureOut">
               <a:rPr lang="en-US" smtClean="0"/>
-              <a:t>1/25/2024</a:t>
+              <a:t>2/1/2024</a:t>
             </a:fld>
             <a:endParaRPr lang="en-US"/>
           </a:p>
@@ -3871,7 +3871,7 @@
           <a:p>
             <a:fld id="{8584B886-2642-4FA4-9BEF-D5EB2CF943E7}" type="datetimeFigureOut">
               <a:rPr lang="en-US" smtClean="0"/>
-              <a:t>1/25/2024</a:t>
+              <a:t>2/1/2024</a:t>
             </a:fld>
             <a:endParaRPr lang="en-US"/>
           </a:p>
@@ -4182,7 +4182,7 @@
           <a:p>
             <a:fld id="{8584B886-2642-4FA4-9BEF-D5EB2CF943E7}" type="datetimeFigureOut">
               <a:rPr lang="en-US" smtClean="0"/>
-              <a:t>1/25/2024</a:t>
+              <a:t>2/1/2024</a:t>
             </a:fld>
             <a:endParaRPr lang="en-US"/>
           </a:p>
@@ -4470,7 +4470,7 @@
           <a:p>
             <a:fld id="{8584B886-2642-4FA4-9BEF-D5EB2CF943E7}" type="datetimeFigureOut">
               <a:rPr lang="en-US" smtClean="0"/>
-              <a:t>1/25/2024</a:t>
+              <a:t>2/1/2024</a:t>
             </a:fld>
             <a:endParaRPr lang="en-US"/>
           </a:p>
@@ -4711,7 +4711,7 @@
           <a:p>
             <a:fld id="{8584B886-2642-4FA4-9BEF-D5EB2CF943E7}" type="datetimeFigureOut">
               <a:rPr lang="en-US" smtClean="0"/>
-              <a:t>1/25/2024</a:t>
+              <a:t>2/1/2024</a:t>
             </a:fld>
             <a:endParaRPr lang="en-US"/>
           </a:p>

--- a/Design.pptx
+++ b/Design.pptx
@@ -2061,7 +2061,7 @@
           <a:p>
             <a:fld id="{8584B886-2642-4FA4-9BEF-D5EB2CF943E7}" type="datetimeFigureOut">
               <a:rPr lang="en-US" smtClean="0"/>
-              <a:t>2/1/2024</a:t>
+              <a:t>4/1/2024</a:t>
             </a:fld>
             <a:endParaRPr lang="en-US"/>
           </a:p>
@@ -2259,7 +2259,7 @@
           <a:p>
             <a:fld id="{8584B886-2642-4FA4-9BEF-D5EB2CF943E7}" type="datetimeFigureOut">
               <a:rPr lang="en-US" smtClean="0"/>
-              <a:t>2/1/2024</a:t>
+              <a:t>4/1/2024</a:t>
             </a:fld>
             <a:endParaRPr lang="en-US"/>
           </a:p>
@@ -2467,7 +2467,7 @@
           <a:p>
             <a:fld id="{8584B886-2642-4FA4-9BEF-D5EB2CF943E7}" type="datetimeFigureOut">
               <a:rPr lang="en-US" smtClean="0"/>
-              <a:t>2/1/2024</a:t>
+              <a:t>4/1/2024</a:t>
             </a:fld>
             <a:endParaRPr lang="en-US"/>
           </a:p>
@@ -2665,7 +2665,7 @@
           <a:p>
             <a:fld id="{8584B886-2642-4FA4-9BEF-D5EB2CF943E7}" type="datetimeFigureOut">
               <a:rPr lang="en-US" smtClean="0"/>
-              <a:t>2/1/2024</a:t>
+              <a:t>4/1/2024</a:t>
             </a:fld>
             <a:endParaRPr lang="en-US"/>
           </a:p>
@@ -2940,7 +2940,7 @@
           <a:p>
             <a:fld id="{8584B886-2642-4FA4-9BEF-D5EB2CF943E7}" type="datetimeFigureOut">
               <a:rPr lang="en-US" smtClean="0"/>
-              <a:t>2/1/2024</a:t>
+              <a:t>4/1/2024</a:t>
             </a:fld>
             <a:endParaRPr lang="en-US"/>
           </a:p>
@@ -3205,7 +3205,7 @@
           <a:p>
             <a:fld id="{8584B886-2642-4FA4-9BEF-D5EB2CF943E7}" type="datetimeFigureOut">
               <a:rPr lang="en-US" smtClean="0"/>
-              <a:t>2/1/2024</a:t>
+              <a:t>4/1/2024</a:t>
             </a:fld>
             <a:endParaRPr lang="en-US"/>
           </a:p>
@@ -3617,7 +3617,7 @@
           <a:p>
             <a:fld id="{8584B886-2642-4FA4-9BEF-D5EB2CF943E7}" type="datetimeFigureOut">
               <a:rPr lang="en-US" smtClean="0"/>
-              <a:t>2/1/2024</a:t>
+              <a:t>4/1/2024</a:t>
             </a:fld>
             <a:endParaRPr lang="en-US"/>
           </a:p>
@@ -3758,7 +3758,7 @@
           <a:p>
             <a:fld id="{8584B886-2642-4FA4-9BEF-D5EB2CF943E7}" type="datetimeFigureOut">
               <a:rPr lang="en-US" smtClean="0"/>
-              <a:t>2/1/2024</a:t>
+              <a:t>4/1/2024</a:t>
             </a:fld>
             <a:endParaRPr lang="en-US"/>
           </a:p>
@@ -3871,7 +3871,7 @@
           <a:p>
             <a:fld id="{8584B886-2642-4FA4-9BEF-D5EB2CF943E7}" type="datetimeFigureOut">
               <a:rPr lang="en-US" smtClean="0"/>
-              <a:t>2/1/2024</a:t>
+              <a:t>4/1/2024</a:t>
             </a:fld>
             <a:endParaRPr lang="en-US"/>
           </a:p>
@@ -4182,7 +4182,7 @@
           <a:p>
             <a:fld id="{8584B886-2642-4FA4-9BEF-D5EB2CF943E7}" type="datetimeFigureOut">
               <a:rPr lang="en-US" smtClean="0"/>
-              <a:t>2/1/2024</a:t>
+              <a:t>4/1/2024</a:t>
             </a:fld>
             <a:endParaRPr lang="en-US"/>
           </a:p>
@@ -4470,7 +4470,7 @@
           <a:p>
             <a:fld id="{8584B886-2642-4FA4-9BEF-D5EB2CF943E7}" type="datetimeFigureOut">
               <a:rPr lang="en-US" smtClean="0"/>
-              <a:t>2/1/2024</a:t>
+              <a:t>4/1/2024</a:t>
             </a:fld>
             <a:endParaRPr lang="en-US"/>
           </a:p>
@@ -4711,7 +4711,7 @@
           <a:p>
             <a:fld id="{8584B886-2642-4FA4-9BEF-D5EB2CF943E7}" type="datetimeFigureOut">
               <a:rPr lang="en-US" smtClean="0"/>
-              <a:t>2/1/2024</a:t>
+              <a:t>4/1/2024</a:t>
             </a:fld>
             <a:endParaRPr lang="en-US"/>
           </a:p>
@@ -14143,7 +14143,7 @@
                   </a:solidFill>
                   <a:latin typeface="Bahnschrift SemiBold" panose="020B0502040204020203" pitchFamily="34" charset="0"/>
                 </a:rPr>
-                <a:t>R$ 4620</a:t>
+                <a:t>35%</a:t>
               </a:r>
             </a:p>
           </p:txBody>
@@ -14178,40 +14178,13 @@
             <a:p>
               <a:pPr algn="r"/>
               <a:r>
-                <a:rPr lang="en-US" dirty="0">
-                  <a:solidFill>
-                    <a:schemeClr val="bg1"/>
-                  </a:solidFill>
-                  <a:latin typeface="Bahnschrift SemiBold" panose="020B0502040204020203" pitchFamily="34" charset="0"/>
-                </a:rPr>
-                <a:t>Valor </a:t>
-              </a:r>
-              <a:r>
                 <a:rPr lang="en-US" dirty="0" err="1">
                   <a:solidFill>
                     <a:schemeClr val="bg1"/>
                   </a:solidFill>
                   <a:latin typeface="Bahnschrift SemiBold" panose="020B0502040204020203" pitchFamily="34" charset="0"/>
                 </a:rPr>
-                <a:t>em</a:t>
-              </a:r>
-              <a:r>
-                <a:rPr lang="en-US" dirty="0">
-                  <a:solidFill>
-                    <a:schemeClr val="bg1"/>
-                  </a:solidFill>
-                  <a:latin typeface="Bahnschrift SemiBold" panose="020B0502040204020203" pitchFamily="34" charset="0"/>
-                </a:rPr>
-                <a:t> </a:t>
-              </a:r>
-              <a:r>
-                <a:rPr lang="en-US" dirty="0" err="1">
-                  <a:solidFill>
-                    <a:schemeClr val="bg1"/>
-                  </a:solidFill>
-                  <a:latin typeface="Bahnschrift SemiBold" panose="020B0502040204020203" pitchFamily="34" charset="0"/>
-                </a:rPr>
-                <a:t>estoque</a:t>
+                <a:t>Crescimento</a:t>
               </a:r>
               <a:endParaRPr lang="en-US" dirty="0">
                 <a:solidFill>
@@ -14606,6 +14579,45 @@
           </a:graphicData>
         </a:graphic>
       </p:graphicFrame>
+      <p:pic>
+        <p:nvPicPr>
+          <p:cNvPr id="8" name="Graphic 7" descr="Line arrow Straight">
+            <a:extLst>
+              <a:ext uri="{FF2B5EF4-FFF2-40B4-BE49-F238E27FC236}">
+                <a16:creationId xmlns:a16="http://schemas.microsoft.com/office/drawing/2014/main" id="{3C47558F-3E34-4341-9225-0681266ED11F}"/>
+              </a:ext>
+            </a:extLst>
+          </p:cNvPr>
+          <p:cNvPicPr>
+            <a:picLocks noChangeAspect="1"/>
+          </p:cNvPicPr>
+          <p:nvPr/>
+        </p:nvPicPr>
+        <p:blipFill>
+          <a:blip r:embed="rId20">
+            <a:extLst>
+              <a:ext uri="{28A0092B-C50C-407E-A947-70E740481C1C}">
+                <a14:useLocalDpi xmlns:a14="http://schemas.microsoft.com/office/drawing/2010/main" val="0"/>
+              </a:ext>
+              <a:ext uri="{96DAC541-7B7A-43D3-8B79-37D633B846F1}">
+                <asvg:svgBlip xmlns:asvg="http://schemas.microsoft.com/office/drawing/2016/SVG/main" r:embed="rId21"/>
+              </a:ext>
+            </a:extLst>
+          </a:blip>
+          <a:stretch>
+            <a:fillRect/>
+          </a:stretch>
+        </p:blipFill>
+        <p:spPr>
+          <a:xfrm rot="5400000">
+            <a:off x="3836408" y="2830806"/>
+            <a:ext cx="374355" cy="411460"/>
+          </a:xfrm>
+          <a:prstGeom prst="rect">
+            <a:avLst/>
+          </a:prstGeom>
+        </p:spPr>
+      </p:pic>
     </p:spTree>
     <p:extLst>
       <p:ext uri="{BB962C8B-B14F-4D97-AF65-F5344CB8AC3E}">
